--- a/python_for_machine_learning.pptx
+++ b/python_for_machine_learning.pptx
@@ -260,7 +260,7 @@
           <a:p>
             <a:fld id="{DBF5F7A3-80FA-4DE8-9E10-D5FD6AAF4E4C}" type="datetimeFigureOut">
               <a:rPr lang="en-US" smtClean="0"/>
-              <a:t>2020-01-15</a:t>
+              <a:t>2020-01-21</a:t>
             </a:fld>
             <a:endParaRPr lang="en-US"/>
           </a:p>
@@ -814,7 +814,7 @@
           <a:p>
             <a:fld id="{12D417FB-DB75-4510-8AD7-5416595AADD8}" type="datetime1">
               <a:rPr lang="en-US" smtClean="0"/>
-              <a:t>2020-01-15</a:t>
+              <a:t>2020-01-21</a:t>
             </a:fld>
             <a:endParaRPr lang="en-US"/>
           </a:p>
@@ -3182,7 +3182,7 @@
           <a:p>
             <a:fld id="{EC448E59-F64F-416B-85C7-F58EA54BAF31}" type="datetime1">
               <a:rPr lang="nl-BE" smtClean="0"/>
-              <a:t>15/01/2020</a:t>
+              <a:t>21/01/2020</a:t>
             </a:fld>
             <a:endParaRPr lang="nl-BE"/>
           </a:p>
@@ -3428,7 +3428,7 @@
           <a:p>
             <a:fld id="{9ED5C3B5-60AD-4494-9CFA-8B02B158E887}" type="datetime1">
               <a:rPr lang="nl-BE" smtClean="0"/>
-              <a:t>15/01/2020</a:t>
+              <a:t>21/01/2020</a:t>
             </a:fld>
             <a:endParaRPr lang="nl-BE"/>
           </a:p>
@@ -3546,7 +3546,7 @@
           <a:p>
             <a:fld id="{1E4894A8-27B8-4F4D-B345-90FD4A1447E9}" type="datetime1">
               <a:rPr lang="nl-BE" smtClean="0"/>
-              <a:t>15/01/2020</a:t>
+              <a:t>21/01/2020</a:t>
             </a:fld>
             <a:endParaRPr lang="nl-BE"/>
           </a:p>
@@ -3834,7 +3834,7 @@
           <a:p>
             <a:fld id="{44F0EF99-E673-4972-A23A-EB3FD1F7D254}" type="datetime1">
               <a:rPr lang="nl-BE" smtClean="0"/>
-              <a:t>15/01/2020</a:t>
+              <a:t>21/01/2020</a:t>
             </a:fld>
             <a:endParaRPr lang="nl-BE"/>
           </a:p>
@@ -27536,7 +27536,7 @@
         </p:nvGrpSpPr>
         <p:grpSpPr>
           <a:xfrm>
-            <a:off x="5405784" y="3212977"/>
+            <a:off x="3551580" y="3212977"/>
             <a:ext cx="4434632" cy="535693"/>
             <a:chOff x="3059833" y="3327488"/>
             <a:chExt cx="4434632" cy="535693"/>
@@ -27623,10 +27623,10 @@
         </p:nvGrpSpPr>
         <p:grpSpPr>
           <a:xfrm>
-            <a:off x="5087888" y="4133876"/>
-            <a:ext cx="4752528" cy="1311348"/>
+            <a:off x="3648551" y="4133876"/>
+            <a:ext cx="5038248" cy="1311348"/>
             <a:chOff x="3563888" y="4133876"/>
-            <a:chExt cx="4752528" cy="1311348"/>
+            <a:chExt cx="5038248" cy="1311348"/>
           </a:xfrm>
         </p:grpSpPr>
         <p:grpSp>
@@ -27637,10 +27637,10 @@
           </p:nvGrpSpPr>
           <p:grpSpPr>
             <a:xfrm>
-              <a:off x="3881784" y="4133876"/>
-              <a:ext cx="4434632" cy="707886"/>
-              <a:chOff x="3059833" y="3327488"/>
-              <a:chExt cx="4434632" cy="707886"/>
+              <a:off x="3881785" y="4133876"/>
+              <a:ext cx="4720351" cy="663276"/>
+              <a:chOff x="3059834" y="3327488"/>
+              <a:chExt cx="4720351" cy="663276"/>
             </a:xfrm>
           </p:grpSpPr>
           <p:sp>
@@ -27651,8 +27651,8 @@
             </p:nvSpPr>
             <p:spPr>
               <a:xfrm>
-                <a:off x="4542137" y="3327488"/>
-                <a:ext cx="2952328" cy="707886"/>
+                <a:off x="4542136" y="3327488"/>
+                <a:ext cx="3238049" cy="400110"/>
               </a:xfrm>
               <a:prstGeom prst="rect">
                 <a:avLst/>
@@ -27681,14 +27681,15 @@
             <p:nvCxnSpPr>
               <p:cNvPr id="12" name="Straight Arrow Connector 11"/>
               <p:cNvCxnSpPr>
+                <a:cxnSpLocks/>
                 <a:stCxn id="11" idx="1"/>
               </p:cNvCxnSpPr>
               <p:nvPr/>
             </p:nvCxnSpPr>
             <p:spPr>
               <a:xfrm flipH="1">
-                <a:off x="3059833" y="3681431"/>
-                <a:ext cx="1482304" cy="309333"/>
+                <a:off x="3059834" y="3527543"/>
+                <a:ext cx="1482302" cy="463221"/>
               </a:xfrm>
               <a:prstGeom prst="straightConnector1">
                 <a:avLst/>
@@ -27802,7 +27803,7 @@
         </p:nvSpPr>
         <p:spPr>
           <a:xfrm>
-            <a:off x="2783632" y="3613086"/>
+            <a:off x="1547495" y="3613086"/>
             <a:ext cx="1656184" cy="391978"/>
           </a:xfrm>
           <a:prstGeom prst="roundRect">
@@ -28547,7 +28548,7 @@
         </p:nvSpPr>
         <p:spPr>
           <a:xfrm>
-            <a:off x="4907996" y="5333101"/>
+            <a:off x="4323796" y="4849493"/>
             <a:ext cx="5529078" cy="954107"/>
           </a:xfrm>
           <a:prstGeom prst="rect">
@@ -29790,7 +29791,7 @@
         <p:spPr/>
         <p:txBody>
           <a:bodyPr>
-            <a:normAutofit lnSpcReduction="10000"/>
+            <a:normAutofit fontScale="92500" lnSpcReduction="10000"/>
           </a:bodyPr>
           <a:lstStyle/>
           <a:p>
@@ -29875,7 +29876,13 @@
           <a:p>
             <a:r>
               <a:rPr lang="en-US" dirty="0"/>
-              <a:t>Geographical region, e.g., Western Europe, Southern Asia,…</a:t>
+              <a:t>Geographical region, e.g.,</a:t>
+            </a:r>
+          </a:p>
+          <a:p>
+            <a:r>
+              <a:rPr lang="en-US" dirty="0"/>
+              <a:t>Western Europe, Southern Asia,…</a:t>
             </a:r>
           </a:p>
         </p:txBody>
@@ -29945,8 +29952,8 @@
         </p:nvSpPr>
         <p:spPr>
           <a:xfrm>
-            <a:off x="7539684" y="5798440"/>
-            <a:ext cx="2671116" cy="523220"/>
+            <a:off x="7539685" y="5449055"/>
+            <a:ext cx="2854576" cy="523220"/>
           </a:xfrm>
           <a:prstGeom prst="rect">
             <a:avLst/>
@@ -30696,6 +30703,55 @@
                                           </p:stCondLst>
                                         </p:cTn>
                                         <p:tgtEl>
+                                          <p:spTgt spid="3">
+                                            <p:txEl>
+                                              <p:pRg st="10" end="10"/>
+                                            </p:txEl>
+                                          </p:spTgt>
+                                        </p:tgtEl>
+                                        <p:attrNameLst>
+                                          <p:attrName>style.visibility</p:attrName>
+                                        </p:attrNameLst>
+                                      </p:cBhvr>
+                                      <p:to>
+                                        <p:strVal val="visible"/>
+                                      </p:to>
+                                    </p:set>
+                                  </p:childTnLst>
+                                </p:cTn>
+                              </p:par>
+                            </p:childTnLst>
+                          </p:cTn>
+                        </p:par>
+                      </p:childTnLst>
+                    </p:cTn>
+                  </p:par>
+                  <p:par>
+                    <p:cTn id="45" fill="hold">
+                      <p:stCondLst>
+                        <p:cond delay="indefinite"/>
+                      </p:stCondLst>
+                      <p:childTnLst>
+                        <p:par>
+                          <p:cTn id="46" fill="hold">
+                            <p:stCondLst>
+                              <p:cond delay="0"/>
+                            </p:stCondLst>
+                            <p:childTnLst>
+                              <p:par>
+                                <p:cTn id="47" presetID="1" presetClass="entr" presetSubtype="0" fill="hold" grpId="0" nodeType="clickEffect">
+                                  <p:stCondLst>
+                                    <p:cond delay="0"/>
+                                  </p:stCondLst>
+                                  <p:childTnLst>
+                                    <p:set>
+                                      <p:cBhvr>
+                                        <p:cTn id="48" dur="1" fill="hold">
+                                          <p:stCondLst>
+                                            <p:cond delay="0"/>
+                                          </p:stCondLst>
+                                        </p:cTn>
+                                        <p:tgtEl>
                                           <p:spTgt spid="6"/>
                                         </p:tgtEl>
                                         <p:attrNameLst>
@@ -31047,7 +31103,7 @@
         </p:nvSpPr>
         <p:spPr>
           <a:xfrm>
-            <a:off x="6672064" y="5492750"/>
+            <a:off x="7459464" y="3105834"/>
             <a:ext cx="2291012" cy="646331"/>
           </a:xfrm>
           <a:prstGeom prst="rect">
@@ -33979,7 +34035,7 @@
         </p:nvSpPr>
         <p:spPr>
           <a:xfrm>
-            <a:off x="1981200" y="4677824"/>
+            <a:off x="1981200" y="4381483"/>
             <a:ext cx="8363272" cy="1754326"/>
           </a:xfrm>
           <a:prstGeom prst="rect">
@@ -34989,6 +35045,9 @@
             <a:endParaRPr lang="en-US" dirty="0"/>
           </a:p>
           <a:p>
+            <a:endParaRPr lang="en-US" dirty="0"/>
+          </a:p>
+          <a:p>
             <a:r>
               <a:rPr lang="en-US" dirty="0"/>
               <a:t>Run data through pipeline</a:t>
@@ -35027,7 +35086,7 @@
         </p:nvSpPr>
         <p:spPr>
           <a:xfrm>
-            <a:off x="1981200" y="2636912"/>
+            <a:off x="1981200" y="2323642"/>
             <a:ext cx="8363272" cy="1754326"/>
           </a:xfrm>
           <a:prstGeom prst="rect">
@@ -35250,7 +35309,7 @@
         </p:nvSpPr>
         <p:spPr>
           <a:xfrm>
-            <a:off x="1981200" y="5104784"/>
+            <a:off x="1981200" y="4901581"/>
             <a:ext cx="8363272" cy="369332"/>
           </a:xfrm>
           <a:prstGeom prst="rect">
@@ -35308,7 +35367,7 @@
         </p:nvGrpSpPr>
         <p:grpSpPr>
           <a:xfrm>
-            <a:off x="2063552" y="5561705"/>
+            <a:off x="2063552" y="5358502"/>
             <a:ext cx="1435008" cy="698212"/>
             <a:chOff x="6963738" y="3820200"/>
             <a:chExt cx="1435008" cy="698212"/>
@@ -35401,7 +35460,7 @@
         </p:nvSpPr>
         <p:spPr>
           <a:xfrm>
-            <a:off x="5015881" y="5900654"/>
+            <a:off x="4870504" y="5513660"/>
             <a:ext cx="4269117" cy="584775"/>
           </a:xfrm>
           <a:prstGeom prst="rect">
@@ -35552,7 +35611,7 @@
                                         <p:tgtEl>
                                           <p:spTgt spid="3">
                                             <p:txEl>
-                                              <p:pRg st="4" end="4"/>
+                                              <p:pRg st="5" end="5"/>
                                             </p:txEl>
                                           </p:spTgt>
                                         </p:tgtEl>
@@ -36710,9 +36769,6 @@
             </a:r>
           </a:p>
           <a:p>
-            <a:endParaRPr lang="en-US" dirty="0"/>
-          </a:p>
-          <a:p>
             <a:r>
               <a:rPr lang="en-US" dirty="0"/>
               <a:t>Better: cross validation</a:t>
@@ -36751,7 +36807,7 @@
         </p:nvSpPr>
         <p:spPr>
           <a:xfrm>
-            <a:off x="1981200" y="2204864"/>
+            <a:off x="2421467" y="1849261"/>
             <a:ext cx="3682752" cy="369332"/>
           </a:xfrm>
           <a:prstGeom prst="rect">
@@ -36795,7 +36851,7 @@
         </p:nvGrpSpPr>
         <p:grpSpPr>
           <a:xfrm>
-            <a:off x="5951984" y="2204864"/>
+            <a:off x="6392251" y="1849261"/>
             <a:ext cx="3240360" cy="369332"/>
             <a:chOff x="4427984" y="2204864"/>
             <a:chExt cx="3240360" cy="369332"/>
@@ -36883,8 +36939,8 @@
         </p:nvSpPr>
         <p:spPr>
           <a:xfrm>
-            <a:off x="1981200" y="3501995"/>
-            <a:ext cx="8363272" cy="1477328"/>
+            <a:off x="2362200" y="2857568"/>
+            <a:ext cx="7270411" cy="1477328"/>
           </a:xfrm>
           <a:prstGeom prst="rect">
             <a:avLst/>
@@ -37002,7 +37058,7 @@
         </p:nvSpPr>
         <p:spPr>
           <a:xfrm>
-            <a:off x="1981200" y="5712635"/>
+            <a:off x="2362200" y="5178630"/>
             <a:ext cx="3682752" cy="369332"/>
           </a:xfrm>
           <a:prstGeom prst="rect">
@@ -37046,7 +37102,7 @@
         </p:nvGrpSpPr>
         <p:grpSpPr>
           <a:xfrm>
-            <a:off x="5951984" y="5048016"/>
+            <a:off x="6392251" y="4628175"/>
             <a:ext cx="3240360" cy="1477328"/>
             <a:chOff x="4427984" y="1673919"/>
             <a:chExt cx="3240360" cy="1477328"/>
@@ -37210,7 +37266,7 @@
         </p:nvGrpSpPr>
         <p:grpSpPr>
           <a:xfrm>
-            <a:off x="2711624" y="4691887"/>
+            <a:off x="3050291" y="4002714"/>
             <a:ext cx="851452" cy="835477"/>
             <a:chOff x="7612053" y="3333026"/>
             <a:chExt cx="851452" cy="835477"/>
@@ -37461,7 +37517,7 @@
                                         <p:tgtEl>
                                           <p:spTgt spid="3">
                                             <p:txEl>
-                                              <p:pRg st="2" end="2"/>
+                                              <p:pRg st="1" end="1"/>
                                             </p:txEl>
                                           </p:spTgt>
                                         </p:tgtEl>
@@ -37787,7 +37843,7 @@
         </p:nvSpPr>
         <p:spPr>
           <a:xfrm>
-            <a:off x="1981200" y="2023681"/>
+            <a:off x="838200" y="2200240"/>
             <a:ext cx="8435280" cy="1200329"/>
           </a:xfrm>
           <a:prstGeom prst="rect">
@@ -37876,7 +37932,7 @@
         </p:nvSpPr>
         <p:spPr>
           <a:xfrm>
-            <a:off x="1981200" y="3691233"/>
+            <a:off x="782132" y="3826939"/>
             <a:ext cx="8435280" cy="646331"/>
           </a:xfrm>
           <a:prstGeom prst="rect">
@@ -37985,7 +38041,7 @@
         </p:nvSpPr>
         <p:spPr>
           <a:xfrm>
-            <a:off x="1981200" y="4908697"/>
+            <a:off x="782132" y="4978868"/>
             <a:ext cx="8435280" cy="369332"/>
           </a:xfrm>
           <a:prstGeom prst="rect">
@@ -38029,8 +38085,8 @@
         </p:nvSpPr>
         <p:spPr>
           <a:xfrm>
-            <a:off x="1981200" y="5704620"/>
-            <a:ext cx="8435280" cy="369332"/>
+            <a:off x="782132" y="5782257"/>
+            <a:ext cx="3496733" cy="369332"/>
           </a:xfrm>
           <a:prstGeom prst="rect">
             <a:avLst/>
@@ -38073,7 +38129,7 @@
         </p:nvGrpSpPr>
         <p:grpSpPr>
           <a:xfrm>
-            <a:off x="2639616" y="6235632"/>
+            <a:off x="4422951" y="5782257"/>
             <a:ext cx="6552728" cy="369332"/>
             <a:chOff x="4427984" y="2204864"/>
             <a:chExt cx="6552728" cy="369332"/>
@@ -39932,7 +39988,7 @@
         </p:nvSpPr>
         <p:spPr>
           <a:xfrm>
-            <a:off x="6938190" y="5323738"/>
+            <a:off x="6828123" y="3190138"/>
             <a:ext cx="2751074" cy="646331"/>
           </a:xfrm>
           <a:prstGeom prst="rect">
@@ -40519,7 +40575,7 @@
         </p:nvSpPr>
         <p:spPr>
           <a:xfrm>
-            <a:off x="1981200" y="5014918"/>
+            <a:off x="2142067" y="4760916"/>
             <a:ext cx="8291264" cy="646331"/>
           </a:xfrm>
           <a:prstGeom prst="rect">
@@ -40565,7 +40621,7 @@
         </p:nvSpPr>
         <p:spPr>
           <a:xfrm>
-            <a:off x="2003245" y="3347700"/>
+            <a:off x="2003245" y="3161432"/>
             <a:ext cx="8291264" cy="369332"/>
           </a:xfrm>
           <a:prstGeom prst="rect">
@@ -41027,7 +41083,7 @@
         </p:nvSpPr>
         <p:spPr>
           <a:xfrm>
-            <a:off x="1981200" y="2204864"/>
+            <a:off x="1981200" y="2331864"/>
             <a:ext cx="7283152" cy="923330"/>
           </a:xfrm>
           <a:prstGeom prst="rect">
@@ -41193,7 +41249,7 @@
         </p:nvSpPr>
         <p:spPr>
           <a:xfrm>
-            <a:off x="1981200" y="5219908"/>
+            <a:off x="1981200" y="4889703"/>
             <a:ext cx="7283152" cy="369332"/>
           </a:xfrm>
           <a:prstGeom prst="rect">
@@ -41251,7 +41307,7 @@
         </p:nvGrpSpPr>
         <p:grpSpPr>
           <a:xfrm>
-            <a:off x="5951984" y="5805264"/>
+            <a:off x="6256784" y="5437680"/>
             <a:ext cx="3240360" cy="369332"/>
             <a:chOff x="4427984" y="2204864"/>
             <a:chExt cx="3240360" cy="369332"/>
@@ -41339,7 +41395,7 @@
         </p:nvSpPr>
         <p:spPr>
           <a:xfrm>
-            <a:off x="3575989" y="6048141"/>
+            <a:off x="3317005" y="5768209"/>
             <a:ext cx="2100255" cy="400110"/>
           </a:xfrm>
           <a:prstGeom prst="rect">
@@ -41373,7 +41429,7 @@
         </p:nvGrpSpPr>
         <p:grpSpPr>
           <a:xfrm>
-            <a:off x="3791745" y="3128195"/>
+            <a:off x="3791745" y="3255195"/>
             <a:ext cx="5169916" cy="565336"/>
             <a:chOff x="4107987" y="3177998"/>
             <a:chExt cx="5169916" cy="565336"/>
@@ -42329,7 +42385,7 @@
         </p:nvSpPr>
         <p:spPr>
           <a:xfrm>
-            <a:off x="3575988" y="6048141"/>
+            <a:off x="3647729" y="5859347"/>
             <a:ext cx="1516762" cy="400110"/>
           </a:xfrm>
           <a:prstGeom prst="rect">
@@ -43647,10 +43703,10 @@
         </p:nvGrpSpPr>
         <p:grpSpPr>
           <a:xfrm>
-            <a:off x="7766740" y="3068960"/>
-            <a:ext cx="2721748" cy="3509300"/>
-            <a:chOff x="6242740" y="3068960"/>
-            <a:chExt cx="2721748" cy="3509300"/>
+            <a:off x="9336361" y="491080"/>
+            <a:ext cx="2531618" cy="5014798"/>
+            <a:chOff x="7740352" y="502434"/>
+            <a:chExt cx="2531618" cy="5014798"/>
           </a:xfrm>
         </p:grpSpPr>
         <p:sp>
@@ -43711,7 +43767,7 @@
           </p:nvSpPr>
           <p:spPr>
             <a:xfrm>
-              <a:off x="6242740" y="5747263"/>
+              <a:off x="7936073" y="502434"/>
               <a:ext cx="2335897" cy="830997"/>
             </a:xfrm>
             <a:prstGeom prst="rect">
@@ -43761,15 +43817,16 @@
           <p:nvCxnSpPr>
             <p:cNvPr id="8" name="Straight Arrow Connector 7"/>
             <p:cNvCxnSpPr>
-              <a:stCxn id="6" idx="0"/>
-              <a:endCxn id="5" idx="4"/>
+              <a:cxnSpLocks/>
+              <a:stCxn id="6" idx="2"/>
+              <a:endCxn id="5" idx="0"/>
             </p:cNvCxnSpPr>
             <p:nvPr/>
           </p:nvCxnSpPr>
           <p:spPr>
-            <a:xfrm flipV="1">
-              <a:off x="7410689" y="5517232"/>
-              <a:ext cx="941731" cy="230031"/>
+            <a:xfrm flipH="1">
+              <a:off x="8352420" y="1333431"/>
+              <a:ext cx="751602" cy="1735529"/>
             </a:xfrm>
             <a:prstGeom prst="straightConnector1">
               <a:avLst/>
@@ -44045,7 +44102,7 @@
         </p:nvSpPr>
         <p:spPr>
           <a:xfrm>
-            <a:off x="6938191" y="5323738"/>
+            <a:off x="7090591" y="3105834"/>
             <a:ext cx="2135521" cy="646331"/>
           </a:xfrm>
           <a:prstGeom prst="rect">
@@ -44551,9 +44608,9 @@
             </a:r>
           </a:p>
           <a:p>
-            <a:endParaRPr lang="en-US" dirty="0"/>
-          </a:p>
-          <a:p>
+            <a:pPr marL="0" indent="0">
+              <a:buNone/>
+            </a:pPr>
             <a:endParaRPr lang="en-US" dirty="0"/>
           </a:p>
           <a:p>
@@ -44710,7 +44767,7 @@
         </p:nvSpPr>
         <p:spPr>
           <a:xfrm>
-            <a:off x="1981200" y="4571836"/>
+            <a:off x="1981200" y="3863266"/>
             <a:ext cx="8075240" cy="369332"/>
           </a:xfrm>
           <a:prstGeom prst="rect">
@@ -44778,10 +44835,10 @@
         </p:nvGrpSpPr>
         <p:grpSpPr>
           <a:xfrm>
-            <a:off x="4367134" y="3356994"/>
-            <a:ext cx="2813591" cy="904983"/>
-            <a:chOff x="4683375" y="2838351"/>
-            <a:chExt cx="2813591" cy="904983"/>
+            <a:off x="6163733" y="3148379"/>
+            <a:ext cx="3438459" cy="461665"/>
+            <a:chOff x="4058507" y="3281669"/>
+            <a:chExt cx="3438459" cy="461665"/>
           </a:xfrm>
         </p:grpSpPr>
         <p:sp>
@@ -44824,14 +44881,15 @@
           <p:nvCxnSpPr>
             <p:cNvPr id="17" name="Straight Arrow Connector 16"/>
             <p:cNvCxnSpPr>
-              <a:stCxn id="16" idx="0"/>
+              <a:cxnSpLocks/>
+              <a:stCxn id="16" idx="1"/>
             </p:cNvCxnSpPr>
             <p:nvPr/>
           </p:nvCxnSpPr>
           <p:spPr>
-            <a:xfrm flipV="1">
-              <a:off x="6090171" y="2838351"/>
-              <a:ext cx="106047" cy="443318"/>
+            <a:xfrm flipH="1" flipV="1">
+              <a:off x="4058507" y="3441618"/>
+              <a:ext cx="624868" cy="70884"/>
             </a:xfrm>
             <a:prstGeom prst="straightConnector1">
               <a:avLst/>
@@ -44867,7 +44925,7 @@
         </p:nvSpPr>
         <p:spPr>
           <a:xfrm>
-            <a:off x="1981200" y="5696889"/>
+            <a:off x="1981200" y="4879425"/>
             <a:ext cx="8075240" cy="923330"/>
           </a:xfrm>
           <a:prstGeom prst="rect">
@@ -45168,7 +45226,7 @@
                                         <p:tgtEl>
                                           <p:spTgt spid="3">
                                             <p:txEl>
-                                              <p:pRg st="4" end="4"/>
+                                              <p:pRg st="3" end="3"/>
                                             </p:txEl>
                                           </p:spTgt>
                                         </p:tgtEl>
@@ -45244,7 +45302,7 @@
                                         <p:tgtEl>
                                           <p:spTgt spid="3">
                                             <p:txEl>
-                                              <p:pRg st="6" end="6"/>
+                                              <p:pRg st="5" end="5"/>
                                             </p:txEl>
                                           </p:spTgt>
                                         </p:tgtEl>
@@ -45602,8 +45660,8 @@
         </p:blipFill>
         <p:spPr>
           <a:xfrm>
-            <a:off x="1631504" y="1700808"/>
-            <a:ext cx="6545378" cy="5100490"/>
+            <a:off x="2166573" y="1700809"/>
+            <a:ext cx="6010308" cy="4683536"/>
           </a:xfrm>
           <a:prstGeom prst="rect">
             <a:avLst/>
@@ -45618,10 +45676,10 @@
         </p:nvGrpSpPr>
         <p:grpSpPr>
           <a:xfrm>
-            <a:off x="4007768" y="5229201"/>
-            <a:ext cx="6266656" cy="1609291"/>
-            <a:chOff x="2483768" y="5229200"/>
-            <a:chExt cx="6266656" cy="1609291"/>
+            <a:off x="4405912" y="4660421"/>
+            <a:ext cx="7415602" cy="1199923"/>
+            <a:chOff x="1044830" y="5638568"/>
+            <a:chExt cx="7415602" cy="1199923"/>
           </a:xfrm>
         </p:grpSpPr>
         <p:sp>
@@ -45632,8 +45690,8 @@
           </p:nvSpPr>
           <p:spPr>
             <a:xfrm>
-              <a:off x="2483768" y="5229200"/>
-              <a:ext cx="6266656" cy="369332"/>
+              <a:off x="1044830" y="6238529"/>
+              <a:ext cx="6135087" cy="369332"/>
             </a:xfrm>
             <a:prstGeom prst="rect">
               <a:avLst/>

--- a/python_for_machine_learning.pptx
+++ b/python_for_machine_learning.pptx
@@ -260,7 +260,7 @@
           <a:p>
             <a:fld id="{DBF5F7A3-80FA-4DE8-9E10-D5FD6AAF4E4C}" type="datetimeFigureOut">
               <a:rPr lang="en-US" smtClean="0"/>
-              <a:t>2020-01-21</a:t>
+              <a:t>2020-01-23</a:t>
             </a:fld>
             <a:endParaRPr lang="en-US"/>
           </a:p>
@@ -814,7 +814,7 @@
           <a:p>
             <a:fld id="{12D417FB-DB75-4510-8AD7-5416595AADD8}" type="datetime1">
               <a:rPr lang="en-US" smtClean="0"/>
-              <a:t>2020-01-21</a:t>
+              <a:t>2020-01-23</a:t>
             </a:fld>
             <a:endParaRPr lang="en-US"/>
           </a:p>
@@ -3182,7 +3182,7 @@
           <a:p>
             <a:fld id="{EC448E59-F64F-416B-85C7-F58EA54BAF31}" type="datetime1">
               <a:rPr lang="nl-BE" smtClean="0"/>
-              <a:t>21/01/2020</a:t>
+              <a:t>23/01/2020</a:t>
             </a:fld>
             <a:endParaRPr lang="nl-BE"/>
           </a:p>
@@ -3428,7 +3428,7 @@
           <a:p>
             <a:fld id="{9ED5C3B5-60AD-4494-9CFA-8B02B158E887}" type="datetime1">
               <a:rPr lang="nl-BE" smtClean="0"/>
-              <a:t>21/01/2020</a:t>
+              <a:t>23/01/2020</a:t>
             </a:fld>
             <a:endParaRPr lang="nl-BE"/>
           </a:p>
@@ -3546,7 +3546,7 @@
           <a:p>
             <a:fld id="{1E4894A8-27B8-4F4D-B345-90FD4A1447E9}" type="datetime1">
               <a:rPr lang="nl-BE" smtClean="0"/>
-              <a:t>21/01/2020</a:t>
+              <a:t>23/01/2020</a:t>
             </a:fld>
             <a:endParaRPr lang="nl-BE"/>
           </a:p>
@@ -3834,7 +3834,7 @@
           <a:p>
             <a:fld id="{44F0EF99-E673-4972-A23A-EB3FD1F7D254}" type="datetime1">
               <a:rPr lang="nl-BE" smtClean="0"/>
-              <a:t>21/01/2020</a:t>
+              <a:t>23/01/2020</a:t>
             </a:fld>
             <a:endParaRPr lang="nl-BE"/>
           </a:p>
@@ -5923,7 +5923,7 @@
             </a:br>
             <a:r>
               <a:rPr lang="en-BE" dirty="0"/>
-              <a:t>Naive Base, , Support Vector Machines,</a:t>
+              <a:t>Naive Base, Support Vector Machines,</a:t>
             </a:r>
             <a:br>
               <a:rPr lang="en-BE" dirty="0"/>
@@ -5995,48 +5995,6 @@
           <a:xfrm>
             <a:off x="1140823" y="4319453"/>
             <a:ext cx="3230880" cy="383175"/>
-          </a:xfrm>
-          <a:prstGeom prst="rect">
-            <a:avLst/>
-          </a:prstGeom>
-          <a:noFill/>
-          <a:ln w="28575"/>
-        </p:spPr>
-        <p:style>
-          <a:lnRef idx="2">
-            <a:schemeClr val="accent1">
-              <a:shade val="50000"/>
-            </a:schemeClr>
-          </a:lnRef>
-          <a:fillRef idx="1">
-            <a:schemeClr val="accent1"/>
-          </a:fillRef>
-          <a:effectRef idx="0">
-            <a:schemeClr val="accent1"/>
-          </a:effectRef>
-          <a:fontRef idx="minor">
-            <a:schemeClr val="lt1"/>
-          </a:fontRef>
-        </p:style>
-        <p:txBody>
-          <a:bodyPr rtlCol="0" anchor="ctr"/>
-          <a:lstStyle/>
-          <a:p>
-            <a:pPr algn="ctr"/>
-            <a:endParaRPr lang="en-US"/>
-          </a:p>
-        </p:txBody>
-      </p:sp>
-      <p:sp>
-        <p:nvSpPr>
-          <p:cNvPr id="9" name="Rectangle 8"/>
-          <p:cNvSpPr/>
-          <p:nvPr/>
-        </p:nvSpPr>
-        <p:spPr>
-          <a:xfrm>
-            <a:off x="1097279" y="2172137"/>
-            <a:ext cx="2438402" cy="300971"/>
           </a:xfrm>
           <a:prstGeom prst="rect">
             <a:avLst/>
@@ -6110,6 +6068,150 @@
           </a:extLst>
         </p:spPr>
       </p:pic>
+      <p:sp>
+        <p:nvSpPr>
+          <p:cNvPr id="8" name="Rectangle 7">
+            <a:extLst>
+              <a:ext uri="{FF2B5EF4-FFF2-40B4-BE49-F238E27FC236}">
+                <a16:creationId xmlns:a16="http://schemas.microsoft.com/office/drawing/2014/main" id="{537C55D9-AF40-43E1-95B9-7D63F913EEBC}"/>
+              </a:ext>
+            </a:extLst>
+          </p:cNvPr>
+          <p:cNvSpPr/>
+          <p:nvPr/>
+        </p:nvSpPr>
+        <p:spPr>
+          <a:xfrm>
+            <a:off x="1097279" y="5504786"/>
+            <a:ext cx="1247988" cy="383175"/>
+          </a:xfrm>
+          <a:prstGeom prst="rect">
+            <a:avLst/>
+          </a:prstGeom>
+          <a:noFill/>
+          <a:ln w="28575"/>
+        </p:spPr>
+        <p:style>
+          <a:lnRef idx="2">
+            <a:schemeClr val="accent1">
+              <a:shade val="50000"/>
+            </a:schemeClr>
+          </a:lnRef>
+          <a:fillRef idx="1">
+            <a:schemeClr val="accent1"/>
+          </a:fillRef>
+          <a:effectRef idx="0">
+            <a:schemeClr val="accent1"/>
+          </a:effectRef>
+          <a:fontRef idx="minor">
+            <a:schemeClr val="lt1"/>
+          </a:fontRef>
+        </p:style>
+        <p:txBody>
+          <a:bodyPr rtlCol="0" anchor="ctr"/>
+          <a:lstStyle/>
+          <a:p>
+            <a:pPr algn="ctr"/>
+            <a:endParaRPr lang="en-US"/>
+          </a:p>
+        </p:txBody>
+      </p:sp>
+      <p:sp>
+        <p:nvSpPr>
+          <p:cNvPr id="10" name="Rectangle 9">
+            <a:extLst>
+              <a:ext uri="{FF2B5EF4-FFF2-40B4-BE49-F238E27FC236}">
+                <a16:creationId xmlns:a16="http://schemas.microsoft.com/office/drawing/2014/main" id="{F383824E-31B2-4CB1-B877-BB0502CF8221}"/>
+              </a:ext>
+            </a:extLst>
+          </p:cNvPr>
+          <p:cNvSpPr/>
+          <p:nvPr/>
+        </p:nvSpPr>
+        <p:spPr>
+          <a:xfrm>
+            <a:off x="1140823" y="3638680"/>
+            <a:ext cx="1602377" cy="383175"/>
+          </a:xfrm>
+          <a:prstGeom prst="rect">
+            <a:avLst/>
+          </a:prstGeom>
+          <a:noFill/>
+          <a:ln w="28575"/>
+        </p:spPr>
+        <p:style>
+          <a:lnRef idx="2">
+            <a:schemeClr val="accent1">
+              <a:shade val="50000"/>
+            </a:schemeClr>
+          </a:lnRef>
+          <a:fillRef idx="1">
+            <a:schemeClr val="accent1"/>
+          </a:fillRef>
+          <a:effectRef idx="0">
+            <a:schemeClr val="accent1"/>
+          </a:effectRef>
+          <a:fontRef idx="minor">
+            <a:schemeClr val="lt1"/>
+          </a:fontRef>
+        </p:style>
+        <p:txBody>
+          <a:bodyPr rtlCol="0" anchor="ctr"/>
+          <a:lstStyle/>
+          <a:p>
+            <a:pPr algn="ctr"/>
+            <a:endParaRPr lang="en-US"/>
+          </a:p>
+        </p:txBody>
+      </p:sp>
+      <p:sp>
+        <p:nvSpPr>
+          <p:cNvPr id="11" name="Rectangle 10">
+            <a:extLst>
+              <a:ext uri="{FF2B5EF4-FFF2-40B4-BE49-F238E27FC236}">
+                <a16:creationId xmlns:a16="http://schemas.microsoft.com/office/drawing/2014/main" id="{CDC827CC-711B-44B2-A36E-5EF35AD20D4D}"/>
+              </a:ext>
+            </a:extLst>
+          </p:cNvPr>
+          <p:cNvSpPr/>
+          <p:nvPr/>
+        </p:nvSpPr>
+        <p:spPr>
+          <a:xfrm>
+            <a:off x="1097279" y="2153385"/>
+            <a:ext cx="2433321" cy="383175"/>
+          </a:xfrm>
+          <a:prstGeom prst="rect">
+            <a:avLst/>
+          </a:prstGeom>
+          <a:noFill/>
+          <a:ln w="28575"/>
+        </p:spPr>
+        <p:style>
+          <a:lnRef idx="2">
+            <a:schemeClr val="accent1">
+              <a:shade val="50000"/>
+            </a:schemeClr>
+          </a:lnRef>
+          <a:fillRef idx="1">
+            <a:schemeClr val="accent1"/>
+          </a:fillRef>
+          <a:effectRef idx="0">
+            <a:schemeClr val="accent1"/>
+          </a:effectRef>
+          <a:fontRef idx="minor">
+            <a:schemeClr val="lt1"/>
+          </a:fontRef>
+        </p:style>
+        <p:txBody>
+          <a:bodyPr rtlCol="0" anchor="ctr"/>
+          <a:lstStyle/>
+          <a:p>
+            <a:pPr algn="ctr"/>
+            <a:endParaRPr lang="en-US"/>
+          </a:p>
+        </p:txBody>
+      </p:sp>
     </p:spTree>
     <p:extLst>
       <p:ext uri="{BB962C8B-B14F-4D97-AF65-F5344CB8AC3E}">
@@ -6272,26 +6374,35 @@
                                   </p:childTnLst>
                                 </p:cTn>
                               </p:par>
-                            </p:childTnLst>
-                          </p:cTn>
-                        </p:par>
-                      </p:childTnLst>
-                    </p:cTn>
-                  </p:par>
-                  <p:par>
-                    <p:cTn id="15" fill="hold">
-                      <p:stCondLst>
-                        <p:cond delay="indefinite"/>
-                      </p:stCondLst>
-                      <p:childTnLst>
-                        <p:par>
-                          <p:cTn id="16" fill="hold">
-                            <p:stCondLst>
-                              <p:cond delay="0"/>
-                            </p:stCondLst>
-                            <p:childTnLst>
                               <p:par>
-                                <p:cTn id="17" presetID="1" presetClass="entr" presetSubtype="0" fill="hold" grpId="0" nodeType="clickEffect">
+                                <p:cTn id="15" presetID="1" presetClass="entr" presetSubtype="0" fill="hold" grpId="0" nodeType="withEffect">
+                                  <p:stCondLst>
+                                    <p:cond delay="0"/>
+                                  </p:stCondLst>
+                                  <p:childTnLst>
+                                    <p:set>
+                                      <p:cBhvr>
+                                        <p:cTn id="16" dur="1" fill="hold">
+                                          <p:stCondLst>
+                                            <p:cond delay="0"/>
+                                          </p:stCondLst>
+                                        </p:cTn>
+                                        <p:tgtEl>
+                                          <p:spTgt spid="5"/>
+                                        </p:tgtEl>
+                                        <p:attrNameLst>
+                                          <p:attrName>style.visibility</p:attrName>
+                                        </p:attrNameLst>
+                                      </p:cBhvr>
+                                      <p:to>
+                                        <p:strVal val="visible"/>
+                                      </p:to>
+                                    </p:set>
+                                  </p:childTnLst>
+                                </p:cTn>
+                              </p:par>
+                              <p:par>
+                                <p:cTn id="17" presetID="1" presetClass="entr" presetSubtype="0" fill="hold" grpId="0" nodeType="withEffect">
                                   <p:stCondLst>
                                     <p:cond delay="0"/>
                                   </p:stCondLst>
@@ -6304,7 +6415,7 @@
                                           </p:stCondLst>
                                         </p:cTn>
                                         <p:tgtEl>
-                                          <p:spTgt spid="9"/>
+                                          <p:spTgt spid="8"/>
                                         </p:tgtEl>
                                         <p:attrNameLst>
                                           <p:attrName>style.visibility</p:attrName>
@@ -6331,7 +6442,34 @@
                                           </p:stCondLst>
                                         </p:cTn>
                                         <p:tgtEl>
-                                          <p:spTgt spid="5"/>
+                                          <p:spTgt spid="10"/>
+                                        </p:tgtEl>
+                                        <p:attrNameLst>
+                                          <p:attrName>style.visibility</p:attrName>
+                                        </p:attrNameLst>
+                                      </p:cBhvr>
+                                      <p:to>
+                                        <p:strVal val="visible"/>
+                                      </p:to>
+                                    </p:set>
+                                  </p:childTnLst>
+                                </p:cTn>
+                              </p:par>
+                              <p:par>
+                                <p:cTn id="21" presetID="1" presetClass="entr" presetSubtype="0" fill="hold" grpId="0" nodeType="withEffect">
+                                  <p:stCondLst>
+                                    <p:cond delay="0"/>
+                                  </p:stCondLst>
+                                  <p:childTnLst>
+                                    <p:set>
+                                      <p:cBhvr>
+                                        <p:cTn id="22" dur="1" fill="hold">
+                                          <p:stCondLst>
+                                            <p:cond delay="0"/>
+                                          </p:stCondLst>
+                                        </p:cTn>
+                                        <p:tgtEl>
+                                          <p:spTgt spid="11"/>
                                         </p:tgtEl>
                                         <p:attrNameLst>
                                           <p:attrName>style.visibility</p:attrName>
@@ -6374,7 +6512,9 @@
     <p:bldLst>
       <p:bldP spid="3" grpId="0" uiExpand="1" build="p"/>
       <p:bldP spid="5" grpId="0" animBg="1"/>
-      <p:bldP spid="9" grpId="0" animBg="1"/>
+      <p:bldP spid="8" grpId="0" animBg="1"/>
+      <p:bldP spid="10" grpId="0" animBg="1"/>
+      <p:bldP spid="11" grpId="0" animBg="1"/>
     </p:bldLst>
   </p:timing>
 </p:sld>

--- a/python_for_machine_learning.pptx
+++ b/python_for_machine_learning.pptx
@@ -10865,14 +10865,14 @@
           <a:lstStyle/>
           <a:p>
             <a:r>
-              <a:rPr lang="en-US" sz="1800" dirty="0">
+              <a:rPr lang="en-GB" sz="1800" dirty="0">
                 <a:hlinkClick r:id="rId2"/>
               </a:rPr>
-              <a:t>https://github.com/gjbex/training-material/tree/master/Python/ScikitLearn</a:t>
-            </a:r>
-            <a:r>
-              <a:rPr lang="en-US" sz="1800" dirty="0"/>
-              <a:t>  </a:t>
+              <a:t>https://github.com/gjbex/Python-for-machine-learning/tree/master/source-code/scikit-learn</a:t>
+            </a:r>
+            <a:r>
+              <a:rPr lang="en-GB" sz="1800" dirty="0"/>
+              <a:t> </a:t>
             </a:r>
             <a:endParaRPr lang="en-US" sz="2400" dirty="0"/>
           </a:p>
@@ -29338,14 +29338,14 @@
           <a:lstStyle/>
           <a:p>
             <a:r>
-              <a:rPr lang="en-US" sz="1800" dirty="0">
+              <a:rPr lang="en-GB" sz="1800" dirty="0">
                 <a:hlinkClick r:id="rId2"/>
               </a:rPr>
-              <a:t>https://github.com/gjbex/training-material/tree/master/Python/ScikitLearn</a:t>
-            </a:r>
-            <a:r>
-              <a:rPr lang="en-US" sz="1800" dirty="0"/>
-              <a:t>  </a:t>
+              <a:t>https://github.com/gjbex/Python-for-machine-learning/tree/master/source-code/keras</a:t>
+            </a:r>
+            <a:r>
+              <a:rPr lang="en-GB" sz="1800" dirty="0"/>
+              <a:t> </a:t>
             </a:r>
             <a:endParaRPr lang="en-US" sz="2400" dirty="0"/>
           </a:p>

--- a/python_for_machine_learning.pptx
+++ b/python_for_machine_learning.pptx
@@ -175,6 +175,10 @@
           <p14:sldIdLst>
             <p14:sldId id="257"/>
             <p14:sldId id="281"/>
+          </p14:sldIdLst>
+        </p14:section>
+        <p14:section name="Introduction" id="{857C6A2F-A767-4067-AE01-714D1130F04F}">
+          <p14:sldIdLst>
             <p14:sldId id="258"/>
             <p14:sldId id="259"/>
             <p14:sldId id="260"/>
@@ -13356,72 +13360,6 @@
       </p:grpSpPr>
       <p:sp>
         <p:nvSpPr>
-          <p:cNvPr id="2" name="Title 1"/>
-          <p:cNvSpPr>
-            <a:spLocks noGrp="1"/>
-          </p:cNvSpPr>
-          <p:nvPr>
-            <p:ph type="title"/>
-          </p:nvPr>
-        </p:nvSpPr>
-        <p:spPr/>
-        <p:txBody>
-          <a:bodyPr/>
-          <a:lstStyle/>
-          <a:p>
-            <a:r>
-              <a:rPr lang="en-BE" dirty="0"/>
-              <a:t>Material</a:t>
-            </a:r>
-            <a:endParaRPr lang="en-US" dirty="0"/>
-          </a:p>
-        </p:txBody>
-      </p:sp>
-      <p:sp>
-        <p:nvSpPr>
-          <p:cNvPr id="3" name="Content Placeholder 2"/>
-          <p:cNvSpPr>
-            <a:spLocks noGrp="1"/>
-          </p:cNvSpPr>
-          <p:nvPr>
-            <p:ph idx="1"/>
-          </p:nvPr>
-        </p:nvSpPr>
-        <p:spPr/>
-        <p:txBody>
-          <a:bodyPr/>
-          <a:lstStyle/>
-          <a:p>
-            <a:r>
-              <a:rPr lang="en-BE" dirty="0"/>
-              <a:t>All material available on GitHub</a:t>
-            </a:r>
-          </a:p>
-          <a:p>
-            <a:pPr lvl="1"/>
-            <a:r>
-              <a:rPr lang="en-BE" dirty="0"/>
-              <a:t>this presentation</a:t>
-            </a:r>
-          </a:p>
-          <a:p>
-            <a:pPr lvl="1"/>
-            <a:r>
-              <a:rPr lang="en-BE" dirty="0"/>
-              <a:t>conda environments</a:t>
-            </a:r>
-          </a:p>
-          <a:p>
-            <a:pPr lvl="1"/>
-            <a:r>
-              <a:rPr lang="en-BE" dirty="0"/>
-              <a:t>Jupyter notebooks</a:t>
-            </a:r>
-          </a:p>
-        </p:txBody>
-      </p:sp>
-      <p:sp>
-        <p:nvSpPr>
           <p:cNvPr id="4" name="Slide Number Placeholder 3"/>
           <p:cNvSpPr>
             <a:spLocks noGrp="1"/>
@@ -13445,14 +13383,20 @@
       </p:sp>
       <p:sp>
         <p:nvSpPr>
-          <p:cNvPr id="5" name="TextBox 4"/>
+          <p:cNvPr id="6" name="TextBox 5">
+            <a:extLst>
+              <a:ext uri="{FF2B5EF4-FFF2-40B4-BE49-F238E27FC236}">
+                <a16:creationId xmlns:a16="http://schemas.microsoft.com/office/drawing/2014/main" id="{15121924-8AEA-4C8F-95FA-4768DA10573C}"/>
+              </a:ext>
+            </a:extLst>
+          </p:cNvPr>
           <p:cNvSpPr txBox="1"/>
           <p:nvPr/>
         </p:nvSpPr>
         <p:spPr>
           <a:xfrm>
-            <a:off x="2393705" y="4001294"/>
-            <a:ext cx="7404591" cy="1754326"/>
+            <a:off x="4048805" y="5244860"/>
+            <a:ext cx="4094391" cy="584775"/>
           </a:xfrm>
           <a:prstGeom prst="rect">
             <a:avLst/>
@@ -13465,82 +13409,54 @@
           </a:bodyPr>
           <a:lstStyle/>
           <a:p>
-            <a:pPr algn="ctr"/>
-            <a:r>
-              <a:rPr lang="en-US" sz="3600" dirty="0">
+            <a:r>
+              <a:rPr lang="en-GB" sz="3200" dirty="0">
                 <a:hlinkClick r:id="rId2"/>
               </a:rPr>
-              <a:t>https://github.com/gjbex/PRACE_ML</a:t>
-            </a:r>
-            <a:br>
-              <a:rPr lang="en-BE" sz="3600" dirty="0"/>
-            </a:br>
-            <a:r>
-              <a:rPr lang="en-BE" sz="3600" dirty="0"/>
-              <a:t>or</a:t>
-            </a:r>
-            <a:br>
-              <a:rPr lang="en-BE" sz="3600" dirty="0"/>
-            </a:br>
-            <a:r>
-              <a:rPr lang="en-BE" sz="3600" dirty="0">
-                <a:hlinkClick r:id="rId3"/>
-              </a:rPr>
-              <a:t>https://</a:t>
-            </a:r>
-            <a:r>
-              <a:rPr lang="en-US" sz="3600" dirty="0">
-                <a:hlinkClick r:id="rId3"/>
-              </a:rPr>
-              <a:t>bit.ly/prace2019_ml</a:t>
-            </a:r>
-            <a:r>
-              <a:rPr lang="en-BE" sz="3600" dirty="0"/>
+              <a:t>http://bit.ly/2RYQvSX</a:t>
+            </a:r>
+            <a:r>
+              <a:rPr lang="en-GB" sz="3200" dirty="0"/>
               <a:t> </a:t>
             </a:r>
-            <a:endParaRPr lang="en-US" sz="3600" dirty="0"/>
+            <a:endParaRPr lang="en-BE" sz="3200" dirty="0"/>
           </a:p>
         </p:txBody>
       </p:sp>
       <p:pic>
         <p:nvPicPr>
-          <p:cNvPr id="1030" name="Picture 6" descr="GitHub Logomark"/>
+          <p:cNvPr id="8" name="Picture 7">
+            <a:extLst>
+              <a:ext uri="{FF2B5EF4-FFF2-40B4-BE49-F238E27FC236}">
+                <a16:creationId xmlns:a16="http://schemas.microsoft.com/office/drawing/2014/main" id="{D80566D8-E72D-465B-99AE-C31E8CF7098E}"/>
+              </a:ext>
+            </a:extLst>
+          </p:cNvPr>
           <p:cNvPicPr>
-            <a:picLocks noChangeAspect="1" noChangeArrowheads="1"/>
+            <a:picLocks noChangeAspect="1"/>
           </p:cNvPicPr>
           <p:nvPr/>
         </p:nvPicPr>
         <p:blipFill>
-          <a:blip r:embed="rId4" cstate="print">
+          <a:blip r:embed="rId3">
             <a:extLst>
               <a:ext uri="{28A0092B-C50C-407E-A947-70E740481C1C}">
                 <a14:useLocalDpi xmlns:a14="http://schemas.microsoft.com/office/drawing/2010/main" val="0"/>
               </a:ext>
             </a:extLst>
           </a:blip>
-          <a:srcRect/>
           <a:stretch>
             <a:fillRect/>
           </a:stretch>
         </p:blipFill>
-        <p:spPr bwMode="auto">
+        <p:spPr>
           <a:xfrm>
-            <a:off x="7916091" y="1364799"/>
-            <a:ext cx="2215152" cy="2215152"/>
+            <a:off x="3537839" y="188349"/>
+            <a:ext cx="5116323" cy="5116323"/>
           </a:xfrm>
           <a:prstGeom prst="rect">
             <a:avLst/>
           </a:prstGeom>
-          <a:noFill/>
-          <a:extLst>
-            <a:ext uri="{909E8E84-426E-40DD-AFC4-6F175D3DCCD1}">
-              <a14:hiddenFill xmlns:a14="http://schemas.microsoft.com/office/drawing/2010/main">
-                <a:solidFill>
-                  <a:srgbClr val="FFFFFF"/>
-                </a:solidFill>
-              </a14:hiddenFill>
-            </a:ext>
-          </a:extLst>
         </p:spPr>
       </p:pic>
     </p:spTree>

--- a/python_for_machine_learning.pptx
+++ b/python_for_machine_learning.pptx
@@ -5711,6 +5711,59 @@
               <a:rPr lang="en-US" sz="2800" dirty="0"/>
               <a:t>)</a:t>
             </a:r>
+          </a:p>
+        </p:txBody>
+      </p:sp>
+      <p:sp>
+        <p:nvSpPr>
+          <p:cNvPr id="4" name="TextBox 3">
+            <a:extLst>
+              <a:ext uri="{FF2B5EF4-FFF2-40B4-BE49-F238E27FC236}">
+                <a16:creationId xmlns:a16="http://schemas.microsoft.com/office/drawing/2014/main" id="{E67785B8-8E3C-4512-97FD-25CAA594590E}"/>
+              </a:ext>
+            </a:extLst>
+          </p:cNvPr>
+          <p:cNvSpPr txBox="1"/>
+          <p:nvPr/>
+        </p:nvSpPr>
+        <p:spPr>
+          <a:xfrm>
+            <a:off x="467169" y="4502383"/>
+            <a:ext cx="7424212" cy="646331"/>
+          </a:xfrm>
+          <a:prstGeom prst="rect">
+            <a:avLst/>
+          </a:prstGeom>
+          <a:noFill/>
+        </p:spPr>
+        <p:txBody>
+          <a:bodyPr wrap="none" rtlCol="0">
+            <a:spAutoFit/>
+          </a:bodyPr>
+          <a:lstStyle/>
+          <a:p>
+            <a:r>
+              <a:rPr lang="en-US" b="1" dirty="0"/>
+              <a:t>License</a:t>
+            </a:r>
+            <a:r>
+              <a:rPr lang="en-US" dirty="0"/>
+              <a:t>: this presentation is released under the Creative Commons CC BY 4.0,</a:t>
+            </a:r>
+            <a:br>
+              <a:rPr lang="en-US" dirty="0"/>
+            </a:br>
+            <a:r>
+              <a:rPr lang="en-US" dirty="0"/>
+              <a:t>see </a:t>
+            </a:r>
+            <a:r>
+              <a:rPr lang="en-US" dirty="0">
+                <a:hlinkClick r:id="rId3"/>
+              </a:rPr>
+              <a:t>https://creativecommons.org/licenses/by/4.0/deed.ast</a:t>
+            </a:r>
+            <a:endParaRPr lang="nl-BE" dirty="0"/>
           </a:p>
         </p:txBody>
       </p:sp>

--- a/python_for_machine_learning.pptx
+++ b/python_for_machine_learning.pptx
@@ -344,7 +344,7 @@
           <a:p>
             <a:fld id="{DBF5F7A3-80FA-4DE8-9E10-D5FD6AAF4E4C}" type="datetimeFigureOut">
               <a:rPr lang="en-US" smtClean="0"/>
-              <a:t>2020-01-24</a:t>
+              <a:t>2020-03-23</a:t>
             </a:fld>
             <a:endParaRPr lang="en-US"/>
           </a:p>
@@ -898,7 +898,7 @@
           <a:p>
             <a:fld id="{12D417FB-DB75-4510-8AD7-5416595AADD8}" type="datetime1">
               <a:rPr lang="en-US" smtClean="0"/>
-              <a:t>2020-01-24</a:t>
+              <a:t>2020-03-23</a:t>
             </a:fld>
             <a:endParaRPr lang="en-US"/>
           </a:p>
@@ -3266,7 +3266,7 @@
           <a:p>
             <a:fld id="{EC448E59-F64F-416B-85C7-F58EA54BAF31}" type="datetime1">
               <a:rPr lang="nl-BE" smtClean="0"/>
-              <a:t>24/01/2020</a:t>
+              <a:t>23/03/2020</a:t>
             </a:fld>
             <a:endParaRPr lang="nl-BE"/>
           </a:p>
@@ -3512,7 +3512,7 @@
           <a:p>
             <a:fld id="{9ED5C3B5-60AD-4494-9CFA-8B02B158E887}" type="datetime1">
               <a:rPr lang="nl-BE" smtClean="0"/>
-              <a:t>24/01/2020</a:t>
+              <a:t>23/03/2020</a:t>
             </a:fld>
             <a:endParaRPr lang="nl-BE"/>
           </a:p>
@@ -3630,7 +3630,7 @@
           <a:p>
             <a:fld id="{1E4894A8-27B8-4F4D-B345-90FD4A1447E9}" type="datetime1">
               <a:rPr lang="nl-BE" smtClean="0"/>
-              <a:t>24/01/2020</a:t>
+              <a:t>23/03/2020</a:t>
             </a:fld>
             <a:endParaRPr lang="nl-BE"/>
           </a:p>
@@ -3918,7 +3918,7 @@
           <a:p>
             <a:fld id="{44F0EF99-E673-4972-A23A-EB3FD1F7D254}" type="datetime1">
               <a:rPr lang="nl-BE" smtClean="0"/>
-              <a:t>24/01/2020</a:t>
+              <a:t>23/03/2020</a:t>
             </a:fld>
             <a:endParaRPr lang="nl-BE"/>
           </a:p>
@@ -17989,7 +17989,7 @@
         </p:nvSpPr>
         <p:spPr>
           <a:xfrm>
-            <a:off x="1981200" y="2204864"/>
+            <a:off x="1981200" y="2298000"/>
             <a:ext cx="7283152" cy="923330"/>
           </a:xfrm>
           <a:prstGeom prst="rect">
@@ -18083,7 +18083,7 @@
         </p:nvSpPr>
         <p:spPr>
           <a:xfrm>
-            <a:off x="1981200" y="4003391"/>
+            <a:off x="1981200" y="3918721"/>
             <a:ext cx="7283152" cy="923330"/>
           </a:xfrm>
           <a:prstGeom prst="rect">
@@ -18184,7 +18184,7 @@
         </p:nvSpPr>
         <p:spPr>
           <a:xfrm>
-            <a:off x="1981200" y="5707483"/>
+            <a:off x="1981200" y="5419614"/>
             <a:ext cx="7283152" cy="369332"/>
           </a:xfrm>
           <a:prstGeom prst="rect">
@@ -20429,7 +20429,12 @@
             <p:ph idx="1"/>
           </p:nvPr>
         </p:nvSpPr>
-        <p:spPr/>
+        <p:spPr>
+          <a:xfrm>
+            <a:off x="838200" y="1715558"/>
+            <a:ext cx="10515600" cy="4351338"/>
+          </a:xfrm>
+        </p:spPr>
         <p:txBody>
           <a:bodyPr>
             <a:normAutofit fontScale="92500" lnSpcReduction="20000"/>
@@ -20510,7 +20515,7 @@
         </p:nvSpPr>
         <p:spPr>
           <a:xfrm>
-            <a:off x="838200" y="2200240"/>
+            <a:off x="838200" y="2090173"/>
             <a:ext cx="8435280" cy="1200329"/>
           </a:xfrm>
           <a:prstGeom prst="rect">
@@ -20599,7 +20604,7 @@
         </p:nvSpPr>
         <p:spPr>
           <a:xfrm>
-            <a:off x="782132" y="3826939"/>
+            <a:off x="782132" y="3716872"/>
             <a:ext cx="8435280" cy="646331"/>
           </a:xfrm>
           <a:prstGeom prst="rect">
@@ -20708,7 +20713,7 @@
         </p:nvSpPr>
         <p:spPr>
           <a:xfrm>
-            <a:off x="782132" y="4978868"/>
+            <a:off x="782132" y="4868801"/>
             <a:ext cx="8435280" cy="369332"/>
           </a:xfrm>
           <a:prstGeom prst="rect">
@@ -20752,7 +20757,7 @@
         </p:nvSpPr>
         <p:spPr>
           <a:xfrm>
-            <a:off x="782132" y="5782257"/>
+            <a:off x="782132" y="5706058"/>
             <a:ext cx="3496733" cy="369332"/>
           </a:xfrm>
           <a:prstGeom prst="rect">
@@ -20796,7 +20801,7 @@
         </p:nvGrpSpPr>
         <p:grpSpPr>
           <a:xfrm>
-            <a:off x="4422951" y="5782257"/>
+            <a:off x="4422951" y="5706058"/>
             <a:ext cx="6552728" cy="369332"/>
             <a:chOff x="4427984" y="2204864"/>
             <a:chExt cx="6552728" cy="369332"/>
@@ -21536,7 +21541,7 @@
         </p:nvSpPr>
         <p:spPr>
           <a:xfrm>
-            <a:off x="1981200" y="2204864"/>
+            <a:off x="1981200" y="2331865"/>
             <a:ext cx="7643192" cy="369332"/>
           </a:xfrm>
           <a:prstGeom prst="rect">
@@ -21650,7 +21655,7 @@
         </p:nvSpPr>
         <p:spPr>
           <a:xfrm>
-            <a:off x="1981200" y="3980847"/>
+            <a:off x="1981200" y="3870780"/>
             <a:ext cx="7643192" cy="369332"/>
           </a:xfrm>
           <a:prstGeom prst="rect">
@@ -21722,7 +21727,7 @@
         </p:nvSpPr>
         <p:spPr>
           <a:xfrm>
-            <a:off x="1981200" y="5214549"/>
+            <a:off x="1981200" y="4926682"/>
             <a:ext cx="4690864" cy="369332"/>
           </a:xfrm>
           <a:prstGeom prst="rect">
@@ -21794,7 +21799,7 @@
         </p:nvGrpSpPr>
         <p:grpSpPr>
           <a:xfrm>
-            <a:off x="6878724" y="5214549"/>
+            <a:off x="6878724" y="4926682"/>
             <a:ext cx="2745668" cy="369332"/>
             <a:chOff x="4427984" y="2204864"/>
             <a:chExt cx="2745668" cy="369332"/>
@@ -23097,7 +23102,7 @@
         </p:nvSpPr>
         <p:spPr>
           <a:xfrm>
-            <a:off x="2142067" y="4760916"/>
+            <a:off x="2003245" y="4608516"/>
             <a:ext cx="8291264" cy="646331"/>
           </a:xfrm>
           <a:prstGeom prst="rect">
@@ -24561,7 +24566,7 @@
         </p:nvSpPr>
         <p:spPr>
           <a:xfrm>
-            <a:off x="1981200" y="2204864"/>
+            <a:off x="1981200" y="2357264"/>
             <a:ext cx="7643192" cy="369332"/>
           </a:xfrm>
           <a:prstGeom prst="rect">
@@ -24675,7 +24680,7 @@
         </p:nvSpPr>
         <p:spPr>
           <a:xfrm>
-            <a:off x="1981200" y="3980847"/>
+            <a:off x="1981200" y="3887711"/>
             <a:ext cx="7643192" cy="369332"/>
           </a:xfrm>
           <a:prstGeom prst="rect">
@@ -24747,7 +24752,7 @@
         </p:nvSpPr>
         <p:spPr>
           <a:xfrm>
-            <a:off x="1981200" y="5214549"/>
+            <a:off x="1981200" y="4943612"/>
             <a:ext cx="4690864" cy="369332"/>
           </a:xfrm>
           <a:prstGeom prst="rect">
@@ -24819,7 +24824,7 @@
         </p:nvGrpSpPr>
         <p:grpSpPr>
           <a:xfrm>
-            <a:off x="6878724" y="5214549"/>
+            <a:off x="6878724" y="4943612"/>
             <a:ext cx="2745668" cy="369332"/>
             <a:chOff x="4427984" y="2204864"/>
             <a:chExt cx="2745668" cy="369332"/>
@@ -24907,7 +24912,7 @@
         </p:nvSpPr>
         <p:spPr>
           <a:xfrm>
-            <a:off x="3647729" y="5859347"/>
+            <a:off x="3647729" y="5757744"/>
             <a:ext cx="1516762" cy="400110"/>
           </a:xfrm>
           <a:prstGeom prst="rect">
@@ -25442,7 +25447,7 @@
         </p:nvSpPr>
         <p:spPr>
           <a:xfrm>
-            <a:off x="1981200" y="2204865"/>
+            <a:off x="1981200" y="2306462"/>
             <a:ext cx="7643192" cy="646331"/>
           </a:xfrm>
           <a:prstGeom prst="rect">
@@ -33747,6 +33752,312 @@
   <p:clrMapOvr>
     <a:masterClrMapping/>
   </p:clrMapOvr>
+  <mc:AlternateContent xmlns:mc="http://schemas.openxmlformats.org/markup-compatibility/2006">
+    <mc:Choice xmlns:p159="http://schemas.microsoft.com/office/powerpoint/2015/09/main" Requires="p159">
+      <p:transition xmlns:p14="http://schemas.microsoft.com/office/powerpoint/2010/main" spd="slow" p14:dur="2000">
+        <p159:morph option="byObject"/>
+      </p:transition>
+    </mc:Choice>
+    <mc:Fallback>
+      <p:transition spd="slow">
+        <p:fade/>
+      </p:transition>
+    </mc:Fallback>
+  </mc:AlternateContent>
+  <p:timing>
+    <p:tnLst>
+      <p:par>
+        <p:cTn id="1" dur="indefinite" restart="never" nodeType="tmRoot">
+          <p:childTnLst>
+            <p:seq concurrent="1" nextAc="seek">
+              <p:cTn id="2" dur="indefinite" nodeType="mainSeq">
+                <p:childTnLst>
+                  <p:par>
+                    <p:cTn id="3" fill="hold">
+                      <p:stCondLst>
+                        <p:cond delay="indefinite"/>
+                        <p:cond evt="onBegin" delay="0">
+                          <p:tn val="2"/>
+                        </p:cond>
+                      </p:stCondLst>
+                      <p:childTnLst>
+                        <p:par>
+                          <p:cTn id="4" fill="hold">
+                            <p:stCondLst>
+                              <p:cond delay="0"/>
+                            </p:stCondLst>
+                            <p:childTnLst>
+                              <p:par>
+                                <p:cTn id="5" presetID="1" presetClass="entr" presetSubtype="0" fill="hold" grpId="0" nodeType="withEffect">
+                                  <p:stCondLst>
+                                    <p:cond delay="0"/>
+                                  </p:stCondLst>
+                                  <p:childTnLst>
+                                    <p:set>
+                                      <p:cBhvr>
+                                        <p:cTn id="6" dur="1" fill="hold">
+                                          <p:stCondLst>
+                                            <p:cond delay="0"/>
+                                          </p:stCondLst>
+                                        </p:cTn>
+                                        <p:tgtEl>
+                                          <p:spTgt spid="3">
+                                            <p:txEl>
+                                              <p:pRg st="0" end="0"/>
+                                            </p:txEl>
+                                          </p:spTgt>
+                                        </p:tgtEl>
+                                        <p:attrNameLst>
+                                          <p:attrName>style.visibility</p:attrName>
+                                        </p:attrNameLst>
+                                      </p:cBhvr>
+                                      <p:to>
+                                        <p:strVal val="visible"/>
+                                      </p:to>
+                                    </p:set>
+                                  </p:childTnLst>
+                                </p:cTn>
+                              </p:par>
+                              <p:par>
+                                <p:cTn id="7" presetID="1" presetClass="entr" presetSubtype="0" fill="hold" grpId="0" nodeType="withEffect">
+                                  <p:stCondLst>
+                                    <p:cond delay="0"/>
+                                  </p:stCondLst>
+                                  <p:childTnLst>
+                                    <p:set>
+                                      <p:cBhvr>
+                                        <p:cTn id="8" dur="1" fill="hold">
+                                          <p:stCondLst>
+                                            <p:cond delay="0"/>
+                                          </p:stCondLst>
+                                        </p:cTn>
+                                        <p:tgtEl>
+                                          <p:spTgt spid="3">
+                                            <p:txEl>
+                                              <p:pRg st="1" end="1"/>
+                                            </p:txEl>
+                                          </p:spTgt>
+                                        </p:tgtEl>
+                                        <p:attrNameLst>
+                                          <p:attrName>style.visibility</p:attrName>
+                                        </p:attrNameLst>
+                                      </p:cBhvr>
+                                      <p:to>
+                                        <p:strVal val="visible"/>
+                                      </p:to>
+                                    </p:set>
+                                  </p:childTnLst>
+                                </p:cTn>
+                              </p:par>
+                            </p:childTnLst>
+                          </p:cTn>
+                        </p:par>
+                      </p:childTnLst>
+                    </p:cTn>
+                  </p:par>
+                  <p:par>
+                    <p:cTn id="9" fill="hold">
+                      <p:stCondLst>
+                        <p:cond delay="indefinite"/>
+                      </p:stCondLst>
+                      <p:childTnLst>
+                        <p:par>
+                          <p:cTn id="10" fill="hold">
+                            <p:stCondLst>
+                              <p:cond delay="0"/>
+                            </p:stCondLst>
+                            <p:childTnLst>
+                              <p:par>
+                                <p:cTn id="11" presetID="1" presetClass="entr" presetSubtype="0" fill="hold" grpId="0" nodeType="clickEffect">
+                                  <p:stCondLst>
+                                    <p:cond delay="0"/>
+                                  </p:stCondLst>
+                                  <p:childTnLst>
+                                    <p:set>
+                                      <p:cBhvr>
+                                        <p:cTn id="12" dur="1" fill="hold">
+                                          <p:stCondLst>
+                                            <p:cond delay="0"/>
+                                          </p:stCondLst>
+                                        </p:cTn>
+                                        <p:tgtEl>
+                                          <p:spTgt spid="3">
+                                            <p:txEl>
+                                              <p:pRg st="2" end="2"/>
+                                            </p:txEl>
+                                          </p:spTgt>
+                                        </p:tgtEl>
+                                        <p:attrNameLst>
+                                          <p:attrName>style.visibility</p:attrName>
+                                        </p:attrNameLst>
+                                      </p:cBhvr>
+                                      <p:to>
+                                        <p:strVal val="visible"/>
+                                      </p:to>
+                                    </p:set>
+                                  </p:childTnLst>
+                                </p:cTn>
+                              </p:par>
+                              <p:par>
+                                <p:cTn id="13" presetID="1" presetClass="entr" presetSubtype="0" fill="hold" grpId="0" nodeType="withEffect">
+                                  <p:stCondLst>
+                                    <p:cond delay="0"/>
+                                  </p:stCondLst>
+                                  <p:childTnLst>
+                                    <p:set>
+                                      <p:cBhvr>
+                                        <p:cTn id="14" dur="1" fill="hold">
+                                          <p:stCondLst>
+                                            <p:cond delay="0"/>
+                                          </p:stCondLst>
+                                        </p:cTn>
+                                        <p:tgtEl>
+                                          <p:spTgt spid="3">
+                                            <p:txEl>
+                                              <p:pRg st="3" end="3"/>
+                                            </p:txEl>
+                                          </p:spTgt>
+                                        </p:tgtEl>
+                                        <p:attrNameLst>
+                                          <p:attrName>style.visibility</p:attrName>
+                                        </p:attrNameLst>
+                                      </p:cBhvr>
+                                      <p:to>
+                                        <p:strVal val="visible"/>
+                                      </p:to>
+                                    </p:set>
+                                  </p:childTnLst>
+                                </p:cTn>
+                              </p:par>
+                            </p:childTnLst>
+                          </p:cTn>
+                        </p:par>
+                      </p:childTnLst>
+                    </p:cTn>
+                  </p:par>
+                  <p:par>
+                    <p:cTn id="15" fill="hold">
+                      <p:stCondLst>
+                        <p:cond delay="indefinite"/>
+                      </p:stCondLst>
+                      <p:childTnLst>
+                        <p:par>
+                          <p:cTn id="16" fill="hold">
+                            <p:stCondLst>
+                              <p:cond delay="0"/>
+                            </p:stCondLst>
+                            <p:childTnLst>
+                              <p:par>
+                                <p:cTn id="17" presetID="1" presetClass="entr" presetSubtype="0" fill="hold" grpId="0" nodeType="clickEffect">
+                                  <p:stCondLst>
+                                    <p:cond delay="0"/>
+                                  </p:stCondLst>
+                                  <p:childTnLst>
+                                    <p:set>
+                                      <p:cBhvr>
+                                        <p:cTn id="18" dur="1" fill="hold">
+                                          <p:stCondLst>
+                                            <p:cond delay="0"/>
+                                          </p:stCondLst>
+                                        </p:cTn>
+                                        <p:tgtEl>
+                                          <p:spTgt spid="3">
+                                            <p:txEl>
+                                              <p:pRg st="4" end="4"/>
+                                            </p:txEl>
+                                          </p:spTgt>
+                                        </p:tgtEl>
+                                        <p:attrNameLst>
+                                          <p:attrName>style.visibility</p:attrName>
+                                        </p:attrNameLst>
+                                      </p:cBhvr>
+                                      <p:to>
+                                        <p:strVal val="visible"/>
+                                      </p:to>
+                                    </p:set>
+                                  </p:childTnLst>
+                                </p:cTn>
+                              </p:par>
+                            </p:childTnLst>
+                          </p:cTn>
+                        </p:par>
+                      </p:childTnLst>
+                    </p:cTn>
+                  </p:par>
+                  <p:par>
+                    <p:cTn id="19" fill="hold">
+                      <p:stCondLst>
+                        <p:cond delay="indefinite"/>
+                      </p:stCondLst>
+                      <p:childTnLst>
+                        <p:par>
+                          <p:cTn id="20" fill="hold">
+                            <p:stCondLst>
+                              <p:cond delay="0"/>
+                            </p:stCondLst>
+                            <p:childTnLst>
+                              <p:par>
+                                <p:cTn id="21" presetID="1" presetClass="entr" presetSubtype="0" fill="hold" grpId="0" nodeType="clickEffect">
+                                  <p:stCondLst>
+                                    <p:cond delay="0"/>
+                                  </p:stCondLst>
+                                  <p:childTnLst>
+                                    <p:set>
+                                      <p:cBhvr>
+                                        <p:cTn id="22" dur="1" fill="hold">
+                                          <p:stCondLst>
+                                            <p:cond delay="0"/>
+                                          </p:stCondLst>
+                                        </p:cTn>
+                                        <p:tgtEl>
+                                          <p:spTgt spid="3">
+                                            <p:txEl>
+                                              <p:pRg st="5" end="5"/>
+                                            </p:txEl>
+                                          </p:spTgt>
+                                        </p:tgtEl>
+                                        <p:attrNameLst>
+                                          <p:attrName>style.visibility</p:attrName>
+                                        </p:attrNameLst>
+                                      </p:cBhvr>
+                                      <p:to>
+                                        <p:strVal val="visible"/>
+                                      </p:to>
+                                    </p:set>
+                                  </p:childTnLst>
+                                </p:cTn>
+                              </p:par>
+                            </p:childTnLst>
+                          </p:cTn>
+                        </p:par>
+                      </p:childTnLst>
+                    </p:cTn>
+                  </p:par>
+                </p:childTnLst>
+              </p:cTn>
+              <p:prevCondLst>
+                <p:cond evt="onPrev" delay="0">
+                  <p:tgtEl>
+                    <p:sldTgt/>
+                  </p:tgtEl>
+                </p:cond>
+              </p:prevCondLst>
+              <p:nextCondLst>
+                <p:cond evt="onNext" delay="0">
+                  <p:tgtEl>
+                    <p:sldTgt/>
+                  </p:tgtEl>
+                </p:cond>
+              </p:nextCondLst>
+            </p:seq>
+          </p:childTnLst>
+        </p:cTn>
+      </p:par>
+    </p:tnLst>
+    <p:bldLst>
+      <p:bldP spid="3" grpId="0" uiExpand="1" build="p"/>
+    </p:bldLst>
+  </p:timing>
 </p:sld>
 </file>
 
@@ -44945,15 +45256,10 @@
             </a:r>
           </a:p>
           <a:p>
-            <a:pPr lvl="1"/>
             <a:r>
               <a:rPr lang="en-US" dirty="0"/>
               <a:t>Consider using pre-trained networks</a:t>
             </a:r>
-          </a:p>
-          <a:p>
-            <a:pPr lvl="1"/>
-            <a:endParaRPr lang="en-US" dirty="0"/>
           </a:p>
           <a:p>
             <a:r>
@@ -45042,6 +45348,491 @@
   <p:clrMapOvr>
     <a:masterClrMapping/>
   </p:clrMapOvr>
+  <p:timing>
+    <p:tnLst>
+      <p:par>
+        <p:cTn id="1" dur="indefinite" restart="never" nodeType="tmRoot">
+          <p:childTnLst>
+            <p:seq concurrent="1" nextAc="seek">
+              <p:cTn id="2" dur="indefinite" nodeType="mainSeq">
+                <p:childTnLst>
+                  <p:par>
+                    <p:cTn id="3" fill="hold">
+                      <p:stCondLst>
+                        <p:cond delay="indefinite"/>
+                        <p:cond evt="onBegin" delay="0">
+                          <p:tn val="2"/>
+                        </p:cond>
+                      </p:stCondLst>
+                      <p:childTnLst>
+                        <p:par>
+                          <p:cTn id="4" fill="hold">
+                            <p:stCondLst>
+                              <p:cond delay="0"/>
+                            </p:stCondLst>
+                            <p:childTnLst>
+                              <p:par>
+                                <p:cTn id="5" presetID="1" presetClass="entr" presetSubtype="0" fill="hold" grpId="0" nodeType="withEffect">
+                                  <p:stCondLst>
+                                    <p:cond delay="0"/>
+                                  </p:stCondLst>
+                                  <p:childTnLst>
+                                    <p:set>
+                                      <p:cBhvr>
+                                        <p:cTn id="6" dur="1" fill="hold">
+                                          <p:stCondLst>
+                                            <p:cond delay="0"/>
+                                          </p:stCondLst>
+                                        </p:cTn>
+                                        <p:tgtEl>
+                                          <p:spTgt spid="3">
+                                            <p:txEl>
+                                              <p:pRg st="0" end="0"/>
+                                            </p:txEl>
+                                          </p:spTgt>
+                                        </p:tgtEl>
+                                        <p:attrNameLst>
+                                          <p:attrName>style.visibility</p:attrName>
+                                        </p:attrNameLst>
+                                      </p:cBhvr>
+                                      <p:to>
+                                        <p:strVal val="visible"/>
+                                      </p:to>
+                                    </p:set>
+                                  </p:childTnLst>
+                                </p:cTn>
+                              </p:par>
+                              <p:par>
+                                <p:cTn id="7" presetID="1" presetClass="entr" presetSubtype="0" fill="hold" grpId="0" nodeType="withEffect">
+                                  <p:stCondLst>
+                                    <p:cond delay="0"/>
+                                  </p:stCondLst>
+                                  <p:childTnLst>
+                                    <p:set>
+                                      <p:cBhvr>
+                                        <p:cTn id="8" dur="1" fill="hold">
+                                          <p:stCondLst>
+                                            <p:cond delay="0"/>
+                                          </p:stCondLst>
+                                        </p:cTn>
+                                        <p:tgtEl>
+                                          <p:spTgt spid="3">
+                                            <p:txEl>
+                                              <p:pRg st="1" end="1"/>
+                                            </p:txEl>
+                                          </p:spTgt>
+                                        </p:tgtEl>
+                                        <p:attrNameLst>
+                                          <p:attrName>style.visibility</p:attrName>
+                                        </p:attrNameLst>
+                                      </p:cBhvr>
+                                      <p:to>
+                                        <p:strVal val="visible"/>
+                                      </p:to>
+                                    </p:set>
+                                  </p:childTnLst>
+                                </p:cTn>
+                              </p:par>
+                              <p:par>
+                                <p:cTn id="9" presetID="1" presetClass="entr" presetSubtype="0" fill="hold" grpId="0" nodeType="withEffect">
+                                  <p:stCondLst>
+                                    <p:cond delay="0"/>
+                                  </p:stCondLst>
+                                  <p:childTnLst>
+                                    <p:set>
+                                      <p:cBhvr>
+                                        <p:cTn id="10" dur="1" fill="hold">
+                                          <p:stCondLst>
+                                            <p:cond delay="0"/>
+                                          </p:stCondLst>
+                                        </p:cTn>
+                                        <p:tgtEl>
+                                          <p:spTgt spid="3">
+                                            <p:txEl>
+                                              <p:pRg st="2" end="2"/>
+                                            </p:txEl>
+                                          </p:spTgt>
+                                        </p:tgtEl>
+                                        <p:attrNameLst>
+                                          <p:attrName>style.visibility</p:attrName>
+                                        </p:attrNameLst>
+                                      </p:cBhvr>
+                                      <p:to>
+                                        <p:strVal val="visible"/>
+                                      </p:to>
+                                    </p:set>
+                                  </p:childTnLst>
+                                </p:cTn>
+                              </p:par>
+                              <p:par>
+                                <p:cTn id="11" presetID="1" presetClass="entr" presetSubtype="0" fill="hold" grpId="0" nodeType="withEffect">
+                                  <p:stCondLst>
+                                    <p:cond delay="0"/>
+                                  </p:stCondLst>
+                                  <p:childTnLst>
+                                    <p:set>
+                                      <p:cBhvr>
+                                        <p:cTn id="12" dur="1" fill="hold">
+                                          <p:stCondLst>
+                                            <p:cond delay="0"/>
+                                          </p:stCondLst>
+                                        </p:cTn>
+                                        <p:tgtEl>
+                                          <p:spTgt spid="3">
+                                            <p:txEl>
+                                              <p:pRg st="3" end="3"/>
+                                            </p:txEl>
+                                          </p:spTgt>
+                                        </p:tgtEl>
+                                        <p:attrNameLst>
+                                          <p:attrName>style.visibility</p:attrName>
+                                        </p:attrNameLst>
+                                      </p:cBhvr>
+                                      <p:to>
+                                        <p:strVal val="visible"/>
+                                      </p:to>
+                                    </p:set>
+                                  </p:childTnLst>
+                                </p:cTn>
+                              </p:par>
+                            </p:childTnLst>
+                          </p:cTn>
+                        </p:par>
+                      </p:childTnLst>
+                    </p:cTn>
+                  </p:par>
+                  <p:par>
+                    <p:cTn id="13" fill="hold">
+                      <p:stCondLst>
+                        <p:cond delay="indefinite"/>
+                      </p:stCondLst>
+                      <p:childTnLst>
+                        <p:par>
+                          <p:cTn id="14" fill="hold">
+                            <p:stCondLst>
+                              <p:cond delay="0"/>
+                            </p:stCondLst>
+                            <p:childTnLst>
+                              <p:par>
+                                <p:cTn id="15" presetID="1" presetClass="entr" presetSubtype="0" fill="hold" grpId="0" nodeType="clickEffect">
+                                  <p:stCondLst>
+                                    <p:cond delay="0"/>
+                                  </p:stCondLst>
+                                  <p:childTnLst>
+                                    <p:set>
+                                      <p:cBhvr>
+                                        <p:cTn id="16" dur="1" fill="hold">
+                                          <p:stCondLst>
+                                            <p:cond delay="0"/>
+                                          </p:stCondLst>
+                                        </p:cTn>
+                                        <p:tgtEl>
+                                          <p:spTgt spid="3">
+                                            <p:txEl>
+                                              <p:pRg st="4" end="4"/>
+                                            </p:txEl>
+                                          </p:spTgt>
+                                        </p:tgtEl>
+                                        <p:attrNameLst>
+                                          <p:attrName>style.visibility</p:attrName>
+                                        </p:attrNameLst>
+                                      </p:cBhvr>
+                                      <p:to>
+                                        <p:strVal val="visible"/>
+                                      </p:to>
+                                    </p:set>
+                                  </p:childTnLst>
+                                </p:cTn>
+                              </p:par>
+                              <p:par>
+                                <p:cTn id="17" presetID="1" presetClass="entr" presetSubtype="0" fill="hold" grpId="0" nodeType="withEffect">
+                                  <p:stCondLst>
+                                    <p:cond delay="0"/>
+                                  </p:stCondLst>
+                                  <p:childTnLst>
+                                    <p:set>
+                                      <p:cBhvr>
+                                        <p:cTn id="18" dur="1" fill="hold">
+                                          <p:stCondLst>
+                                            <p:cond delay="0"/>
+                                          </p:stCondLst>
+                                        </p:cTn>
+                                        <p:tgtEl>
+                                          <p:spTgt spid="3">
+                                            <p:txEl>
+                                              <p:pRg st="5" end="5"/>
+                                            </p:txEl>
+                                          </p:spTgt>
+                                        </p:tgtEl>
+                                        <p:attrNameLst>
+                                          <p:attrName>style.visibility</p:attrName>
+                                        </p:attrNameLst>
+                                      </p:cBhvr>
+                                      <p:to>
+                                        <p:strVal val="visible"/>
+                                      </p:to>
+                                    </p:set>
+                                  </p:childTnLst>
+                                </p:cTn>
+                              </p:par>
+                              <p:par>
+                                <p:cTn id="19" presetID="1" presetClass="entr" presetSubtype="0" fill="hold" grpId="0" nodeType="withEffect">
+                                  <p:stCondLst>
+                                    <p:cond delay="0"/>
+                                  </p:stCondLst>
+                                  <p:childTnLst>
+                                    <p:set>
+                                      <p:cBhvr>
+                                        <p:cTn id="20" dur="1" fill="hold">
+                                          <p:stCondLst>
+                                            <p:cond delay="0"/>
+                                          </p:stCondLst>
+                                        </p:cTn>
+                                        <p:tgtEl>
+                                          <p:spTgt spid="3">
+                                            <p:txEl>
+                                              <p:pRg st="6" end="6"/>
+                                            </p:txEl>
+                                          </p:spTgt>
+                                        </p:tgtEl>
+                                        <p:attrNameLst>
+                                          <p:attrName>style.visibility</p:attrName>
+                                        </p:attrNameLst>
+                                      </p:cBhvr>
+                                      <p:to>
+                                        <p:strVal val="visible"/>
+                                      </p:to>
+                                    </p:set>
+                                  </p:childTnLst>
+                                </p:cTn>
+                              </p:par>
+                            </p:childTnLst>
+                          </p:cTn>
+                        </p:par>
+                      </p:childTnLst>
+                    </p:cTn>
+                  </p:par>
+                  <p:par>
+                    <p:cTn id="21" fill="hold">
+                      <p:stCondLst>
+                        <p:cond delay="indefinite"/>
+                      </p:stCondLst>
+                      <p:childTnLst>
+                        <p:par>
+                          <p:cTn id="22" fill="hold">
+                            <p:stCondLst>
+                              <p:cond delay="0"/>
+                            </p:stCondLst>
+                            <p:childTnLst>
+                              <p:par>
+                                <p:cTn id="23" presetID="1" presetClass="entr" presetSubtype="0" fill="hold" grpId="0" nodeType="clickEffect">
+                                  <p:stCondLst>
+                                    <p:cond delay="0"/>
+                                  </p:stCondLst>
+                                  <p:childTnLst>
+                                    <p:set>
+                                      <p:cBhvr>
+                                        <p:cTn id="24" dur="1" fill="hold">
+                                          <p:stCondLst>
+                                            <p:cond delay="0"/>
+                                          </p:stCondLst>
+                                        </p:cTn>
+                                        <p:tgtEl>
+                                          <p:spTgt spid="3">
+                                            <p:txEl>
+                                              <p:pRg st="7" end="7"/>
+                                            </p:txEl>
+                                          </p:spTgt>
+                                        </p:tgtEl>
+                                        <p:attrNameLst>
+                                          <p:attrName>style.visibility</p:attrName>
+                                        </p:attrNameLst>
+                                      </p:cBhvr>
+                                      <p:to>
+                                        <p:strVal val="visible"/>
+                                      </p:to>
+                                    </p:set>
+                                  </p:childTnLst>
+                                </p:cTn>
+                              </p:par>
+                            </p:childTnLst>
+                          </p:cTn>
+                        </p:par>
+                      </p:childTnLst>
+                    </p:cTn>
+                  </p:par>
+                  <p:par>
+                    <p:cTn id="25" fill="hold">
+                      <p:stCondLst>
+                        <p:cond delay="indefinite"/>
+                      </p:stCondLst>
+                      <p:childTnLst>
+                        <p:par>
+                          <p:cTn id="26" fill="hold">
+                            <p:stCondLst>
+                              <p:cond delay="0"/>
+                            </p:stCondLst>
+                            <p:childTnLst>
+                              <p:par>
+                                <p:cTn id="27" presetID="1" presetClass="entr" presetSubtype="0" fill="hold" grpId="0" nodeType="clickEffect">
+                                  <p:stCondLst>
+                                    <p:cond delay="0"/>
+                                  </p:stCondLst>
+                                  <p:childTnLst>
+                                    <p:set>
+                                      <p:cBhvr>
+                                        <p:cTn id="28" dur="1" fill="hold">
+                                          <p:stCondLst>
+                                            <p:cond delay="0"/>
+                                          </p:stCondLst>
+                                        </p:cTn>
+                                        <p:tgtEl>
+                                          <p:spTgt spid="3">
+                                            <p:txEl>
+                                              <p:pRg st="8" end="8"/>
+                                            </p:txEl>
+                                          </p:spTgt>
+                                        </p:tgtEl>
+                                        <p:attrNameLst>
+                                          <p:attrName>style.visibility</p:attrName>
+                                        </p:attrNameLst>
+                                      </p:cBhvr>
+                                      <p:to>
+                                        <p:strVal val="visible"/>
+                                      </p:to>
+                                    </p:set>
+                                  </p:childTnLst>
+                                </p:cTn>
+                              </p:par>
+                            </p:childTnLst>
+                          </p:cTn>
+                        </p:par>
+                      </p:childTnLst>
+                    </p:cTn>
+                  </p:par>
+                  <p:par>
+                    <p:cTn id="29" fill="hold">
+                      <p:stCondLst>
+                        <p:cond delay="indefinite"/>
+                      </p:stCondLst>
+                      <p:childTnLst>
+                        <p:par>
+                          <p:cTn id="30" fill="hold">
+                            <p:stCondLst>
+                              <p:cond delay="0"/>
+                            </p:stCondLst>
+                            <p:childTnLst>
+                              <p:par>
+                                <p:cTn id="31" presetID="1" presetClass="entr" presetSubtype="0" fill="hold" grpId="0" nodeType="clickEffect">
+                                  <p:stCondLst>
+                                    <p:cond delay="0"/>
+                                  </p:stCondLst>
+                                  <p:childTnLst>
+                                    <p:set>
+                                      <p:cBhvr>
+                                        <p:cTn id="32" dur="1" fill="hold">
+                                          <p:stCondLst>
+                                            <p:cond delay="0"/>
+                                          </p:stCondLst>
+                                        </p:cTn>
+                                        <p:tgtEl>
+                                          <p:spTgt spid="3">
+                                            <p:txEl>
+                                              <p:pRg st="9" end="9"/>
+                                            </p:txEl>
+                                          </p:spTgt>
+                                        </p:tgtEl>
+                                        <p:attrNameLst>
+                                          <p:attrName>style.visibility</p:attrName>
+                                        </p:attrNameLst>
+                                      </p:cBhvr>
+                                      <p:to>
+                                        <p:strVal val="visible"/>
+                                      </p:to>
+                                    </p:set>
+                                  </p:childTnLst>
+                                </p:cTn>
+                              </p:par>
+                            </p:childTnLst>
+                          </p:cTn>
+                        </p:par>
+                      </p:childTnLst>
+                    </p:cTn>
+                  </p:par>
+                  <p:par>
+                    <p:cTn id="33" fill="hold">
+                      <p:stCondLst>
+                        <p:cond delay="indefinite"/>
+                      </p:stCondLst>
+                      <p:childTnLst>
+                        <p:par>
+                          <p:cTn id="34" fill="hold">
+                            <p:stCondLst>
+                              <p:cond delay="0"/>
+                            </p:stCondLst>
+                            <p:childTnLst>
+                              <p:par>
+                                <p:cTn id="35" presetID="1" presetClass="entr" presetSubtype="0" fill="hold" grpId="0" nodeType="clickEffect">
+                                  <p:stCondLst>
+                                    <p:cond delay="0"/>
+                                  </p:stCondLst>
+                                  <p:childTnLst>
+                                    <p:set>
+                                      <p:cBhvr>
+                                        <p:cTn id="36" dur="1" fill="hold">
+                                          <p:stCondLst>
+                                            <p:cond delay="0"/>
+                                          </p:stCondLst>
+                                        </p:cTn>
+                                        <p:tgtEl>
+                                          <p:spTgt spid="3">
+                                            <p:txEl>
+                                              <p:pRg st="10" end="10"/>
+                                            </p:txEl>
+                                          </p:spTgt>
+                                        </p:tgtEl>
+                                        <p:attrNameLst>
+                                          <p:attrName>style.visibility</p:attrName>
+                                        </p:attrNameLst>
+                                      </p:cBhvr>
+                                      <p:to>
+                                        <p:strVal val="visible"/>
+                                      </p:to>
+                                    </p:set>
+                                  </p:childTnLst>
+                                </p:cTn>
+                              </p:par>
+                            </p:childTnLst>
+                          </p:cTn>
+                        </p:par>
+                      </p:childTnLst>
+                    </p:cTn>
+                  </p:par>
+                </p:childTnLst>
+              </p:cTn>
+              <p:prevCondLst>
+                <p:cond evt="onPrev" delay="0">
+                  <p:tgtEl>
+                    <p:sldTgt/>
+                  </p:tgtEl>
+                </p:cond>
+              </p:prevCondLst>
+              <p:nextCondLst>
+                <p:cond evt="onNext" delay="0">
+                  <p:tgtEl>
+                    <p:sldTgt/>
+                  </p:tgtEl>
+                </p:cond>
+              </p:nextCondLst>
+            </p:seq>
+          </p:childTnLst>
+        </p:cTn>
+      </p:par>
+    </p:tnLst>
+    <p:bldLst>
+      <p:bldP spid="3" grpId="0" uiExpand="1" build="p"/>
+    </p:bldLst>
+  </p:timing>
 </p:sld>
 </file>
 

--- a/python_for_machine_learning.pptx
+++ b/python_for_machine_learning.pptx
@@ -344,7 +344,7 @@
           <a:p>
             <a:fld id="{DBF5F7A3-80FA-4DE8-9E10-D5FD6AAF4E4C}" type="datetimeFigureOut">
               <a:rPr lang="en-US" smtClean="0"/>
-              <a:t>2020-03-23</a:t>
+              <a:t>2020-03-24</a:t>
             </a:fld>
             <a:endParaRPr lang="en-US"/>
           </a:p>
@@ -898,7 +898,7 @@
           <a:p>
             <a:fld id="{12D417FB-DB75-4510-8AD7-5416595AADD8}" type="datetime1">
               <a:rPr lang="en-US" smtClean="0"/>
-              <a:t>2020-03-23</a:t>
+              <a:t>2020-03-24</a:t>
             </a:fld>
             <a:endParaRPr lang="en-US"/>
           </a:p>
@@ -3266,7 +3266,7 @@
           <a:p>
             <a:fld id="{EC448E59-F64F-416B-85C7-F58EA54BAF31}" type="datetime1">
               <a:rPr lang="nl-BE" smtClean="0"/>
-              <a:t>23/03/2020</a:t>
+              <a:t>24/03/2020</a:t>
             </a:fld>
             <a:endParaRPr lang="nl-BE"/>
           </a:p>
@@ -3512,7 +3512,7 @@
           <a:p>
             <a:fld id="{9ED5C3B5-60AD-4494-9CFA-8B02B158E887}" type="datetime1">
               <a:rPr lang="nl-BE" smtClean="0"/>
-              <a:t>23/03/2020</a:t>
+              <a:t>24/03/2020</a:t>
             </a:fld>
             <a:endParaRPr lang="nl-BE"/>
           </a:p>
@@ -3630,7 +3630,7 @@
           <a:p>
             <a:fld id="{1E4894A8-27B8-4F4D-B345-90FD4A1447E9}" type="datetime1">
               <a:rPr lang="nl-BE" smtClean="0"/>
-              <a:t>23/03/2020</a:t>
+              <a:t>24/03/2020</a:t>
             </a:fld>
             <a:endParaRPr lang="nl-BE"/>
           </a:p>
@@ -3918,7 +3918,7 @@
           <a:p>
             <a:fld id="{44F0EF99-E673-4972-A23A-EB3FD1F7D254}" type="datetime1">
               <a:rPr lang="nl-BE" smtClean="0"/>
-              <a:t>23/03/2020</a:t>
+              <a:t>24/03/2020</a:t>
             </a:fld>
             <a:endParaRPr lang="nl-BE"/>
           </a:p>
@@ -15527,7 +15527,7 @@
                 <a:latin typeface="Courier New" pitchFamily="49" charset="0"/>
                 <a:cs typeface="Courier New" pitchFamily="49" charset="0"/>
               </a:rPr>
-              <a:t>num_attrs</a:t>
+              <a:t>num_attr_names</a:t>
             </a:r>
             <a:r>
               <a:rPr lang="en-US" dirty="0">
@@ -33752,13 +33752,13 @@
   <p:clrMapOvr>
     <a:masterClrMapping/>
   </p:clrMapOvr>
-  <mc:AlternateContent xmlns:mc="http://schemas.openxmlformats.org/markup-compatibility/2006">
-    <mc:Choice xmlns:p159="http://schemas.microsoft.com/office/powerpoint/2015/09/main" Requires="p159">
+  <mc:AlternateContent xmlns:mc="http://schemas.openxmlformats.org/markup-compatibility/2006" xmlns:p159="http://schemas.microsoft.com/office/powerpoint/2015/09/main">
+    <mc:Choice Requires="p159">
       <p:transition xmlns:p14="http://schemas.microsoft.com/office/powerpoint/2010/main" spd="slow" p14:dur="2000">
         <p159:morph option="byObject"/>
       </p:transition>
     </mc:Choice>
-    <mc:Fallback>
+    <mc:Fallback xmlns="">
       <p:transition spd="slow">
         <p:fade/>
       </p:transition>

--- a/python_for_machine_learning.pptx
+++ b/python_for_machine_learning.pptx
@@ -344,7 +344,7 @@
           <a:p>
             <a:fld id="{DBF5F7A3-80FA-4DE8-9E10-D5FD6AAF4E4C}" type="datetimeFigureOut">
               <a:rPr lang="en-US" smtClean="0"/>
-              <a:t>2020-03-24</a:t>
+              <a:t>2021-01-19</a:t>
             </a:fld>
             <a:endParaRPr lang="en-US"/>
           </a:p>
@@ -898,7 +898,7 @@
           <a:p>
             <a:fld id="{12D417FB-DB75-4510-8AD7-5416595AADD8}" type="datetime1">
               <a:rPr lang="en-US" smtClean="0"/>
-              <a:t>2020-03-24</a:t>
+              <a:t>2021-01-19</a:t>
             </a:fld>
             <a:endParaRPr lang="en-US"/>
           </a:p>
@@ -3266,7 +3266,7 @@
           <a:p>
             <a:fld id="{EC448E59-F64F-416B-85C7-F58EA54BAF31}" type="datetime1">
               <a:rPr lang="nl-BE" smtClean="0"/>
-              <a:t>24/03/2020</a:t>
+              <a:t>19/01/2021</a:t>
             </a:fld>
             <a:endParaRPr lang="nl-BE"/>
           </a:p>
@@ -3512,7 +3512,7 @@
           <a:p>
             <a:fld id="{9ED5C3B5-60AD-4494-9CFA-8B02B158E887}" type="datetime1">
               <a:rPr lang="nl-BE" smtClean="0"/>
-              <a:t>24/03/2020</a:t>
+              <a:t>19/01/2021</a:t>
             </a:fld>
             <a:endParaRPr lang="nl-BE"/>
           </a:p>
@@ -3630,7 +3630,7 @@
           <a:p>
             <a:fld id="{1E4894A8-27B8-4F4D-B345-90FD4A1447E9}" type="datetime1">
               <a:rPr lang="nl-BE" smtClean="0"/>
-              <a:t>24/03/2020</a:t>
+              <a:t>19/01/2021</a:t>
             </a:fld>
             <a:endParaRPr lang="nl-BE"/>
           </a:p>
@@ -3918,7 +3918,7 @@
           <a:p>
             <a:fld id="{44F0EF99-E673-4972-A23A-EB3FD1F7D254}" type="datetime1">
               <a:rPr lang="nl-BE" smtClean="0"/>
-              <a:t>24/03/2020</a:t>
+              <a:t>19/01/2021</a:t>
             </a:fld>
             <a:endParaRPr lang="nl-BE"/>
           </a:p>
@@ -18708,7 +18708,7 @@
                             </p:stCondLst>
                             <p:childTnLst>
                               <p:par>
-                                <p:cTn id="21" presetID="1" presetClass="entr" presetSubtype="0" fill="hold" grpId="0" nodeType="clickEffect">
+                                <p:cTn id="21" presetID="1" presetClass="entr" presetSubtype="0" fill="hold" nodeType="clickEffect">
                                   <p:stCondLst>
                                     <p:cond delay="0"/>
                                   </p:stCondLst>
@@ -18716,6 +18716,51 @@
                                     <p:set>
                                       <p:cBhvr>
                                         <p:cTn id="22" dur="1" fill="hold">
+                                          <p:stCondLst>
+                                            <p:cond delay="0"/>
+                                          </p:stCondLst>
+                                        </p:cTn>
+                                        <p:tgtEl>
+                                          <p:spTgt spid="14"/>
+                                        </p:tgtEl>
+                                        <p:attrNameLst>
+                                          <p:attrName>style.visibility</p:attrName>
+                                        </p:attrNameLst>
+                                      </p:cBhvr>
+                                      <p:to>
+                                        <p:strVal val="visible"/>
+                                      </p:to>
+                                    </p:set>
+                                  </p:childTnLst>
+                                </p:cTn>
+                              </p:par>
+                            </p:childTnLst>
+                          </p:cTn>
+                        </p:par>
+                      </p:childTnLst>
+                    </p:cTn>
+                  </p:par>
+                  <p:par>
+                    <p:cTn id="23" fill="hold">
+                      <p:stCondLst>
+                        <p:cond delay="indefinite"/>
+                      </p:stCondLst>
+                      <p:childTnLst>
+                        <p:par>
+                          <p:cTn id="24" fill="hold">
+                            <p:stCondLst>
+                              <p:cond delay="0"/>
+                            </p:stCondLst>
+                            <p:childTnLst>
+                              <p:par>
+                                <p:cTn id="25" presetID="1" presetClass="entr" presetSubtype="0" fill="hold" grpId="0" nodeType="clickEffect">
+                                  <p:stCondLst>
+                                    <p:cond delay="0"/>
+                                  </p:stCondLst>
+                                  <p:childTnLst>
+                                    <p:set>
+                                      <p:cBhvr>
+                                        <p:cTn id="26" dur="1" fill="hold">
                                           <p:stCondLst>
                                             <p:cond delay="0"/>
                                           </p:stCondLst>
@@ -18739,14 +18784,14 @@
                                 </p:cTn>
                               </p:par>
                               <p:par>
-                                <p:cTn id="23" presetID="1" presetClass="entr" presetSubtype="0" fill="hold" grpId="0" nodeType="withEffect">
+                                <p:cTn id="27" presetID="1" presetClass="entr" presetSubtype="0" fill="hold" grpId="0" nodeType="withEffect">
                                   <p:stCondLst>
                                     <p:cond delay="0"/>
                                   </p:stCondLst>
                                   <p:childTnLst>
                                     <p:set>
                                       <p:cBhvr>
-                                        <p:cTn id="24" dur="1" fill="hold">
+                                        <p:cTn id="28" dur="1" fill="hold">
                                           <p:stCondLst>
                                             <p:cond delay="0"/>
                                           </p:stCondLst>

--- a/python_for_machine_learning.pptx
+++ b/python_for_machine_learning.pptx
@@ -5,71 +5,72 @@
     <p:sldMasterId id="2147483660" r:id="rId1"/>
   </p:sldMasterIdLst>
   <p:notesMasterIdLst>
-    <p:notesMasterId r:id="rId64"/>
+    <p:notesMasterId r:id="rId65"/>
   </p:notesMasterIdLst>
   <p:sldIdLst>
     <p:sldId id="257" r:id="rId2"/>
     <p:sldId id="281" r:id="rId3"/>
-    <p:sldId id="258" r:id="rId4"/>
-    <p:sldId id="259" r:id="rId5"/>
-    <p:sldId id="260" r:id="rId6"/>
-    <p:sldId id="261" r:id="rId7"/>
-    <p:sldId id="266" r:id="rId8"/>
-    <p:sldId id="265" r:id="rId9"/>
-    <p:sldId id="274" r:id="rId10"/>
-    <p:sldId id="267" r:id="rId11"/>
-    <p:sldId id="277" r:id="rId12"/>
-    <p:sldId id="268" r:id="rId13"/>
-    <p:sldId id="262" r:id="rId14"/>
-    <p:sldId id="273" r:id="rId15"/>
-    <p:sldId id="276" r:id="rId16"/>
-    <p:sldId id="751" r:id="rId17"/>
-    <p:sldId id="263" r:id="rId18"/>
-    <p:sldId id="761" r:id="rId19"/>
-    <p:sldId id="754" r:id="rId20"/>
-    <p:sldId id="779" r:id="rId21"/>
-    <p:sldId id="762" r:id="rId22"/>
-    <p:sldId id="755" r:id="rId23"/>
-    <p:sldId id="760" r:id="rId24"/>
-    <p:sldId id="756" r:id="rId25"/>
-    <p:sldId id="757" r:id="rId26"/>
-    <p:sldId id="758" r:id="rId27"/>
-    <p:sldId id="759" r:id="rId28"/>
-    <p:sldId id="763" r:id="rId29"/>
-    <p:sldId id="764" r:id="rId30"/>
-    <p:sldId id="765" r:id="rId31"/>
-    <p:sldId id="766" r:id="rId32"/>
-    <p:sldId id="768" r:id="rId33"/>
-    <p:sldId id="767" r:id="rId34"/>
-    <p:sldId id="771" r:id="rId35"/>
-    <p:sldId id="772" r:id="rId36"/>
-    <p:sldId id="773" r:id="rId37"/>
-    <p:sldId id="774" r:id="rId38"/>
-    <p:sldId id="775" r:id="rId39"/>
-    <p:sldId id="776" r:id="rId40"/>
-    <p:sldId id="777" r:id="rId41"/>
-    <p:sldId id="778" r:id="rId42"/>
-    <p:sldId id="780" r:id="rId43"/>
-    <p:sldId id="781" r:id="rId44"/>
-    <p:sldId id="783" r:id="rId45"/>
-    <p:sldId id="264" r:id="rId46"/>
-    <p:sldId id="270" r:id="rId47"/>
-    <p:sldId id="271" r:id="rId48"/>
-    <p:sldId id="272" r:id="rId49"/>
-    <p:sldId id="279" r:id="rId50"/>
-    <p:sldId id="280" r:id="rId51"/>
-    <p:sldId id="275" r:id="rId52"/>
-    <p:sldId id="278" r:id="rId53"/>
-    <p:sldId id="269" r:id="rId54"/>
-    <p:sldId id="282" r:id="rId55"/>
-    <p:sldId id="283" r:id="rId56"/>
-    <p:sldId id="286" r:id="rId57"/>
-    <p:sldId id="287" r:id="rId58"/>
-    <p:sldId id="285" r:id="rId59"/>
-    <p:sldId id="288" r:id="rId60"/>
-    <p:sldId id="284" r:id="rId61"/>
-    <p:sldId id="769" r:id="rId62"/>
-    <p:sldId id="770" r:id="rId63"/>
+    <p:sldId id="784" r:id="rId4"/>
+    <p:sldId id="258" r:id="rId5"/>
+    <p:sldId id="259" r:id="rId6"/>
+    <p:sldId id="260" r:id="rId7"/>
+    <p:sldId id="261" r:id="rId8"/>
+    <p:sldId id="266" r:id="rId9"/>
+    <p:sldId id="265" r:id="rId10"/>
+    <p:sldId id="274" r:id="rId11"/>
+    <p:sldId id="267" r:id="rId12"/>
+    <p:sldId id="277" r:id="rId13"/>
+    <p:sldId id="268" r:id="rId14"/>
+    <p:sldId id="262" r:id="rId15"/>
+    <p:sldId id="273" r:id="rId16"/>
+    <p:sldId id="276" r:id="rId17"/>
+    <p:sldId id="751" r:id="rId18"/>
+    <p:sldId id="263" r:id="rId19"/>
+    <p:sldId id="761" r:id="rId20"/>
+    <p:sldId id="754" r:id="rId21"/>
+    <p:sldId id="779" r:id="rId22"/>
+    <p:sldId id="762" r:id="rId23"/>
+    <p:sldId id="755" r:id="rId24"/>
+    <p:sldId id="760" r:id="rId25"/>
+    <p:sldId id="756" r:id="rId26"/>
+    <p:sldId id="757" r:id="rId27"/>
+    <p:sldId id="758" r:id="rId28"/>
+    <p:sldId id="759" r:id="rId29"/>
+    <p:sldId id="763" r:id="rId30"/>
+    <p:sldId id="764" r:id="rId31"/>
+    <p:sldId id="765" r:id="rId32"/>
+    <p:sldId id="766" r:id="rId33"/>
+    <p:sldId id="768" r:id="rId34"/>
+    <p:sldId id="767" r:id="rId35"/>
+    <p:sldId id="771" r:id="rId36"/>
+    <p:sldId id="772" r:id="rId37"/>
+    <p:sldId id="773" r:id="rId38"/>
+    <p:sldId id="774" r:id="rId39"/>
+    <p:sldId id="775" r:id="rId40"/>
+    <p:sldId id="776" r:id="rId41"/>
+    <p:sldId id="777" r:id="rId42"/>
+    <p:sldId id="778" r:id="rId43"/>
+    <p:sldId id="780" r:id="rId44"/>
+    <p:sldId id="781" r:id="rId45"/>
+    <p:sldId id="783" r:id="rId46"/>
+    <p:sldId id="264" r:id="rId47"/>
+    <p:sldId id="270" r:id="rId48"/>
+    <p:sldId id="271" r:id="rId49"/>
+    <p:sldId id="272" r:id="rId50"/>
+    <p:sldId id="279" r:id="rId51"/>
+    <p:sldId id="280" r:id="rId52"/>
+    <p:sldId id="275" r:id="rId53"/>
+    <p:sldId id="278" r:id="rId54"/>
+    <p:sldId id="269" r:id="rId55"/>
+    <p:sldId id="282" r:id="rId56"/>
+    <p:sldId id="283" r:id="rId57"/>
+    <p:sldId id="286" r:id="rId58"/>
+    <p:sldId id="287" r:id="rId59"/>
+    <p:sldId id="285" r:id="rId60"/>
+    <p:sldId id="288" r:id="rId61"/>
+    <p:sldId id="284" r:id="rId62"/>
+    <p:sldId id="769" r:id="rId63"/>
+    <p:sldId id="770" r:id="rId64"/>
   </p:sldIdLst>
   <p:sldSz cx="12192000" cy="6858000"/>
   <p:notesSz cx="6858000" cy="9144000"/>
@@ -175,6 +176,7 @@
           <p14:sldIdLst>
             <p14:sldId id="257"/>
             <p14:sldId id="281"/>
+            <p14:sldId id="784"/>
           </p14:sldIdLst>
         </p14:section>
         <p14:section name="Introduction" id="{857C6A2F-A767-4067-AE01-714D1130F04F}">
@@ -344,7 +346,7 @@
           <a:p>
             <a:fld id="{DBF5F7A3-80FA-4DE8-9E10-D5FD6AAF4E4C}" type="datetimeFigureOut">
               <a:rPr lang="en-US" smtClean="0"/>
-              <a:t>2021-01-19</a:t>
+              <a:t>2022-01-12</a:t>
             </a:fld>
             <a:endParaRPr lang="en-US"/>
           </a:p>
@@ -682,7 +684,7 @@
           <a:p>
             <a:fld id="{2DAAB5DE-4D54-4E1E-B02D-B50369E95D41}" type="slidenum">
               <a:rPr lang="en-US" smtClean="0"/>
-              <a:t>12</a:t>
+              <a:t>13</a:t>
             </a:fld>
             <a:endParaRPr lang="en-US"/>
           </a:p>
@@ -898,7 +900,7 @@
           <a:p>
             <a:fld id="{12D417FB-DB75-4510-8AD7-5416595AADD8}" type="datetime1">
               <a:rPr lang="en-US" smtClean="0"/>
-              <a:t>2021-01-19</a:t>
+              <a:t>2022-01-12</a:t>
             </a:fld>
             <a:endParaRPr lang="en-US"/>
           </a:p>
@@ -3266,7 +3268,7 @@
           <a:p>
             <a:fld id="{EC448E59-F64F-416B-85C7-F58EA54BAF31}" type="datetime1">
               <a:rPr lang="nl-BE" smtClean="0"/>
-              <a:t>19/01/2021</a:t>
+              <a:t>12/01/2022</a:t>
             </a:fld>
             <a:endParaRPr lang="nl-BE"/>
           </a:p>
@@ -3512,7 +3514,7 @@
           <a:p>
             <a:fld id="{9ED5C3B5-60AD-4494-9CFA-8B02B158E887}" type="datetime1">
               <a:rPr lang="nl-BE" smtClean="0"/>
-              <a:t>19/01/2021</a:t>
+              <a:t>12/01/2022</a:t>
             </a:fld>
             <a:endParaRPr lang="nl-BE"/>
           </a:p>
@@ -3630,7 +3632,7 @@
           <a:p>
             <a:fld id="{1E4894A8-27B8-4F4D-B345-90FD4A1447E9}" type="datetime1">
               <a:rPr lang="nl-BE" smtClean="0"/>
-              <a:t>19/01/2021</a:t>
+              <a:t>12/01/2022</a:t>
             </a:fld>
             <a:endParaRPr lang="nl-BE"/>
           </a:p>
@@ -3918,7 +3920,7 @@
           <a:p>
             <a:fld id="{44F0EF99-E673-4972-A23A-EB3FD1F7D254}" type="datetime1">
               <a:rPr lang="nl-BE" smtClean="0"/>
-              <a:t>19/01/2021</a:t>
+              <a:t>12/01/2022</a:t>
             </a:fld>
             <a:endParaRPr lang="nl-BE"/>
           </a:p>
@@ -6005,6 +6007,178 @@
           <a:p>
             <a:r>
               <a:rPr lang="en-BE" dirty="0"/>
+              <a:t>Applications in science</a:t>
+            </a:r>
+            <a:endParaRPr lang="en-US" dirty="0"/>
+          </a:p>
+        </p:txBody>
+      </p:sp>
+      <p:sp>
+        <p:nvSpPr>
+          <p:cNvPr id="5" name="Slide Number Placeholder 4"/>
+          <p:cNvSpPr>
+            <a:spLocks noGrp="1"/>
+          </p:cNvSpPr>
+          <p:nvPr>
+            <p:ph type="sldNum" sz="quarter" idx="12"/>
+          </p:nvPr>
+        </p:nvSpPr>
+        <p:spPr/>
+        <p:txBody>
+          <a:bodyPr/>
+          <a:lstStyle/>
+          <a:p>
+            <a:fld id="{CF5A1C33-475D-474A-A037-DDAF3DC7AF09}" type="slidenum">
+              <a:rPr lang="en-US" smtClean="0"/>
+              <a:t>10</a:t>
+            </a:fld>
+            <a:endParaRPr lang="en-US"/>
+          </a:p>
+        </p:txBody>
+      </p:sp>
+      <p:pic>
+        <p:nvPicPr>
+          <p:cNvPr id="7" name="Picture 6"/>
+          <p:cNvPicPr>
+            <a:picLocks noChangeAspect="1"/>
+          </p:cNvPicPr>
+          <p:nvPr/>
+        </p:nvPicPr>
+        <p:blipFill>
+          <a:blip r:embed="rId2"/>
+          <a:stretch>
+            <a:fillRect/>
+          </a:stretch>
+        </p:blipFill>
+        <p:spPr>
+          <a:xfrm rot="21142288">
+            <a:off x="5669279" y="2174425"/>
+            <a:ext cx="4894761" cy="2332883"/>
+          </a:xfrm>
+          <a:prstGeom prst="rect">
+            <a:avLst/>
+          </a:prstGeom>
+        </p:spPr>
+      </p:pic>
+      <p:pic>
+        <p:nvPicPr>
+          <p:cNvPr id="8" name="Picture 7"/>
+          <p:cNvPicPr>
+            <a:picLocks noChangeAspect="1"/>
+          </p:cNvPicPr>
+          <p:nvPr/>
+        </p:nvPicPr>
+        <p:blipFill>
+          <a:blip r:embed="rId3"/>
+          <a:stretch>
+            <a:fillRect/>
+          </a:stretch>
+        </p:blipFill>
+        <p:spPr>
+          <a:xfrm rot="1023078">
+            <a:off x="6285548" y="1023394"/>
+            <a:ext cx="5131390" cy="1585814"/>
+          </a:xfrm>
+          <a:prstGeom prst="rect">
+            <a:avLst/>
+          </a:prstGeom>
+        </p:spPr>
+      </p:pic>
+      <p:pic>
+        <p:nvPicPr>
+          <p:cNvPr id="9" name="Picture 8"/>
+          <p:cNvPicPr>
+            <a:picLocks noChangeAspect="1"/>
+          </p:cNvPicPr>
+          <p:nvPr/>
+        </p:nvPicPr>
+        <p:blipFill>
+          <a:blip r:embed="rId4"/>
+          <a:stretch>
+            <a:fillRect/>
+          </a:stretch>
+        </p:blipFill>
+        <p:spPr>
+          <a:xfrm rot="21075860">
+            <a:off x="652476" y="1956171"/>
+            <a:ext cx="5390469" cy="2003914"/>
+          </a:xfrm>
+          <a:prstGeom prst="rect">
+            <a:avLst/>
+          </a:prstGeom>
+        </p:spPr>
+      </p:pic>
+      <p:pic>
+        <p:nvPicPr>
+          <p:cNvPr id="10" name="Picture 9"/>
+          <p:cNvPicPr>
+            <a:picLocks noChangeAspect="1"/>
+          </p:cNvPicPr>
+          <p:nvPr/>
+        </p:nvPicPr>
+        <p:blipFill>
+          <a:blip r:embed="rId5"/>
+          <a:stretch>
+            <a:fillRect/>
+          </a:stretch>
+        </p:blipFill>
+        <p:spPr>
+          <a:xfrm rot="298512">
+            <a:off x="1387941" y="3627307"/>
+            <a:ext cx="3919537" cy="2143160"/>
+          </a:xfrm>
+          <a:prstGeom prst="rect">
+            <a:avLst/>
+          </a:prstGeom>
+        </p:spPr>
+      </p:pic>
+    </p:spTree>
+    <p:extLst>
+      <p:ext uri="{BB962C8B-B14F-4D97-AF65-F5344CB8AC3E}">
+        <p14:creationId xmlns:p14="http://schemas.microsoft.com/office/powerpoint/2010/main" val="783183858"/>
+      </p:ext>
+    </p:extLst>
+  </p:cSld>
+  <p:clrMapOvr>
+    <a:masterClrMapping/>
+  </p:clrMapOvr>
+</p:sld>
+</file>
+
+<file path=ppt/slides/slide11.xml><?xml version="1.0" encoding="utf-8"?>
+<p:sld xmlns:a="http://schemas.openxmlformats.org/drawingml/2006/main" xmlns:r="http://schemas.openxmlformats.org/officeDocument/2006/relationships" xmlns:p="http://schemas.openxmlformats.org/presentationml/2006/main">
+  <p:cSld>
+    <p:spTree>
+      <p:nvGrpSpPr>
+        <p:cNvPr id="1" name=""/>
+        <p:cNvGrpSpPr/>
+        <p:nvPr/>
+      </p:nvGrpSpPr>
+      <p:grpSpPr>
+        <a:xfrm>
+          <a:off x="0" y="0"/>
+          <a:ext cx="0" cy="0"/>
+          <a:chOff x="0" y="0"/>
+          <a:chExt cx="0" cy="0"/>
+        </a:xfrm>
+      </p:grpSpPr>
+      <p:sp>
+        <p:nvSpPr>
+          <p:cNvPr id="2" name="Title 1"/>
+          <p:cNvSpPr>
+            <a:spLocks noGrp="1"/>
+          </p:cNvSpPr>
+          <p:nvPr>
+            <p:ph type="title"/>
+          </p:nvPr>
+        </p:nvSpPr>
+        <p:spPr/>
+        <p:txBody>
+          <a:bodyPr/>
+          <a:lstStyle/>
+          <a:p>
+            <a:r>
+              <a:rPr lang="en-BE" dirty="0"/>
               <a:t>Machine learning algorithms</a:t>
             </a:r>
             <a:endParaRPr lang="en-US" dirty="0"/>
@@ -6116,7 +6290,7 @@
           <a:p>
             <a:fld id="{5A209D72-2E9D-49B0-8977-41DCCC66C0BB}" type="slidenum">
               <a:rPr lang="nl-BE" smtClean="0"/>
-              <a:t>10</a:t>
+              <a:t>11</a:t>
             </a:fld>
             <a:endParaRPr lang="nl-BE"/>
           </a:p>
@@ -6657,7 +6831,7 @@
 </p:sld>
 </file>
 
-<file path=ppt/slides/slide11.xml><?xml version="1.0" encoding="utf-8"?>
+<file path=ppt/slides/slide12.xml><?xml version="1.0" encoding="utf-8"?>
 <p:sld xmlns:a="http://schemas.openxmlformats.org/drawingml/2006/main" xmlns:r="http://schemas.openxmlformats.org/officeDocument/2006/relationships" xmlns:p="http://schemas.openxmlformats.org/presentationml/2006/main">
   <p:cSld>
     <p:spTree>
@@ -6773,7 +6947,7 @@
           <a:p>
             <a:fld id="{5A209D72-2E9D-49B0-8977-41DCCC66C0BB}" type="slidenum">
               <a:rPr lang="nl-BE" smtClean="0"/>
-              <a:t>11</a:t>
+              <a:t>12</a:t>
             </a:fld>
             <a:endParaRPr lang="nl-BE"/>
           </a:p>
@@ -7035,7 +7209,7 @@
 </p:sld>
 </file>
 
-<file path=ppt/slides/slide12.xml><?xml version="1.0" encoding="utf-8"?>
+<file path=ppt/slides/slide13.xml><?xml version="1.0" encoding="utf-8"?>
 <p:sld xmlns:a="http://schemas.openxmlformats.org/drawingml/2006/main" xmlns:r="http://schemas.openxmlformats.org/officeDocument/2006/relationships" xmlns:p="http://schemas.openxmlformats.org/presentationml/2006/main">
   <p:cSld>
     <p:spTree>
@@ -7165,7 +7339,7 @@
           <a:p>
             <a:fld id="{5A209D72-2E9D-49B0-8977-41DCCC66C0BB}" type="slidenum">
               <a:rPr lang="nl-BE" smtClean="0"/>
-              <a:t>12</a:t>
+              <a:t>13</a:t>
             </a:fld>
             <a:endParaRPr lang="nl-BE"/>
           </a:p>
@@ -7987,7 +8161,7 @@
 </p:sld>
 </file>
 
-<file path=ppt/slides/slide13.xml><?xml version="1.0" encoding="utf-8"?>
+<file path=ppt/slides/slide14.xml><?xml version="1.0" encoding="utf-8"?>
 <p:sld xmlns:a="http://schemas.openxmlformats.org/drawingml/2006/main" xmlns:r="http://schemas.openxmlformats.org/officeDocument/2006/relationships" xmlns:p="http://schemas.openxmlformats.org/presentationml/2006/main">
   <p:cSld>
     <p:spTree>
@@ -8145,7 +8319,7 @@
           <a:p>
             <a:fld id="{5A209D72-2E9D-49B0-8977-41DCCC66C0BB}" type="slidenum">
               <a:rPr lang="nl-BE" smtClean="0"/>
-              <a:t>13</a:t>
+              <a:t>14</a:t>
             </a:fld>
             <a:endParaRPr lang="nl-BE"/>
           </a:p>
@@ -9267,7 +9441,7 @@
 </p:sld>
 </file>
 
-<file path=ppt/slides/slide14.xml><?xml version="1.0" encoding="utf-8"?>
+<file path=ppt/slides/slide15.xml><?xml version="1.0" encoding="utf-8"?>
 <p:sld xmlns:a="http://schemas.openxmlformats.org/drawingml/2006/main" xmlns:r="http://schemas.openxmlformats.org/officeDocument/2006/relationships" xmlns:p="http://schemas.openxmlformats.org/presentationml/2006/main">
   <p:cSld>
     <p:spTree>
@@ -9409,7 +9583,7 @@
           <a:p>
             <a:fld id="{5A209D72-2E9D-49B0-8977-41DCCC66C0BB}" type="slidenum">
               <a:rPr lang="nl-BE" smtClean="0"/>
-              <a:t>14</a:t>
+              <a:t>15</a:t>
             </a:fld>
             <a:endParaRPr lang="nl-BE"/>
           </a:p>
@@ -10055,7 +10229,7 @@
 </p:sld>
 </file>
 
-<file path=ppt/slides/slide15.xml><?xml version="1.0" encoding="utf-8"?>
+<file path=ppt/slides/slide16.xml><?xml version="1.0" encoding="utf-8"?>
 <p:sld xmlns:a="http://schemas.openxmlformats.org/drawingml/2006/main" xmlns:r="http://schemas.openxmlformats.org/officeDocument/2006/relationships" xmlns:p="http://schemas.openxmlformats.org/presentationml/2006/main">
   <p:cSld>
     <p:spTree>
@@ -10238,7 +10412,7 @@
           <a:p>
             <a:fld id="{5A209D72-2E9D-49B0-8977-41DCCC66C0BB}" type="slidenum">
               <a:rPr lang="nl-BE" smtClean="0"/>
-              <a:t>15</a:t>
+              <a:t>16</a:t>
             </a:fld>
             <a:endParaRPr lang="nl-BE"/>
           </a:p>
@@ -10861,116 +11035,6 @@
 </p:sld>
 </file>
 
-<file path=ppt/slides/slide16.xml><?xml version="1.0" encoding="utf-8"?>
-<p:sld xmlns:a="http://schemas.openxmlformats.org/drawingml/2006/main" xmlns:r="http://schemas.openxmlformats.org/officeDocument/2006/relationships" xmlns:p="http://schemas.openxmlformats.org/presentationml/2006/main">
-  <p:cSld>
-    <p:spTree>
-      <p:nvGrpSpPr>
-        <p:cNvPr id="1" name=""/>
-        <p:cNvGrpSpPr/>
-        <p:nvPr/>
-      </p:nvGrpSpPr>
-      <p:grpSpPr>
-        <a:xfrm>
-          <a:off x="0" y="0"/>
-          <a:ext cx="0" cy="0"/>
-          <a:chOff x="0" y="0"/>
-          <a:chExt cx="0" cy="0"/>
-        </a:xfrm>
-      </p:grpSpPr>
-      <p:sp>
-        <p:nvSpPr>
-          <p:cNvPr id="2" name="Title 1"/>
-          <p:cNvSpPr>
-            <a:spLocks noGrp="1"/>
-          </p:cNvSpPr>
-          <p:nvPr>
-            <p:ph type="title"/>
-          </p:nvPr>
-        </p:nvSpPr>
-        <p:spPr/>
-        <p:txBody>
-          <a:bodyPr/>
-          <a:lstStyle/>
-          <a:p>
-            <a:r>
-              <a:rPr lang="en-US" dirty="0" err="1"/>
-              <a:t>scikit</a:t>
-            </a:r>
-            <a:r>
-              <a:rPr lang="en-US" dirty="0"/>
-              <a:t>-learn</a:t>
-            </a:r>
-          </a:p>
-        </p:txBody>
-      </p:sp>
-      <p:sp>
-        <p:nvSpPr>
-          <p:cNvPr id="3" name="Text Placeholder 2"/>
-          <p:cNvSpPr>
-            <a:spLocks noGrp="1"/>
-          </p:cNvSpPr>
-          <p:nvPr>
-            <p:ph type="body" idx="1"/>
-          </p:nvPr>
-        </p:nvSpPr>
-        <p:spPr/>
-        <p:txBody>
-          <a:bodyPr>
-            <a:normAutofit/>
-          </a:bodyPr>
-          <a:lstStyle/>
-          <a:p>
-            <a:r>
-              <a:rPr lang="en-GB" sz="1800" dirty="0">
-                <a:hlinkClick r:id="rId2"/>
-              </a:rPr>
-              <a:t>https://github.com/gjbex/Python-for-machine-learning/tree/master/source-code/scikit-learn</a:t>
-            </a:r>
-            <a:r>
-              <a:rPr lang="en-GB" sz="1800" dirty="0"/>
-              <a:t> </a:t>
-            </a:r>
-            <a:endParaRPr lang="en-US" sz="2400" dirty="0"/>
-          </a:p>
-        </p:txBody>
-      </p:sp>
-      <p:sp>
-        <p:nvSpPr>
-          <p:cNvPr id="4" name="Slide Number Placeholder 3"/>
-          <p:cNvSpPr>
-            <a:spLocks noGrp="1"/>
-          </p:cNvSpPr>
-          <p:nvPr>
-            <p:ph type="sldNum" sz="quarter" idx="12"/>
-          </p:nvPr>
-        </p:nvSpPr>
-        <p:spPr/>
-        <p:txBody>
-          <a:bodyPr/>
-          <a:lstStyle/>
-          <a:p>
-            <a:fld id="{5A209D72-2E9D-49B0-8977-41DCCC66C0BB}" type="slidenum">
-              <a:rPr lang="nl-BE" smtClean="0"/>
-              <a:t>16</a:t>
-            </a:fld>
-            <a:endParaRPr lang="nl-BE"/>
-          </a:p>
-        </p:txBody>
-      </p:sp>
-    </p:spTree>
-    <p:extLst>
-      <p:ext uri="{BB962C8B-B14F-4D97-AF65-F5344CB8AC3E}">
-        <p14:creationId xmlns:p14="http://schemas.microsoft.com/office/powerpoint/2010/main" val="4268022366"/>
-      </p:ext>
-    </p:extLst>
-  </p:cSld>
-  <p:clrMapOvr>
-    <a:masterClrMapping/>
-  </p:clrMapOvr>
-</p:sld>
-</file>
-
 <file path=ppt/slides/slide17.xml><?xml version="1.0" encoding="utf-8"?>
 <p:sld xmlns:a="http://schemas.openxmlformats.org/drawingml/2006/main" xmlns:r="http://schemas.openxmlformats.org/officeDocument/2006/relationships" xmlns:p="http://schemas.openxmlformats.org/presentationml/2006/main">
   <p:cSld>
@@ -11016,12 +11080,12 @@
       </p:sp>
       <p:sp>
         <p:nvSpPr>
-          <p:cNvPr id="3" name="Content Placeholder 2"/>
+          <p:cNvPr id="3" name="Text Placeholder 2"/>
           <p:cNvSpPr>
             <a:spLocks noGrp="1"/>
           </p:cNvSpPr>
           <p:nvPr>
-            <p:ph idx="1"/>
+            <p:ph type="body" idx="1"/>
           </p:nvPr>
         </p:nvSpPr>
         <p:spPr/>
@@ -11032,81 +11096,16 @@
           <a:lstStyle/>
           <a:p>
             <a:r>
-              <a:rPr lang="en-US" dirty="0"/>
-              <a:t>Nice end-to-end framework</a:t>
-            </a:r>
-          </a:p>
-          <a:p>
-            <a:pPr lvl="1"/>
-            <a:r>
-              <a:rPr lang="en-US" dirty="0"/>
-              <a:t>data exploration (+ pandas + </a:t>
-            </a:r>
-            <a:r>
-              <a:rPr lang="en-US" dirty="0" err="1"/>
-              <a:t>holoviews</a:t>
-            </a:r>
-            <a:r>
-              <a:rPr lang="en-US" dirty="0"/>
-              <a:t>)</a:t>
-            </a:r>
-          </a:p>
-          <a:p>
-            <a:pPr lvl="1"/>
-            <a:r>
-              <a:rPr lang="en-US" dirty="0"/>
-              <a:t>data preprocessing (+ pandas)</a:t>
-            </a:r>
-          </a:p>
-          <a:p>
-            <a:pPr lvl="2"/>
-            <a:r>
-              <a:rPr lang="en-US" dirty="0"/>
-              <a:t>cleaning/missing values</a:t>
-            </a:r>
-          </a:p>
-          <a:p>
-            <a:pPr lvl="2"/>
-            <a:r>
-              <a:rPr lang="en-US" dirty="0"/>
-              <a:t>normalization</a:t>
-            </a:r>
-          </a:p>
-          <a:p>
-            <a:pPr lvl="1"/>
-            <a:r>
-              <a:rPr lang="en-US" dirty="0"/>
-              <a:t>training</a:t>
-            </a:r>
-          </a:p>
-          <a:p>
-            <a:pPr lvl="1"/>
-            <a:r>
-              <a:rPr lang="en-US" dirty="0"/>
-              <a:t>testing</a:t>
-            </a:r>
-          </a:p>
-          <a:p>
-            <a:pPr lvl="1"/>
-            <a:r>
-              <a:rPr lang="en-US" dirty="0"/>
-              <a:t>application</a:t>
-            </a:r>
-          </a:p>
-          <a:p>
-            <a:r>
-              <a:rPr lang="en-US" dirty="0"/>
-              <a:t>"Classic" machine learning only</a:t>
-            </a:r>
-          </a:p>
-          <a:p>
-            <a:r>
-              <a:rPr lang="en-US" dirty="0">
+              <a:rPr lang="en-GB" sz="1800" dirty="0">
                 <a:hlinkClick r:id="rId2"/>
               </a:rPr>
-              <a:t>https://scikit-learn.org/stable/</a:t>
-            </a:r>
-            <a:endParaRPr lang="en-US" dirty="0"/>
+              <a:t>https://github.com/gjbex/Python-for-machine-learning/tree/master/source-code/scikit-learn</a:t>
+            </a:r>
+            <a:r>
+              <a:rPr lang="en-GB" sz="1800" dirty="0"/>
+              <a:t> </a:t>
+            </a:r>
+            <a:endParaRPr lang="en-US" sz="2400" dirty="0"/>
           </a:p>
         </p:txBody>
       </p:sp>
@@ -11128,6 +11127,181 @@
             <a:fld id="{5A209D72-2E9D-49B0-8977-41DCCC66C0BB}" type="slidenum">
               <a:rPr lang="nl-BE" smtClean="0"/>
               <a:t>17</a:t>
+            </a:fld>
+            <a:endParaRPr lang="nl-BE"/>
+          </a:p>
+        </p:txBody>
+      </p:sp>
+    </p:spTree>
+    <p:extLst>
+      <p:ext uri="{BB962C8B-B14F-4D97-AF65-F5344CB8AC3E}">
+        <p14:creationId xmlns:p14="http://schemas.microsoft.com/office/powerpoint/2010/main" val="4268022366"/>
+      </p:ext>
+    </p:extLst>
+  </p:cSld>
+  <p:clrMapOvr>
+    <a:masterClrMapping/>
+  </p:clrMapOvr>
+</p:sld>
+</file>
+
+<file path=ppt/slides/slide18.xml><?xml version="1.0" encoding="utf-8"?>
+<p:sld xmlns:a="http://schemas.openxmlformats.org/drawingml/2006/main" xmlns:r="http://schemas.openxmlformats.org/officeDocument/2006/relationships" xmlns:p="http://schemas.openxmlformats.org/presentationml/2006/main">
+  <p:cSld>
+    <p:spTree>
+      <p:nvGrpSpPr>
+        <p:cNvPr id="1" name=""/>
+        <p:cNvGrpSpPr/>
+        <p:nvPr/>
+      </p:nvGrpSpPr>
+      <p:grpSpPr>
+        <a:xfrm>
+          <a:off x="0" y="0"/>
+          <a:ext cx="0" cy="0"/>
+          <a:chOff x="0" y="0"/>
+          <a:chExt cx="0" cy="0"/>
+        </a:xfrm>
+      </p:grpSpPr>
+      <p:sp>
+        <p:nvSpPr>
+          <p:cNvPr id="2" name="Title 1"/>
+          <p:cNvSpPr>
+            <a:spLocks noGrp="1"/>
+          </p:cNvSpPr>
+          <p:nvPr>
+            <p:ph type="title"/>
+          </p:nvPr>
+        </p:nvSpPr>
+        <p:spPr/>
+        <p:txBody>
+          <a:bodyPr/>
+          <a:lstStyle/>
+          <a:p>
+            <a:r>
+              <a:rPr lang="en-US" dirty="0" err="1"/>
+              <a:t>scikit</a:t>
+            </a:r>
+            <a:r>
+              <a:rPr lang="en-US" dirty="0"/>
+              <a:t>-learn</a:t>
+            </a:r>
+          </a:p>
+        </p:txBody>
+      </p:sp>
+      <p:sp>
+        <p:nvSpPr>
+          <p:cNvPr id="3" name="Content Placeholder 2"/>
+          <p:cNvSpPr>
+            <a:spLocks noGrp="1"/>
+          </p:cNvSpPr>
+          <p:nvPr>
+            <p:ph idx="1"/>
+          </p:nvPr>
+        </p:nvSpPr>
+        <p:spPr/>
+        <p:txBody>
+          <a:bodyPr>
+            <a:normAutofit/>
+          </a:bodyPr>
+          <a:lstStyle/>
+          <a:p>
+            <a:r>
+              <a:rPr lang="en-US" dirty="0"/>
+              <a:t>Nice end-to-end framework</a:t>
+            </a:r>
+          </a:p>
+          <a:p>
+            <a:pPr lvl="1"/>
+            <a:r>
+              <a:rPr lang="en-US" dirty="0"/>
+              <a:t>data exploration (+ pandas + </a:t>
+            </a:r>
+            <a:r>
+              <a:rPr lang="en-US" dirty="0" err="1"/>
+              <a:t>holoviews</a:t>
+            </a:r>
+            <a:r>
+              <a:rPr lang="en-US" dirty="0"/>
+              <a:t>)</a:t>
+            </a:r>
+          </a:p>
+          <a:p>
+            <a:pPr lvl="1"/>
+            <a:r>
+              <a:rPr lang="en-US" dirty="0"/>
+              <a:t>data preprocessing (+ pandas)</a:t>
+            </a:r>
+          </a:p>
+          <a:p>
+            <a:pPr lvl="2"/>
+            <a:r>
+              <a:rPr lang="en-US" dirty="0"/>
+              <a:t>cleaning/missing values</a:t>
+            </a:r>
+          </a:p>
+          <a:p>
+            <a:pPr lvl="2"/>
+            <a:r>
+              <a:rPr lang="en-US" dirty="0"/>
+              <a:t>normalization</a:t>
+            </a:r>
+          </a:p>
+          <a:p>
+            <a:pPr lvl="1"/>
+            <a:r>
+              <a:rPr lang="en-US" dirty="0"/>
+              <a:t>training</a:t>
+            </a:r>
+          </a:p>
+          <a:p>
+            <a:pPr lvl="1"/>
+            <a:r>
+              <a:rPr lang="en-US" dirty="0"/>
+              <a:t>testing</a:t>
+            </a:r>
+          </a:p>
+          <a:p>
+            <a:pPr lvl="1"/>
+            <a:r>
+              <a:rPr lang="en-US" dirty="0"/>
+              <a:t>application</a:t>
+            </a:r>
+          </a:p>
+          <a:p>
+            <a:r>
+              <a:rPr lang="en-US" dirty="0"/>
+              <a:t>"Classic" machine learning only</a:t>
+            </a:r>
+          </a:p>
+          <a:p>
+            <a:r>
+              <a:rPr lang="en-US" dirty="0">
+                <a:hlinkClick r:id="rId2"/>
+              </a:rPr>
+              <a:t>https://scikit-learn.org/stable/</a:t>
+            </a:r>
+            <a:endParaRPr lang="en-US" dirty="0"/>
+          </a:p>
+        </p:txBody>
+      </p:sp>
+      <p:sp>
+        <p:nvSpPr>
+          <p:cNvPr id="4" name="Slide Number Placeholder 3"/>
+          <p:cNvSpPr>
+            <a:spLocks noGrp="1"/>
+          </p:cNvSpPr>
+          <p:nvPr>
+            <p:ph type="sldNum" sz="quarter" idx="12"/>
+          </p:nvPr>
+        </p:nvSpPr>
+        <p:spPr/>
+        <p:txBody>
+          <a:bodyPr/>
+          <a:lstStyle/>
+          <a:p>
+            <a:fld id="{5A209D72-2E9D-49B0-8977-41DCCC66C0BB}" type="slidenum">
+              <a:rPr lang="nl-BE" smtClean="0"/>
+              <a:t>18</a:t>
             </a:fld>
             <a:endParaRPr lang="nl-BE"/>
           </a:p>
@@ -11677,7 +11851,7 @@
 </p:sld>
 </file>
 
-<file path=ppt/slides/slide18.xml><?xml version="1.0" encoding="utf-8"?>
+<file path=ppt/slides/slide19.xml><?xml version="1.0" encoding="utf-8"?>
 <p:sld xmlns:a="http://schemas.openxmlformats.org/drawingml/2006/main" xmlns:r="http://schemas.openxmlformats.org/officeDocument/2006/relationships" xmlns:p="http://schemas.openxmlformats.org/presentationml/2006/main">
   <p:cSld>
     <p:spTree>
@@ -11835,7 +12009,7 @@
           <a:p>
             <a:fld id="{5A209D72-2E9D-49B0-8977-41DCCC66C0BB}" type="slidenum">
               <a:rPr lang="nl-BE" smtClean="0"/>
-              <a:t>18</a:t>
+              <a:t>19</a:t>
             </a:fld>
             <a:endParaRPr lang="nl-BE"/>
           </a:p>
@@ -12331,7 +12505,138 @@
 </p:sld>
 </file>
 
-<file path=ppt/slides/slide19.xml><?xml version="1.0" encoding="utf-8"?>
+<file path=ppt/slides/slide2.xml><?xml version="1.0" encoding="utf-8"?>
+<p:sld xmlns:a="http://schemas.openxmlformats.org/drawingml/2006/main" xmlns:r="http://schemas.openxmlformats.org/officeDocument/2006/relationships" xmlns:p="http://schemas.openxmlformats.org/presentationml/2006/main">
+  <p:cSld>
+    <p:spTree>
+      <p:nvGrpSpPr>
+        <p:cNvPr id="1" name=""/>
+        <p:cNvGrpSpPr/>
+        <p:nvPr/>
+      </p:nvGrpSpPr>
+      <p:grpSpPr>
+        <a:xfrm>
+          <a:off x="0" y="0"/>
+          <a:ext cx="0" cy="0"/>
+          <a:chOff x="0" y="0"/>
+          <a:chExt cx="0" cy="0"/>
+        </a:xfrm>
+      </p:grpSpPr>
+      <p:sp>
+        <p:nvSpPr>
+          <p:cNvPr id="4" name="Slide Number Placeholder 3"/>
+          <p:cNvSpPr>
+            <a:spLocks noGrp="1"/>
+          </p:cNvSpPr>
+          <p:nvPr>
+            <p:ph type="sldNum" sz="quarter" idx="12"/>
+          </p:nvPr>
+        </p:nvSpPr>
+        <p:spPr/>
+        <p:txBody>
+          <a:bodyPr/>
+          <a:lstStyle/>
+          <a:p>
+            <a:fld id="{5A209D72-2E9D-49B0-8977-41DCCC66C0BB}" type="slidenum">
+              <a:rPr lang="nl-BE" smtClean="0"/>
+              <a:t>2</a:t>
+            </a:fld>
+            <a:endParaRPr lang="nl-BE"/>
+          </a:p>
+        </p:txBody>
+      </p:sp>
+      <p:sp>
+        <p:nvSpPr>
+          <p:cNvPr id="6" name="TextBox 5">
+            <a:extLst>
+              <a:ext uri="{FF2B5EF4-FFF2-40B4-BE49-F238E27FC236}">
+                <a16:creationId xmlns:a16="http://schemas.microsoft.com/office/drawing/2014/main" id="{15121924-8AEA-4C8F-95FA-4768DA10573C}"/>
+              </a:ext>
+            </a:extLst>
+          </p:cNvPr>
+          <p:cNvSpPr txBox="1"/>
+          <p:nvPr/>
+        </p:nvSpPr>
+        <p:spPr>
+          <a:xfrm>
+            <a:off x="4048805" y="5244860"/>
+            <a:ext cx="4094391" cy="584775"/>
+          </a:xfrm>
+          <a:prstGeom prst="rect">
+            <a:avLst/>
+          </a:prstGeom>
+          <a:noFill/>
+        </p:spPr>
+        <p:txBody>
+          <a:bodyPr wrap="none" rtlCol="0">
+            <a:spAutoFit/>
+          </a:bodyPr>
+          <a:lstStyle/>
+          <a:p>
+            <a:r>
+              <a:rPr lang="en-GB" sz="3200" dirty="0">
+                <a:hlinkClick r:id="rId2"/>
+              </a:rPr>
+              <a:t>http://bit.ly/2RYQvSX</a:t>
+            </a:r>
+            <a:r>
+              <a:rPr lang="en-GB" sz="3200" dirty="0"/>
+              <a:t> </a:t>
+            </a:r>
+            <a:endParaRPr lang="en-BE" sz="3200" dirty="0"/>
+          </a:p>
+        </p:txBody>
+      </p:sp>
+      <p:pic>
+        <p:nvPicPr>
+          <p:cNvPr id="8" name="Picture 7">
+            <a:extLst>
+              <a:ext uri="{FF2B5EF4-FFF2-40B4-BE49-F238E27FC236}">
+                <a16:creationId xmlns:a16="http://schemas.microsoft.com/office/drawing/2014/main" id="{D80566D8-E72D-465B-99AE-C31E8CF7098E}"/>
+              </a:ext>
+            </a:extLst>
+          </p:cNvPr>
+          <p:cNvPicPr>
+            <a:picLocks noChangeAspect="1"/>
+          </p:cNvPicPr>
+          <p:nvPr/>
+        </p:nvPicPr>
+        <p:blipFill>
+          <a:blip r:embed="rId3">
+            <a:extLst>
+              <a:ext uri="{28A0092B-C50C-407E-A947-70E740481C1C}">
+                <a14:useLocalDpi xmlns:a14="http://schemas.microsoft.com/office/drawing/2010/main" val="0"/>
+              </a:ext>
+            </a:extLst>
+          </a:blip>
+          <a:stretch>
+            <a:fillRect/>
+          </a:stretch>
+        </p:blipFill>
+        <p:spPr>
+          <a:xfrm>
+            <a:off x="3537839" y="188349"/>
+            <a:ext cx="5116323" cy="5116323"/>
+          </a:xfrm>
+          <a:prstGeom prst="rect">
+            <a:avLst/>
+          </a:prstGeom>
+        </p:spPr>
+      </p:pic>
+    </p:spTree>
+    <p:extLst>
+      <p:ext uri="{BB962C8B-B14F-4D97-AF65-F5344CB8AC3E}">
+        <p14:creationId xmlns:p14="http://schemas.microsoft.com/office/powerpoint/2010/main" val="2028728043"/>
+      </p:ext>
+    </p:extLst>
+  </p:cSld>
+  <p:clrMapOvr>
+    <a:masterClrMapping/>
+  </p:clrMapOvr>
+</p:sld>
+</file>
+
+<file path=ppt/slides/slide20.xml><?xml version="1.0" encoding="utf-8"?>
 <p:sld xmlns:a="http://schemas.openxmlformats.org/drawingml/2006/main" xmlns:r="http://schemas.openxmlformats.org/officeDocument/2006/relationships" xmlns:p="http://schemas.openxmlformats.org/presentationml/2006/main">
   <p:cSld>
     <p:spTree>
@@ -12496,7 +12801,7 @@
           <a:p>
             <a:fld id="{5A209D72-2E9D-49B0-8977-41DCCC66C0BB}" type="slidenum">
               <a:rPr lang="nl-BE" smtClean="0"/>
-              <a:t>19</a:t>
+              <a:t>20</a:t>
             </a:fld>
             <a:endParaRPr lang="nl-BE"/>
           </a:p>
@@ -13394,138 +13699,7 @@
 </p:sld>
 </file>
 
-<file path=ppt/slides/slide2.xml><?xml version="1.0" encoding="utf-8"?>
-<p:sld xmlns:a="http://schemas.openxmlformats.org/drawingml/2006/main" xmlns:r="http://schemas.openxmlformats.org/officeDocument/2006/relationships" xmlns:p="http://schemas.openxmlformats.org/presentationml/2006/main">
-  <p:cSld>
-    <p:spTree>
-      <p:nvGrpSpPr>
-        <p:cNvPr id="1" name=""/>
-        <p:cNvGrpSpPr/>
-        <p:nvPr/>
-      </p:nvGrpSpPr>
-      <p:grpSpPr>
-        <a:xfrm>
-          <a:off x="0" y="0"/>
-          <a:ext cx="0" cy="0"/>
-          <a:chOff x="0" y="0"/>
-          <a:chExt cx="0" cy="0"/>
-        </a:xfrm>
-      </p:grpSpPr>
-      <p:sp>
-        <p:nvSpPr>
-          <p:cNvPr id="4" name="Slide Number Placeholder 3"/>
-          <p:cNvSpPr>
-            <a:spLocks noGrp="1"/>
-          </p:cNvSpPr>
-          <p:nvPr>
-            <p:ph type="sldNum" sz="quarter" idx="12"/>
-          </p:nvPr>
-        </p:nvSpPr>
-        <p:spPr/>
-        <p:txBody>
-          <a:bodyPr/>
-          <a:lstStyle/>
-          <a:p>
-            <a:fld id="{5A209D72-2E9D-49B0-8977-41DCCC66C0BB}" type="slidenum">
-              <a:rPr lang="nl-BE" smtClean="0"/>
-              <a:t>2</a:t>
-            </a:fld>
-            <a:endParaRPr lang="nl-BE"/>
-          </a:p>
-        </p:txBody>
-      </p:sp>
-      <p:sp>
-        <p:nvSpPr>
-          <p:cNvPr id="6" name="TextBox 5">
-            <a:extLst>
-              <a:ext uri="{FF2B5EF4-FFF2-40B4-BE49-F238E27FC236}">
-                <a16:creationId xmlns:a16="http://schemas.microsoft.com/office/drawing/2014/main" id="{15121924-8AEA-4C8F-95FA-4768DA10573C}"/>
-              </a:ext>
-            </a:extLst>
-          </p:cNvPr>
-          <p:cNvSpPr txBox="1"/>
-          <p:nvPr/>
-        </p:nvSpPr>
-        <p:spPr>
-          <a:xfrm>
-            <a:off x="4048805" y="5244860"/>
-            <a:ext cx="4094391" cy="584775"/>
-          </a:xfrm>
-          <a:prstGeom prst="rect">
-            <a:avLst/>
-          </a:prstGeom>
-          <a:noFill/>
-        </p:spPr>
-        <p:txBody>
-          <a:bodyPr wrap="none" rtlCol="0">
-            <a:spAutoFit/>
-          </a:bodyPr>
-          <a:lstStyle/>
-          <a:p>
-            <a:r>
-              <a:rPr lang="en-GB" sz="3200" dirty="0">
-                <a:hlinkClick r:id="rId2"/>
-              </a:rPr>
-              <a:t>http://bit.ly/2RYQvSX</a:t>
-            </a:r>
-            <a:r>
-              <a:rPr lang="en-GB" sz="3200" dirty="0"/>
-              <a:t> </a:t>
-            </a:r>
-            <a:endParaRPr lang="en-BE" sz="3200" dirty="0"/>
-          </a:p>
-        </p:txBody>
-      </p:sp>
-      <p:pic>
-        <p:nvPicPr>
-          <p:cNvPr id="8" name="Picture 7">
-            <a:extLst>
-              <a:ext uri="{FF2B5EF4-FFF2-40B4-BE49-F238E27FC236}">
-                <a16:creationId xmlns:a16="http://schemas.microsoft.com/office/drawing/2014/main" id="{D80566D8-E72D-465B-99AE-C31E8CF7098E}"/>
-              </a:ext>
-            </a:extLst>
-          </p:cNvPr>
-          <p:cNvPicPr>
-            <a:picLocks noChangeAspect="1"/>
-          </p:cNvPicPr>
-          <p:nvPr/>
-        </p:nvPicPr>
-        <p:blipFill>
-          <a:blip r:embed="rId3">
-            <a:extLst>
-              <a:ext uri="{28A0092B-C50C-407E-A947-70E740481C1C}">
-                <a14:useLocalDpi xmlns:a14="http://schemas.microsoft.com/office/drawing/2010/main" val="0"/>
-              </a:ext>
-            </a:extLst>
-          </a:blip>
-          <a:stretch>
-            <a:fillRect/>
-          </a:stretch>
-        </p:blipFill>
-        <p:spPr>
-          <a:xfrm>
-            <a:off x="3537839" y="188349"/>
-            <a:ext cx="5116323" cy="5116323"/>
-          </a:xfrm>
-          <a:prstGeom prst="rect">
-            <a:avLst/>
-          </a:prstGeom>
-        </p:spPr>
-      </p:pic>
-    </p:spTree>
-    <p:extLst>
-      <p:ext uri="{BB962C8B-B14F-4D97-AF65-F5344CB8AC3E}">
-        <p14:creationId xmlns:p14="http://schemas.microsoft.com/office/powerpoint/2010/main" val="2028728043"/>
-      </p:ext>
-    </p:extLst>
-  </p:cSld>
-  <p:clrMapOvr>
-    <a:masterClrMapping/>
-  </p:clrMapOvr>
-</p:sld>
-</file>
-
-<file path=ppt/slides/slide20.xml><?xml version="1.0" encoding="utf-8"?>
+<file path=ppt/slides/slide21.xml><?xml version="1.0" encoding="utf-8"?>
 <p:sld xmlns:a="http://schemas.openxmlformats.org/drawingml/2006/main" xmlns:r="http://schemas.openxmlformats.org/officeDocument/2006/relationships" xmlns:p="http://schemas.openxmlformats.org/presentationml/2006/main">
   <p:cSld>
     <p:spTree>
@@ -13581,7 +13755,7 @@
           <a:p>
             <a:fld id="{5A209D72-2E9D-49B0-8977-41DCCC66C0BB}" type="slidenum">
               <a:rPr lang="nl-BE" smtClean="0"/>
-              <a:t>20</a:t>
+              <a:t>21</a:t>
             </a:fld>
             <a:endParaRPr lang="nl-BE"/>
           </a:p>
@@ -13664,7 +13838,7 @@
 </p:sld>
 </file>
 
-<file path=ppt/slides/slide21.xml><?xml version="1.0" encoding="utf-8"?>
+<file path=ppt/slides/slide22.xml><?xml version="1.0" encoding="utf-8"?>
 <p:sld xmlns:a="http://schemas.openxmlformats.org/drawingml/2006/main" xmlns:r="http://schemas.openxmlformats.org/officeDocument/2006/relationships" xmlns:p="http://schemas.openxmlformats.org/presentationml/2006/main">
   <p:cSld>
     <p:spTree>
@@ -13812,7 +13986,7 @@
           <a:p>
             <a:fld id="{5A209D72-2E9D-49B0-8977-41DCCC66C0BB}" type="slidenum">
               <a:rPr lang="nl-BE" smtClean="0"/>
-              <a:t>21</a:t>
+              <a:t>22</a:t>
             </a:fld>
             <a:endParaRPr lang="nl-BE"/>
           </a:p>
@@ -14293,7 +14467,7 @@
 </p:sld>
 </file>
 
-<file path=ppt/slides/slide22.xml><?xml version="1.0" encoding="utf-8"?>
+<file path=ppt/slides/slide23.xml><?xml version="1.0" encoding="utf-8"?>
 <p:sld xmlns:a="http://schemas.openxmlformats.org/drawingml/2006/main" xmlns:r="http://schemas.openxmlformats.org/officeDocument/2006/relationships" xmlns:p="http://schemas.openxmlformats.org/presentationml/2006/main">
   <p:cSld>
     <p:spTree>
@@ -14349,7 +14523,7 @@
           <a:p>
             <a:fld id="{5A209D72-2E9D-49B0-8977-41DCCC66C0BB}" type="slidenum">
               <a:rPr lang="nl-BE" smtClean="0"/>
-              <a:t>22</a:t>
+              <a:t>23</a:t>
             </a:fld>
             <a:endParaRPr lang="nl-BE"/>
           </a:p>
@@ -14610,7 +14784,7 @@
 </p:sld>
 </file>
 
-<file path=ppt/slides/slide23.xml><?xml version="1.0" encoding="utf-8"?>
+<file path=ppt/slides/slide24.xml><?xml version="1.0" encoding="utf-8"?>
 <p:sld xmlns:a="http://schemas.openxmlformats.org/drawingml/2006/main" xmlns:r="http://schemas.openxmlformats.org/officeDocument/2006/relationships" xmlns:p="http://schemas.openxmlformats.org/presentationml/2006/main">
   <p:cSld>
     <p:spTree>
@@ -14666,7 +14840,7 @@
           <a:p>
             <a:fld id="{5A209D72-2E9D-49B0-8977-41DCCC66C0BB}" type="slidenum">
               <a:rPr lang="nl-BE" smtClean="0"/>
-              <a:t>23</a:t>
+              <a:t>24</a:t>
             </a:fld>
             <a:endParaRPr lang="nl-BE"/>
           </a:p>
@@ -14922,7 +15096,7 @@
 </p:sld>
 </file>
 
-<file path=ppt/slides/slide24.xml><?xml version="1.0" encoding="utf-8"?>
+<file path=ppt/slides/slide25.xml><?xml version="1.0" encoding="utf-8"?>
 <p:sld xmlns:a="http://schemas.openxmlformats.org/drawingml/2006/main" xmlns:r="http://schemas.openxmlformats.org/officeDocument/2006/relationships" xmlns:p="http://schemas.openxmlformats.org/presentationml/2006/main">
   <p:cSld>
     <p:spTree>
@@ -15035,7 +15209,7 @@
           <a:p>
             <a:fld id="{5A209D72-2E9D-49B0-8977-41DCCC66C0BB}" type="slidenum">
               <a:rPr lang="nl-BE" smtClean="0"/>
-              <a:t>24</a:t>
+              <a:t>25</a:t>
             </a:fld>
             <a:endParaRPr lang="nl-BE"/>
           </a:p>
@@ -15330,7 +15504,7 @@
 </p:sld>
 </file>
 
-<file path=ppt/slides/slide25.xml><?xml version="1.0" encoding="utf-8"?>
+<file path=ppt/slides/slide26.xml><?xml version="1.0" encoding="utf-8"?>
 <p:sld xmlns:a="http://schemas.openxmlformats.org/drawingml/2006/main" xmlns:r="http://schemas.openxmlformats.org/officeDocument/2006/relationships" xmlns:p="http://schemas.openxmlformats.org/presentationml/2006/main">
   <p:cSld>
     <p:spTree>
@@ -15408,7 +15582,7 @@
           <a:p>
             <a:fld id="{5A209D72-2E9D-49B0-8977-41DCCC66C0BB}" type="slidenum">
               <a:rPr lang="nl-BE" smtClean="0"/>
-              <a:t>25</a:t>
+              <a:t>26</a:t>
             </a:fld>
             <a:endParaRPr lang="nl-BE"/>
           </a:p>
@@ -16036,7 +16210,7 @@
 </p:sld>
 </file>
 
-<file path=ppt/slides/slide26.xml><?xml version="1.0" encoding="utf-8"?>
+<file path=ppt/slides/slide27.xml><?xml version="1.0" encoding="utf-8"?>
 <p:sld xmlns:a="http://schemas.openxmlformats.org/drawingml/2006/main" xmlns:r="http://schemas.openxmlformats.org/officeDocument/2006/relationships" xmlns:p="http://schemas.openxmlformats.org/presentationml/2006/main">
   <p:cSld>
     <p:spTree>
@@ -16114,7 +16288,7 @@
           <a:p>
             <a:fld id="{5A209D72-2E9D-49B0-8977-41DCCC66C0BB}" type="slidenum">
               <a:rPr lang="nl-BE" smtClean="0"/>
-              <a:t>26</a:t>
+              <a:t>27</a:t>
             </a:fld>
             <a:endParaRPr lang="nl-BE"/>
           </a:p>
@@ -17069,7 +17243,7 @@
 </p:sld>
 </file>
 
-<file path=ppt/slides/slide27.xml><?xml version="1.0" encoding="utf-8"?>
+<file path=ppt/slides/slide28.xml><?xml version="1.0" encoding="utf-8"?>
 <p:sld xmlns:a="http://schemas.openxmlformats.org/drawingml/2006/main" xmlns:r="http://schemas.openxmlformats.org/officeDocument/2006/relationships" xmlns:p="http://schemas.openxmlformats.org/presentationml/2006/main">
   <p:cSld>
     <p:spTree>
@@ -17165,7 +17339,7 @@
           <a:p>
             <a:fld id="{5A209D72-2E9D-49B0-8977-41DCCC66C0BB}" type="slidenum">
               <a:rPr lang="nl-BE" smtClean="0"/>
-              <a:t>27</a:t>
+              <a:t>28</a:t>
             </a:fld>
             <a:endParaRPr lang="nl-BE"/>
           </a:p>
@@ -17873,7 +18047,7 @@
 </p:sld>
 </file>
 
-<file path=ppt/slides/slide28.xml><?xml version="1.0" encoding="utf-8"?>
+<file path=ppt/slides/slide29.xml><?xml version="1.0" encoding="utf-8"?>
 <p:sld xmlns:a="http://schemas.openxmlformats.org/drawingml/2006/main" xmlns:r="http://schemas.openxmlformats.org/officeDocument/2006/relationships" xmlns:p="http://schemas.openxmlformats.org/presentationml/2006/main">
   <p:cSld>
     <p:spTree>
@@ -17975,7 +18149,7 @@
           <a:p>
             <a:fld id="{5A209D72-2E9D-49B0-8977-41DCCC66C0BB}" type="slidenum">
               <a:rPr lang="nl-BE" smtClean="0"/>
-              <a:t>28</a:t>
+              <a:t>29</a:t>
             </a:fld>
             <a:endParaRPr lang="nl-BE"/>
           </a:p>
@@ -18847,7 +19021,102 @@
 </p:sld>
 </file>
 
-<file path=ppt/slides/slide29.xml><?xml version="1.0" encoding="utf-8"?>
+<file path=ppt/slides/slide3.xml><?xml version="1.0" encoding="utf-8"?>
+<p:sld xmlns:a="http://schemas.openxmlformats.org/drawingml/2006/main" xmlns:r="http://schemas.openxmlformats.org/officeDocument/2006/relationships" xmlns:p="http://schemas.openxmlformats.org/presentationml/2006/main">
+  <p:cSld>
+    <p:spTree>
+      <p:nvGrpSpPr>
+        <p:cNvPr id="1" name=""/>
+        <p:cNvGrpSpPr/>
+        <p:nvPr/>
+      </p:nvGrpSpPr>
+      <p:grpSpPr>
+        <a:xfrm>
+          <a:off x="0" y="0"/>
+          <a:ext cx="0" cy="0"/>
+          <a:chOff x="0" y="0"/>
+          <a:chExt cx="0" cy="0"/>
+        </a:xfrm>
+      </p:grpSpPr>
+      <p:sp>
+        <p:nvSpPr>
+          <p:cNvPr id="2" name="Slide Number Placeholder 1">
+            <a:extLst>
+              <a:ext uri="{FF2B5EF4-FFF2-40B4-BE49-F238E27FC236}">
+                <a16:creationId xmlns:a16="http://schemas.microsoft.com/office/drawing/2014/main" id="{CDE5F573-6165-481B-AC47-5C89E7A1B5EE}"/>
+              </a:ext>
+            </a:extLst>
+          </p:cNvPr>
+          <p:cNvSpPr>
+            <a:spLocks noGrp="1"/>
+          </p:cNvSpPr>
+          <p:nvPr>
+            <p:ph type="sldNum" sz="quarter" idx="12"/>
+          </p:nvPr>
+        </p:nvSpPr>
+        <p:spPr/>
+        <p:txBody>
+          <a:bodyPr/>
+          <a:lstStyle/>
+          <a:p>
+            <a:fld id="{A2912448-FEEC-49E8-9588-2DF1F90D57C2}" type="slidenum">
+              <a:rPr lang="en-US" smtClean="0"/>
+              <a:t>3</a:t>
+            </a:fld>
+            <a:endParaRPr lang="en-US"/>
+          </a:p>
+        </p:txBody>
+      </p:sp>
+      <p:pic>
+        <p:nvPicPr>
+          <p:cNvPr id="4" name="Picture 3" descr="Qr code&#10;&#10;Description automatically generated">
+            <a:extLst>
+              <a:ext uri="{FF2B5EF4-FFF2-40B4-BE49-F238E27FC236}">
+                <a16:creationId xmlns:a16="http://schemas.microsoft.com/office/drawing/2014/main" id="{78E97EA1-949E-42CD-9ADA-2D8F1E3284CB}"/>
+              </a:ext>
+            </a:extLst>
+          </p:cNvPr>
+          <p:cNvPicPr>
+            <a:picLocks noChangeAspect="1"/>
+          </p:cNvPicPr>
+          <p:nvPr/>
+        </p:nvPicPr>
+        <p:blipFill>
+          <a:blip r:embed="rId2">
+            <a:extLst>
+              <a:ext uri="{28A0092B-C50C-407E-A947-70E740481C1C}">
+                <a14:useLocalDpi xmlns:a14="http://schemas.microsoft.com/office/drawing/2010/main" val="0"/>
+              </a:ext>
+            </a:extLst>
+          </a:blip>
+          <a:stretch>
+            <a:fillRect/>
+          </a:stretch>
+        </p:blipFill>
+        <p:spPr>
+          <a:xfrm>
+            <a:off x="0" y="0"/>
+            <a:ext cx="12192000" cy="6858000"/>
+          </a:xfrm>
+          <a:prstGeom prst="rect">
+            <a:avLst/>
+          </a:prstGeom>
+        </p:spPr>
+      </p:pic>
+    </p:spTree>
+    <p:extLst>
+      <p:ext uri="{BB962C8B-B14F-4D97-AF65-F5344CB8AC3E}">
+        <p14:creationId xmlns:p14="http://schemas.microsoft.com/office/powerpoint/2010/main" val="102131432"/>
+      </p:ext>
+    </p:extLst>
+  </p:cSld>
+  <p:clrMapOvr>
+    <a:masterClrMapping/>
+  </p:clrMapOvr>
+</p:sld>
+</file>
+
+<file path=ppt/slides/slide30.xml><?xml version="1.0" encoding="utf-8"?>
 <p:sld xmlns:a="http://schemas.openxmlformats.org/drawingml/2006/main" xmlns:r="http://schemas.openxmlformats.org/officeDocument/2006/relationships" xmlns:p="http://schemas.openxmlformats.org/presentationml/2006/main">
   <p:cSld>
     <p:spTree>
@@ -18931,7 +19200,7 @@
           <a:p>
             <a:fld id="{5A209D72-2E9D-49B0-8977-41DCCC66C0BB}" type="slidenum">
               <a:rPr lang="nl-BE" smtClean="0"/>
-              <a:t>29</a:t>
+              <a:t>30</a:t>
             </a:fld>
             <a:endParaRPr lang="nl-BE"/>
           </a:p>
@@ -19851,7 +20120,7 @@
 </p:sld>
 </file>
 
-<file path=ppt/slides/slide3.xml><?xml version="1.0" encoding="utf-8"?>
+<file path=ppt/slides/slide31.xml><?xml version="1.0" encoding="utf-8"?>
 <p:sld xmlns:a="http://schemas.openxmlformats.org/drawingml/2006/main" xmlns:r="http://schemas.openxmlformats.org/officeDocument/2006/relationships" xmlns:p="http://schemas.openxmlformats.org/presentationml/2006/main">
   <p:cSld>
     <p:spTree>
@@ -19885,580 +20154,6 @@
           <a:p>
             <a:r>
               <a:rPr lang="en-US" dirty="0"/>
-              <a:t>Introduction</a:t>
-            </a:r>
-          </a:p>
-        </p:txBody>
-      </p:sp>
-      <p:sp>
-        <p:nvSpPr>
-          <p:cNvPr id="3" name="Content Placeholder 2"/>
-          <p:cNvSpPr>
-            <a:spLocks noGrp="1"/>
-          </p:cNvSpPr>
-          <p:nvPr>
-            <p:ph idx="1"/>
-          </p:nvPr>
-        </p:nvSpPr>
-        <p:spPr/>
-        <p:txBody>
-          <a:bodyPr>
-            <a:normAutofit/>
-          </a:bodyPr>
-          <a:lstStyle/>
-          <a:p>
-            <a:r>
-              <a:rPr lang="en-US" dirty="0"/>
-              <a:t>Machine learning is making great strides</a:t>
-            </a:r>
-          </a:p>
-          <a:p>
-            <a:pPr lvl="1"/>
-            <a:r>
-              <a:rPr lang="en-US" dirty="0"/>
-              <a:t>Large, good data sets</a:t>
-            </a:r>
-          </a:p>
-          <a:p>
-            <a:pPr lvl="1"/>
-            <a:r>
-              <a:rPr lang="en-US" dirty="0"/>
-              <a:t>Compute power</a:t>
-            </a:r>
-          </a:p>
-          <a:p>
-            <a:pPr lvl="1"/>
-            <a:r>
-              <a:rPr lang="en-US" dirty="0"/>
-              <a:t>Progress in algorithms</a:t>
-            </a:r>
-          </a:p>
-          <a:p>
-            <a:r>
-              <a:rPr lang="en-US" dirty="0"/>
-              <a:t>Many interesting applications</a:t>
-            </a:r>
-          </a:p>
-          <a:p>
-            <a:pPr lvl="1"/>
-            <a:r>
-              <a:rPr lang="en-US" dirty="0" err="1"/>
-              <a:t>commericial</a:t>
-            </a:r>
-            <a:endParaRPr lang="en-US" dirty="0"/>
-          </a:p>
-          <a:p>
-            <a:pPr lvl="1"/>
-            <a:r>
-              <a:rPr lang="en-US" dirty="0"/>
-              <a:t>scientific</a:t>
-            </a:r>
-          </a:p>
-          <a:p>
-            <a:r>
-              <a:rPr lang="en-US" dirty="0"/>
-              <a:t>Links with artificial intelligence</a:t>
-            </a:r>
-          </a:p>
-          <a:p>
-            <a:pPr lvl="1"/>
-            <a:r>
-              <a:rPr lang="en-US" dirty="0"/>
-              <a:t>However, AI </a:t>
-            </a:r>
-            <a:r>
-              <a:rPr lang="en-US" dirty="0">
-                <a:sym typeface="Symbol" panose="05050102010706020507" pitchFamily="18" charset="2"/>
-              </a:rPr>
-              <a:t></a:t>
-            </a:r>
-            <a:r>
-              <a:rPr lang="en-US" dirty="0"/>
-              <a:t> machine learning</a:t>
-            </a:r>
-          </a:p>
-        </p:txBody>
-      </p:sp>
-      <p:sp>
-        <p:nvSpPr>
-          <p:cNvPr id="4" name="Slide Number Placeholder 3"/>
-          <p:cNvSpPr>
-            <a:spLocks noGrp="1"/>
-          </p:cNvSpPr>
-          <p:nvPr>
-            <p:ph type="sldNum" sz="quarter" idx="12"/>
-          </p:nvPr>
-        </p:nvSpPr>
-        <p:spPr/>
-        <p:txBody>
-          <a:bodyPr/>
-          <a:lstStyle/>
-          <a:p>
-            <a:fld id="{5A209D72-2E9D-49B0-8977-41DCCC66C0BB}" type="slidenum">
-              <a:rPr lang="nl-BE" smtClean="0"/>
-              <a:t>3</a:t>
-            </a:fld>
-            <a:endParaRPr lang="nl-BE"/>
-          </a:p>
-        </p:txBody>
-      </p:sp>
-      <p:pic>
-        <p:nvPicPr>
-          <p:cNvPr id="3074" name="Picture 2" descr="Image result for artificial intelligence"/>
-          <p:cNvPicPr>
-            <a:picLocks noChangeAspect="1" noChangeArrowheads="1"/>
-          </p:cNvPicPr>
-          <p:nvPr/>
-        </p:nvPicPr>
-        <p:blipFill>
-          <a:blip r:embed="rId2">
-            <a:extLst>
-              <a:ext uri="{28A0092B-C50C-407E-A947-70E740481C1C}">
-                <a14:useLocalDpi xmlns:a14="http://schemas.microsoft.com/office/drawing/2010/main" val="0"/>
-              </a:ext>
-            </a:extLst>
-          </a:blip>
-          <a:srcRect/>
-          <a:stretch>
-            <a:fillRect/>
-          </a:stretch>
-        </p:blipFill>
-        <p:spPr bwMode="auto">
-          <a:xfrm>
-            <a:off x="6669246" y="2597524"/>
-            <a:ext cx="4591779" cy="2638953"/>
-          </a:xfrm>
-          <a:prstGeom prst="rect">
-            <a:avLst/>
-          </a:prstGeom>
-          <a:noFill/>
-          <a:extLst>
-            <a:ext uri="{909E8E84-426E-40DD-AFC4-6F175D3DCCD1}">
-              <a14:hiddenFill xmlns:a14="http://schemas.microsoft.com/office/drawing/2010/main">
-                <a:solidFill>
-                  <a:srgbClr val="FFFFFF"/>
-                </a:solidFill>
-              </a14:hiddenFill>
-            </a:ext>
-          </a:extLst>
-        </p:spPr>
-      </p:pic>
-    </p:spTree>
-    <p:extLst>
-      <p:ext uri="{BB962C8B-B14F-4D97-AF65-F5344CB8AC3E}">
-        <p14:creationId xmlns:p14="http://schemas.microsoft.com/office/powerpoint/2010/main" val="2819944991"/>
-      </p:ext>
-    </p:extLst>
-  </p:cSld>
-  <p:clrMapOvr>
-    <a:masterClrMapping/>
-  </p:clrMapOvr>
-  <p:timing>
-    <p:tnLst>
-      <p:par>
-        <p:cTn id="1" dur="indefinite" restart="never" nodeType="tmRoot">
-          <p:childTnLst>
-            <p:seq concurrent="1" nextAc="seek">
-              <p:cTn id="2" dur="indefinite" nodeType="mainSeq">
-                <p:childTnLst>
-                  <p:par>
-                    <p:cTn id="3" fill="hold">
-                      <p:stCondLst>
-                        <p:cond delay="indefinite"/>
-                        <p:cond evt="onBegin" delay="0">
-                          <p:tn val="2"/>
-                        </p:cond>
-                      </p:stCondLst>
-                      <p:childTnLst>
-                        <p:par>
-                          <p:cTn id="4" fill="hold">
-                            <p:stCondLst>
-                              <p:cond delay="0"/>
-                            </p:stCondLst>
-                            <p:childTnLst>
-                              <p:par>
-                                <p:cTn id="5" presetID="1" presetClass="entr" presetSubtype="0" fill="hold" grpId="0" nodeType="withEffect">
-                                  <p:stCondLst>
-                                    <p:cond delay="0"/>
-                                  </p:stCondLst>
-                                  <p:childTnLst>
-                                    <p:set>
-                                      <p:cBhvr>
-                                        <p:cTn id="6" dur="1" fill="hold">
-                                          <p:stCondLst>
-                                            <p:cond delay="0"/>
-                                          </p:stCondLst>
-                                        </p:cTn>
-                                        <p:tgtEl>
-                                          <p:spTgt spid="3">
-                                            <p:txEl>
-                                              <p:pRg st="0" end="0"/>
-                                            </p:txEl>
-                                          </p:spTgt>
-                                        </p:tgtEl>
-                                        <p:attrNameLst>
-                                          <p:attrName>style.visibility</p:attrName>
-                                        </p:attrNameLst>
-                                      </p:cBhvr>
-                                      <p:to>
-                                        <p:strVal val="visible"/>
-                                      </p:to>
-                                    </p:set>
-                                  </p:childTnLst>
-                                </p:cTn>
-                              </p:par>
-                              <p:par>
-                                <p:cTn id="7" presetID="1" presetClass="entr" presetSubtype="0" fill="hold" grpId="0" nodeType="withEffect">
-                                  <p:stCondLst>
-                                    <p:cond delay="0"/>
-                                  </p:stCondLst>
-                                  <p:childTnLst>
-                                    <p:set>
-                                      <p:cBhvr>
-                                        <p:cTn id="8" dur="1" fill="hold">
-                                          <p:stCondLst>
-                                            <p:cond delay="0"/>
-                                          </p:stCondLst>
-                                        </p:cTn>
-                                        <p:tgtEl>
-                                          <p:spTgt spid="3">
-                                            <p:txEl>
-                                              <p:pRg st="1" end="1"/>
-                                            </p:txEl>
-                                          </p:spTgt>
-                                        </p:tgtEl>
-                                        <p:attrNameLst>
-                                          <p:attrName>style.visibility</p:attrName>
-                                        </p:attrNameLst>
-                                      </p:cBhvr>
-                                      <p:to>
-                                        <p:strVal val="visible"/>
-                                      </p:to>
-                                    </p:set>
-                                  </p:childTnLst>
-                                </p:cTn>
-                              </p:par>
-                              <p:par>
-                                <p:cTn id="9" presetID="1" presetClass="entr" presetSubtype="0" fill="hold" grpId="0" nodeType="withEffect">
-                                  <p:stCondLst>
-                                    <p:cond delay="0"/>
-                                  </p:stCondLst>
-                                  <p:childTnLst>
-                                    <p:set>
-                                      <p:cBhvr>
-                                        <p:cTn id="10" dur="1" fill="hold">
-                                          <p:stCondLst>
-                                            <p:cond delay="0"/>
-                                          </p:stCondLst>
-                                        </p:cTn>
-                                        <p:tgtEl>
-                                          <p:spTgt spid="3">
-                                            <p:txEl>
-                                              <p:pRg st="2" end="2"/>
-                                            </p:txEl>
-                                          </p:spTgt>
-                                        </p:tgtEl>
-                                        <p:attrNameLst>
-                                          <p:attrName>style.visibility</p:attrName>
-                                        </p:attrNameLst>
-                                      </p:cBhvr>
-                                      <p:to>
-                                        <p:strVal val="visible"/>
-                                      </p:to>
-                                    </p:set>
-                                  </p:childTnLst>
-                                </p:cTn>
-                              </p:par>
-                              <p:par>
-                                <p:cTn id="11" presetID="1" presetClass="entr" presetSubtype="0" fill="hold" grpId="0" nodeType="withEffect">
-                                  <p:stCondLst>
-                                    <p:cond delay="0"/>
-                                  </p:stCondLst>
-                                  <p:childTnLst>
-                                    <p:set>
-                                      <p:cBhvr>
-                                        <p:cTn id="12" dur="1" fill="hold">
-                                          <p:stCondLst>
-                                            <p:cond delay="0"/>
-                                          </p:stCondLst>
-                                        </p:cTn>
-                                        <p:tgtEl>
-                                          <p:spTgt spid="3">
-                                            <p:txEl>
-                                              <p:pRg st="3" end="3"/>
-                                            </p:txEl>
-                                          </p:spTgt>
-                                        </p:tgtEl>
-                                        <p:attrNameLst>
-                                          <p:attrName>style.visibility</p:attrName>
-                                        </p:attrNameLst>
-                                      </p:cBhvr>
-                                      <p:to>
-                                        <p:strVal val="visible"/>
-                                      </p:to>
-                                    </p:set>
-                                  </p:childTnLst>
-                                </p:cTn>
-                              </p:par>
-                            </p:childTnLst>
-                          </p:cTn>
-                        </p:par>
-                      </p:childTnLst>
-                    </p:cTn>
-                  </p:par>
-                  <p:par>
-                    <p:cTn id="13" fill="hold">
-                      <p:stCondLst>
-                        <p:cond delay="indefinite"/>
-                      </p:stCondLst>
-                      <p:childTnLst>
-                        <p:par>
-                          <p:cTn id="14" fill="hold">
-                            <p:stCondLst>
-                              <p:cond delay="0"/>
-                            </p:stCondLst>
-                            <p:childTnLst>
-                              <p:par>
-                                <p:cTn id="15" presetID="1" presetClass="entr" presetSubtype="0" fill="hold" grpId="0" nodeType="clickEffect">
-                                  <p:stCondLst>
-                                    <p:cond delay="0"/>
-                                  </p:stCondLst>
-                                  <p:childTnLst>
-                                    <p:set>
-                                      <p:cBhvr>
-                                        <p:cTn id="16" dur="1" fill="hold">
-                                          <p:stCondLst>
-                                            <p:cond delay="0"/>
-                                          </p:stCondLst>
-                                        </p:cTn>
-                                        <p:tgtEl>
-                                          <p:spTgt spid="3">
-                                            <p:txEl>
-                                              <p:pRg st="4" end="4"/>
-                                            </p:txEl>
-                                          </p:spTgt>
-                                        </p:tgtEl>
-                                        <p:attrNameLst>
-                                          <p:attrName>style.visibility</p:attrName>
-                                        </p:attrNameLst>
-                                      </p:cBhvr>
-                                      <p:to>
-                                        <p:strVal val="visible"/>
-                                      </p:to>
-                                    </p:set>
-                                  </p:childTnLst>
-                                </p:cTn>
-                              </p:par>
-                              <p:par>
-                                <p:cTn id="17" presetID="1" presetClass="entr" presetSubtype="0" fill="hold" grpId="0" nodeType="withEffect">
-                                  <p:stCondLst>
-                                    <p:cond delay="0"/>
-                                  </p:stCondLst>
-                                  <p:childTnLst>
-                                    <p:set>
-                                      <p:cBhvr>
-                                        <p:cTn id="18" dur="1" fill="hold">
-                                          <p:stCondLst>
-                                            <p:cond delay="0"/>
-                                          </p:stCondLst>
-                                        </p:cTn>
-                                        <p:tgtEl>
-                                          <p:spTgt spid="3">
-                                            <p:txEl>
-                                              <p:pRg st="5" end="5"/>
-                                            </p:txEl>
-                                          </p:spTgt>
-                                        </p:tgtEl>
-                                        <p:attrNameLst>
-                                          <p:attrName>style.visibility</p:attrName>
-                                        </p:attrNameLst>
-                                      </p:cBhvr>
-                                      <p:to>
-                                        <p:strVal val="visible"/>
-                                      </p:to>
-                                    </p:set>
-                                  </p:childTnLst>
-                                </p:cTn>
-                              </p:par>
-                              <p:par>
-                                <p:cTn id="19" presetID="1" presetClass="entr" presetSubtype="0" fill="hold" grpId="0" nodeType="withEffect">
-                                  <p:stCondLst>
-                                    <p:cond delay="0"/>
-                                  </p:stCondLst>
-                                  <p:childTnLst>
-                                    <p:set>
-                                      <p:cBhvr>
-                                        <p:cTn id="20" dur="1" fill="hold">
-                                          <p:stCondLst>
-                                            <p:cond delay="0"/>
-                                          </p:stCondLst>
-                                        </p:cTn>
-                                        <p:tgtEl>
-                                          <p:spTgt spid="3">
-                                            <p:txEl>
-                                              <p:pRg st="6" end="6"/>
-                                            </p:txEl>
-                                          </p:spTgt>
-                                        </p:tgtEl>
-                                        <p:attrNameLst>
-                                          <p:attrName>style.visibility</p:attrName>
-                                        </p:attrNameLst>
-                                      </p:cBhvr>
-                                      <p:to>
-                                        <p:strVal val="visible"/>
-                                      </p:to>
-                                    </p:set>
-                                  </p:childTnLst>
-                                </p:cTn>
-                              </p:par>
-                            </p:childTnLst>
-                          </p:cTn>
-                        </p:par>
-                      </p:childTnLst>
-                    </p:cTn>
-                  </p:par>
-                  <p:par>
-                    <p:cTn id="21" fill="hold">
-                      <p:stCondLst>
-                        <p:cond delay="indefinite"/>
-                      </p:stCondLst>
-                      <p:childTnLst>
-                        <p:par>
-                          <p:cTn id="22" fill="hold">
-                            <p:stCondLst>
-                              <p:cond delay="0"/>
-                            </p:stCondLst>
-                            <p:childTnLst>
-                              <p:par>
-                                <p:cTn id="23" presetID="1" presetClass="entr" presetSubtype="0" fill="hold" grpId="0" nodeType="clickEffect">
-                                  <p:stCondLst>
-                                    <p:cond delay="0"/>
-                                  </p:stCondLst>
-                                  <p:childTnLst>
-                                    <p:set>
-                                      <p:cBhvr>
-                                        <p:cTn id="24" dur="1" fill="hold">
-                                          <p:stCondLst>
-                                            <p:cond delay="0"/>
-                                          </p:stCondLst>
-                                        </p:cTn>
-                                        <p:tgtEl>
-                                          <p:spTgt spid="3">
-                                            <p:txEl>
-                                              <p:pRg st="7" end="7"/>
-                                            </p:txEl>
-                                          </p:spTgt>
-                                        </p:tgtEl>
-                                        <p:attrNameLst>
-                                          <p:attrName>style.visibility</p:attrName>
-                                        </p:attrNameLst>
-                                      </p:cBhvr>
-                                      <p:to>
-                                        <p:strVal val="visible"/>
-                                      </p:to>
-                                    </p:set>
-                                  </p:childTnLst>
-                                </p:cTn>
-                              </p:par>
-                              <p:par>
-                                <p:cTn id="25" presetID="1" presetClass="entr" presetSubtype="0" fill="hold" grpId="0" nodeType="withEffect">
-                                  <p:stCondLst>
-                                    <p:cond delay="0"/>
-                                  </p:stCondLst>
-                                  <p:childTnLst>
-                                    <p:set>
-                                      <p:cBhvr>
-                                        <p:cTn id="26" dur="1" fill="hold">
-                                          <p:stCondLst>
-                                            <p:cond delay="0"/>
-                                          </p:stCondLst>
-                                        </p:cTn>
-                                        <p:tgtEl>
-                                          <p:spTgt spid="3">
-                                            <p:txEl>
-                                              <p:pRg st="8" end="8"/>
-                                            </p:txEl>
-                                          </p:spTgt>
-                                        </p:tgtEl>
-                                        <p:attrNameLst>
-                                          <p:attrName>style.visibility</p:attrName>
-                                        </p:attrNameLst>
-                                      </p:cBhvr>
-                                      <p:to>
-                                        <p:strVal val="visible"/>
-                                      </p:to>
-                                    </p:set>
-                                  </p:childTnLst>
-                                </p:cTn>
-                              </p:par>
-                            </p:childTnLst>
-                          </p:cTn>
-                        </p:par>
-                      </p:childTnLst>
-                    </p:cTn>
-                  </p:par>
-                </p:childTnLst>
-              </p:cTn>
-              <p:prevCondLst>
-                <p:cond evt="onPrev" delay="0">
-                  <p:tgtEl>
-                    <p:sldTgt/>
-                  </p:tgtEl>
-                </p:cond>
-              </p:prevCondLst>
-              <p:nextCondLst>
-                <p:cond evt="onNext" delay="0">
-                  <p:tgtEl>
-                    <p:sldTgt/>
-                  </p:tgtEl>
-                </p:cond>
-              </p:nextCondLst>
-            </p:seq>
-          </p:childTnLst>
-        </p:cTn>
-      </p:par>
-    </p:tnLst>
-    <p:bldLst>
-      <p:bldP spid="3" grpId="0" uiExpand="1" build="p"/>
-    </p:bldLst>
-  </p:timing>
-</p:sld>
-</file>
-
-<file path=ppt/slides/slide30.xml><?xml version="1.0" encoding="utf-8"?>
-<p:sld xmlns:a="http://schemas.openxmlformats.org/drawingml/2006/main" xmlns:r="http://schemas.openxmlformats.org/officeDocument/2006/relationships" xmlns:p="http://schemas.openxmlformats.org/presentationml/2006/main">
-  <p:cSld>
-    <p:spTree>
-      <p:nvGrpSpPr>
-        <p:cNvPr id="1" name=""/>
-        <p:cNvGrpSpPr/>
-        <p:nvPr/>
-      </p:nvGrpSpPr>
-      <p:grpSpPr>
-        <a:xfrm>
-          <a:off x="0" y="0"/>
-          <a:ext cx="0" cy="0"/>
-          <a:chOff x="0" y="0"/>
-          <a:chExt cx="0" cy="0"/>
-        </a:xfrm>
-      </p:grpSpPr>
-      <p:sp>
-        <p:nvSpPr>
-          <p:cNvPr id="2" name="Title 1"/>
-          <p:cNvSpPr>
-            <a:spLocks noGrp="1"/>
-          </p:cNvSpPr>
-          <p:nvPr>
-            <p:ph type="title"/>
-          </p:nvPr>
-        </p:nvSpPr>
-        <p:spPr/>
-        <p:txBody>
-          <a:bodyPr/>
-          <a:lstStyle/>
-          <a:p>
-            <a:r>
-              <a:rPr lang="en-US" dirty="0"/>
               <a:t>Fine tuning</a:t>
             </a:r>
           </a:p>
@@ -20546,7 +20241,7 @@
           <a:p>
             <a:fld id="{5A209D72-2E9D-49B0-8977-41DCCC66C0BB}" type="slidenum">
               <a:rPr lang="nl-BE" smtClean="0"/>
-              <a:t>30</a:t>
+              <a:t>31</a:t>
             </a:fld>
             <a:endParaRPr lang="nl-BE"/>
           </a:p>
@@ -21368,7 +21063,7 @@
 </p:sld>
 </file>
 
-<file path=ppt/slides/slide31.xml><?xml version="1.0" encoding="utf-8"?>
+<file path=ppt/slides/slide32.xml><?xml version="1.0" encoding="utf-8"?>
 <p:sld xmlns:a="http://schemas.openxmlformats.org/drawingml/2006/main" xmlns:r="http://schemas.openxmlformats.org/officeDocument/2006/relationships" xmlns:p="http://schemas.openxmlformats.org/presentationml/2006/main">
   <p:cSld>
     <p:spTree>
@@ -21424,7 +21119,7 @@
           <a:p>
             <a:fld id="{5A209D72-2E9D-49B0-8977-41DCCC66C0BB}" type="slidenum">
               <a:rPr lang="nl-BE" smtClean="0"/>
-              <a:t>31</a:t>
+              <a:t>32</a:t>
             </a:fld>
             <a:endParaRPr lang="nl-BE"/>
           </a:p>
@@ -21473,7 +21168,7 @@
 </p:sld>
 </file>
 
-<file path=ppt/slides/slide32.xml><?xml version="1.0" encoding="utf-8"?>
+<file path=ppt/slides/slide33.xml><?xml version="1.0" encoding="utf-8"?>
 <p:sld xmlns:a="http://schemas.openxmlformats.org/drawingml/2006/main" xmlns:r="http://schemas.openxmlformats.org/officeDocument/2006/relationships" xmlns:p="http://schemas.openxmlformats.org/presentationml/2006/main">
   <p:cSld>
     <p:spTree>
@@ -21572,7 +21267,7 @@
           <a:p>
             <a:fld id="{5A209D72-2E9D-49B0-8977-41DCCC66C0BB}" type="slidenum">
               <a:rPr lang="nl-BE" smtClean="0"/>
-              <a:t>32</a:t>
+              <a:t>33</a:t>
             </a:fld>
             <a:endParaRPr lang="nl-BE"/>
           </a:p>
@@ -22295,7 +21990,7 @@
 </p:sld>
 </file>
 
-<file path=ppt/slides/slide33.xml><?xml version="1.0" encoding="utf-8"?>
+<file path=ppt/slides/slide34.xml><?xml version="1.0" encoding="utf-8"?>
 <p:sld xmlns:a="http://schemas.openxmlformats.org/drawingml/2006/main" xmlns:r="http://schemas.openxmlformats.org/officeDocument/2006/relationships" xmlns:p="http://schemas.openxmlformats.org/presentationml/2006/main">
   <p:cSld>
     <p:spTree>
@@ -22351,7 +22046,7 @@
           <a:p>
             <a:fld id="{5A209D72-2E9D-49B0-8977-41DCCC66C0BB}" type="slidenum">
               <a:rPr lang="nl-BE" smtClean="0"/>
-              <a:t>33</a:t>
+              <a:t>34</a:t>
             </a:fld>
             <a:endParaRPr lang="nl-BE"/>
           </a:p>
@@ -22400,7 +22095,7 @@
 </p:sld>
 </file>
 
-<file path=ppt/slides/slide34.xml><?xml version="1.0" encoding="utf-8"?>
+<file path=ppt/slides/slide35.xml><?xml version="1.0" encoding="utf-8"?>
 <p:sld xmlns:a="http://schemas.openxmlformats.org/drawingml/2006/main" xmlns:r="http://schemas.openxmlformats.org/officeDocument/2006/relationships" xmlns:p="http://schemas.openxmlformats.org/presentationml/2006/main">
   <p:cSld>
     <p:spTree>
@@ -22546,7 +22241,7 @@
           <a:p>
             <a:fld id="{5A209D72-2E9D-49B0-8977-41DCCC66C0BB}" type="slidenum">
               <a:rPr lang="nl-BE" smtClean="0"/>
-              <a:t>34</a:t>
+              <a:t>35</a:t>
             </a:fld>
             <a:endParaRPr lang="nl-BE"/>
           </a:p>
@@ -22996,7 +22691,7 @@
 </p:sld>
 </file>
 
-<file path=ppt/slides/slide35.xml><?xml version="1.0" encoding="utf-8"?>
+<file path=ppt/slides/slide36.xml><?xml version="1.0" encoding="utf-8"?>
 <p:sld xmlns:a="http://schemas.openxmlformats.org/drawingml/2006/main" xmlns:r="http://schemas.openxmlformats.org/officeDocument/2006/relationships" xmlns:p="http://schemas.openxmlformats.org/presentationml/2006/main">
   <p:cSld>
     <p:spTree>
@@ -23133,7 +22828,7 @@
           <a:p>
             <a:fld id="{5A209D72-2E9D-49B0-8977-41DCCC66C0BB}" type="slidenum">
               <a:rPr lang="nl-BE" smtClean="0"/>
-              <a:t>35</a:t>
+              <a:t>36</a:t>
             </a:fld>
             <a:endParaRPr lang="nl-BE"/>
           </a:p>
@@ -23539,7 +23234,7 @@
 </p:sld>
 </file>
 
-<file path=ppt/slides/slide36.xml><?xml version="1.0" encoding="utf-8"?>
+<file path=ppt/slides/slide37.xml><?xml version="1.0" encoding="utf-8"?>
 <p:sld xmlns:a="http://schemas.openxmlformats.org/drawingml/2006/main" xmlns:r="http://schemas.openxmlformats.org/officeDocument/2006/relationships" xmlns:p="http://schemas.openxmlformats.org/presentationml/2006/main">
   <p:cSld>
     <p:spTree>
@@ -23641,7 +23336,7 @@
           <a:p>
             <a:fld id="{5A209D72-2E9D-49B0-8977-41DCCC66C0BB}" type="slidenum">
               <a:rPr lang="nl-BE" smtClean="0"/>
-              <a:t>36</a:t>
+              <a:t>37</a:t>
             </a:fld>
             <a:endParaRPr lang="nl-BE"/>
           </a:p>
@@ -24498,7 +24193,7 @@
 </p:sld>
 </file>
 
-<file path=ppt/slides/slide37.xml><?xml version="1.0" encoding="utf-8"?>
+<file path=ppt/slides/slide38.xml><?xml version="1.0" encoding="utf-8"?>
 <p:sld xmlns:a="http://schemas.openxmlformats.org/drawingml/2006/main" xmlns:r="http://schemas.openxmlformats.org/officeDocument/2006/relationships" xmlns:p="http://schemas.openxmlformats.org/presentationml/2006/main">
   <p:cSld>
     <p:spTree>
@@ -24597,7 +24292,7 @@
           <a:p>
             <a:fld id="{5A209D72-2E9D-49B0-8977-41DCCC66C0BB}" type="slidenum">
               <a:rPr lang="nl-BE" smtClean="0"/>
-              <a:t>37</a:t>
+              <a:t>38</a:t>
             </a:fld>
             <a:endParaRPr lang="nl-BE"/>
           </a:p>
@@ -25400,7 +25095,7 @@
 </p:sld>
 </file>
 
-<file path=ppt/slides/slide38.xml><?xml version="1.0" encoding="utf-8"?>
+<file path=ppt/slides/slide39.xml><?xml version="1.0" encoding="utf-8"?>
 <p:sld xmlns:a="http://schemas.openxmlformats.org/drawingml/2006/main" xmlns:r="http://schemas.openxmlformats.org/officeDocument/2006/relationships" xmlns:p="http://schemas.openxmlformats.org/presentationml/2006/main">
   <p:cSld>
     <p:spTree>
@@ -25478,7 +25173,7 @@
           <a:p>
             <a:fld id="{5A209D72-2E9D-49B0-8977-41DCCC66C0BB}" type="slidenum">
               <a:rPr lang="nl-BE" smtClean="0"/>
-              <a:t>38</a:t>
+              <a:t>39</a:t>
             </a:fld>
             <a:endParaRPr lang="nl-BE"/>
           </a:p>
@@ -26175,7 +25870,7 @@
 </p:sld>
 </file>
 
-<file path=ppt/slides/slide39.xml><?xml version="1.0" encoding="utf-8"?>
+<file path=ppt/slides/slide4.xml><?xml version="1.0" encoding="utf-8"?>
 <p:sld xmlns:a="http://schemas.openxmlformats.org/drawingml/2006/main" xmlns:r="http://schemas.openxmlformats.org/officeDocument/2006/relationships" xmlns:p="http://schemas.openxmlformats.org/presentationml/2006/main">
   <p:cSld>
     <p:spTree>
@@ -26209,6 +25904,580 @@
           <a:p>
             <a:r>
               <a:rPr lang="en-US" dirty="0"/>
+              <a:t>Introduction</a:t>
+            </a:r>
+          </a:p>
+        </p:txBody>
+      </p:sp>
+      <p:sp>
+        <p:nvSpPr>
+          <p:cNvPr id="3" name="Content Placeholder 2"/>
+          <p:cNvSpPr>
+            <a:spLocks noGrp="1"/>
+          </p:cNvSpPr>
+          <p:nvPr>
+            <p:ph idx="1"/>
+          </p:nvPr>
+        </p:nvSpPr>
+        <p:spPr/>
+        <p:txBody>
+          <a:bodyPr>
+            <a:normAutofit/>
+          </a:bodyPr>
+          <a:lstStyle/>
+          <a:p>
+            <a:r>
+              <a:rPr lang="en-US" dirty="0"/>
+              <a:t>Machine learning is making great strides</a:t>
+            </a:r>
+          </a:p>
+          <a:p>
+            <a:pPr lvl="1"/>
+            <a:r>
+              <a:rPr lang="en-US" dirty="0"/>
+              <a:t>Large, good data sets</a:t>
+            </a:r>
+          </a:p>
+          <a:p>
+            <a:pPr lvl="1"/>
+            <a:r>
+              <a:rPr lang="en-US" dirty="0"/>
+              <a:t>Compute power</a:t>
+            </a:r>
+          </a:p>
+          <a:p>
+            <a:pPr lvl="1"/>
+            <a:r>
+              <a:rPr lang="en-US" dirty="0"/>
+              <a:t>Progress in algorithms</a:t>
+            </a:r>
+          </a:p>
+          <a:p>
+            <a:r>
+              <a:rPr lang="en-US" dirty="0"/>
+              <a:t>Many interesting applications</a:t>
+            </a:r>
+          </a:p>
+          <a:p>
+            <a:pPr lvl="1"/>
+            <a:r>
+              <a:rPr lang="en-US" dirty="0" err="1"/>
+              <a:t>commericial</a:t>
+            </a:r>
+            <a:endParaRPr lang="en-US" dirty="0"/>
+          </a:p>
+          <a:p>
+            <a:pPr lvl="1"/>
+            <a:r>
+              <a:rPr lang="en-US" dirty="0"/>
+              <a:t>scientific</a:t>
+            </a:r>
+          </a:p>
+          <a:p>
+            <a:r>
+              <a:rPr lang="en-US" dirty="0"/>
+              <a:t>Links with artificial intelligence</a:t>
+            </a:r>
+          </a:p>
+          <a:p>
+            <a:pPr lvl="1"/>
+            <a:r>
+              <a:rPr lang="en-US" dirty="0"/>
+              <a:t>However, AI </a:t>
+            </a:r>
+            <a:r>
+              <a:rPr lang="en-US" dirty="0">
+                <a:sym typeface="Symbol" panose="05050102010706020507" pitchFamily="18" charset="2"/>
+              </a:rPr>
+              <a:t></a:t>
+            </a:r>
+            <a:r>
+              <a:rPr lang="en-US" dirty="0"/>
+              <a:t> machine learning</a:t>
+            </a:r>
+          </a:p>
+        </p:txBody>
+      </p:sp>
+      <p:sp>
+        <p:nvSpPr>
+          <p:cNvPr id="4" name="Slide Number Placeholder 3"/>
+          <p:cNvSpPr>
+            <a:spLocks noGrp="1"/>
+          </p:cNvSpPr>
+          <p:nvPr>
+            <p:ph type="sldNum" sz="quarter" idx="12"/>
+          </p:nvPr>
+        </p:nvSpPr>
+        <p:spPr/>
+        <p:txBody>
+          <a:bodyPr/>
+          <a:lstStyle/>
+          <a:p>
+            <a:fld id="{5A209D72-2E9D-49B0-8977-41DCCC66C0BB}" type="slidenum">
+              <a:rPr lang="nl-BE" smtClean="0"/>
+              <a:t>4</a:t>
+            </a:fld>
+            <a:endParaRPr lang="nl-BE"/>
+          </a:p>
+        </p:txBody>
+      </p:sp>
+      <p:pic>
+        <p:nvPicPr>
+          <p:cNvPr id="3074" name="Picture 2" descr="Image result for artificial intelligence"/>
+          <p:cNvPicPr>
+            <a:picLocks noChangeAspect="1" noChangeArrowheads="1"/>
+          </p:cNvPicPr>
+          <p:nvPr/>
+        </p:nvPicPr>
+        <p:blipFill>
+          <a:blip r:embed="rId2">
+            <a:extLst>
+              <a:ext uri="{28A0092B-C50C-407E-A947-70E740481C1C}">
+                <a14:useLocalDpi xmlns:a14="http://schemas.microsoft.com/office/drawing/2010/main" val="0"/>
+              </a:ext>
+            </a:extLst>
+          </a:blip>
+          <a:srcRect/>
+          <a:stretch>
+            <a:fillRect/>
+          </a:stretch>
+        </p:blipFill>
+        <p:spPr bwMode="auto">
+          <a:xfrm>
+            <a:off x="6669246" y="2597524"/>
+            <a:ext cx="4591779" cy="2638953"/>
+          </a:xfrm>
+          <a:prstGeom prst="rect">
+            <a:avLst/>
+          </a:prstGeom>
+          <a:noFill/>
+          <a:extLst>
+            <a:ext uri="{909E8E84-426E-40DD-AFC4-6F175D3DCCD1}">
+              <a14:hiddenFill xmlns:a14="http://schemas.microsoft.com/office/drawing/2010/main">
+                <a:solidFill>
+                  <a:srgbClr val="FFFFFF"/>
+                </a:solidFill>
+              </a14:hiddenFill>
+            </a:ext>
+          </a:extLst>
+        </p:spPr>
+      </p:pic>
+    </p:spTree>
+    <p:extLst>
+      <p:ext uri="{BB962C8B-B14F-4D97-AF65-F5344CB8AC3E}">
+        <p14:creationId xmlns:p14="http://schemas.microsoft.com/office/powerpoint/2010/main" val="2819944991"/>
+      </p:ext>
+    </p:extLst>
+  </p:cSld>
+  <p:clrMapOvr>
+    <a:masterClrMapping/>
+  </p:clrMapOvr>
+  <p:timing>
+    <p:tnLst>
+      <p:par>
+        <p:cTn id="1" dur="indefinite" restart="never" nodeType="tmRoot">
+          <p:childTnLst>
+            <p:seq concurrent="1" nextAc="seek">
+              <p:cTn id="2" dur="indefinite" nodeType="mainSeq">
+                <p:childTnLst>
+                  <p:par>
+                    <p:cTn id="3" fill="hold">
+                      <p:stCondLst>
+                        <p:cond delay="indefinite"/>
+                        <p:cond evt="onBegin" delay="0">
+                          <p:tn val="2"/>
+                        </p:cond>
+                      </p:stCondLst>
+                      <p:childTnLst>
+                        <p:par>
+                          <p:cTn id="4" fill="hold">
+                            <p:stCondLst>
+                              <p:cond delay="0"/>
+                            </p:stCondLst>
+                            <p:childTnLst>
+                              <p:par>
+                                <p:cTn id="5" presetID="1" presetClass="entr" presetSubtype="0" fill="hold" grpId="0" nodeType="withEffect">
+                                  <p:stCondLst>
+                                    <p:cond delay="0"/>
+                                  </p:stCondLst>
+                                  <p:childTnLst>
+                                    <p:set>
+                                      <p:cBhvr>
+                                        <p:cTn id="6" dur="1" fill="hold">
+                                          <p:stCondLst>
+                                            <p:cond delay="0"/>
+                                          </p:stCondLst>
+                                        </p:cTn>
+                                        <p:tgtEl>
+                                          <p:spTgt spid="3">
+                                            <p:txEl>
+                                              <p:pRg st="0" end="0"/>
+                                            </p:txEl>
+                                          </p:spTgt>
+                                        </p:tgtEl>
+                                        <p:attrNameLst>
+                                          <p:attrName>style.visibility</p:attrName>
+                                        </p:attrNameLst>
+                                      </p:cBhvr>
+                                      <p:to>
+                                        <p:strVal val="visible"/>
+                                      </p:to>
+                                    </p:set>
+                                  </p:childTnLst>
+                                </p:cTn>
+                              </p:par>
+                              <p:par>
+                                <p:cTn id="7" presetID="1" presetClass="entr" presetSubtype="0" fill="hold" grpId="0" nodeType="withEffect">
+                                  <p:stCondLst>
+                                    <p:cond delay="0"/>
+                                  </p:stCondLst>
+                                  <p:childTnLst>
+                                    <p:set>
+                                      <p:cBhvr>
+                                        <p:cTn id="8" dur="1" fill="hold">
+                                          <p:stCondLst>
+                                            <p:cond delay="0"/>
+                                          </p:stCondLst>
+                                        </p:cTn>
+                                        <p:tgtEl>
+                                          <p:spTgt spid="3">
+                                            <p:txEl>
+                                              <p:pRg st="1" end="1"/>
+                                            </p:txEl>
+                                          </p:spTgt>
+                                        </p:tgtEl>
+                                        <p:attrNameLst>
+                                          <p:attrName>style.visibility</p:attrName>
+                                        </p:attrNameLst>
+                                      </p:cBhvr>
+                                      <p:to>
+                                        <p:strVal val="visible"/>
+                                      </p:to>
+                                    </p:set>
+                                  </p:childTnLst>
+                                </p:cTn>
+                              </p:par>
+                              <p:par>
+                                <p:cTn id="9" presetID="1" presetClass="entr" presetSubtype="0" fill="hold" grpId="0" nodeType="withEffect">
+                                  <p:stCondLst>
+                                    <p:cond delay="0"/>
+                                  </p:stCondLst>
+                                  <p:childTnLst>
+                                    <p:set>
+                                      <p:cBhvr>
+                                        <p:cTn id="10" dur="1" fill="hold">
+                                          <p:stCondLst>
+                                            <p:cond delay="0"/>
+                                          </p:stCondLst>
+                                        </p:cTn>
+                                        <p:tgtEl>
+                                          <p:spTgt spid="3">
+                                            <p:txEl>
+                                              <p:pRg st="2" end="2"/>
+                                            </p:txEl>
+                                          </p:spTgt>
+                                        </p:tgtEl>
+                                        <p:attrNameLst>
+                                          <p:attrName>style.visibility</p:attrName>
+                                        </p:attrNameLst>
+                                      </p:cBhvr>
+                                      <p:to>
+                                        <p:strVal val="visible"/>
+                                      </p:to>
+                                    </p:set>
+                                  </p:childTnLst>
+                                </p:cTn>
+                              </p:par>
+                              <p:par>
+                                <p:cTn id="11" presetID="1" presetClass="entr" presetSubtype="0" fill="hold" grpId="0" nodeType="withEffect">
+                                  <p:stCondLst>
+                                    <p:cond delay="0"/>
+                                  </p:stCondLst>
+                                  <p:childTnLst>
+                                    <p:set>
+                                      <p:cBhvr>
+                                        <p:cTn id="12" dur="1" fill="hold">
+                                          <p:stCondLst>
+                                            <p:cond delay="0"/>
+                                          </p:stCondLst>
+                                        </p:cTn>
+                                        <p:tgtEl>
+                                          <p:spTgt spid="3">
+                                            <p:txEl>
+                                              <p:pRg st="3" end="3"/>
+                                            </p:txEl>
+                                          </p:spTgt>
+                                        </p:tgtEl>
+                                        <p:attrNameLst>
+                                          <p:attrName>style.visibility</p:attrName>
+                                        </p:attrNameLst>
+                                      </p:cBhvr>
+                                      <p:to>
+                                        <p:strVal val="visible"/>
+                                      </p:to>
+                                    </p:set>
+                                  </p:childTnLst>
+                                </p:cTn>
+                              </p:par>
+                            </p:childTnLst>
+                          </p:cTn>
+                        </p:par>
+                      </p:childTnLst>
+                    </p:cTn>
+                  </p:par>
+                  <p:par>
+                    <p:cTn id="13" fill="hold">
+                      <p:stCondLst>
+                        <p:cond delay="indefinite"/>
+                      </p:stCondLst>
+                      <p:childTnLst>
+                        <p:par>
+                          <p:cTn id="14" fill="hold">
+                            <p:stCondLst>
+                              <p:cond delay="0"/>
+                            </p:stCondLst>
+                            <p:childTnLst>
+                              <p:par>
+                                <p:cTn id="15" presetID="1" presetClass="entr" presetSubtype="0" fill="hold" grpId="0" nodeType="clickEffect">
+                                  <p:stCondLst>
+                                    <p:cond delay="0"/>
+                                  </p:stCondLst>
+                                  <p:childTnLst>
+                                    <p:set>
+                                      <p:cBhvr>
+                                        <p:cTn id="16" dur="1" fill="hold">
+                                          <p:stCondLst>
+                                            <p:cond delay="0"/>
+                                          </p:stCondLst>
+                                        </p:cTn>
+                                        <p:tgtEl>
+                                          <p:spTgt spid="3">
+                                            <p:txEl>
+                                              <p:pRg st="4" end="4"/>
+                                            </p:txEl>
+                                          </p:spTgt>
+                                        </p:tgtEl>
+                                        <p:attrNameLst>
+                                          <p:attrName>style.visibility</p:attrName>
+                                        </p:attrNameLst>
+                                      </p:cBhvr>
+                                      <p:to>
+                                        <p:strVal val="visible"/>
+                                      </p:to>
+                                    </p:set>
+                                  </p:childTnLst>
+                                </p:cTn>
+                              </p:par>
+                              <p:par>
+                                <p:cTn id="17" presetID="1" presetClass="entr" presetSubtype="0" fill="hold" grpId="0" nodeType="withEffect">
+                                  <p:stCondLst>
+                                    <p:cond delay="0"/>
+                                  </p:stCondLst>
+                                  <p:childTnLst>
+                                    <p:set>
+                                      <p:cBhvr>
+                                        <p:cTn id="18" dur="1" fill="hold">
+                                          <p:stCondLst>
+                                            <p:cond delay="0"/>
+                                          </p:stCondLst>
+                                        </p:cTn>
+                                        <p:tgtEl>
+                                          <p:spTgt spid="3">
+                                            <p:txEl>
+                                              <p:pRg st="5" end="5"/>
+                                            </p:txEl>
+                                          </p:spTgt>
+                                        </p:tgtEl>
+                                        <p:attrNameLst>
+                                          <p:attrName>style.visibility</p:attrName>
+                                        </p:attrNameLst>
+                                      </p:cBhvr>
+                                      <p:to>
+                                        <p:strVal val="visible"/>
+                                      </p:to>
+                                    </p:set>
+                                  </p:childTnLst>
+                                </p:cTn>
+                              </p:par>
+                              <p:par>
+                                <p:cTn id="19" presetID="1" presetClass="entr" presetSubtype="0" fill="hold" grpId="0" nodeType="withEffect">
+                                  <p:stCondLst>
+                                    <p:cond delay="0"/>
+                                  </p:stCondLst>
+                                  <p:childTnLst>
+                                    <p:set>
+                                      <p:cBhvr>
+                                        <p:cTn id="20" dur="1" fill="hold">
+                                          <p:stCondLst>
+                                            <p:cond delay="0"/>
+                                          </p:stCondLst>
+                                        </p:cTn>
+                                        <p:tgtEl>
+                                          <p:spTgt spid="3">
+                                            <p:txEl>
+                                              <p:pRg st="6" end="6"/>
+                                            </p:txEl>
+                                          </p:spTgt>
+                                        </p:tgtEl>
+                                        <p:attrNameLst>
+                                          <p:attrName>style.visibility</p:attrName>
+                                        </p:attrNameLst>
+                                      </p:cBhvr>
+                                      <p:to>
+                                        <p:strVal val="visible"/>
+                                      </p:to>
+                                    </p:set>
+                                  </p:childTnLst>
+                                </p:cTn>
+                              </p:par>
+                            </p:childTnLst>
+                          </p:cTn>
+                        </p:par>
+                      </p:childTnLst>
+                    </p:cTn>
+                  </p:par>
+                  <p:par>
+                    <p:cTn id="21" fill="hold">
+                      <p:stCondLst>
+                        <p:cond delay="indefinite"/>
+                      </p:stCondLst>
+                      <p:childTnLst>
+                        <p:par>
+                          <p:cTn id="22" fill="hold">
+                            <p:stCondLst>
+                              <p:cond delay="0"/>
+                            </p:stCondLst>
+                            <p:childTnLst>
+                              <p:par>
+                                <p:cTn id="23" presetID="1" presetClass="entr" presetSubtype="0" fill="hold" grpId="0" nodeType="clickEffect">
+                                  <p:stCondLst>
+                                    <p:cond delay="0"/>
+                                  </p:stCondLst>
+                                  <p:childTnLst>
+                                    <p:set>
+                                      <p:cBhvr>
+                                        <p:cTn id="24" dur="1" fill="hold">
+                                          <p:stCondLst>
+                                            <p:cond delay="0"/>
+                                          </p:stCondLst>
+                                        </p:cTn>
+                                        <p:tgtEl>
+                                          <p:spTgt spid="3">
+                                            <p:txEl>
+                                              <p:pRg st="7" end="7"/>
+                                            </p:txEl>
+                                          </p:spTgt>
+                                        </p:tgtEl>
+                                        <p:attrNameLst>
+                                          <p:attrName>style.visibility</p:attrName>
+                                        </p:attrNameLst>
+                                      </p:cBhvr>
+                                      <p:to>
+                                        <p:strVal val="visible"/>
+                                      </p:to>
+                                    </p:set>
+                                  </p:childTnLst>
+                                </p:cTn>
+                              </p:par>
+                              <p:par>
+                                <p:cTn id="25" presetID="1" presetClass="entr" presetSubtype="0" fill="hold" grpId="0" nodeType="withEffect">
+                                  <p:stCondLst>
+                                    <p:cond delay="0"/>
+                                  </p:stCondLst>
+                                  <p:childTnLst>
+                                    <p:set>
+                                      <p:cBhvr>
+                                        <p:cTn id="26" dur="1" fill="hold">
+                                          <p:stCondLst>
+                                            <p:cond delay="0"/>
+                                          </p:stCondLst>
+                                        </p:cTn>
+                                        <p:tgtEl>
+                                          <p:spTgt spid="3">
+                                            <p:txEl>
+                                              <p:pRg st="8" end="8"/>
+                                            </p:txEl>
+                                          </p:spTgt>
+                                        </p:tgtEl>
+                                        <p:attrNameLst>
+                                          <p:attrName>style.visibility</p:attrName>
+                                        </p:attrNameLst>
+                                      </p:cBhvr>
+                                      <p:to>
+                                        <p:strVal val="visible"/>
+                                      </p:to>
+                                    </p:set>
+                                  </p:childTnLst>
+                                </p:cTn>
+                              </p:par>
+                            </p:childTnLst>
+                          </p:cTn>
+                        </p:par>
+                      </p:childTnLst>
+                    </p:cTn>
+                  </p:par>
+                </p:childTnLst>
+              </p:cTn>
+              <p:prevCondLst>
+                <p:cond evt="onPrev" delay="0">
+                  <p:tgtEl>
+                    <p:sldTgt/>
+                  </p:tgtEl>
+                </p:cond>
+              </p:prevCondLst>
+              <p:nextCondLst>
+                <p:cond evt="onNext" delay="0">
+                  <p:tgtEl>
+                    <p:sldTgt/>
+                  </p:tgtEl>
+                </p:cond>
+              </p:nextCondLst>
+            </p:seq>
+          </p:childTnLst>
+        </p:cTn>
+      </p:par>
+    </p:tnLst>
+    <p:bldLst>
+      <p:bldP spid="3" grpId="0" uiExpand="1" build="p"/>
+    </p:bldLst>
+  </p:timing>
+</p:sld>
+</file>
+
+<file path=ppt/slides/slide40.xml><?xml version="1.0" encoding="utf-8"?>
+<p:sld xmlns:a="http://schemas.openxmlformats.org/drawingml/2006/main" xmlns:r="http://schemas.openxmlformats.org/officeDocument/2006/relationships" xmlns:p="http://schemas.openxmlformats.org/presentationml/2006/main">
+  <p:cSld>
+    <p:spTree>
+      <p:nvGrpSpPr>
+        <p:cNvPr id="1" name=""/>
+        <p:cNvGrpSpPr/>
+        <p:nvPr/>
+      </p:nvGrpSpPr>
+      <p:grpSpPr>
+        <a:xfrm>
+          <a:off x="0" y="0"/>
+          <a:ext cx="0" cy="0"/>
+          <a:chOff x="0" y="0"/>
+          <a:chExt cx="0" cy="0"/>
+        </a:xfrm>
+      </p:grpSpPr>
+      <p:sp>
+        <p:nvSpPr>
+          <p:cNvPr id="2" name="Title 1"/>
+          <p:cNvSpPr>
+            <a:spLocks noGrp="1"/>
+          </p:cNvSpPr>
+          <p:nvPr>
+            <p:ph type="title"/>
+          </p:nvPr>
+        </p:nvSpPr>
+        <p:spPr/>
+        <p:txBody>
+          <a:bodyPr/>
+          <a:lstStyle/>
+          <a:p>
+            <a:r>
+              <a:rPr lang="en-US" dirty="0"/>
               <a:t>Data set properties</a:t>
             </a:r>
           </a:p>
@@ -26231,7 +26500,7 @@
           <a:p>
             <a:fld id="{5A209D72-2E9D-49B0-8977-41DCCC66C0BB}" type="slidenum">
               <a:rPr lang="nl-BE" smtClean="0"/>
-              <a:t>39</a:t>
+              <a:t>40</a:t>
             </a:fld>
             <a:endParaRPr lang="nl-BE"/>
           </a:p>
@@ -26514,7 +26783,7 @@
 </p:sld>
 </file>
 
-<file path=ppt/slides/slide4.xml><?xml version="1.0" encoding="utf-8"?>
+<file path=ppt/slides/slide41.xml><?xml version="1.0" encoding="utf-8"?>
 <p:sld xmlns:a="http://schemas.openxmlformats.org/drawingml/2006/main" xmlns:r="http://schemas.openxmlformats.org/officeDocument/2006/relationships" xmlns:p="http://schemas.openxmlformats.org/presentationml/2006/main">
   <p:cSld>
     <p:spTree>
@@ -26548,7 +26817,7 @@
           <a:p>
             <a:r>
               <a:rPr lang="en-US" dirty="0"/>
-              <a:t>Machine learning tasks</a:t>
+              <a:t>Task 3</a:t>
             </a:r>
           </a:p>
         </p:txBody>
@@ -26572,62 +26841,74 @@
           <a:p>
             <a:r>
               <a:rPr lang="en-US" dirty="0"/>
-              <a:t>Supervised learning</a:t>
+              <a:t>Given</a:t>
             </a:r>
           </a:p>
           <a:p>
             <a:pPr lvl="1"/>
             <a:r>
               <a:rPr lang="en-US" dirty="0"/>
-              <a:t>regression: predict numerical values</a:t>
+              <a:t>economy</a:t>
             </a:r>
           </a:p>
           <a:p>
             <a:pPr lvl="1"/>
             <a:r>
               <a:rPr lang="en-US" dirty="0"/>
-              <a:t>classification: predict categorical values, i.e., labels</a:t>
-            </a:r>
-          </a:p>
-          <a:p>
+              <a:t>family</a:t>
+            </a:r>
+          </a:p>
+          <a:p>
+            <a:pPr lvl="1"/>
             <a:r>
               <a:rPr lang="en-US" dirty="0"/>
-              <a:t>Unsupervised learning</a:t>
+              <a:t>health</a:t>
             </a:r>
           </a:p>
           <a:p>
             <a:pPr lvl="1"/>
             <a:r>
               <a:rPr lang="en-US" dirty="0"/>
-              <a:t>clustering: group data according to "distance"</a:t>
+              <a:t>freedom</a:t>
             </a:r>
           </a:p>
           <a:p>
             <a:pPr lvl="1"/>
             <a:r>
               <a:rPr lang="en-US" dirty="0"/>
-              <a:t>association: find frequent co-occurrences</a:t>
+              <a:t>trust</a:t>
             </a:r>
           </a:p>
           <a:p>
             <a:pPr lvl="1"/>
             <a:r>
               <a:rPr lang="en-US" dirty="0"/>
-              <a:t>link prediction: discover relationships in data</a:t>
+              <a:t>generosity</a:t>
             </a:r>
           </a:p>
           <a:p>
             <a:pPr lvl="1"/>
             <a:r>
               <a:rPr lang="en-US" dirty="0"/>
-              <a:t>data reduction: project features to fewer features</a:t>
+              <a:t>dystopia residual</a:t>
             </a:r>
           </a:p>
           <a:p>
             <a:r>
               <a:rPr lang="en-US" dirty="0"/>
-              <a:t>Reinforcement learning</a:t>
-            </a:r>
+              <a:t>Find countries that are</a:t>
+            </a:r>
+            <a:br>
+              <a:rPr lang="en-US" dirty="0"/>
+            </a:br>
+            <a:r>
+              <a:rPr lang="en-US" dirty="0"/>
+              <a:t>"close"</a:t>
+            </a:r>
+          </a:p>
+          <a:p>
+            <a:pPr lvl="1"/>
+            <a:endParaRPr lang="en-US" dirty="0"/>
           </a:p>
         </p:txBody>
       </p:sp>
@@ -26648,649 +26929,7 @@
           <a:p>
             <a:fld id="{5A209D72-2E9D-49B0-8977-41DCCC66C0BB}" type="slidenum">
               <a:rPr lang="nl-BE" smtClean="0"/>
-              <a:t>4</a:t>
-            </a:fld>
-            <a:endParaRPr lang="nl-BE"/>
-          </a:p>
-        </p:txBody>
-      </p:sp>
-    </p:spTree>
-    <p:extLst>
-      <p:ext uri="{BB962C8B-B14F-4D97-AF65-F5344CB8AC3E}">
-        <p14:creationId xmlns:p14="http://schemas.microsoft.com/office/powerpoint/2010/main" val="3787394403"/>
-      </p:ext>
-    </p:extLst>
-  </p:cSld>
-  <p:clrMapOvr>
-    <a:masterClrMapping/>
-  </p:clrMapOvr>
-  <p:timing>
-    <p:tnLst>
-      <p:par>
-        <p:cTn id="1" dur="indefinite" restart="never" nodeType="tmRoot">
-          <p:childTnLst>
-            <p:seq concurrent="1" nextAc="seek">
-              <p:cTn id="2" dur="indefinite" nodeType="mainSeq">
-                <p:childTnLst>
-                  <p:par>
-                    <p:cTn id="3" fill="hold">
-                      <p:stCondLst>
-                        <p:cond delay="indefinite"/>
-                        <p:cond evt="onBegin" delay="0">
-                          <p:tn val="2"/>
-                        </p:cond>
-                      </p:stCondLst>
-                      <p:childTnLst>
-                        <p:par>
-                          <p:cTn id="4" fill="hold">
-                            <p:stCondLst>
-                              <p:cond delay="0"/>
-                            </p:stCondLst>
-                            <p:childTnLst>
-                              <p:par>
-                                <p:cTn id="5" presetID="1" presetClass="entr" presetSubtype="0" fill="hold" grpId="0" nodeType="withEffect">
-                                  <p:stCondLst>
-                                    <p:cond delay="0"/>
-                                  </p:stCondLst>
-                                  <p:childTnLst>
-                                    <p:set>
-                                      <p:cBhvr>
-                                        <p:cTn id="6" dur="1" fill="hold">
-                                          <p:stCondLst>
-                                            <p:cond delay="0"/>
-                                          </p:stCondLst>
-                                        </p:cTn>
-                                        <p:tgtEl>
-                                          <p:spTgt spid="3">
-                                            <p:txEl>
-                                              <p:pRg st="0" end="0"/>
-                                            </p:txEl>
-                                          </p:spTgt>
-                                        </p:tgtEl>
-                                        <p:attrNameLst>
-                                          <p:attrName>style.visibility</p:attrName>
-                                        </p:attrNameLst>
-                                      </p:cBhvr>
-                                      <p:to>
-                                        <p:strVal val="visible"/>
-                                      </p:to>
-                                    </p:set>
-                                  </p:childTnLst>
-                                </p:cTn>
-                              </p:par>
-                            </p:childTnLst>
-                          </p:cTn>
-                        </p:par>
-                      </p:childTnLst>
-                    </p:cTn>
-                  </p:par>
-                  <p:par>
-                    <p:cTn id="7" fill="hold">
-                      <p:stCondLst>
-                        <p:cond delay="indefinite"/>
-                      </p:stCondLst>
-                      <p:childTnLst>
-                        <p:par>
-                          <p:cTn id="8" fill="hold">
-                            <p:stCondLst>
-                              <p:cond delay="0"/>
-                            </p:stCondLst>
-                            <p:childTnLst>
-                              <p:par>
-                                <p:cTn id="9" presetID="1" presetClass="entr" presetSubtype="0" fill="hold" grpId="0" nodeType="clickEffect">
-                                  <p:stCondLst>
-                                    <p:cond delay="0"/>
-                                  </p:stCondLst>
-                                  <p:childTnLst>
-                                    <p:set>
-                                      <p:cBhvr>
-                                        <p:cTn id="10" dur="1" fill="hold">
-                                          <p:stCondLst>
-                                            <p:cond delay="0"/>
-                                          </p:stCondLst>
-                                        </p:cTn>
-                                        <p:tgtEl>
-                                          <p:spTgt spid="3">
-                                            <p:txEl>
-                                              <p:pRg st="1" end="1"/>
-                                            </p:txEl>
-                                          </p:spTgt>
-                                        </p:tgtEl>
-                                        <p:attrNameLst>
-                                          <p:attrName>style.visibility</p:attrName>
-                                        </p:attrNameLst>
-                                      </p:cBhvr>
-                                      <p:to>
-                                        <p:strVal val="visible"/>
-                                      </p:to>
-                                    </p:set>
-                                  </p:childTnLst>
-                                </p:cTn>
-                              </p:par>
-                            </p:childTnLst>
-                          </p:cTn>
-                        </p:par>
-                      </p:childTnLst>
-                    </p:cTn>
-                  </p:par>
-                  <p:par>
-                    <p:cTn id="11" fill="hold">
-                      <p:stCondLst>
-                        <p:cond delay="indefinite"/>
-                      </p:stCondLst>
-                      <p:childTnLst>
-                        <p:par>
-                          <p:cTn id="12" fill="hold">
-                            <p:stCondLst>
-                              <p:cond delay="0"/>
-                            </p:stCondLst>
-                            <p:childTnLst>
-                              <p:par>
-                                <p:cTn id="13" presetID="1" presetClass="entr" presetSubtype="0" fill="hold" grpId="0" nodeType="clickEffect">
-                                  <p:stCondLst>
-                                    <p:cond delay="0"/>
-                                  </p:stCondLst>
-                                  <p:childTnLst>
-                                    <p:set>
-                                      <p:cBhvr>
-                                        <p:cTn id="14" dur="1" fill="hold">
-                                          <p:stCondLst>
-                                            <p:cond delay="0"/>
-                                          </p:stCondLst>
-                                        </p:cTn>
-                                        <p:tgtEl>
-                                          <p:spTgt spid="3">
-                                            <p:txEl>
-                                              <p:pRg st="2" end="2"/>
-                                            </p:txEl>
-                                          </p:spTgt>
-                                        </p:tgtEl>
-                                        <p:attrNameLst>
-                                          <p:attrName>style.visibility</p:attrName>
-                                        </p:attrNameLst>
-                                      </p:cBhvr>
-                                      <p:to>
-                                        <p:strVal val="visible"/>
-                                      </p:to>
-                                    </p:set>
-                                  </p:childTnLst>
-                                </p:cTn>
-                              </p:par>
-                            </p:childTnLst>
-                          </p:cTn>
-                        </p:par>
-                      </p:childTnLst>
-                    </p:cTn>
-                  </p:par>
-                  <p:par>
-                    <p:cTn id="15" fill="hold">
-                      <p:stCondLst>
-                        <p:cond delay="indefinite"/>
-                      </p:stCondLst>
-                      <p:childTnLst>
-                        <p:par>
-                          <p:cTn id="16" fill="hold">
-                            <p:stCondLst>
-                              <p:cond delay="0"/>
-                            </p:stCondLst>
-                            <p:childTnLst>
-                              <p:par>
-                                <p:cTn id="17" presetID="1" presetClass="entr" presetSubtype="0" fill="hold" grpId="0" nodeType="clickEffect">
-                                  <p:stCondLst>
-                                    <p:cond delay="0"/>
-                                  </p:stCondLst>
-                                  <p:childTnLst>
-                                    <p:set>
-                                      <p:cBhvr>
-                                        <p:cTn id="18" dur="1" fill="hold">
-                                          <p:stCondLst>
-                                            <p:cond delay="0"/>
-                                          </p:stCondLst>
-                                        </p:cTn>
-                                        <p:tgtEl>
-                                          <p:spTgt spid="3">
-                                            <p:txEl>
-                                              <p:pRg st="3" end="3"/>
-                                            </p:txEl>
-                                          </p:spTgt>
-                                        </p:tgtEl>
-                                        <p:attrNameLst>
-                                          <p:attrName>style.visibility</p:attrName>
-                                        </p:attrNameLst>
-                                      </p:cBhvr>
-                                      <p:to>
-                                        <p:strVal val="visible"/>
-                                      </p:to>
-                                    </p:set>
-                                  </p:childTnLst>
-                                </p:cTn>
-                              </p:par>
-                            </p:childTnLst>
-                          </p:cTn>
-                        </p:par>
-                      </p:childTnLst>
-                    </p:cTn>
-                  </p:par>
-                  <p:par>
-                    <p:cTn id="19" fill="hold">
-                      <p:stCondLst>
-                        <p:cond delay="indefinite"/>
-                      </p:stCondLst>
-                      <p:childTnLst>
-                        <p:par>
-                          <p:cTn id="20" fill="hold">
-                            <p:stCondLst>
-                              <p:cond delay="0"/>
-                            </p:stCondLst>
-                            <p:childTnLst>
-                              <p:par>
-                                <p:cTn id="21" presetID="1" presetClass="entr" presetSubtype="0" fill="hold" grpId="0" nodeType="clickEffect">
-                                  <p:stCondLst>
-                                    <p:cond delay="0"/>
-                                  </p:stCondLst>
-                                  <p:childTnLst>
-                                    <p:set>
-                                      <p:cBhvr>
-                                        <p:cTn id="22" dur="1" fill="hold">
-                                          <p:stCondLst>
-                                            <p:cond delay="0"/>
-                                          </p:stCondLst>
-                                        </p:cTn>
-                                        <p:tgtEl>
-                                          <p:spTgt spid="3">
-                                            <p:txEl>
-                                              <p:pRg st="4" end="4"/>
-                                            </p:txEl>
-                                          </p:spTgt>
-                                        </p:tgtEl>
-                                        <p:attrNameLst>
-                                          <p:attrName>style.visibility</p:attrName>
-                                        </p:attrNameLst>
-                                      </p:cBhvr>
-                                      <p:to>
-                                        <p:strVal val="visible"/>
-                                      </p:to>
-                                    </p:set>
-                                  </p:childTnLst>
-                                </p:cTn>
-                              </p:par>
-                            </p:childTnLst>
-                          </p:cTn>
-                        </p:par>
-                      </p:childTnLst>
-                    </p:cTn>
-                  </p:par>
-                  <p:par>
-                    <p:cTn id="23" fill="hold">
-                      <p:stCondLst>
-                        <p:cond delay="indefinite"/>
-                      </p:stCondLst>
-                      <p:childTnLst>
-                        <p:par>
-                          <p:cTn id="24" fill="hold">
-                            <p:stCondLst>
-                              <p:cond delay="0"/>
-                            </p:stCondLst>
-                            <p:childTnLst>
-                              <p:par>
-                                <p:cTn id="25" presetID="1" presetClass="entr" presetSubtype="0" fill="hold" grpId="0" nodeType="clickEffect">
-                                  <p:stCondLst>
-                                    <p:cond delay="0"/>
-                                  </p:stCondLst>
-                                  <p:childTnLst>
-                                    <p:set>
-                                      <p:cBhvr>
-                                        <p:cTn id="26" dur="1" fill="hold">
-                                          <p:stCondLst>
-                                            <p:cond delay="0"/>
-                                          </p:stCondLst>
-                                        </p:cTn>
-                                        <p:tgtEl>
-                                          <p:spTgt spid="3">
-                                            <p:txEl>
-                                              <p:pRg st="5" end="5"/>
-                                            </p:txEl>
-                                          </p:spTgt>
-                                        </p:tgtEl>
-                                        <p:attrNameLst>
-                                          <p:attrName>style.visibility</p:attrName>
-                                        </p:attrNameLst>
-                                      </p:cBhvr>
-                                      <p:to>
-                                        <p:strVal val="visible"/>
-                                      </p:to>
-                                    </p:set>
-                                  </p:childTnLst>
-                                </p:cTn>
-                              </p:par>
-                            </p:childTnLst>
-                          </p:cTn>
-                        </p:par>
-                      </p:childTnLst>
-                    </p:cTn>
-                  </p:par>
-                  <p:par>
-                    <p:cTn id="27" fill="hold">
-                      <p:stCondLst>
-                        <p:cond delay="indefinite"/>
-                      </p:stCondLst>
-                      <p:childTnLst>
-                        <p:par>
-                          <p:cTn id="28" fill="hold">
-                            <p:stCondLst>
-                              <p:cond delay="0"/>
-                            </p:stCondLst>
-                            <p:childTnLst>
-                              <p:par>
-                                <p:cTn id="29" presetID="1" presetClass="entr" presetSubtype="0" fill="hold" grpId="0" nodeType="clickEffect">
-                                  <p:stCondLst>
-                                    <p:cond delay="0"/>
-                                  </p:stCondLst>
-                                  <p:childTnLst>
-                                    <p:set>
-                                      <p:cBhvr>
-                                        <p:cTn id="30" dur="1" fill="hold">
-                                          <p:stCondLst>
-                                            <p:cond delay="0"/>
-                                          </p:stCondLst>
-                                        </p:cTn>
-                                        <p:tgtEl>
-                                          <p:spTgt spid="3">
-                                            <p:txEl>
-                                              <p:pRg st="6" end="6"/>
-                                            </p:txEl>
-                                          </p:spTgt>
-                                        </p:tgtEl>
-                                        <p:attrNameLst>
-                                          <p:attrName>style.visibility</p:attrName>
-                                        </p:attrNameLst>
-                                      </p:cBhvr>
-                                      <p:to>
-                                        <p:strVal val="visible"/>
-                                      </p:to>
-                                    </p:set>
-                                  </p:childTnLst>
-                                </p:cTn>
-                              </p:par>
-                            </p:childTnLst>
-                          </p:cTn>
-                        </p:par>
-                      </p:childTnLst>
-                    </p:cTn>
-                  </p:par>
-                  <p:par>
-                    <p:cTn id="31" fill="hold">
-                      <p:stCondLst>
-                        <p:cond delay="indefinite"/>
-                      </p:stCondLst>
-                      <p:childTnLst>
-                        <p:par>
-                          <p:cTn id="32" fill="hold">
-                            <p:stCondLst>
-                              <p:cond delay="0"/>
-                            </p:stCondLst>
-                            <p:childTnLst>
-                              <p:par>
-                                <p:cTn id="33" presetID="1" presetClass="entr" presetSubtype="0" fill="hold" grpId="0" nodeType="clickEffect">
-                                  <p:stCondLst>
-                                    <p:cond delay="0"/>
-                                  </p:stCondLst>
-                                  <p:childTnLst>
-                                    <p:set>
-                                      <p:cBhvr>
-                                        <p:cTn id="34" dur="1" fill="hold">
-                                          <p:stCondLst>
-                                            <p:cond delay="0"/>
-                                          </p:stCondLst>
-                                        </p:cTn>
-                                        <p:tgtEl>
-                                          <p:spTgt spid="3">
-                                            <p:txEl>
-                                              <p:pRg st="7" end="7"/>
-                                            </p:txEl>
-                                          </p:spTgt>
-                                        </p:tgtEl>
-                                        <p:attrNameLst>
-                                          <p:attrName>style.visibility</p:attrName>
-                                        </p:attrNameLst>
-                                      </p:cBhvr>
-                                      <p:to>
-                                        <p:strVal val="visible"/>
-                                      </p:to>
-                                    </p:set>
-                                  </p:childTnLst>
-                                </p:cTn>
-                              </p:par>
-                            </p:childTnLst>
-                          </p:cTn>
-                        </p:par>
-                      </p:childTnLst>
-                    </p:cTn>
-                  </p:par>
-                  <p:par>
-                    <p:cTn id="35" fill="hold">
-                      <p:stCondLst>
-                        <p:cond delay="indefinite"/>
-                      </p:stCondLst>
-                      <p:childTnLst>
-                        <p:par>
-                          <p:cTn id="36" fill="hold">
-                            <p:stCondLst>
-                              <p:cond delay="0"/>
-                            </p:stCondLst>
-                            <p:childTnLst>
-                              <p:par>
-                                <p:cTn id="37" presetID="1" presetClass="entr" presetSubtype="0" fill="hold" grpId="0" nodeType="clickEffect">
-                                  <p:stCondLst>
-                                    <p:cond delay="0"/>
-                                  </p:stCondLst>
-                                  <p:childTnLst>
-                                    <p:set>
-                                      <p:cBhvr>
-                                        <p:cTn id="38" dur="1" fill="hold">
-                                          <p:stCondLst>
-                                            <p:cond delay="0"/>
-                                          </p:stCondLst>
-                                        </p:cTn>
-                                        <p:tgtEl>
-                                          <p:spTgt spid="3">
-                                            <p:txEl>
-                                              <p:pRg st="8" end="8"/>
-                                            </p:txEl>
-                                          </p:spTgt>
-                                        </p:tgtEl>
-                                        <p:attrNameLst>
-                                          <p:attrName>style.visibility</p:attrName>
-                                        </p:attrNameLst>
-                                      </p:cBhvr>
-                                      <p:to>
-                                        <p:strVal val="visible"/>
-                                      </p:to>
-                                    </p:set>
-                                  </p:childTnLst>
-                                </p:cTn>
-                              </p:par>
-                            </p:childTnLst>
-                          </p:cTn>
-                        </p:par>
-                      </p:childTnLst>
-                    </p:cTn>
-                  </p:par>
-                </p:childTnLst>
-              </p:cTn>
-              <p:prevCondLst>
-                <p:cond evt="onPrev" delay="0">
-                  <p:tgtEl>
-                    <p:sldTgt/>
-                  </p:tgtEl>
-                </p:cond>
-              </p:prevCondLst>
-              <p:nextCondLst>
-                <p:cond evt="onNext" delay="0">
-                  <p:tgtEl>
-                    <p:sldTgt/>
-                  </p:tgtEl>
-                </p:cond>
-              </p:nextCondLst>
-            </p:seq>
-          </p:childTnLst>
-        </p:cTn>
-      </p:par>
-    </p:tnLst>
-    <p:bldLst>
-      <p:bldP spid="3" grpId="0" uiExpand="1" build="p" bldLvl="2"/>
-    </p:bldLst>
-  </p:timing>
-</p:sld>
-</file>
-
-<file path=ppt/slides/slide40.xml><?xml version="1.0" encoding="utf-8"?>
-<p:sld xmlns:a="http://schemas.openxmlformats.org/drawingml/2006/main" xmlns:r="http://schemas.openxmlformats.org/officeDocument/2006/relationships" xmlns:p="http://schemas.openxmlformats.org/presentationml/2006/main">
-  <p:cSld>
-    <p:spTree>
-      <p:nvGrpSpPr>
-        <p:cNvPr id="1" name=""/>
-        <p:cNvGrpSpPr/>
-        <p:nvPr/>
-      </p:nvGrpSpPr>
-      <p:grpSpPr>
-        <a:xfrm>
-          <a:off x="0" y="0"/>
-          <a:ext cx="0" cy="0"/>
-          <a:chOff x="0" y="0"/>
-          <a:chExt cx="0" cy="0"/>
-        </a:xfrm>
-      </p:grpSpPr>
-      <p:sp>
-        <p:nvSpPr>
-          <p:cNvPr id="2" name="Title 1"/>
-          <p:cNvSpPr>
-            <a:spLocks noGrp="1"/>
-          </p:cNvSpPr>
-          <p:nvPr>
-            <p:ph type="title"/>
-          </p:nvPr>
-        </p:nvSpPr>
-        <p:spPr/>
-        <p:txBody>
-          <a:bodyPr/>
-          <a:lstStyle/>
-          <a:p>
-            <a:r>
-              <a:rPr lang="en-US" dirty="0"/>
-              <a:t>Task 3</a:t>
-            </a:r>
-          </a:p>
-        </p:txBody>
-      </p:sp>
-      <p:sp>
-        <p:nvSpPr>
-          <p:cNvPr id="3" name="Content Placeholder 2"/>
-          <p:cNvSpPr>
-            <a:spLocks noGrp="1"/>
-          </p:cNvSpPr>
-          <p:nvPr>
-            <p:ph idx="1"/>
-          </p:nvPr>
-        </p:nvSpPr>
-        <p:spPr/>
-        <p:txBody>
-          <a:bodyPr>
-            <a:normAutofit/>
-          </a:bodyPr>
-          <a:lstStyle/>
-          <a:p>
-            <a:r>
-              <a:rPr lang="en-US" dirty="0"/>
-              <a:t>Given</a:t>
-            </a:r>
-          </a:p>
-          <a:p>
-            <a:pPr lvl="1"/>
-            <a:r>
-              <a:rPr lang="en-US" dirty="0"/>
-              <a:t>economy</a:t>
-            </a:r>
-          </a:p>
-          <a:p>
-            <a:pPr lvl="1"/>
-            <a:r>
-              <a:rPr lang="en-US" dirty="0"/>
-              <a:t>family</a:t>
-            </a:r>
-          </a:p>
-          <a:p>
-            <a:pPr lvl="1"/>
-            <a:r>
-              <a:rPr lang="en-US" dirty="0"/>
-              <a:t>health</a:t>
-            </a:r>
-          </a:p>
-          <a:p>
-            <a:pPr lvl="1"/>
-            <a:r>
-              <a:rPr lang="en-US" dirty="0"/>
-              <a:t>freedom</a:t>
-            </a:r>
-          </a:p>
-          <a:p>
-            <a:pPr lvl="1"/>
-            <a:r>
-              <a:rPr lang="en-US" dirty="0"/>
-              <a:t>trust</a:t>
-            </a:r>
-          </a:p>
-          <a:p>
-            <a:pPr lvl="1"/>
-            <a:r>
-              <a:rPr lang="en-US" dirty="0"/>
-              <a:t>generosity</a:t>
-            </a:r>
-          </a:p>
-          <a:p>
-            <a:pPr lvl="1"/>
-            <a:r>
-              <a:rPr lang="en-US" dirty="0"/>
-              <a:t>dystopia residual</a:t>
-            </a:r>
-          </a:p>
-          <a:p>
-            <a:r>
-              <a:rPr lang="en-US" dirty="0"/>
-              <a:t>Find countries that are</a:t>
-            </a:r>
-            <a:br>
-              <a:rPr lang="en-US" dirty="0"/>
-            </a:br>
-            <a:r>
-              <a:rPr lang="en-US" dirty="0"/>
-              <a:t>"close"</a:t>
-            </a:r>
-          </a:p>
-          <a:p>
-            <a:pPr lvl="1"/>
-            <a:endParaRPr lang="en-US" dirty="0"/>
-          </a:p>
-        </p:txBody>
-      </p:sp>
-      <p:sp>
-        <p:nvSpPr>
-          <p:cNvPr id="4" name="Slide Number Placeholder 3"/>
-          <p:cNvSpPr>
-            <a:spLocks noGrp="1"/>
-          </p:cNvSpPr>
-          <p:nvPr>
-            <p:ph type="sldNum" sz="quarter" idx="12"/>
-          </p:nvPr>
-        </p:nvSpPr>
-        <p:spPr/>
-        <p:txBody>
-          <a:bodyPr/>
-          <a:lstStyle/>
-          <a:p>
-            <a:fld id="{5A209D72-2E9D-49B0-8977-41DCCC66C0BB}" type="slidenum">
-              <a:rPr lang="nl-BE" smtClean="0"/>
-              <a:t>40</a:t>
+              <a:t>41</a:t>
             </a:fld>
             <a:endParaRPr lang="nl-BE"/>
           </a:p>
@@ -27740,7 +27379,7 @@
 </p:sld>
 </file>
 
-<file path=ppt/slides/slide41.xml><?xml version="1.0" encoding="utf-8"?>
+<file path=ppt/slides/slide42.xml><?xml version="1.0" encoding="utf-8"?>
 <p:sld xmlns:a="http://schemas.openxmlformats.org/drawingml/2006/main" xmlns:r="http://schemas.openxmlformats.org/officeDocument/2006/relationships" xmlns:p="http://schemas.openxmlformats.org/presentationml/2006/main">
   <p:cSld>
     <p:spTree>
@@ -27849,7 +27488,7 @@
           <a:p>
             <a:fld id="{5A209D72-2E9D-49B0-8977-41DCCC66C0BB}" type="slidenum">
               <a:rPr lang="nl-BE" smtClean="0"/>
-              <a:t>41</a:t>
+              <a:t>42</a:t>
             </a:fld>
             <a:endParaRPr lang="nl-BE"/>
           </a:p>
@@ -28583,7 +28222,7 @@
 </p:sld>
 </file>
 
-<file path=ppt/slides/slide42.xml><?xml version="1.0" encoding="utf-8"?>
+<file path=ppt/slides/slide43.xml><?xml version="1.0" encoding="utf-8"?>
 <p:sld xmlns:a="http://schemas.openxmlformats.org/drawingml/2006/main" xmlns:r="http://schemas.openxmlformats.org/officeDocument/2006/relationships" xmlns:p="http://schemas.openxmlformats.org/presentationml/2006/main">
   <p:cSld>
     <p:spTree>
@@ -28639,7 +28278,7 @@
           <a:p>
             <a:fld id="{5A209D72-2E9D-49B0-8977-41DCCC66C0BB}" type="slidenum">
               <a:rPr lang="nl-BE" smtClean="0"/>
-              <a:t>42</a:t>
+              <a:t>43</a:t>
             </a:fld>
             <a:endParaRPr lang="nl-BE"/>
           </a:p>
@@ -28996,309 +28635,6 @@
 </p:sld>
 </file>
 
-<file path=ppt/slides/slide43.xml><?xml version="1.0" encoding="utf-8"?>
-<p:sld xmlns:a="http://schemas.openxmlformats.org/drawingml/2006/main" xmlns:r="http://schemas.openxmlformats.org/officeDocument/2006/relationships" xmlns:p="http://schemas.openxmlformats.org/presentationml/2006/main">
-  <p:cSld>
-    <p:spTree>
-      <p:nvGrpSpPr>
-        <p:cNvPr id="1" name=""/>
-        <p:cNvGrpSpPr/>
-        <p:nvPr/>
-      </p:nvGrpSpPr>
-      <p:grpSpPr>
-        <a:xfrm>
-          <a:off x="0" y="0"/>
-          <a:ext cx="0" cy="0"/>
-          <a:chOff x="0" y="0"/>
-          <a:chExt cx="0" cy="0"/>
-        </a:xfrm>
-      </p:grpSpPr>
-      <p:sp>
-        <p:nvSpPr>
-          <p:cNvPr id="2" name="Title 1"/>
-          <p:cNvSpPr>
-            <a:spLocks noGrp="1"/>
-          </p:cNvSpPr>
-          <p:nvPr>
-            <p:ph type="title"/>
-          </p:nvPr>
-        </p:nvSpPr>
-        <p:spPr/>
-        <p:txBody>
-          <a:bodyPr/>
-          <a:lstStyle/>
-          <a:p>
-            <a:r>
-              <a:rPr lang="en-US" dirty="0"/>
-              <a:t>And the winners are…</a:t>
-            </a:r>
-          </a:p>
-        </p:txBody>
-      </p:sp>
-      <p:sp>
-        <p:nvSpPr>
-          <p:cNvPr id="4" name="Content Placeholder 3"/>
-          <p:cNvSpPr>
-            <a:spLocks noGrp="1"/>
-          </p:cNvSpPr>
-          <p:nvPr>
-            <p:ph sz="half" idx="1"/>
-          </p:nvPr>
-        </p:nvSpPr>
-        <p:spPr/>
-        <p:txBody>
-          <a:bodyPr>
-            <a:normAutofit fontScale="47500" lnSpcReduction="20000"/>
-          </a:bodyPr>
-          <a:lstStyle/>
-          <a:p>
-            <a:r>
-              <a:rPr lang="en-US" dirty="0"/>
-              <a:t>Switzerland</a:t>
-            </a:r>
-          </a:p>
-          <a:p>
-            <a:r>
-              <a:rPr lang="en-US" dirty="0"/>
-              <a:t>Iceland</a:t>
-            </a:r>
-          </a:p>
-          <a:p>
-            <a:r>
-              <a:rPr lang="en-US" dirty="0"/>
-              <a:t>Denmark</a:t>
-            </a:r>
-          </a:p>
-          <a:p>
-            <a:r>
-              <a:rPr lang="en-US" dirty="0"/>
-              <a:t>Norway</a:t>
-            </a:r>
-          </a:p>
-          <a:p>
-            <a:r>
-              <a:rPr lang="en-US" dirty="0"/>
-              <a:t>Canada</a:t>
-            </a:r>
-          </a:p>
-          <a:p>
-            <a:r>
-              <a:rPr lang="en-US" dirty="0"/>
-              <a:t>Finland</a:t>
-            </a:r>
-          </a:p>
-          <a:p>
-            <a:r>
-              <a:rPr lang="en-US" dirty="0"/>
-              <a:t>Netherlands</a:t>
-            </a:r>
-          </a:p>
-          <a:p>
-            <a:r>
-              <a:rPr lang="en-US" dirty="0"/>
-              <a:t>Sweden</a:t>
-            </a:r>
-          </a:p>
-          <a:p>
-            <a:r>
-              <a:rPr lang="en-US" dirty="0"/>
-              <a:t>New Zealand</a:t>
-            </a:r>
-          </a:p>
-          <a:p>
-            <a:r>
-              <a:rPr lang="en-US" dirty="0"/>
-              <a:t>Australia</a:t>
-            </a:r>
-          </a:p>
-          <a:p>
-            <a:r>
-              <a:rPr lang="en-US" dirty="0"/>
-              <a:t>Austria</a:t>
-            </a:r>
-          </a:p>
-          <a:p>
-            <a:r>
-              <a:rPr lang="en-US" dirty="0"/>
-              <a:t>United States</a:t>
-            </a:r>
-          </a:p>
-          <a:p>
-            <a:r>
-              <a:rPr lang="en-US" dirty="0"/>
-              <a:t>Luxembourg</a:t>
-            </a:r>
-          </a:p>
-          <a:p>
-            <a:r>
-              <a:rPr lang="en-US" dirty="0"/>
-              <a:t>Ireland</a:t>
-            </a:r>
-          </a:p>
-          <a:p>
-            <a:r>
-              <a:rPr lang="en-US" dirty="0"/>
-              <a:t>Belgium</a:t>
-            </a:r>
-          </a:p>
-          <a:p>
-            <a:r>
-              <a:rPr lang="en-US" dirty="0"/>
-              <a:t>United Arab Emirates</a:t>
-            </a:r>
-          </a:p>
-          <a:p>
-            <a:endParaRPr lang="en-US" dirty="0"/>
-          </a:p>
-        </p:txBody>
-      </p:sp>
-      <p:sp>
-        <p:nvSpPr>
-          <p:cNvPr id="5" name="Content Placeholder 4"/>
-          <p:cNvSpPr>
-            <a:spLocks noGrp="1"/>
-          </p:cNvSpPr>
-          <p:nvPr>
-            <p:ph sz="half" idx="2"/>
-          </p:nvPr>
-        </p:nvSpPr>
-        <p:spPr/>
-        <p:txBody>
-          <a:bodyPr>
-            <a:normAutofit fontScale="47500" lnSpcReduction="20000"/>
-          </a:bodyPr>
-          <a:lstStyle/>
-          <a:p>
-            <a:r>
-              <a:rPr lang="en-US" dirty="0"/>
-              <a:t>United Kingdom</a:t>
-            </a:r>
-          </a:p>
-          <a:p>
-            <a:r>
-              <a:rPr lang="en-US" dirty="0"/>
-              <a:t>Oman</a:t>
-            </a:r>
-          </a:p>
-          <a:p>
-            <a:r>
-              <a:rPr lang="en-US" dirty="0"/>
-              <a:t>Singapore</a:t>
-            </a:r>
-          </a:p>
-          <a:p>
-            <a:r>
-              <a:rPr lang="en-US" dirty="0"/>
-              <a:t>Germany</a:t>
-            </a:r>
-          </a:p>
-          <a:p>
-            <a:r>
-              <a:rPr lang="en-US" dirty="0"/>
-              <a:t>Qatar</a:t>
-            </a:r>
-          </a:p>
-          <a:p>
-            <a:r>
-              <a:rPr lang="en-US" dirty="0"/>
-              <a:t>France</a:t>
-            </a:r>
-          </a:p>
-          <a:p>
-            <a:r>
-              <a:rPr lang="en-US" dirty="0"/>
-              <a:t>Uruguay</a:t>
-            </a:r>
-          </a:p>
-          <a:p>
-            <a:r>
-              <a:rPr lang="en-US" dirty="0"/>
-              <a:t>Saudi Arabia</a:t>
-            </a:r>
-          </a:p>
-          <a:p>
-            <a:r>
-              <a:rPr lang="en-US" dirty="0"/>
-              <a:t>Malta</a:t>
-            </a:r>
-          </a:p>
-          <a:p>
-            <a:r>
-              <a:rPr lang="en-US" dirty="0"/>
-              <a:t>Kuwait</a:t>
-            </a:r>
-          </a:p>
-          <a:p>
-            <a:r>
-              <a:rPr lang="en-US" dirty="0"/>
-              <a:t>Uzbekistan</a:t>
-            </a:r>
-          </a:p>
-          <a:p>
-            <a:r>
-              <a:rPr lang="en-US" dirty="0"/>
-              <a:t>Japan</a:t>
-            </a:r>
-          </a:p>
-          <a:p>
-            <a:r>
-              <a:rPr lang="en-US" dirty="0"/>
-              <a:t>Bahrain</a:t>
-            </a:r>
-          </a:p>
-          <a:p>
-            <a:r>
-              <a:rPr lang="en-US" dirty="0"/>
-              <a:t>Turkmenistan</a:t>
-            </a:r>
-          </a:p>
-          <a:p>
-            <a:r>
-              <a:rPr lang="en-US" dirty="0"/>
-              <a:t>Hong Kong</a:t>
-            </a:r>
-          </a:p>
-          <a:p>
-            <a:endParaRPr lang="en-US" dirty="0"/>
-          </a:p>
-        </p:txBody>
-      </p:sp>
-      <p:sp>
-        <p:nvSpPr>
-          <p:cNvPr id="3" name="Slide Number Placeholder 2"/>
-          <p:cNvSpPr>
-            <a:spLocks noGrp="1"/>
-          </p:cNvSpPr>
-          <p:nvPr>
-            <p:ph type="sldNum" sz="quarter" idx="12"/>
-          </p:nvPr>
-        </p:nvSpPr>
-        <p:spPr/>
-        <p:txBody>
-          <a:bodyPr/>
-          <a:lstStyle/>
-          <a:p>
-            <a:fld id="{5A209D72-2E9D-49B0-8977-41DCCC66C0BB}" type="slidenum">
-              <a:rPr lang="nl-BE" smtClean="0"/>
-              <a:t>43</a:t>
-            </a:fld>
-            <a:endParaRPr lang="nl-BE"/>
-          </a:p>
-        </p:txBody>
-      </p:sp>
-    </p:spTree>
-    <p:extLst>
-      <p:ext uri="{BB962C8B-B14F-4D97-AF65-F5344CB8AC3E}">
-        <p14:creationId xmlns:p14="http://schemas.microsoft.com/office/powerpoint/2010/main" val="4271845171"/>
-      </p:ext>
-    </p:extLst>
-  </p:cSld>
-  <p:clrMapOvr>
-    <a:masterClrMapping/>
-  </p:clrMapOvr>
-</p:sld>
-</file>
-
 <file path=ppt/slides/slide44.xml><?xml version="1.0" encoding="utf-8"?>
 <p:sld xmlns:a="http://schemas.openxmlformats.org/drawingml/2006/main" xmlns:r="http://schemas.openxmlformats.org/officeDocument/2006/relationships" xmlns:p="http://schemas.openxmlformats.org/presentationml/2006/main">
   <p:cSld>
@@ -29332,47 +28668,243 @@
           <a:lstStyle/>
           <a:p>
             <a:r>
-              <a:rPr lang="en-US" dirty="0" err="1"/>
-              <a:t>Keras</a:t>
-            </a:r>
-            <a:endParaRPr lang="en-US" dirty="0"/>
+              <a:rPr lang="en-US" dirty="0"/>
+              <a:t>And the winners are…</a:t>
+            </a:r>
           </a:p>
         </p:txBody>
       </p:sp>
       <p:sp>
         <p:nvSpPr>
-          <p:cNvPr id="3" name="Text Placeholder 2"/>
+          <p:cNvPr id="4" name="Content Placeholder 3"/>
           <p:cNvSpPr>
             <a:spLocks noGrp="1"/>
           </p:cNvSpPr>
           <p:nvPr>
-            <p:ph type="body" idx="1"/>
+            <p:ph sz="half" idx="1"/>
           </p:nvPr>
         </p:nvSpPr>
         <p:spPr/>
         <p:txBody>
           <a:bodyPr>
-            <a:normAutofit/>
+            <a:normAutofit fontScale="47500" lnSpcReduction="20000"/>
           </a:bodyPr>
           <a:lstStyle/>
           <a:p>
             <a:r>
-              <a:rPr lang="en-GB" sz="1800" dirty="0">
-                <a:hlinkClick r:id="rId2"/>
-              </a:rPr>
-              <a:t>https://github.com/gjbex/Python-for-machine-learning/tree/master/source-code/keras</a:t>
-            </a:r>
-            <a:r>
-              <a:rPr lang="en-GB" sz="1800" dirty="0"/>
-              <a:t> </a:t>
-            </a:r>
-            <a:endParaRPr lang="en-US" sz="2400" dirty="0"/>
+              <a:rPr lang="en-US" dirty="0"/>
+              <a:t>Switzerland</a:t>
+            </a:r>
+          </a:p>
+          <a:p>
+            <a:r>
+              <a:rPr lang="en-US" dirty="0"/>
+              <a:t>Iceland</a:t>
+            </a:r>
+          </a:p>
+          <a:p>
+            <a:r>
+              <a:rPr lang="en-US" dirty="0"/>
+              <a:t>Denmark</a:t>
+            </a:r>
+          </a:p>
+          <a:p>
+            <a:r>
+              <a:rPr lang="en-US" dirty="0"/>
+              <a:t>Norway</a:t>
+            </a:r>
+          </a:p>
+          <a:p>
+            <a:r>
+              <a:rPr lang="en-US" dirty="0"/>
+              <a:t>Canada</a:t>
+            </a:r>
+          </a:p>
+          <a:p>
+            <a:r>
+              <a:rPr lang="en-US" dirty="0"/>
+              <a:t>Finland</a:t>
+            </a:r>
+          </a:p>
+          <a:p>
+            <a:r>
+              <a:rPr lang="en-US" dirty="0"/>
+              <a:t>Netherlands</a:t>
+            </a:r>
+          </a:p>
+          <a:p>
+            <a:r>
+              <a:rPr lang="en-US" dirty="0"/>
+              <a:t>Sweden</a:t>
+            </a:r>
+          </a:p>
+          <a:p>
+            <a:r>
+              <a:rPr lang="en-US" dirty="0"/>
+              <a:t>New Zealand</a:t>
+            </a:r>
+          </a:p>
+          <a:p>
+            <a:r>
+              <a:rPr lang="en-US" dirty="0"/>
+              <a:t>Australia</a:t>
+            </a:r>
+          </a:p>
+          <a:p>
+            <a:r>
+              <a:rPr lang="en-US" dirty="0"/>
+              <a:t>Austria</a:t>
+            </a:r>
+          </a:p>
+          <a:p>
+            <a:r>
+              <a:rPr lang="en-US" dirty="0"/>
+              <a:t>United States</a:t>
+            </a:r>
+          </a:p>
+          <a:p>
+            <a:r>
+              <a:rPr lang="en-US" dirty="0"/>
+              <a:t>Luxembourg</a:t>
+            </a:r>
+          </a:p>
+          <a:p>
+            <a:r>
+              <a:rPr lang="en-US" dirty="0"/>
+              <a:t>Ireland</a:t>
+            </a:r>
+          </a:p>
+          <a:p>
+            <a:r>
+              <a:rPr lang="en-US" dirty="0"/>
+              <a:t>Belgium</a:t>
+            </a:r>
+          </a:p>
+          <a:p>
+            <a:r>
+              <a:rPr lang="en-US" dirty="0"/>
+              <a:t>United Arab Emirates</a:t>
+            </a:r>
+          </a:p>
+          <a:p>
+            <a:endParaRPr lang="en-US" dirty="0"/>
           </a:p>
         </p:txBody>
       </p:sp>
       <p:sp>
         <p:nvSpPr>
-          <p:cNvPr id="4" name="Slide Number Placeholder 3"/>
+          <p:cNvPr id="5" name="Content Placeholder 4"/>
+          <p:cNvSpPr>
+            <a:spLocks noGrp="1"/>
+          </p:cNvSpPr>
+          <p:nvPr>
+            <p:ph sz="half" idx="2"/>
+          </p:nvPr>
+        </p:nvSpPr>
+        <p:spPr/>
+        <p:txBody>
+          <a:bodyPr>
+            <a:normAutofit fontScale="47500" lnSpcReduction="20000"/>
+          </a:bodyPr>
+          <a:lstStyle/>
+          <a:p>
+            <a:r>
+              <a:rPr lang="en-US" dirty="0"/>
+              <a:t>United Kingdom</a:t>
+            </a:r>
+          </a:p>
+          <a:p>
+            <a:r>
+              <a:rPr lang="en-US" dirty="0"/>
+              <a:t>Oman</a:t>
+            </a:r>
+          </a:p>
+          <a:p>
+            <a:r>
+              <a:rPr lang="en-US" dirty="0"/>
+              <a:t>Singapore</a:t>
+            </a:r>
+          </a:p>
+          <a:p>
+            <a:r>
+              <a:rPr lang="en-US" dirty="0"/>
+              <a:t>Germany</a:t>
+            </a:r>
+          </a:p>
+          <a:p>
+            <a:r>
+              <a:rPr lang="en-US" dirty="0"/>
+              <a:t>Qatar</a:t>
+            </a:r>
+          </a:p>
+          <a:p>
+            <a:r>
+              <a:rPr lang="en-US" dirty="0"/>
+              <a:t>France</a:t>
+            </a:r>
+          </a:p>
+          <a:p>
+            <a:r>
+              <a:rPr lang="en-US" dirty="0"/>
+              <a:t>Uruguay</a:t>
+            </a:r>
+          </a:p>
+          <a:p>
+            <a:r>
+              <a:rPr lang="en-US" dirty="0"/>
+              <a:t>Saudi Arabia</a:t>
+            </a:r>
+          </a:p>
+          <a:p>
+            <a:r>
+              <a:rPr lang="en-US" dirty="0"/>
+              <a:t>Malta</a:t>
+            </a:r>
+          </a:p>
+          <a:p>
+            <a:r>
+              <a:rPr lang="en-US" dirty="0"/>
+              <a:t>Kuwait</a:t>
+            </a:r>
+          </a:p>
+          <a:p>
+            <a:r>
+              <a:rPr lang="en-US" dirty="0"/>
+              <a:t>Uzbekistan</a:t>
+            </a:r>
+          </a:p>
+          <a:p>
+            <a:r>
+              <a:rPr lang="en-US" dirty="0"/>
+              <a:t>Japan</a:t>
+            </a:r>
+          </a:p>
+          <a:p>
+            <a:r>
+              <a:rPr lang="en-US" dirty="0"/>
+              <a:t>Bahrain</a:t>
+            </a:r>
+          </a:p>
+          <a:p>
+            <a:r>
+              <a:rPr lang="en-US" dirty="0"/>
+              <a:t>Turkmenistan</a:t>
+            </a:r>
+          </a:p>
+          <a:p>
+            <a:r>
+              <a:rPr lang="en-US" dirty="0"/>
+              <a:t>Hong Kong</a:t>
+            </a:r>
+          </a:p>
+          <a:p>
+            <a:endParaRPr lang="en-US" dirty="0"/>
+          </a:p>
+        </p:txBody>
+      </p:sp>
+      <p:sp>
+        <p:nvSpPr>
+          <p:cNvPr id="3" name="Slide Number Placeholder 2"/>
           <p:cNvSpPr>
             <a:spLocks noGrp="1"/>
           </p:cNvSpPr>
@@ -29396,7 +28928,7 @@
     </p:spTree>
     <p:extLst>
       <p:ext uri="{BB962C8B-B14F-4D97-AF65-F5344CB8AC3E}">
-        <p14:creationId xmlns:p14="http://schemas.microsoft.com/office/powerpoint/2010/main" val="3258779374"/>
+        <p14:creationId xmlns:p14="http://schemas.microsoft.com/office/powerpoint/2010/main" val="4271845171"/>
       </p:ext>
     </p:extLst>
   </p:cSld>
@@ -29448,99 +28980,32 @@
       </p:sp>
       <p:sp>
         <p:nvSpPr>
-          <p:cNvPr id="3" name="Content Placeholder 2"/>
+          <p:cNvPr id="3" name="Text Placeholder 2"/>
           <p:cNvSpPr>
             <a:spLocks noGrp="1"/>
           </p:cNvSpPr>
           <p:nvPr>
-            <p:ph idx="1"/>
+            <p:ph type="body" idx="1"/>
           </p:nvPr>
         </p:nvSpPr>
         <p:spPr/>
         <p:txBody>
           <a:bodyPr>
-            <a:normAutofit lnSpcReduction="10000"/>
+            <a:normAutofit/>
           </a:bodyPr>
           <a:lstStyle/>
           <a:p>
             <a:r>
-              <a:rPr lang="en-US" dirty="0"/>
-              <a:t>High-level framework for deep learning</a:t>
-            </a:r>
-          </a:p>
-          <a:p>
-            <a:r>
-              <a:rPr lang="en-US" dirty="0" err="1"/>
-              <a:t>TensorFlow</a:t>
-            </a:r>
-            <a:r>
-              <a:rPr lang="en-US" dirty="0"/>
-              <a:t> backend</a:t>
-            </a:r>
-          </a:p>
-          <a:p>
-            <a:r>
-              <a:rPr lang="en-US" dirty="0"/>
-              <a:t>Layer types</a:t>
-            </a:r>
-          </a:p>
-          <a:p>
-            <a:pPr lvl="1"/>
-            <a:r>
-              <a:rPr lang="en-US" dirty="0"/>
-              <a:t>dense</a:t>
-            </a:r>
-          </a:p>
-          <a:p>
-            <a:pPr lvl="1"/>
-            <a:r>
-              <a:rPr lang="en-US" dirty="0"/>
-              <a:t>convolutional</a:t>
-            </a:r>
-          </a:p>
-          <a:p>
-            <a:pPr lvl="1"/>
-            <a:r>
-              <a:rPr lang="en-US" dirty="0"/>
-              <a:t>pooling</a:t>
-            </a:r>
-          </a:p>
-          <a:p>
-            <a:pPr lvl="1"/>
-            <a:r>
-              <a:rPr lang="en-US" dirty="0"/>
-              <a:t>embedding</a:t>
-            </a:r>
-          </a:p>
-          <a:p>
-            <a:pPr lvl="1"/>
-            <a:r>
-              <a:rPr lang="en-US" dirty="0"/>
-              <a:t>recurrent</a:t>
-            </a:r>
-          </a:p>
-          <a:p>
-            <a:pPr lvl="1"/>
-            <a:r>
-              <a:rPr lang="en-US" dirty="0"/>
-              <a:t>activation</a:t>
-            </a:r>
-          </a:p>
-          <a:p>
-            <a:pPr lvl="1"/>
-            <a:r>
-              <a:rPr lang="en-US" dirty="0"/>
-              <a:t>…</a:t>
-            </a:r>
-          </a:p>
-          <a:p>
-            <a:r>
-              <a:rPr lang="en-US" dirty="0">
+              <a:rPr lang="en-GB" sz="1800" dirty="0">
                 <a:hlinkClick r:id="rId2"/>
               </a:rPr>
-              <a:t>https://keras.io/</a:t>
-            </a:r>
-            <a:endParaRPr lang="en-US" dirty="0"/>
+              <a:t>https://github.com/gjbex/Python-for-machine-learning/tree/master/source-code/keras</a:t>
+            </a:r>
+            <a:r>
+              <a:rPr lang="en-GB" sz="1800" dirty="0"/>
+              <a:t> </a:t>
+            </a:r>
+            <a:endParaRPr lang="en-US" sz="2400" dirty="0"/>
           </a:p>
         </p:txBody>
       </p:sp>
@@ -29562,6 +29027,180 @@
             <a:fld id="{5A209D72-2E9D-49B0-8977-41DCCC66C0BB}" type="slidenum">
               <a:rPr lang="nl-BE" smtClean="0"/>
               <a:t>45</a:t>
+            </a:fld>
+            <a:endParaRPr lang="nl-BE"/>
+          </a:p>
+        </p:txBody>
+      </p:sp>
+    </p:spTree>
+    <p:extLst>
+      <p:ext uri="{BB962C8B-B14F-4D97-AF65-F5344CB8AC3E}">
+        <p14:creationId xmlns:p14="http://schemas.microsoft.com/office/powerpoint/2010/main" val="3258779374"/>
+      </p:ext>
+    </p:extLst>
+  </p:cSld>
+  <p:clrMapOvr>
+    <a:masterClrMapping/>
+  </p:clrMapOvr>
+</p:sld>
+</file>
+
+<file path=ppt/slides/slide46.xml><?xml version="1.0" encoding="utf-8"?>
+<p:sld xmlns:a="http://schemas.openxmlformats.org/drawingml/2006/main" xmlns:r="http://schemas.openxmlformats.org/officeDocument/2006/relationships" xmlns:p="http://schemas.openxmlformats.org/presentationml/2006/main">
+  <p:cSld>
+    <p:spTree>
+      <p:nvGrpSpPr>
+        <p:cNvPr id="1" name=""/>
+        <p:cNvGrpSpPr/>
+        <p:nvPr/>
+      </p:nvGrpSpPr>
+      <p:grpSpPr>
+        <a:xfrm>
+          <a:off x="0" y="0"/>
+          <a:ext cx="0" cy="0"/>
+          <a:chOff x="0" y="0"/>
+          <a:chExt cx="0" cy="0"/>
+        </a:xfrm>
+      </p:grpSpPr>
+      <p:sp>
+        <p:nvSpPr>
+          <p:cNvPr id="2" name="Title 1"/>
+          <p:cNvSpPr>
+            <a:spLocks noGrp="1"/>
+          </p:cNvSpPr>
+          <p:nvPr>
+            <p:ph type="title"/>
+          </p:nvPr>
+        </p:nvSpPr>
+        <p:spPr/>
+        <p:txBody>
+          <a:bodyPr/>
+          <a:lstStyle/>
+          <a:p>
+            <a:r>
+              <a:rPr lang="en-US" dirty="0" err="1"/>
+              <a:t>Keras</a:t>
+            </a:r>
+            <a:endParaRPr lang="en-US" dirty="0"/>
+          </a:p>
+        </p:txBody>
+      </p:sp>
+      <p:sp>
+        <p:nvSpPr>
+          <p:cNvPr id="3" name="Content Placeholder 2"/>
+          <p:cNvSpPr>
+            <a:spLocks noGrp="1"/>
+          </p:cNvSpPr>
+          <p:nvPr>
+            <p:ph idx="1"/>
+          </p:nvPr>
+        </p:nvSpPr>
+        <p:spPr/>
+        <p:txBody>
+          <a:bodyPr>
+            <a:normAutofit lnSpcReduction="10000"/>
+          </a:bodyPr>
+          <a:lstStyle/>
+          <a:p>
+            <a:r>
+              <a:rPr lang="en-US" dirty="0"/>
+              <a:t>High-level framework for deep learning</a:t>
+            </a:r>
+          </a:p>
+          <a:p>
+            <a:r>
+              <a:rPr lang="en-US" dirty="0" err="1"/>
+              <a:t>TensorFlow</a:t>
+            </a:r>
+            <a:r>
+              <a:rPr lang="en-US" dirty="0"/>
+              <a:t> backend</a:t>
+            </a:r>
+          </a:p>
+          <a:p>
+            <a:r>
+              <a:rPr lang="en-US" dirty="0"/>
+              <a:t>Layer types</a:t>
+            </a:r>
+          </a:p>
+          <a:p>
+            <a:pPr lvl="1"/>
+            <a:r>
+              <a:rPr lang="en-US" dirty="0"/>
+              <a:t>dense</a:t>
+            </a:r>
+          </a:p>
+          <a:p>
+            <a:pPr lvl="1"/>
+            <a:r>
+              <a:rPr lang="en-US" dirty="0"/>
+              <a:t>convolutional</a:t>
+            </a:r>
+          </a:p>
+          <a:p>
+            <a:pPr lvl="1"/>
+            <a:r>
+              <a:rPr lang="en-US" dirty="0"/>
+              <a:t>pooling</a:t>
+            </a:r>
+          </a:p>
+          <a:p>
+            <a:pPr lvl="1"/>
+            <a:r>
+              <a:rPr lang="en-US" dirty="0"/>
+              <a:t>embedding</a:t>
+            </a:r>
+          </a:p>
+          <a:p>
+            <a:pPr lvl="1"/>
+            <a:r>
+              <a:rPr lang="en-US" dirty="0"/>
+              <a:t>recurrent</a:t>
+            </a:r>
+          </a:p>
+          <a:p>
+            <a:pPr lvl="1"/>
+            <a:r>
+              <a:rPr lang="en-US" dirty="0"/>
+              <a:t>activation</a:t>
+            </a:r>
+          </a:p>
+          <a:p>
+            <a:pPr lvl="1"/>
+            <a:r>
+              <a:rPr lang="en-US" dirty="0"/>
+              <a:t>…</a:t>
+            </a:r>
+          </a:p>
+          <a:p>
+            <a:r>
+              <a:rPr lang="en-US" dirty="0">
+                <a:hlinkClick r:id="rId2"/>
+              </a:rPr>
+              <a:t>https://keras.io/</a:t>
+            </a:r>
+            <a:endParaRPr lang="en-US" dirty="0"/>
+          </a:p>
+        </p:txBody>
+      </p:sp>
+      <p:sp>
+        <p:nvSpPr>
+          <p:cNvPr id="4" name="Slide Number Placeholder 3"/>
+          <p:cNvSpPr>
+            <a:spLocks noGrp="1"/>
+          </p:cNvSpPr>
+          <p:nvPr>
+            <p:ph type="sldNum" sz="quarter" idx="12"/>
+          </p:nvPr>
+        </p:nvSpPr>
+        <p:spPr/>
+        <p:txBody>
+          <a:bodyPr/>
+          <a:lstStyle/>
+          <a:p>
+            <a:fld id="{5A209D72-2E9D-49B0-8977-41DCCC66C0BB}" type="slidenum">
+              <a:rPr lang="nl-BE" smtClean="0"/>
+              <a:t>46</a:t>
             </a:fld>
             <a:endParaRPr lang="nl-BE"/>
           </a:p>
@@ -30150,7 +29789,7 @@
 </p:sld>
 </file>
 
-<file path=ppt/slides/slide46.xml><?xml version="1.0" encoding="utf-8"?>
+<file path=ppt/slides/slide47.xml><?xml version="1.0" encoding="utf-8"?>
 <p:sld xmlns:a="http://schemas.openxmlformats.org/drawingml/2006/main" xmlns:r="http://schemas.openxmlformats.org/officeDocument/2006/relationships" xmlns:p="http://schemas.openxmlformats.org/presentationml/2006/main">
   <p:cSld>
     <p:spTree>
@@ -30207,7 +29846,7 @@
           <a:p>
             <a:fld id="{A2912448-FEEC-49E8-9588-2DF1F90D57C2}" type="slidenum">
               <a:rPr lang="en-US" smtClean="0"/>
-              <a:t>46</a:t>
+              <a:t>47</a:t>
             </a:fld>
             <a:endParaRPr lang="en-US"/>
           </a:p>
@@ -32780,7 +32419,7 @@
 </p:sld>
 </file>
 
-<file path=ppt/slides/slide47.xml><?xml version="1.0" encoding="utf-8"?>
+<file path=ppt/slides/slide48.xml><?xml version="1.0" encoding="utf-8"?>
 <p:sld xmlns:a="http://schemas.openxmlformats.org/drawingml/2006/main" xmlns:r="http://schemas.openxmlformats.org/officeDocument/2006/relationships" xmlns:p="http://schemas.openxmlformats.org/presentationml/2006/main">
   <p:cSld>
     <p:spTree>
@@ -32837,7 +32476,7 @@
           <a:p>
             <a:fld id="{A2912448-FEEC-49E8-9588-2DF1F90D57C2}" type="slidenum">
               <a:rPr lang="en-US" smtClean="0"/>
-              <a:t>47</a:t>
+              <a:t>48</a:t>
             </a:fld>
             <a:endParaRPr lang="en-US"/>
           </a:p>
@@ -33028,7 +32667,7 @@
 </p:sld>
 </file>
 
-<file path=ppt/slides/slide48.xml><?xml version="1.0" encoding="utf-8"?>
+<file path=ppt/slides/slide49.xml><?xml version="1.0" encoding="utf-8"?>
 <p:sld xmlns:a="http://schemas.openxmlformats.org/drawingml/2006/main" xmlns:r="http://schemas.openxmlformats.org/officeDocument/2006/relationships" xmlns:p="http://schemas.openxmlformats.org/presentationml/2006/main">
   <p:cSld>
     <p:spTree>
@@ -33162,7 +32801,7 @@
           <a:p>
             <a:fld id="{5A209D72-2E9D-49B0-8977-41DCCC66C0BB}" type="slidenum">
               <a:rPr lang="nl-BE" smtClean="0"/>
-              <a:t>48</a:t>
+              <a:t>49</a:t>
             </a:fld>
             <a:endParaRPr lang="nl-BE"/>
           </a:p>
@@ -33592,7 +33231,7 @@
 </p:sld>
 </file>
 
-<file path=ppt/slides/slide49.xml><?xml version="1.0" encoding="utf-8"?>
+<file path=ppt/slides/slide5.xml><?xml version="1.0" encoding="utf-8"?>
 <p:sld xmlns:a="http://schemas.openxmlformats.org/drawingml/2006/main" xmlns:r="http://schemas.openxmlformats.org/officeDocument/2006/relationships" xmlns:p="http://schemas.openxmlformats.org/presentationml/2006/main">
   <p:cSld>
     <p:spTree>
@@ -33625,6 +33264,636 @@
           <a:lstStyle/>
           <a:p>
             <a:r>
+              <a:rPr lang="en-US" dirty="0"/>
+              <a:t>Machine learning tasks</a:t>
+            </a:r>
+          </a:p>
+        </p:txBody>
+      </p:sp>
+      <p:sp>
+        <p:nvSpPr>
+          <p:cNvPr id="3" name="Content Placeholder 2"/>
+          <p:cNvSpPr>
+            <a:spLocks noGrp="1"/>
+          </p:cNvSpPr>
+          <p:nvPr>
+            <p:ph idx="1"/>
+          </p:nvPr>
+        </p:nvSpPr>
+        <p:spPr/>
+        <p:txBody>
+          <a:bodyPr>
+            <a:normAutofit/>
+          </a:bodyPr>
+          <a:lstStyle/>
+          <a:p>
+            <a:r>
+              <a:rPr lang="en-US" dirty="0"/>
+              <a:t>Supervised learning</a:t>
+            </a:r>
+          </a:p>
+          <a:p>
+            <a:pPr lvl="1"/>
+            <a:r>
+              <a:rPr lang="en-US" dirty="0"/>
+              <a:t>regression: predict numerical values</a:t>
+            </a:r>
+          </a:p>
+          <a:p>
+            <a:pPr lvl="1"/>
+            <a:r>
+              <a:rPr lang="en-US" dirty="0"/>
+              <a:t>classification: predict categorical values, i.e., labels</a:t>
+            </a:r>
+          </a:p>
+          <a:p>
+            <a:r>
+              <a:rPr lang="en-US" dirty="0"/>
+              <a:t>Unsupervised learning</a:t>
+            </a:r>
+          </a:p>
+          <a:p>
+            <a:pPr lvl="1"/>
+            <a:r>
+              <a:rPr lang="en-US" dirty="0"/>
+              <a:t>clustering: group data according to "distance"</a:t>
+            </a:r>
+          </a:p>
+          <a:p>
+            <a:pPr lvl="1"/>
+            <a:r>
+              <a:rPr lang="en-US" dirty="0"/>
+              <a:t>association: find frequent co-occurrences</a:t>
+            </a:r>
+          </a:p>
+          <a:p>
+            <a:pPr lvl="1"/>
+            <a:r>
+              <a:rPr lang="en-US" dirty="0"/>
+              <a:t>link prediction: discover relationships in data</a:t>
+            </a:r>
+          </a:p>
+          <a:p>
+            <a:pPr lvl="1"/>
+            <a:r>
+              <a:rPr lang="en-US" dirty="0"/>
+              <a:t>data reduction: project features to fewer features</a:t>
+            </a:r>
+          </a:p>
+          <a:p>
+            <a:r>
+              <a:rPr lang="en-US" dirty="0"/>
+              <a:t>Reinforcement learning</a:t>
+            </a:r>
+          </a:p>
+        </p:txBody>
+      </p:sp>
+      <p:sp>
+        <p:nvSpPr>
+          <p:cNvPr id="4" name="Slide Number Placeholder 3"/>
+          <p:cNvSpPr>
+            <a:spLocks noGrp="1"/>
+          </p:cNvSpPr>
+          <p:nvPr>
+            <p:ph type="sldNum" sz="quarter" idx="12"/>
+          </p:nvPr>
+        </p:nvSpPr>
+        <p:spPr/>
+        <p:txBody>
+          <a:bodyPr/>
+          <a:lstStyle/>
+          <a:p>
+            <a:fld id="{5A209D72-2E9D-49B0-8977-41DCCC66C0BB}" type="slidenum">
+              <a:rPr lang="nl-BE" smtClean="0"/>
+              <a:t>5</a:t>
+            </a:fld>
+            <a:endParaRPr lang="nl-BE"/>
+          </a:p>
+        </p:txBody>
+      </p:sp>
+    </p:spTree>
+    <p:extLst>
+      <p:ext uri="{BB962C8B-B14F-4D97-AF65-F5344CB8AC3E}">
+        <p14:creationId xmlns:p14="http://schemas.microsoft.com/office/powerpoint/2010/main" val="3787394403"/>
+      </p:ext>
+    </p:extLst>
+  </p:cSld>
+  <p:clrMapOvr>
+    <a:masterClrMapping/>
+  </p:clrMapOvr>
+  <p:timing>
+    <p:tnLst>
+      <p:par>
+        <p:cTn id="1" dur="indefinite" restart="never" nodeType="tmRoot">
+          <p:childTnLst>
+            <p:seq concurrent="1" nextAc="seek">
+              <p:cTn id="2" dur="indefinite" nodeType="mainSeq">
+                <p:childTnLst>
+                  <p:par>
+                    <p:cTn id="3" fill="hold">
+                      <p:stCondLst>
+                        <p:cond delay="indefinite"/>
+                        <p:cond evt="onBegin" delay="0">
+                          <p:tn val="2"/>
+                        </p:cond>
+                      </p:stCondLst>
+                      <p:childTnLst>
+                        <p:par>
+                          <p:cTn id="4" fill="hold">
+                            <p:stCondLst>
+                              <p:cond delay="0"/>
+                            </p:stCondLst>
+                            <p:childTnLst>
+                              <p:par>
+                                <p:cTn id="5" presetID="1" presetClass="entr" presetSubtype="0" fill="hold" grpId="0" nodeType="withEffect">
+                                  <p:stCondLst>
+                                    <p:cond delay="0"/>
+                                  </p:stCondLst>
+                                  <p:childTnLst>
+                                    <p:set>
+                                      <p:cBhvr>
+                                        <p:cTn id="6" dur="1" fill="hold">
+                                          <p:stCondLst>
+                                            <p:cond delay="0"/>
+                                          </p:stCondLst>
+                                        </p:cTn>
+                                        <p:tgtEl>
+                                          <p:spTgt spid="3">
+                                            <p:txEl>
+                                              <p:pRg st="0" end="0"/>
+                                            </p:txEl>
+                                          </p:spTgt>
+                                        </p:tgtEl>
+                                        <p:attrNameLst>
+                                          <p:attrName>style.visibility</p:attrName>
+                                        </p:attrNameLst>
+                                      </p:cBhvr>
+                                      <p:to>
+                                        <p:strVal val="visible"/>
+                                      </p:to>
+                                    </p:set>
+                                  </p:childTnLst>
+                                </p:cTn>
+                              </p:par>
+                            </p:childTnLst>
+                          </p:cTn>
+                        </p:par>
+                      </p:childTnLst>
+                    </p:cTn>
+                  </p:par>
+                  <p:par>
+                    <p:cTn id="7" fill="hold">
+                      <p:stCondLst>
+                        <p:cond delay="indefinite"/>
+                      </p:stCondLst>
+                      <p:childTnLst>
+                        <p:par>
+                          <p:cTn id="8" fill="hold">
+                            <p:stCondLst>
+                              <p:cond delay="0"/>
+                            </p:stCondLst>
+                            <p:childTnLst>
+                              <p:par>
+                                <p:cTn id="9" presetID="1" presetClass="entr" presetSubtype="0" fill="hold" grpId="0" nodeType="clickEffect">
+                                  <p:stCondLst>
+                                    <p:cond delay="0"/>
+                                  </p:stCondLst>
+                                  <p:childTnLst>
+                                    <p:set>
+                                      <p:cBhvr>
+                                        <p:cTn id="10" dur="1" fill="hold">
+                                          <p:stCondLst>
+                                            <p:cond delay="0"/>
+                                          </p:stCondLst>
+                                        </p:cTn>
+                                        <p:tgtEl>
+                                          <p:spTgt spid="3">
+                                            <p:txEl>
+                                              <p:pRg st="1" end="1"/>
+                                            </p:txEl>
+                                          </p:spTgt>
+                                        </p:tgtEl>
+                                        <p:attrNameLst>
+                                          <p:attrName>style.visibility</p:attrName>
+                                        </p:attrNameLst>
+                                      </p:cBhvr>
+                                      <p:to>
+                                        <p:strVal val="visible"/>
+                                      </p:to>
+                                    </p:set>
+                                  </p:childTnLst>
+                                </p:cTn>
+                              </p:par>
+                            </p:childTnLst>
+                          </p:cTn>
+                        </p:par>
+                      </p:childTnLst>
+                    </p:cTn>
+                  </p:par>
+                  <p:par>
+                    <p:cTn id="11" fill="hold">
+                      <p:stCondLst>
+                        <p:cond delay="indefinite"/>
+                      </p:stCondLst>
+                      <p:childTnLst>
+                        <p:par>
+                          <p:cTn id="12" fill="hold">
+                            <p:stCondLst>
+                              <p:cond delay="0"/>
+                            </p:stCondLst>
+                            <p:childTnLst>
+                              <p:par>
+                                <p:cTn id="13" presetID="1" presetClass="entr" presetSubtype="0" fill="hold" grpId="0" nodeType="clickEffect">
+                                  <p:stCondLst>
+                                    <p:cond delay="0"/>
+                                  </p:stCondLst>
+                                  <p:childTnLst>
+                                    <p:set>
+                                      <p:cBhvr>
+                                        <p:cTn id="14" dur="1" fill="hold">
+                                          <p:stCondLst>
+                                            <p:cond delay="0"/>
+                                          </p:stCondLst>
+                                        </p:cTn>
+                                        <p:tgtEl>
+                                          <p:spTgt spid="3">
+                                            <p:txEl>
+                                              <p:pRg st="2" end="2"/>
+                                            </p:txEl>
+                                          </p:spTgt>
+                                        </p:tgtEl>
+                                        <p:attrNameLst>
+                                          <p:attrName>style.visibility</p:attrName>
+                                        </p:attrNameLst>
+                                      </p:cBhvr>
+                                      <p:to>
+                                        <p:strVal val="visible"/>
+                                      </p:to>
+                                    </p:set>
+                                  </p:childTnLst>
+                                </p:cTn>
+                              </p:par>
+                            </p:childTnLst>
+                          </p:cTn>
+                        </p:par>
+                      </p:childTnLst>
+                    </p:cTn>
+                  </p:par>
+                  <p:par>
+                    <p:cTn id="15" fill="hold">
+                      <p:stCondLst>
+                        <p:cond delay="indefinite"/>
+                      </p:stCondLst>
+                      <p:childTnLst>
+                        <p:par>
+                          <p:cTn id="16" fill="hold">
+                            <p:stCondLst>
+                              <p:cond delay="0"/>
+                            </p:stCondLst>
+                            <p:childTnLst>
+                              <p:par>
+                                <p:cTn id="17" presetID="1" presetClass="entr" presetSubtype="0" fill="hold" grpId="0" nodeType="clickEffect">
+                                  <p:stCondLst>
+                                    <p:cond delay="0"/>
+                                  </p:stCondLst>
+                                  <p:childTnLst>
+                                    <p:set>
+                                      <p:cBhvr>
+                                        <p:cTn id="18" dur="1" fill="hold">
+                                          <p:stCondLst>
+                                            <p:cond delay="0"/>
+                                          </p:stCondLst>
+                                        </p:cTn>
+                                        <p:tgtEl>
+                                          <p:spTgt spid="3">
+                                            <p:txEl>
+                                              <p:pRg st="3" end="3"/>
+                                            </p:txEl>
+                                          </p:spTgt>
+                                        </p:tgtEl>
+                                        <p:attrNameLst>
+                                          <p:attrName>style.visibility</p:attrName>
+                                        </p:attrNameLst>
+                                      </p:cBhvr>
+                                      <p:to>
+                                        <p:strVal val="visible"/>
+                                      </p:to>
+                                    </p:set>
+                                  </p:childTnLst>
+                                </p:cTn>
+                              </p:par>
+                            </p:childTnLst>
+                          </p:cTn>
+                        </p:par>
+                      </p:childTnLst>
+                    </p:cTn>
+                  </p:par>
+                  <p:par>
+                    <p:cTn id="19" fill="hold">
+                      <p:stCondLst>
+                        <p:cond delay="indefinite"/>
+                      </p:stCondLst>
+                      <p:childTnLst>
+                        <p:par>
+                          <p:cTn id="20" fill="hold">
+                            <p:stCondLst>
+                              <p:cond delay="0"/>
+                            </p:stCondLst>
+                            <p:childTnLst>
+                              <p:par>
+                                <p:cTn id="21" presetID="1" presetClass="entr" presetSubtype="0" fill="hold" grpId="0" nodeType="clickEffect">
+                                  <p:stCondLst>
+                                    <p:cond delay="0"/>
+                                  </p:stCondLst>
+                                  <p:childTnLst>
+                                    <p:set>
+                                      <p:cBhvr>
+                                        <p:cTn id="22" dur="1" fill="hold">
+                                          <p:stCondLst>
+                                            <p:cond delay="0"/>
+                                          </p:stCondLst>
+                                        </p:cTn>
+                                        <p:tgtEl>
+                                          <p:spTgt spid="3">
+                                            <p:txEl>
+                                              <p:pRg st="4" end="4"/>
+                                            </p:txEl>
+                                          </p:spTgt>
+                                        </p:tgtEl>
+                                        <p:attrNameLst>
+                                          <p:attrName>style.visibility</p:attrName>
+                                        </p:attrNameLst>
+                                      </p:cBhvr>
+                                      <p:to>
+                                        <p:strVal val="visible"/>
+                                      </p:to>
+                                    </p:set>
+                                  </p:childTnLst>
+                                </p:cTn>
+                              </p:par>
+                            </p:childTnLst>
+                          </p:cTn>
+                        </p:par>
+                      </p:childTnLst>
+                    </p:cTn>
+                  </p:par>
+                  <p:par>
+                    <p:cTn id="23" fill="hold">
+                      <p:stCondLst>
+                        <p:cond delay="indefinite"/>
+                      </p:stCondLst>
+                      <p:childTnLst>
+                        <p:par>
+                          <p:cTn id="24" fill="hold">
+                            <p:stCondLst>
+                              <p:cond delay="0"/>
+                            </p:stCondLst>
+                            <p:childTnLst>
+                              <p:par>
+                                <p:cTn id="25" presetID="1" presetClass="entr" presetSubtype="0" fill="hold" grpId="0" nodeType="clickEffect">
+                                  <p:stCondLst>
+                                    <p:cond delay="0"/>
+                                  </p:stCondLst>
+                                  <p:childTnLst>
+                                    <p:set>
+                                      <p:cBhvr>
+                                        <p:cTn id="26" dur="1" fill="hold">
+                                          <p:stCondLst>
+                                            <p:cond delay="0"/>
+                                          </p:stCondLst>
+                                        </p:cTn>
+                                        <p:tgtEl>
+                                          <p:spTgt spid="3">
+                                            <p:txEl>
+                                              <p:pRg st="5" end="5"/>
+                                            </p:txEl>
+                                          </p:spTgt>
+                                        </p:tgtEl>
+                                        <p:attrNameLst>
+                                          <p:attrName>style.visibility</p:attrName>
+                                        </p:attrNameLst>
+                                      </p:cBhvr>
+                                      <p:to>
+                                        <p:strVal val="visible"/>
+                                      </p:to>
+                                    </p:set>
+                                  </p:childTnLst>
+                                </p:cTn>
+                              </p:par>
+                            </p:childTnLst>
+                          </p:cTn>
+                        </p:par>
+                      </p:childTnLst>
+                    </p:cTn>
+                  </p:par>
+                  <p:par>
+                    <p:cTn id="27" fill="hold">
+                      <p:stCondLst>
+                        <p:cond delay="indefinite"/>
+                      </p:stCondLst>
+                      <p:childTnLst>
+                        <p:par>
+                          <p:cTn id="28" fill="hold">
+                            <p:stCondLst>
+                              <p:cond delay="0"/>
+                            </p:stCondLst>
+                            <p:childTnLst>
+                              <p:par>
+                                <p:cTn id="29" presetID="1" presetClass="entr" presetSubtype="0" fill="hold" grpId="0" nodeType="clickEffect">
+                                  <p:stCondLst>
+                                    <p:cond delay="0"/>
+                                  </p:stCondLst>
+                                  <p:childTnLst>
+                                    <p:set>
+                                      <p:cBhvr>
+                                        <p:cTn id="30" dur="1" fill="hold">
+                                          <p:stCondLst>
+                                            <p:cond delay="0"/>
+                                          </p:stCondLst>
+                                        </p:cTn>
+                                        <p:tgtEl>
+                                          <p:spTgt spid="3">
+                                            <p:txEl>
+                                              <p:pRg st="6" end="6"/>
+                                            </p:txEl>
+                                          </p:spTgt>
+                                        </p:tgtEl>
+                                        <p:attrNameLst>
+                                          <p:attrName>style.visibility</p:attrName>
+                                        </p:attrNameLst>
+                                      </p:cBhvr>
+                                      <p:to>
+                                        <p:strVal val="visible"/>
+                                      </p:to>
+                                    </p:set>
+                                  </p:childTnLst>
+                                </p:cTn>
+                              </p:par>
+                            </p:childTnLst>
+                          </p:cTn>
+                        </p:par>
+                      </p:childTnLst>
+                    </p:cTn>
+                  </p:par>
+                  <p:par>
+                    <p:cTn id="31" fill="hold">
+                      <p:stCondLst>
+                        <p:cond delay="indefinite"/>
+                      </p:stCondLst>
+                      <p:childTnLst>
+                        <p:par>
+                          <p:cTn id="32" fill="hold">
+                            <p:stCondLst>
+                              <p:cond delay="0"/>
+                            </p:stCondLst>
+                            <p:childTnLst>
+                              <p:par>
+                                <p:cTn id="33" presetID="1" presetClass="entr" presetSubtype="0" fill="hold" grpId="0" nodeType="clickEffect">
+                                  <p:stCondLst>
+                                    <p:cond delay="0"/>
+                                  </p:stCondLst>
+                                  <p:childTnLst>
+                                    <p:set>
+                                      <p:cBhvr>
+                                        <p:cTn id="34" dur="1" fill="hold">
+                                          <p:stCondLst>
+                                            <p:cond delay="0"/>
+                                          </p:stCondLst>
+                                        </p:cTn>
+                                        <p:tgtEl>
+                                          <p:spTgt spid="3">
+                                            <p:txEl>
+                                              <p:pRg st="7" end="7"/>
+                                            </p:txEl>
+                                          </p:spTgt>
+                                        </p:tgtEl>
+                                        <p:attrNameLst>
+                                          <p:attrName>style.visibility</p:attrName>
+                                        </p:attrNameLst>
+                                      </p:cBhvr>
+                                      <p:to>
+                                        <p:strVal val="visible"/>
+                                      </p:to>
+                                    </p:set>
+                                  </p:childTnLst>
+                                </p:cTn>
+                              </p:par>
+                            </p:childTnLst>
+                          </p:cTn>
+                        </p:par>
+                      </p:childTnLst>
+                    </p:cTn>
+                  </p:par>
+                  <p:par>
+                    <p:cTn id="35" fill="hold">
+                      <p:stCondLst>
+                        <p:cond delay="indefinite"/>
+                      </p:stCondLst>
+                      <p:childTnLst>
+                        <p:par>
+                          <p:cTn id="36" fill="hold">
+                            <p:stCondLst>
+                              <p:cond delay="0"/>
+                            </p:stCondLst>
+                            <p:childTnLst>
+                              <p:par>
+                                <p:cTn id="37" presetID="1" presetClass="entr" presetSubtype="0" fill="hold" grpId="0" nodeType="clickEffect">
+                                  <p:stCondLst>
+                                    <p:cond delay="0"/>
+                                  </p:stCondLst>
+                                  <p:childTnLst>
+                                    <p:set>
+                                      <p:cBhvr>
+                                        <p:cTn id="38" dur="1" fill="hold">
+                                          <p:stCondLst>
+                                            <p:cond delay="0"/>
+                                          </p:stCondLst>
+                                        </p:cTn>
+                                        <p:tgtEl>
+                                          <p:spTgt spid="3">
+                                            <p:txEl>
+                                              <p:pRg st="8" end="8"/>
+                                            </p:txEl>
+                                          </p:spTgt>
+                                        </p:tgtEl>
+                                        <p:attrNameLst>
+                                          <p:attrName>style.visibility</p:attrName>
+                                        </p:attrNameLst>
+                                      </p:cBhvr>
+                                      <p:to>
+                                        <p:strVal val="visible"/>
+                                      </p:to>
+                                    </p:set>
+                                  </p:childTnLst>
+                                </p:cTn>
+                              </p:par>
+                            </p:childTnLst>
+                          </p:cTn>
+                        </p:par>
+                      </p:childTnLst>
+                    </p:cTn>
+                  </p:par>
+                </p:childTnLst>
+              </p:cTn>
+              <p:prevCondLst>
+                <p:cond evt="onPrev" delay="0">
+                  <p:tgtEl>
+                    <p:sldTgt/>
+                  </p:tgtEl>
+                </p:cond>
+              </p:prevCondLst>
+              <p:nextCondLst>
+                <p:cond evt="onNext" delay="0">
+                  <p:tgtEl>
+                    <p:sldTgt/>
+                  </p:tgtEl>
+                </p:cond>
+              </p:nextCondLst>
+            </p:seq>
+          </p:childTnLst>
+        </p:cTn>
+      </p:par>
+    </p:tnLst>
+    <p:bldLst>
+      <p:bldP spid="3" grpId="0" uiExpand="1" build="p" bldLvl="2"/>
+    </p:bldLst>
+  </p:timing>
+</p:sld>
+</file>
+
+<file path=ppt/slides/slide50.xml><?xml version="1.0" encoding="utf-8"?>
+<p:sld xmlns:a="http://schemas.openxmlformats.org/drawingml/2006/main" xmlns:r="http://schemas.openxmlformats.org/officeDocument/2006/relationships" xmlns:p="http://schemas.openxmlformats.org/presentationml/2006/main">
+  <p:cSld>
+    <p:spTree>
+      <p:nvGrpSpPr>
+        <p:cNvPr id="1" name=""/>
+        <p:cNvGrpSpPr/>
+        <p:nvPr/>
+      </p:nvGrpSpPr>
+      <p:grpSpPr>
+        <a:xfrm>
+          <a:off x="0" y="0"/>
+          <a:ext cx="0" cy="0"/>
+          <a:chOff x="0" y="0"/>
+          <a:chExt cx="0" cy="0"/>
+        </a:xfrm>
+      </p:grpSpPr>
+      <p:sp>
+        <p:nvSpPr>
+          <p:cNvPr id="2" name="Title 1"/>
+          <p:cNvSpPr>
+            <a:spLocks noGrp="1"/>
+          </p:cNvSpPr>
+          <p:nvPr>
+            <p:ph type="title"/>
+          </p:nvPr>
+        </p:nvSpPr>
+        <p:spPr/>
+        <p:txBody>
+          <a:bodyPr/>
+          <a:lstStyle/>
+          <a:p>
+            <a:r>
               <a:rPr lang="en-BE" dirty="0"/>
               <a:t>Task: handwritten digit recognition</a:t>
             </a:r>
@@ -33706,7 +33975,7 @@
           <a:p>
             <a:fld id="{5A209D72-2E9D-49B0-8977-41DCCC66C0BB}" type="slidenum">
               <a:rPr lang="nl-BE" smtClean="0"/>
-              <a:t>49</a:t>
+              <a:t>50</a:t>
             </a:fld>
             <a:endParaRPr lang="nl-BE"/>
           </a:p>
@@ -34106,7 +34375,7 @@
 </p:sld>
 </file>
 
-<file path=ppt/slides/slide5.xml><?xml version="1.0" encoding="utf-8"?>
+<file path=ppt/slides/slide51.xml><?xml version="1.0" encoding="utf-8"?>
 <p:sld xmlns:a="http://schemas.openxmlformats.org/drawingml/2006/main" xmlns:r="http://schemas.openxmlformats.org/officeDocument/2006/relationships" xmlns:p="http://schemas.openxmlformats.org/presentationml/2006/main">
   <p:cSld>
     <p:spTree>
@@ -34139,151 +34408,6 @@
           <a:lstStyle/>
           <a:p>
             <a:r>
-              <a:rPr lang="en-US" dirty="0"/>
-              <a:t>Regression</a:t>
-            </a:r>
-          </a:p>
-        </p:txBody>
-      </p:sp>
-      <p:sp>
-        <p:nvSpPr>
-          <p:cNvPr id="4" name="Text Placeholder 3"/>
-          <p:cNvSpPr>
-            <a:spLocks noGrp="1"/>
-          </p:cNvSpPr>
-          <p:nvPr>
-            <p:ph type="body" sz="half" idx="2"/>
-          </p:nvPr>
-        </p:nvSpPr>
-        <p:spPr/>
-        <p:txBody>
-          <a:bodyPr/>
-          <a:lstStyle/>
-          <a:p>
-            <a:r>
-              <a:rPr lang="en-US" dirty="0"/>
-              <a:t>Colorize B&amp;W images automatically</a:t>
-            </a:r>
-          </a:p>
-          <a:p>
-            <a:r>
-              <a:rPr lang="en-US" dirty="0">
-                <a:hlinkClick r:id="rId2"/>
-              </a:rPr>
-              <a:t>https://tinyclouds.org/colorize/</a:t>
-            </a:r>
-            <a:endParaRPr lang="en-US" dirty="0"/>
-          </a:p>
-        </p:txBody>
-      </p:sp>
-      <p:sp>
-        <p:nvSpPr>
-          <p:cNvPr id="5" name="Slide Number Placeholder 4"/>
-          <p:cNvSpPr>
-            <a:spLocks noGrp="1"/>
-          </p:cNvSpPr>
-          <p:nvPr>
-            <p:ph type="sldNum" sz="quarter" idx="12"/>
-          </p:nvPr>
-        </p:nvSpPr>
-        <p:spPr/>
-        <p:txBody>
-          <a:bodyPr/>
-          <a:lstStyle/>
-          <a:p>
-            <a:fld id="{CF5A1C33-475D-474A-A037-DDAF3DC7AF09}" type="slidenum">
-              <a:rPr lang="en-US" smtClean="0"/>
-              <a:t>5</a:t>
-            </a:fld>
-            <a:endParaRPr lang="en-US"/>
-          </a:p>
-        </p:txBody>
-      </p:sp>
-      <p:pic>
-        <p:nvPicPr>
-          <p:cNvPr id="1028" name="Picture 4" descr="Colorization of Black and White Photographs"/>
-          <p:cNvPicPr>
-            <a:picLocks noGrp="1" noChangeAspect="1" noChangeArrowheads="1"/>
-          </p:cNvPicPr>
-          <p:nvPr>
-            <p:ph type="pic" idx="1"/>
-          </p:nvPr>
-        </p:nvPicPr>
-        <p:blipFill>
-          <a:blip r:embed="rId3">
-            <a:extLst>
-              <a:ext uri="{28A0092B-C50C-407E-A947-70E740481C1C}">
-                <a14:useLocalDpi xmlns:a14="http://schemas.microsoft.com/office/drawing/2010/main" val="0"/>
-              </a:ext>
-            </a:extLst>
-          </a:blip>
-          <a:srcRect l="6201" r="6201"/>
-          <a:stretch>
-            <a:fillRect/>
-          </a:stretch>
-        </p:blipFill>
-        <p:spPr bwMode="auto">
-          <a:prstGeom prst="rect">
-            <a:avLst/>
-          </a:prstGeom>
-          <a:noFill/>
-          <a:extLst>
-            <a:ext uri="{909E8E84-426E-40DD-AFC4-6F175D3DCCD1}">
-              <a14:hiddenFill xmlns:a14="http://schemas.microsoft.com/office/drawing/2010/main">
-                <a:solidFill>
-                  <a:srgbClr val="FFFFFF"/>
-                </a:solidFill>
-              </a14:hiddenFill>
-            </a:ext>
-          </a:extLst>
-        </p:spPr>
-      </p:pic>
-    </p:spTree>
-    <p:extLst>
-      <p:ext uri="{BB962C8B-B14F-4D97-AF65-F5344CB8AC3E}">
-        <p14:creationId xmlns:p14="http://schemas.microsoft.com/office/powerpoint/2010/main" val="3625121773"/>
-      </p:ext>
-    </p:extLst>
-  </p:cSld>
-  <p:clrMapOvr>
-    <a:masterClrMapping/>
-  </p:clrMapOvr>
-</p:sld>
-</file>
-
-<file path=ppt/slides/slide50.xml><?xml version="1.0" encoding="utf-8"?>
-<p:sld xmlns:a="http://schemas.openxmlformats.org/drawingml/2006/main" xmlns:r="http://schemas.openxmlformats.org/officeDocument/2006/relationships" xmlns:p="http://schemas.openxmlformats.org/presentationml/2006/main">
-  <p:cSld>
-    <p:spTree>
-      <p:nvGrpSpPr>
-        <p:cNvPr id="1" name=""/>
-        <p:cNvGrpSpPr/>
-        <p:nvPr/>
-      </p:nvGrpSpPr>
-      <p:grpSpPr>
-        <a:xfrm>
-          <a:off x="0" y="0"/>
-          <a:ext cx="0" cy="0"/>
-          <a:chOff x="0" y="0"/>
-          <a:chExt cx="0" cy="0"/>
-        </a:xfrm>
-      </p:grpSpPr>
-      <p:sp>
-        <p:nvSpPr>
-          <p:cNvPr id="2" name="Title 1"/>
-          <p:cNvSpPr>
-            <a:spLocks noGrp="1"/>
-          </p:cNvSpPr>
-          <p:nvPr>
-            <p:ph type="title"/>
-          </p:nvPr>
-        </p:nvSpPr>
-        <p:spPr/>
-        <p:txBody>
-          <a:bodyPr/>
-          <a:lstStyle/>
-          <a:p>
-            <a:r>
               <a:rPr lang="en-BE" dirty="0"/>
               <a:t>First approach</a:t>
             </a:r>
@@ -34456,7 +34580,7 @@
           <a:p>
             <a:fld id="{CF5A1C33-475D-474A-A037-DDAF3DC7AF09}" type="slidenum">
               <a:rPr lang="en-US" smtClean="0"/>
-              <a:t>50</a:t>
+              <a:t>51</a:t>
             </a:fld>
             <a:endParaRPr lang="en-US"/>
           </a:p>
@@ -35539,7 +35663,7 @@
 </p:sld>
 </file>
 
-<file path=ppt/slides/slide51.xml><?xml version="1.0" encoding="utf-8"?>
+<file path=ppt/slides/slide52.xml><?xml version="1.0" encoding="utf-8"?>
 <p:sld xmlns:a="http://schemas.openxmlformats.org/drawingml/2006/main" xmlns:r="http://schemas.openxmlformats.org/officeDocument/2006/relationships" xmlns:p="http://schemas.openxmlformats.org/presentationml/2006/main">
   <p:cSld>
     <p:spTree>
@@ -35687,7 +35811,7 @@
           <a:p>
             <a:fld id="{5A209D72-2E9D-49B0-8977-41DCCC66C0BB}" type="slidenum">
               <a:rPr lang="nl-BE" smtClean="0"/>
-              <a:t>51</a:t>
+              <a:t>52</a:t>
             </a:fld>
             <a:endParaRPr lang="nl-BE"/>
           </a:p>
@@ -36148,7 +36272,7 @@
 </p:sld>
 </file>
 
-<file path=ppt/slides/slide52.xml><?xml version="1.0" encoding="utf-8"?>
+<file path=ppt/slides/slide53.xml><?xml version="1.0" encoding="utf-8"?>
 <p:sld xmlns:a="http://schemas.openxmlformats.org/drawingml/2006/main" xmlns:r="http://schemas.openxmlformats.org/officeDocument/2006/relationships" xmlns:p="http://schemas.openxmlformats.org/presentationml/2006/main">
   <p:cSld>
     <p:spTree>
@@ -36205,7 +36329,7 @@
           <a:p>
             <a:fld id="{5A209D72-2E9D-49B0-8977-41DCCC66C0BB}" type="slidenum">
               <a:rPr lang="nl-BE" smtClean="0"/>
-              <a:t>52</a:t>
+              <a:t>53</a:t>
             </a:fld>
             <a:endParaRPr lang="nl-BE"/>
           </a:p>
@@ -36699,7 +36823,7 @@
 </p:sld>
 </file>
 
-<file path=ppt/slides/slide53.xml><?xml version="1.0" encoding="utf-8"?>
+<file path=ppt/slides/slide54.xml><?xml version="1.0" encoding="utf-8"?>
 <p:sld xmlns:a="http://schemas.openxmlformats.org/drawingml/2006/main" xmlns:r="http://schemas.openxmlformats.org/officeDocument/2006/relationships" xmlns:p="http://schemas.openxmlformats.org/presentationml/2006/main">
   <p:cSld>
     <p:spTree>
@@ -36756,7 +36880,7 @@
           <a:p>
             <a:fld id="{A2912448-FEEC-49E8-9588-2DF1F90D57C2}" type="slidenum">
               <a:rPr lang="en-US" smtClean="0"/>
-              <a:t>53</a:t>
+              <a:t>54</a:t>
             </a:fld>
             <a:endParaRPr lang="en-US"/>
           </a:p>
@@ -38883,7 +39007,7 @@
 </p:sld>
 </file>
 
-<file path=ppt/slides/slide54.xml><?xml version="1.0" encoding="utf-8"?>
+<file path=ppt/slides/slide55.xml><?xml version="1.0" encoding="utf-8"?>
 <p:sld xmlns:a="http://schemas.openxmlformats.org/drawingml/2006/main" xmlns:r="http://schemas.openxmlformats.org/officeDocument/2006/relationships" xmlns:p="http://schemas.openxmlformats.org/presentationml/2006/main">
   <p:cSld>
     <p:spTree>
@@ -39098,7 +39222,7 @@
           <a:p>
             <a:fld id="{CF5A1C33-475D-474A-A037-DDAF3DC7AF09}" type="slidenum">
               <a:rPr lang="en-US" smtClean="0"/>
-              <a:t>54</a:t>
+              <a:t>55</a:t>
             </a:fld>
             <a:endParaRPr lang="en-US"/>
           </a:p>
@@ -40074,7 +40198,7 @@
 </p:sld>
 </file>
 
-<file path=ppt/slides/slide55.xml><?xml version="1.0" encoding="utf-8"?>
+<file path=ppt/slides/slide56.xml><?xml version="1.0" encoding="utf-8"?>
 <p:sld xmlns:a="http://schemas.openxmlformats.org/drawingml/2006/main" xmlns:r="http://schemas.openxmlformats.org/officeDocument/2006/relationships" xmlns:p="http://schemas.openxmlformats.org/presentationml/2006/main">
   <p:cSld>
     <p:spTree>
@@ -40185,7 +40309,7 @@
           <a:p>
             <a:fld id="{5A209D72-2E9D-49B0-8977-41DCCC66C0BB}" type="slidenum">
               <a:rPr lang="nl-BE" smtClean="0"/>
-              <a:t>55</a:t>
+              <a:t>56</a:t>
             </a:fld>
             <a:endParaRPr lang="nl-BE"/>
           </a:p>
@@ -40895,7 +41019,7 @@
 </p:sld>
 </file>
 
-<file path=ppt/slides/slide56.xml><?xml version="1.0" encoding="utf-8"?>
+<file path=ppt/slides/slide57.xml><?xml version="1.0" encoding="utf-8"?>
 <p:sld xmlns:a="http://schemas.openxmlformats.org/drawingml/2006/main" xmlns:r="http://schemas.openxmlformats.org/officeDocument/2006/relationships" xmlns:p="http://schemas.openxmlformats.org/presentationml/2006/main">
   <p:cSld>
     <p:spTree>
@@ -41087,7 +41211,7 @@
           <a:p>
             <a:fld id="{CF5A1C33-475D-474A-A037-DDAF3DC7AF09}" type="slidenum">
               <a:rPr lang="en-US" smtClean="0"/>
-              <a:t>56</a:t>
+              <a:t>57</a:t>
             </a:fld>
             <a:endParaRPr lang="en-US"/>
           </a:p>
@@ -41596,7 +41720,7 @@
 </p:sld>
 </file>
 
-<file path=ppt/slides/slide57.xml><?xml version="1.0" encoding="utf-8"?>
+<file path=ppt/slides/slide58.xml><?xml version="1.0" encoding="utf-8"?>
 <p:sld xmlns:a="http://schemas.openxmlformats.org/drawingml/2006/main" xmlns:r="http://schemas.openxmlformats.org/officeDocument/2006/relationships" xmlns:p="http://schemas.openxmlformats.org/presentationml/2006/main">
   <p:cSld>
     <p:spTree>
@@ -41648,7 +41772,7 @@
         <p:spPr/>
         <p:txBody>
           <a:bodyPr>
-            <a:normAutofit lnSpcReduction="10000"/>
+            <a:normAutofit/>
           </a:bodyPr>
           <a:lstStyle/>
           <a:p>
@@ -41747,7 +41871,7 @@
           <a:p>
             <a:fld id="{CF5A1C33-475D-474A-A037-DDAF3DC7AF09}" type="slidenum">
               <a:rPr lang="en-US" smtClean="0"/>
-              <a:t>57</a:t>
+              <a:t>58</a:t>
             </a:fld>
             <a:endParaRPr lang="en-US"/>
           </a:p>
@@ -42183,7 +42307,7 @@
 </p:sld>
 </file>
 
-<file path=ppt/slides/slide58.xml><?xml version="1.0" encoding="utf-8"?>
+<file path=ppt/slides/slide59.xml><?xml version="1.0" encoding="utf-8"?>
 <p:sld xmlns:a="http://schemas.openxmlformats.org/drawingml/2006/main" xmlns:r="http://schemas.openxmlformats.org/officeDocument/2006/relationships" xmlns:p="http://schemas.openxmlformats.org/presentationml/2006/main">
   <p:cSld>
     <p:spTree>
@@ -42325,7 +42449,7 @@
           <a:p>
             <a:fld id="{5A209D72-2E9D-49B0-8977-41DCCC66C0BB}" type="slidenum">
               <a:rPr lang="nl-BE" smtClean="0"/>
-              <a:t>58</a:t>
+              <a:t>59</a:t>
             </a:fld>
             <a:endParaRPr lang="nl-BE"/>
           </a:p>
@@ -43764,7 +43888,7 @@
 </p:sld>
 </file>
 
-<file path=ppt/slides/slide59.xml><?xml version="1.0" encoding="utf-8"?>
+<file path=ppt/slides/slide6.xml><?xml version="1.0" encoding="utf-8"?>
 <p:sld xmlns:a="http://schemas.openxmlformats.org/drawingml/2006/main" xmlns:r="http://schemas.openxmlformats.org/officeDocument/2006/relationships" xmlns:p="http://schemas.openxmlformats.org/presentationml/2006/main">
   <p:cSld>
     <p:spTree>
@@ -43798,6 +43922,151 @@
           <a:p>
             <a:r>
               <a:rPr lang="en-US" dirty="0"/>
+              <a:t>Regression</a:t>
+            </a:r>
+          </a:p>
+        </p:txBody>
+      </p:sp>
+      <p:sp>
+        <p:nvSpPr>
+          <p:cNvPr id="4" name="Text Placeholder 3"/>
+          <p:cNvSpPr>
+            <a:spLocks noGrp="1"/>
+          </p:cNvSpPr>
+          <p:nvPr>
+            <p:ph type="body" sz="half" idx="2"/>
+          </p:nvPr>
+        </p:nvSpPr>
+        <p:spPr/>
+        <p:txBody>
+          <a:bodyPr/>
+          <a:lstStyle/>
+          <a:p>
+            <a:r>
+              <a:rPr lang="en-US" dirty="0"/>
+              <a:t>Colorize B&amp;W images automatically</a:t>
+            </a:r>
+          </a:p>
+          <a:p>
+            <a:r>
+              <a:rPr lang="en-US" dirty="0">
+                <a:hlinkClick r:id="rId2"/>
+              </a:rPr>
+              <a:t>https://tinyclouds.org/colorize/</a:t>
+            </a:r>
+            <a:endParaRPr lang="en-US" dirty="0"/>
+          </a:p>
+        </p:txBody>
+      </p:sp>
+      <p:sp>
+        <p:nvSpPr>
+          <p:cNvPr id="5" name="Slide Number Placeholder 4"/>
+          <p:cNvSpPr>
+            <a:spLocks noGrp="1"/>
+          </p:cNvSpPr>
+          <p:nvPr>
+            <p:ph type="sldNum" sz="quarter" idx="12"/>
+          </p:nvPr>
+        </p:nvSpPr>
+        <p:spPr/>
+        <p:txBody>
+          <a:bodyPr/>
+          <a:lstStyle/>
+          <a:p>
+            <a:fld id="{CF5A1C33-475D-474A-A037-DDAF3DC7AF09}" type="slidenum">
+              <a:rPr lang="en-US" smtClean="0"/>
+              <a:t>6</a:t>
+            </a:fld>
+            <a:endParaRPr lang="en-US"/>
+          </a:p>
+        </p:txBody>
+      </p:sp>
+      <p:pic>
+        <p:nvPicPr>
+          <p:cNvPr id="1028" name="Picture 4" descr="Colorization of Black and White Photographs"/>
+          <p:cNvPicPr>
+            <a:picLocks noGrp="1" noChangeAspect="1" noChangeArrowheads="1"/>
+          </p:cNvPicPr>
+          <p:nvPr>
+            <p:ph type="pic" idx="1"/>
+          </p:nvPr>
+        </p:nvPicPr>
+        <p:blipFill>
+          <a:blip r:embed="rId3">
+            <a:extLst>
+              <a:ext uri="{28A0092B-C50C-407E-A947-70E740481C1C}">
+                <a14:useLocalDpi xmlns:a14="http://schemas.microsoft.com/office/drawing/2010/main" val="0"/>
+              </a:ext>
+            </a:extLst>
+          </a:blip>
+          <a:srcRect l="6201" r="6201"/>
+          <a:stretch>
+            <a:fillRect/>
+          </a:stretch>
+        </p:blipFill>
+        <p:spPr bwMode="auto">
+          <a:prstGeom prst="rect">
+            <a:avLst/>
+          </a:prstGeom>
+          <a:noFill/>
+          <a:extLst>
+            <a:ext uri="{909E8E84-426E-40DD-AFC4-6F175D3DCCD1}">
+              <a14:hiddenFill xmlns:a14="http://schemas.microsoft.com/office/drawing/2010/main">
+                <a:solidFill>
+                  <a:srgbClr val="FFFFFF"/>
+                </a:solidFill>
+              </a14:hiddenFill>
+            </a:ext>
+          </a:extLst>
+        </p:spPr>
+      </p:pic>
+    </p:spTree>
+    <p:extLst>
+      <p:ext uri="{BB962C8B-B14F-4D97-AF65-F5344CB8AC3E}">
+        <p14:creationId xmlns:p14="http://schemas.microsoft.com/office/powerpoint/2010/main" val="3625121773"/>
+      </p:ext>
+    </p:extLst>
+  </p:cSld>
+  <p:clrMapOvr>
+    <a:masterClrMapping/>
+  </p:clrMapOvr>
+</p:sld>
+</file>
+
+<file path=ppt/slides/slide60.xml><?xml version="1.0" encoding="utf-8"?>
+<p:sld xmlns:a="http://schemas.openxmlformats.org/drawingml/2006/main" xmlns:r="http://schemas.openxmlformats.org/officeDocument/2006/relationships" xmlns:p="http://schemas.openxmlformats.org/presentationml/2006/main">
+  <p:cSld>
+    <p:spTree>
+      <p:nvGrpSpPr>
+        <p:cNvPr id="1" name=""/>
+        <p:cNvGrpSpPr/>
+        <p:nvPr/>
+      </p:nvGrpSpPr>
+      <p:grpSpPr>
+        <a:xfrm>
+          <a:off x="0" y="0"/>
+          <a:ext cx="0" cy="0"/>
+          <a:chOff x="0" y="0"/>
+          <a:chExt cx="0" cy="0"/>
+        </a:xfrm>
+      </p:grpSpPr>
+      <p:sp>
+        <p:nvSpPr>
+          <p:cNvPr id="2" name="Title 1"/>
+          <p:cNvSpPr>
+            <a:spLocks noGrp="1"/>
+          </p:cNvSpPr>
+          <p:nvPr>
+            <p:ph type="title"/>
+          </p:nvPr>
+        </p:nvSpPr>
+        <p:spPr/>
+        <p:txBody>
+          <a:bodyPr/>
+          <a:lstStyle/>
+          <a:p>
+            <a:r>
+              <a:rPr lang="en-US" dirty="0"/>
               <a:t>A</a:t>
             </a:r>
             <a:r>
@@ -44009,7 +44278,7 @@
           <a:p>
             <a:fld id="{CF5A1C33-475D-474A-A037-DDAF3DC7AF09}" type="slidenum">
               <a:rPr lang="en-US" smtClean="0"/>
-              <a:t>59</a:t>
+              <a:t>60</a:t>
             </a:fld>
             <a:endParaRPr lang="en-US"/>
           </a:p>
@@ -44541,7 +44810,7 @@
 </p:sld>
 </file>
 
-<file path=ppt/slides/slide6.xml><?xml version="1.0" encoding="utf-8"?>
+<file path=ppt/slides/slide61.xml><?xml version="1.0" encoding="utf-8"?>
 <p:sld xmlns:a="http://schemas.openxmlformats.org/drawingml/2006/main" xmlns:r="http://schemas.openxmlformats.org/officeDocument/2006/relationships" xmlns:p="http://schemas.openxmlformats.org/presentationml/2006/main">
   <p:cSld>
     <p:spTree>
@@ -44575,151 +44844,6 @@
           <a:p>
             <a:r>
               <a:rPr lang="en-US" dirty="0"/>
-              <a:t>Classification</a:t>
-            </a:r>
-          </a:p>
-        </p:txBody>
-      </p:sp>
-      <p:sp>
-        <p:nvSpPr>
-          <p:cNvPr id="5" name="Slide Number Placeholder 4"/>
-          <p:cNvSpPr>
-            <a:spLocks noGrp="1"/>
-          </p:cNvSpPr>
-          <p:nvPr>
-            <p:ph type="sldNum" sz="quarter" idx="12"/>
-          </p:nvPr>
-        </p:nvSpPr>
-        <p:spPr/>
-        <p:txBody>
-          <a:bodyPr/>
-          <a:lstStyle/>
-          <a:p>
-            <a:fld id="{CF5A1C33-475D-474A-A037-DDAF3DC7AF09}" type="slidenum">
-              <a:rPr lang="en-US" smtClean="0"/>
-              <a:t>6</a:t>
-            </a:fld>
-            <a:endParaRPr lang="en-US"/>
-          </a:p>
-        </p:txBody>
-      </p:sp>
-      <p:sp>
-        <p:nvSpPr>
-          <p:cNvPr id="6" name="Text Placeholder 5"/>
-          <p:cNvSpPr>
-            <a:spLocks noGrp="1"/>
-          </p:cNvSpPr>
-          <p:nvPr>
-            <p:ph type="body" sz="half" idx="2"/>
-          </p:nvPr>
-        </p:nvSpPr>
-        <p:spPr/>
-        <p:txBody>
-          <a:bodyPr/>
-          <a:lstStyle/>
-          <a:p>
-            <a:r>
-              <a:rPr lang="en-US" dirty="0"/>
-              <a:t>Object recognition</a:t>
-            </a:r>
-          </a:p>
-          <a:p>
-            <a:r>
-              <a:rPr lang="en-US" dirty="0">
-                <a:hlinkClick r:id="rId2"/>
-              </a:rPr>
-              <a:t>https://ai.googleblog.com/2014/09/building-deeper-understanding-of-images.html</a:t>
-            </a:r>
-            <a:endParaRPr lang="en-US" dirty="0"/>
-          </a:p>
-        </p:txBody>
-      </p:sp>
-      <p:pic>
-        <p:nvPicPr>
-          <p:cNvPr id="2052" name="Picture 4" descr="Automatic Object Detection"/>
-          <p:cNvPicPr>
-            <a:picLocks noGrp="1" noChangeAspect="1" noChangeArrowheads="1"/>
-          </p:cNvPicPr>
-          <p:nvPr>
-            <p:ph type="pic" idx="1"/>
-          </p:nvPr>
-        </p:nvPicPr>
-        <p:blipFill>
-          <a:blip r:embed="rId3">
-            <a:extLst>
-              <a:ext uri="{28A0092B-C50C-407E-A947-70E740481C1C}">
-                <a14:useLocalDpi xmlns:a14="http://schemas.microsoft.com/office/drawing/2010/main" val="0"/>
-              </a:ext>
-            </a:extLst>
-          </a:blip>
-          <a:srcRect l="4308" r="4308"/>
-          <a:stretch>
-            <a:fillRect/>
-          </a:stretch>
-        </p:blipFill>
-        <p:spPr bwMode="auto">
-          <a:prstGeom prst="rect">
-            <a:avLst/>
-          </a:prstGeom>
-          <a:noFill/>
-          <a:extLst>
-            <a:ext uri="{909E8E84-426E-40DD-AFC4-6F175D3DCCD1}">
-              <a14:hiddenFill xmlns:a14="http://schemas.microsoft.com/office/drawing/2010/main">
-                <a:solidFill>
-                  <a:srgbClr val="FFFFFF"/>
-                </a:solidFill>
-              </a14:hiddenFill>
-            </a:ext>
-          </a:extLst>
-        </p:spPr>
-      </p:pic>
-    </p:spTree>
-    <p:extLst>
-      <p:ext uri="{BB962C8B-B14F-4D97-AF65-F5344CB8AC3E}">
-        <p14:creationId xmlns:p14="http://schemas.microsoft.com/office/powerpoint/2010/main" val="3001519786"/>
-      </p:ext>
-    </p:extLst>
-  </p:cSld>
-  <p:clrMapOvr>
-    <a:masterClrMapping/>
-  </p:clrMapOvr>
-</p:sld>
-</file>
-
-<file path=ppt/slides/slide60.xml><?xml version="1.0" encoding="utf-8"?>
-<p:sld xmlns:a="http://schemas.openxmlformats.org/drawingml/2006/main" xmlns:r="http://schemas.openxmlformats.org/officeDocument/2006/relationships" xmlns:p="http://schemas.openxmlformats.org/presentationml/2006/main">
-  <p:cSld>
-    <p:spTree>
-      <p:nvGrpSpPr>
-        <p:cNvPr id="1" name=""/>
-        <p:cNvGrpSpPr/>
-        <p:nvPr/>
-      </p:nvGrpSpPr>
-      <p:grpSpPr>
-        <a:xfrm>
-          <a:off x="0" y="0"/>
-          <a:ext cx="0" cy="0"/>
-          <a:chOff x="0" y="0"/>
-          <a:chExt cx="0" cy="0"/>
-        </a:xfrm>
-      </p:grpSpPr>
-      <p:sp>
-        <p:nvSpPr>
-          <p:cNvPr id="2" name="Title 1"/>
-          <p:cNvSpPr>
-            <a:spLocks noGrp="1"/>
-          </p:cNvSpPr>
-          <p:nvPr>
-            <p:ph type="title"/>
-          </p:nvPr>
-        </p:nvSpPr>
-        <p:spPr/>
-        <p:txBody>
-          <a:bodyPr/>
-          <a:lstStyle/>
-          <a:p>
-            <a:r>
-              <a:rPr lang="en-US" dirty="0"/>
               <a:t>Caveat</a:t>
             </a:r>
           </a:p>
@@ -44791,7 +44915,7 @@
           <a:p>
             <a:fld id="{5A209D72-2E9D-49B0-8977-41DCCC66C0BB}" type="slidenum">
               <a:rPr lang="nl-BE" smtClean="0"/>
-              <a:t>60</a:t>
+              <a:t>61</a:t>
             </a:fld>
             <a:endParaRPr lang="nl-BE"/>
           </a:p>
@@ -45193,7 +45317,7 @@
 </p:sld>
 </file>
 
-<file path=ppt/slides/slide61.xml><?xml version="1.0" encoding="utf-8"?>
+<file path=ppt/slides/slide62.xml><?xml version="1.0" encoding="utf-8"?>
 <p:sld xmlns:a="http://schemas.openxmlformats.org/drawingml/2006/main" xmlns:r="http://schemas.openxmlformats.org/officeDocument/2006/relationships" xmlns:p="http://schemas.openxmlformats.org/presentationml/2006/main">
   <p:cSld>
     <p:spTree>
@@ -45377,7 +45501,7 @@
           <a:p>
             <a:fld id="{5A209D72-2E9D-49B0-8977-41DCCC66C0BB}" type="slidenum">
               <a:rPr lang="nl-BE" smtClean="0"/>
-              <a:t>61</a:t>
+              <a:t>62</a:t>
             </a:fld>
             <a:endParaRPr lang="nl-BE"/>
           </a:p>
@@ -45881,7 +46005,7 @@
 </p:sld>
 </file>
 
-<file path=ppt/slides/slide62.xml><?xml version="1.0" encoding="utf-8"?>
+<file path=ppt/slides/slide63.xml><?xml version="1.0" encoding="utf-8"?>
 <p:sld xmlns:a="http://schemas.openxmlformats.org/drawingml/2006/main" xmlns:r="http://schemas.openxmlformats.org/officeDocument/2006/relationships" xmlns:p="http://schemas.openxmlformats.org/presentationml/2006/main">
   <p:cSld>
     <p:spTree>
@@ -46019,7 +46143,7 @@
           <a:p>
             <a:fld id="{5A209D72-2E9D-49B0-8977-41DCCC66C0BB}" type="slidenum">
               <a:rPr lang="nl-BE" smtClean="0"/>
-              <a:t>62</a:t>
+              <a:t>63</a:t>
             </a:fld>
             <a:endParaRPr lang="nl-BE"/>
           </a:p>
@@ -46205,6 +46329,151 @@
           <a:lstStyle/>
           <a:p>
             <a:r>
+              <a:rPr lang="en-US" dirty="0"/>
+              <a:t>Classification</a:t>
+            </a:r>
+          </a:p>
+        </p:txBody>
+      </p:sp>
+      <p:sp>
+        <p:nvSpPr>
+          <p:cNvPr id="5" name="Slide Number Placeholder 4"/>
+          <p:cNvSpPr>
+            <a:spLocks noGrp="1"/>
+          </p:cNvSpPr>
+          <p:nvPr>
+            <p:ph type="sldNum" sz="quarter" idx="12"/>
+          </p:nvPr>
+        </p:nvSpPr>
+        <p:spPr/>
+        <p:txBody>
+          <a:bodyPr/>
+          <a:lstStyle/>
+          <a:p>
+            <a:fld id="{CF5A1C33-475D-474A-A037-DDAF3DC7AF09}" type="slidenum">
+              <a:rPr lang="en-US" smtClean="0"/>
+              <a:t>7</a:t>
+            </a:fld>
+            <a:endParaRPr lang="en-US"/>
+          </a:p>
+        </p:txBody>
+      </p:sp>
+      <p:sp>
+        <p:nvSpPr>
+          <p:cNvPr id="6" name="Text Placeholder 5"/>
+          <p:cNvSpPr>
+            <a:spLocks noGrp="1"/>
+          </p:cNvSpPr>
+          <p:nvPr>
+            <p:ph type="body" sz="half" idx="2"/>
+          </p:nvPr>
+        </p:nvSpPr>
+        <p:spPr/>
+        <p:txBody>
+          <a:bodyPr/>
+          <a:lstStyle/>
+          <a:p>
+            <a:r>
+              <a:rPr lang="en-US" dirty="0"/>
+              <a:t>Object recognition</a:t>
+            </a:r>
+          </a:p>
+          <a:p>
+            <a:r>
+              <a:rPr lang="en-US" dirty="0">
+                <a:hlinkClick r:id="rId2"/>
+              </a:rPr>
+              <a:t>https://ai.googleblog.com/2014/09/building-deeper-understanding-of-images.html</a:t>
+            </a:r>
+            <a:endParaRPr lang="en-US" dirty="0"/>
+          </a:p>
+        </p:txBody>
+      </p:sp>
+      <p:pic>
+        <p:nvPicPr>
+          <p:cNvPr id="2052" name="Picture 4" descr="Automatic Object Detection"/>
+          <p:cNvPicPr>
+            <a:picLocks noGrp="1" noChangeAspect="1" noChangeArrowheads="1"/>
+          </p:cNvPicPr>
+          <p:nvPr>
+            <p:ph type="pic" idx="1"/>
+          </p:nvPr>
+        </p:nvPicPr>
+        <p:blipFill>
+          <a:blip r:embed="rId3">
+            <a:extLst>
+              <a:ext uri="{28A0092B-C50C-407E-A947-70E740481C1C}">
+                <a14:useLocalDpi xmlns:a14="http://schemas.microsoft.com/office/drawing/2010/main" val="0"/>
+              </a:ext>
+            </a:extLst>
+          </a:blip>
+          <a:srcRect l="4308" r="4308"/>
+          <a:stretch>
+            <a:fillRect/>
+          </a:stretch>
+        </p:blipFill>
+        <p:spPr bwMode="auto">
+          <a:prstGeom prst="rect">
+            <a:avLst/>
+          </a:prstGeom>
+          <a:noFill/>
+          <a:extLst>
+            <a:ext uri="{909E8E84-426E-40DD-AFC4-6F175D3DCCD1}">
+              <a14:hiddenFill xmlns:a14="http://schemas.microsoft.com/office/drawing/2010/main">
+                <a:solidFill>
+                  <a:srgbClr val="FFFFFF"/>
+                </a:solidFill>
+              </a14:hiddenFill>
+            </a:ext>
+          </a:extLst>
+        </p:spPr>
+      </p:pic>
+    </p:spTree>
+    <p:extLst>
+      <p:ext uri="{BB962C8B-B14F-4D97-AF65-F5344CB8AC3E}">
+        <p14:creationId xmlns:p14="http://schemas.microsoft.com/office/powerpoint/2010/main" val="3001519786"/>
+      </p:ext>
+    </p:extLst>
+  </p:cSld>
+  <p:clrMapOvr>
+    <a:masterClrMapping/>
+  </p:clrMapOvr>
+</p:sld>
+</file>
+
+<file path=ppt/slides/slide8.xml><?xml version="1.0" encoding="utf-8"?>
+<p:sld xmlns:a="http://schemas.openxmlformats.org/drawingml/2006/main" xmlns:r="http://schemas.openxmlformats.org/officeDocument/2006/relationships" xmlns:p="http://schemas.openxmlformats.org/presentationml/2006/main">
+  <p:cSld>
+    <p:spTree>
+      <p:nvGrpSpPr>
+        <p:cNvPr id="1" name=""/>
+        <p:cNvGrpSpPr/>
+        <p:nvPr/>
+      </p:nvGrpSpPr>
+      <p:grpSpPr>
+        <a:xfrm>
+          <a:off x="0" y="0"/>
+          <a:ext cx="0" cy="0"/>
+          <a:chOff x="0" y="0"/>
+          <a:chExt cx="0" cy="0"/>
+        </a:xfrm>
+      </p:grpSpPr>
+      <p:sp>
+        <p:nvSpPr>
+          <p:cNvPr id="2" name="Title 1"/>
+          <p:cNvSpPr>
+            <a:spLocks noGrp="1"/>
+          </p:cNvSpPr>
+          <p:nvPr>
+            <p:ph type="title"/>
+          </p:nvPr>
+        </p:nvSpPr>
+        <p:spPr/>
+        <p:txBody>
+          <a:bodyPr/>
+          <a:lstStyle/>
+          <a:p>
+            <a:r>
               <a:rPr lang="en-BE" dirty="0"/>
               <a:t>Reinforcement learning</a:t>
             </a:r>
@@ -46260,7 +46529,7 @@
           <a:p>
             <a:fld id="{CF5A1C33-475D-474A-A037-DDAF3DC7AF09}" type="slidenum">
               <a:rPr lang="en-US" smtClean="0"/>
-              <a:t>7</a:t>
+              <a:t>8</a:t>
             </a:fld>
             <a:endParaRPr lang="en-US"/>
           </a:p>
@@ -46318,7 +46587,7 @@
 </p:sld>
 </file>
 
-<file path=ppt/slides/slide8.xml><?xml version="1.0" encoding="utf-8"?>
+<file path=ppt/slides/slide9.xml><?xml version="1.0" encoding="utf-8"?>
 <p:sld xmlns:a="http://schemas.openxmlformats.org/drawingml/2006/main" xmlns:r="http://schemas.openxmlformats.org/officeDocument/2006/relationships" xmlns:p="http://schemas.openxmlformats.org/presentationml/2006/main">
   <p:cSld>
     <p:spTree>
@@ -46429,7 +46698,7 @@
           <a:p>
             <a:fld id="{CF5A1C33-475D-474A-A037-DDAF3DC7AF09}" type="slidenum">
               <a:rPr lang="en-US" smtClean="0"/>
-              <a:t>8</a:t>
+              <a:t>9</a:t>
             </a:fld>
             <a:endParaRPr lang="en-US"/>
           </a:p>
@@ -46439,178 +46708,6 @@
     <p:extLst>
       <p:ext uri="{BB962C8B-B14F-4D97-AF65-F5344CB8AC3E}">
         <p14:creationId xmlns:p14="http://schemas.microsoft.com/office/powerpoint/2010/main" val="2286611111"/>
-      </p:ext>
-    </p:extLst>
-  </p:cSld>
-  <p:clrMapOvr>
-    <a:masterClrMapping/>
-  </p:clrMapOvr>
-</p:sld>
-</file>
-
-<file path=ppt/slides/slide9.xml><?xml version="1.0" encoding="utf-8"?>
-<p:sld xmlns:a="http://schemas.openxmlformats.org/drawingml/2006/main" xmlns:r="http://schemas.openxmlformats.org/officeDocument/2006/relationships" xmlns:p="http://schemas.openxmlformats.org/presentationml/2006/main">
-  <p:cSld>
-    <p:spTree>
-      <p:nvGrpSpPr>
-        <p:cNvPr id="1" name=""/>
-        <p:cNvGrpSpPr/>
-        <p:nvPr/>
-      </p:nvGrpSpPr>
-      <p:grpSpPr>
-        <a:xfrm>
-          <a:off x="0" y="0"/>
-          <a:ext cx="0" cy="0"/>
-          <a:chOff x="0" y="0"/>
-          <a:chExt cx="0" cy="0"/>
-        </a:xfrm>
-      </p:grpSpPr>
-      <p:sp>
-        <p:nvSpPr>
-          <p:cNvPr id="2" name="Title 1"/>
-          <p:cNvSpPr>
-            <a:spLocks noGrp="1"/>
-          </p:cNvSpPr>
-          <p:nvPr>
-            <p:ph type="title"/>
-          </p:nvPr>
-        </p:nvSpPr>
-        <p:spPr/>
-        <p:txBody>
-          <a:bodyPr/>
-          <a:lstStyle/>
-          <a:p>
-            <a:r>
-              <a:rPr lang="en-BE" dirty="0"/>
-              <a:t>Applications in science</a:t>
-            </a:r>
-            <a:endParaRPr lang="en-US" dirty="0"/>
-          </a:p>
-        </p:txBody>
-      </p:sp>
-      <p:sp>
-        <p:nvSpPr>
-          <p:cNvPr id="5" name="Slide Number Placeholder 4"/>
-          <p:cNvSpPr>
-            <a:spLocks noGrp="1"/>
-          </p:cNvSpPr>
-          <p:nvPr>
-            <p:ph type="sldNum" sz="quarter" idx="12"/>
-          </p:nvPr>
-        </p:nvSpPr>
-        <p:spPr/>
-        <p:txBody>
-          <a:bodyPr/>
-          <a:lstStyle/>
-          <a:p>
-            <a:fld id="{CF5A1C33-475D-474A-A037-DDAF3DC7AF09}" type="slidenum">
-              <a:rPr lang="en-US" smtClean="0"/>
-              <a:t>9</a:t>
-            </a:fld>
-            <a:endParaRPr lang="en-US"/>
-          </a:p>
-        </p:txBody>
-      </p:sp>
-      <p:pic>
-        <p:nvPicPr>
-          <p:cNvPr id="7" name="Picture 6"/>
-          <p:cNvPicPr>
-            <a:picLocks noChangeAspect="1"/>
-          </p:cNvPicPr>
-          <p:nvPr/>
-        </p:nvPicPr>
-        <p:blipFill>
-          <a:blip r:embed="rId2"/>
-          <a:stretch>
-            <a:fillRect/>
-          </a:stretch>
-        </p:blipFill>
-        <p:spPr>
-          <a:xfrm rot="21142288">
-            <a:off x="5669279" y="2174425"/>
-            <a:ext cx="4894761" cy="2332883"/>
-          </a:xfrm>
-          <a:prstGeom prst="rect">
-            <a:avLst/>
-          </a:prstGeom>
-        </p:spPr>
-      </p:pic>
-      <p:pic>
-        <p:nvPicPr>
-          <p:cNvPr id="8" name="Picture 7"/>
-          <p:cNvPicPr>
-            <a:picLocks noChangeAspect="1"/>
-          </p:cNvPicPr>
-          <p:nvPr/>
-        </p:nvPicPr>
-        <p:blipFill>
-          <a:blip r:embed="rId3"/>
-          <a:stretch>
-            <a:fillRect/>
-          </a:stretch>
-        </p:blipFill>
-        <p:spPr>
-          <a:xfrm rot="1023078">
-            <a:off x="6285548" y="1023394"/>
-            <a:ext cx="5131390" cy="1585814"/>
-          </a:xfrm>
-          <a:prstGeom prst="rect">
-            <a:avLst/>
-          </a:prstGeom>
-        </p:spPr>
-      </p:pic>
-      <p:pic>
-        <p:nvPicPr>
-          <p:cNvPr id="9" name="Picture 8"/>
-          <p:cNvPicPr>
-            <a:picLocks noChangeAspect="1"/>
-          </p:cNvPicPr>
-          <p:nvPr/>
-        </p:nvPicPr>
-        <p:blipFill>
-          <a:blip r:embed="rId4"/>
-          <a:stretch>
-            <a:fillRect/>
-          </a:stretch>
-        </p:blipFill>
-        <p:spPr>
-          <a:xfrm rot="21075860">
-            <a:off x="652476" y="1956171"/>
-            <a:ext cx="5390469" cy="2003914"/>
-          </a:xfrm>
-          <a:prstGeom prst="rect">
-            <a:avLst/>
-          </a:prstGeom>
-        </p:spPr>
-      </p:pic>
-      <p:pic>
-        <p:nvPicPr>
-          <p:cNvPr id="10" name="Picture 9"/>
-          <p:cNvPicPr>
-            <a:picLocks noChangeAspect="1"/>
-          </p:cNvPicPr>
-          <p:nvPr/>
-        </p:nvPicPr>
-        <p:blipFill>
-          <a:blip r:embed="rId5"/>
-          <a:stretch>
-            <a:fillRect/>
-          </a:stretch>
-        </p:blipFill>
-        <p:spPr>
-          <a:xfrm rot="298512">
-            <a:off x="1387941" y="3627307"/>
-            <a:ext cx="3919537" cy="2143160"/>
-          </a:xfrm>
-          <a:prstGeom prst="rect">
-            <a:avLst/>
-          </a:prstGeom>
-        </p:spPr>
-      </p:pic>
-    </p:spTree>
-    <p:extLst>
-      <p:ext uri="{BB962C8B-B14F-4D97-AF65-F5344CB8AC3E}">
-        <p14:creationId xmlns:p14="http://schemas.microsoft.com/office/powerpoint/2010/main" val="783183858"/>
       </p:ext>
     </p:extLst>
   </p:cSld>

--- a/python_for_machine_learning.pptx
+++ b/python_for_machine_learning.pptx
@@ -346,7 +346,7 @@
           <a:p>
             <a:fld id="{DBF5F7A3-80FA-4DE8-9E10-D5FD6AAF4E4C}" type="datetimeFigureOut">
               <a:rPr lang="en-US" smtClean="0"/>
-              <a:t>2022-01-12</a:t>
+              <a:t>2022-01-13</a:t>
             </a:fld>
             <a:endParaRPr lang="en-US"/>
           </a:p>
@@ -900,7 +900,7 @@
           <a:p>
             <a:fld id="{12D417FB-DB75-4510-8AD7-5416595AADD8}" type="datetime1">
               <a:rPr lang="en-US" smtClean="0"/>
-              <a:t>2022-01-12</a:t>
+              <a:t>2022-01-13</a:t>
             </a:fld>
             <a:endParaRPr lang="en-US"/>
           </a:p>
@@ -3268,7 +3268,7 @@
           <a:p>
             <a:fld id="{EC448E59-F64F-416B-85C7-F58EA54BAF31}" type="datetime1">
               <a:rPr lang="nl-BE" smtClean="0"/>
-              <a:t>12/01/2022</a:t>
+              <a:t>13/01/2022</a:t>
             </a:fld>
             <a:endParaRPr lang="nl-BE"/>
           </a:p>
@@ -3514,7 +3514,7 @@
           <a:p>
             <a:fld id="{9ED5C3B5-60AD-4494-9CFA-8B02B158E887}" type="datetime1">
               <a:rPr lang="nl-BE" smtClean="0"/>
-              <a:t>12/01/2022</a:t>
+              <a:t>13/01/2022</a:t>
             </a:fld>
             <a:endParaRPr lang="nl-BE"/>
           </a:p>
@@ -3632,7 +3632,7 @@
           <a:p>
             <a:fld id="{1E4894A8-27B8-4F4D-B345-90FD4A1447E9}" type="datetime1">
               <a:rPr lang="nl-BE" smtClean="0"/>
-              <a:t>12/01/2022</a:t>
+              <a:t>13/01/2022</a:t>
             </a:fld>
             <a:endParaRPr lang="nl-BE"/>
           </a:p>
@@ -3920,7 +3920,7 @@
           <a:p>
             <a:fld id="{44F0EF99-E673-4972-A23A-EB3FD1F7D254}" type="datetime1">
               <a:rPr lang="nl-BE" smtClean="0"/>
-              <a:t>12/01/2022</a:t>
+              <a:t>13/01/2022</a:t>
             </a:fld>
             <a:endParaRPr lang="nl-BE"/>
           </a:p>
@@ -11963,33 +11963,6 @@
               <a:t>: group data according to "distance"</a:t>
             </a:r>
           </a:p>
-          <a:p>
-            <a:pPr lvl="1"/>
-            <a:r>
-              <a:rPr lang="en-US" dirty="0"/>
-              <a:t>association: find frequent co-occurrences</a:t>
-            </a:r>
-          </a:p>
-          <a:p>
-            <a:pPr lvl="1"/>
-            <a:r>
-              <a:rPr lang="en-US" dirty="0"/>
-              <a:t>link prediction: discover relationships in data</a:t>
-            </a:r>
-          </a:p>
-          <a:p>
-            <a:pPr lvl="1"/>
-            <a:r>
-              <a:rPr lang="en-US" dirty="0"/>
-              <a:t>data reduction: project features to fewer features</a:t>
-            </a:r>
-          </a:p>
-          <a:p>
-            <a:r>
-              <a:rPr lang="en-US" dirty="0"/>
-              <a:t>Reinforcement learning</a:t>
-            </a:r>
-          </a:p>
         </p:txBody>
       </p:sp>
       <p:sp>
@@ -12281,202 +12254,6 @@
                       </p:childTnLst>
                     </p:cTn>
                   </p:par>
-                  <p:par>
-                    <p:cTn id="23" fill="hold">
-                      <p:stCondLst>
-                        <p:cond delay="indefinite"/>
-                      </p:stCondLst>
-                      <p:childTnLst>
-                        <p:par>
-                          <p:cTn id="24" fill="hold">
-                            <p:stCondLst>
-                              <p:cond delay="0"/>
-                            </p:stCondLst>
-                            <p:childTnLst>
-                              <p:par>
-                                <p:cTn id="25" presetID="1" presetClass="entr" presetSubtype="0" fill="hold" grpId="0" nodeType="clickEffect">
-                                  <p:stCondLst>
-                                    <p:cond delay="0"/>
-                                  </p:stCondLst>
-                                  <p:childTnLst>
-                                    <p:set>
-                                      <p:cBhvr>
-                                        <p:cTn id="26" dur="1" fill="hold">
-                                          <p:stCondLst>
-                                            <p:cond delay="0"/>
-                                          </p:stCondLst>
-                                        </p:cTn>
-                                        <p:tgtEl>
-                                          <p:spTgt spid="3">
-                                            <p:txEl>
-                                              <p:pRg st="5" end="5"/>
-                                            </p:txEl>
-                                          </p:spTgt>
-                                        </p:tgtEl>
-                                        <p:attrNameLst>
-                                          <p:attrName>style.visibility</p:attrName>
-                                        </p:attrNameLst>
-                                      </p:cBhvr>
-                                      <p:to>
-                                        <p:strVal val="visible"/>
-                                      </p:to>
-                                    </p:set>
-                                  </p:childTnLst>
-                                </p:cTn>
-                              </p:par>
-                            </p:childTnLst>
-                          </p:cTn>
-                        </p:par>
-                      </p:childTnLst>
-                    </p:cTn>
-                  </p:par>
-                  <p:par>
-                    <p:cTn id="27" fill="hold">
-                      <p:stCondLst>
-                        <p:cond delay="indefinite"/>
-                      </p:stCondLst>
-                      <p:childTnLst>
-                        <p:par>
-                          <p:cTn id="28" fill="hold">
-                            <p:stCondLst>
-                              <p:cond delay="0"/>
-                            </p:stCondLst>
-                            <p:childTnLst>
-                              <p:par>
-                                <p:cTn id="29" presetID="1" presetClass="entr" presetSubtype="0" fill="hold" grpId="0" nodeType="clickEffect">
-                                  <p:stCondLst>
-                                    <p:cond delay="0"/>
-                                  </p:stCondLst>
-                                  <p:childTnLst>
-                                    <p:set>
-                                      <p:cBhvr>
-                                        <p:cTn id="30" dur="1" fill="hold">
-                                          <p:stCondLst>
-                                            <p:cond delay="0"/>
-                                          </p:stCondLst>
-                                        </p:cTn>
-                                        <p:tgtEl>
-                                          <p:spTgt spid="3">
-                                            <p:txEl>
-                                              <p:pRg st="6" end="6"/>
-                                            </p:txEl>
-                                          </p:spTgt>
-                                        </p:tgtEl>
-                                        <p:attrNameLst>
-                                          <p:attrName>style.visibility</p:attrName>
-                                        </p:attrNameLst>
-                                      </p:cBhvr>
-                                      <p:to>
-                                        <p:strVal val="visible"/>
-                                      </p:to>
-                                    </p:set>
-                                  </p:childTnLst>
-                                </p:cTn>
-                              </p:par>
-                            </p:childTnLst>
-                          </p:cTn>
-                        </p:par>
-                      </p:childTnLst>
-                    </p:cTn>
-                  </p:par>
-                  <p:par>
-                    <p:cTn id="31" fill="hold">
-                      <p:stCondLst>
-                        <p:cond delay="indefinite"/>
-                      </p:stCondLst>
-                      <p:childTnLst>
-                        <p:par>
-                          <p:cTn id="32" fill="hold">
-                            <p:stCondLst>
-                              <p:cond delay="0"/>
-                            </p:stCondLst>
-                            <p:childTnLst>
-                              <p:par>
-                                <p:cTn id="33" presetID="1" presetClass="entr" presetSubtype="0" fill="hold" grpId="0" nodeType="clickEffect">
-                                  <p:stCondLst>
-                                    <p:cond delay="0"/>
-                                  </p:stCondLst>
-                                  <p:childTnLst>
-                                    <p:set>
-                                      <p:cBhvr>
-                                        <p:cTn id="34" dur="1" fill="hold">
-                                          <p:stCondLst>
-                                            <p:cond delay="0"/>
-                                          </p:stCondLst>
-                                        </p:cTn>
-                                        <p:tgtEl>
-                                          <p:spTgt spid="3">
-                                            <p:txEl>
-                                              <p:pRg st="7" end="7"/>
-                                            </p:txEl>
-                                          </p:spTgt>
-                                        </p:tgtEl>
-                                        <p:attrNameLst>
-                                          <p:attrName>style.visibility</p:attrName>
-                                        </p:attrNameLst>
-                                      </p:cBhvr>
-                                      <p:to>
-                                        <p:strVal val="visible"/>
-                                      </p:to>
-                                    </p:set>
-                                  </p:childTnLst>
-                                </p:cTn>
-                              </p:par>
-                            </p:childTnLst>
-                          </p:cTn>
-                        </p:par>
-                      </p:childTnLst>
-                    </p:cTn>
-                  </p:par>
-                  <p:par>
-                    <p:cTn id="35" fill="hold">
-                      <p:stCondLst>
-                        <p:cond delay="indefinite"/>
-                      </p:stCondLst>
-                      <p:childTnLst>
-                        <p:par>
-                          <p:cTn id="36" fill="hold">
-                            <p:stCondLst>
-                              <p:cond delay="0"/>
-                            </p:stCondLst>
-                            <p:childTnLst>
-                              <p:par>
-                                <p:cTn id="37" presetID="1" presetClass="entr" presetSubtype="0" fill="hold" grpId="0" nodeType="clickEffect">
-                                  <p:stCondLst>
-                                    <p:cond delay="0"/>
-                                  </p:stCondLst>
-                                  <p:childTnLst>
-                                    <p:set>
-                                      <p:cBhvr>
-                                        <p:cTn id="38" dur="1" fill="hold">
-                                          <p:stCondLst>
-                                            <p:cond delay="0"/>
-                                          </p:stCondLst>
-                                        </p:cTn>
-                                        <p:tgtEl>
-                                          <p:spTgt spid="3">
-                                            <p:txEl>
-                                              <p:pRg st="8" end="8"/>
-                                            </p:txEl>
-                                          </p:spTgt>
-                                        </p:tgtEl>
-                                        <p:attrNameLst>
-                                          <p:attrName>style.visibility</p:attrName>
-                                        </p:attrNameLst>
-                                      </p:cBhvr>
-                                      <p:to>
-                                        <p:strVal val="visible"/>
-                                      </p:to>
-                                    </p:set>
-                                  </p:childTnLst>
-                                </p:cTn>
-                              </p:par>
-                            </p:childTnLst>
-                          </p:cTn>
-                        </p:par>
-                      </p:childTnLst>
-                    </p:cTn>
-                  </p:par>
                 </p:childTnLst>
               </p:cTn>
               <p:prevCondLst>
@@ -12777,6 +12554,7 @@
             </a:r>
           </a:p>
           <a:p>
+            <a:pPr lvl="1"/>
             <a:r>
               <a:rPr lang="en-US" dirty="0"/>
               <a:t>Western Europe, Southern Asia,…</a:t>
@@ -13568,33 +13346,15 @@
                                   </p:childTnLst>
                                 </p:cTn>
                               </p:par>
-                            </p:childTnLst>
-                          </p:cTn>
-                        </p:par>
-                      </p:childTnLst>
-                    </p:cTn>
-                  </p:par>
-                  <p:par>
-                    <p:cTn id="41" fill="hold">
-                      <p:stCondLst>
-                        <p:cond delay="indefinite"/>
-                      </p:stCondLst>
-                      <p:childTnLst>
-                        <p:par>
-                          <p:cTn id="42" fill="hold">
-                            <p:stCondLst>
-                              <p:cond delay="0"/>
-                            </p:stCondLst>
-                            <p:childTnLst>
                               <p:par>
-                                <p:cTn id="43" presetID="1" presetClass="entr" presetSubtype="0" fill="hold" grpId="0" nodeType="clickEffect">
+                                <p:cTn id="41" presetID="1" presetClass="entr" presetSubtype="0" fill="hold" grpId="0" nodeType="withEffect">
                                   <p:stCondLst>
                                     <p:cond delay="0"/>
                                   </p:stCondLst>
                                   <p:childTnLst>
                                     <p:set>
                                       <p:cBhvr>
-                                        <p:cTn id="44" dur="1" fill="hold">
+                                        <p:cTn id="42" dur="1" fill="hold">
                                           <p:stCondLst>
                                             <p:cond delay="0"/>
                                           </p:stCondLst>
@@ -13624,26 +13384,26 @@
                     </p:cTn>
                   </p:par>
                   <p:par>
-                    <p:cTn id="45" fill="hold">
+                    <p:cTn id="43" fill="hold">
                       <p:stCondLst>
                         <p:cond delay="indefinite"/>
                       </p:stCondLst>
                       <p:childTnLst>
                         <p:par>
-                          <p:cTn id="46" fill="hold">
+                          <p:cTn id="44" fill="hold">
                             <p:stCondLst>
                               <p:cond delay="0"/>
                             </p:stCondLst>
                             <p:childTnLst>
                               <p:par>
-                                <p:cTn id="47" presetID="1" presetClass="entr" presetSubtype="0" fill="hold" grpId="0" nodeType="clickEffect">
+                                <p:cTn id="45" presetID="1" presetClass="entr" presetSubtype="0" fill="hold" grpId="0" nodeType="clickEffect">
                                   <p:stCondLst>
                                     <p:cond delay="0"/>
                                   </p:stCondLst>
                                   <p:childTnLst>
                                     <p:set>
                                       <p:cBhvr>
-                                        <p:cTn id="48" dur="1" fill="hold">
+                                        <p:cTn id="46" dur="1" fill="hold">
                                           <p:stCondLst>
                                             <p:cond delay="0"/>
                                           </p:stCondLst>
@@ -32766,6 +32526,11 @@
               <a:rPr lang="en-BE" sz="2800" dirty="0"/>
               <a:t>compare computed output with training output</a:t>
             </a:r>
+            <a:r>
+              <a:rPr lang="en-US" sz="2800" dirty="0"/>
+              <a:t> (loss function)</a:t>
+            </a:r>
+            <a:endParaRPr lang="en-BE" sz="2800" dirty="0"/>
           </a:p>
           <a:p>
             <a:pPr lvl="2"/>
@@ -34496,8 +34261,12 @@
               <a:buChar char="•"/>
             </a:pPr>
             <a:r>
+              <a:rPr lang="en-US" sz="1800" dirty="0"/>
+              <a:t>784</a:t>
+            </a:r>
+            <a:r>
               <a:rPr lang="en-BE" sz="1800" dirty="0"/>
-              <a:t>758 inputs</a:t>
+              <a:t> inputs</a:t>
             </a:r>
           </a:p>
           <a:p>

--- a/python_for_machine_learning.pptx
+++ b/python_for_machine_learning.pptx
@@ -5,7 +5,7 @@
     <p:sldMasterId id="2147483660" r:id="rId1"/>
   </p:sldMasterIdLst>
   <p:notesMasterIdLst>
-    <p:notesMasterId r:id="rId65"/>
+    <p:notesMasterId r:id="rId66"/>
   </p:notesMasterIdLst>
   <p:sldIdLst>
     <p:sldId id="257" r:id="rId2"/>
@@ -49,28 +49,29 @@
     <p:sldId id="775" r:id="rId40"/>
     <p:sldId id="776" r:id="rId41"/>
     <p:sldId id="777" r:id="rId42"/>
-    <p:sldId id="778" r:id="rId43"/>
-    <p:sldId id="780" r:id="rId44"/>
-    <p:sldId id="781" r:id="rId45"/>
-    <p:sldId id="783" r:id="rId46"/>
-    <p:sldId id="264" r:id="rId47"/>
-    <p:sldId id="270" r:id="rId48"/>
-    <p:sldId id="271" r:id="rId49"/>
-    <p:sldId id="272" r:id="rId50"/>
-    <p:sldId id="279" r:id="rId51"/>
-    <p:sldId id="280" r:id="rId52"/>
-    <p:sldId id="275" r:id="rId53"/>
-    <p:sldId id="278" r:id="rId54"/>
-    <p:sldId id="269" r:id="rId55"/>
-    <p:sldId id="282" r:id="rId56"/>
-    <p:sldId id="283" r:id="rId57"/>
-    <p:sldId id="286" r:id="rId58"/>
-    <p:sldId id="287" r:id="rId59"/>
-    <p:sldId id="285" r:id="rId60"/>
-    <p:sldId id="288" r:id="rId61"/>
-    <p:sldId id="284" r:id="rId62"/>
-    <p:sldId id="769" r:id="rId63"/>
-    <p:sldId id="770" r:id="rId64"/>
+    <p:sldId id="785" r:id="rId43"/>
+    <p:sldId id="778" r:id="rId44"/>
+    <p:sldId id="780" r:id="rId45"/>
+    <p:sldId id="781" r:id="rId46"/>
+    <p:sldId id="783" r:id="rId47"/>
+    <p:sldId id="264" r:id="rId48"/>
+    <p:sldId id="270" r:id="rId49"/>
+    <p:sldId id="271" r:id="rId50"/>
+    <p:sldId id="272" r:id="rId51"/>
+    <p:sldId id="279" r:id="rId52"/>
+    <p:sldId id="280" r:id="rId53"/>
+    <p:sldId id="275" r:id="rId54"/>
+    <p:sldId id="278" r:id="rId55"/>
+    <p:sldId id="269" r:id="rId56"/>
+    <p:sldId id="282" r:id="rId57"/>
+    <p:sldId id="283" r:id="rId58"/>
+    <p:sldId id="286" r:id="rId59"/>
+    <p:sldId id="287" r:id="rId60"/>
+    <p:sldId id="285" r:id="rId61"/>
+    <p:sldId id="288" r:id="rId62"/>
+    <p:sldId id="284" r:id="rId63"/>
+    <p:sldId id="769" r:id="rId64"/>
+    <p:sldId id="770" r:id="rId65"/>
   </p:sldIdLst>
   <p:sldSz cx="12192000" cy="6858000"/>
   <p:notesSz cx="6858000" cy="9144000"/>
@@ -223,6 +224,7 @@
             <p14:sldId id="775"/>
             <p14:sldId id="776"/>
             <p14:sldId id="777"/>
+            <p14:sldId id="785"/>
             <p14:sldId id="778"/>
             <p14:sldId id="780"/>
             <p14:sldId id="781"/>
@@ -346,7 +348,7 @@
           <a:p>
             <a:fld id="{DBF5F7A3-80FA-4DE8-9E10-D5FD6AAF4E4C}" type="datetimeFigureOut">
               <a:rPr lang="en-US" smtClean="0"/>
-              <a:t>2022-01-13</a:t>
+              <a:t>2022-02-17</a:t>
             </a:fld>
             <a:endParaRPr lang="en-US"/>
           </a:p>
@@ -900,7 +902,7 @@
           <a:p>
             <a:fld id="{12D417FB-DB75-4510-8AD7-5416595AADD8}" type="datetime1">
               <a:rPr lang="en-US" smtClean="0"/>
-              <a:t>2022-01-13</a:t>
+              <a:t>2022-02-17</a:t>
             </a:fld>
             <a:endParaRPr lang="en-US"/>
           </a:p>
@@ -3268,7 +3270,7 @@
           <a:p>
             <a:fld id="{EC448E59-F64F-416B-85C7-F58EA54BAF31}" type="datetime1">
               <a:rPr lang="nl-BE" smtClean="0"/>
-              <a:t>13/01/2022</a:t>
+              <a:t>17/02/2022</a:t>
             </a:fld>
             <a:endParaRPr lang="nl-BE"/>
           </a:p>
@@ -3514,7 +3516,7 @@
           <a:p>
             <a:fld id="{9ED5C3B5-60AD-4494-9CFA-8B02B158E887}" type="datetime1">
               <a:rPr lang="nl-BE" smtClean="0"/>
-              <a:t>13/01/2022</a:t>
+              <a:t>17/02/2022</a:t>
             </a:fld>
             <a:endParaRPr lang="nl-BE"/>
           </a:p>
@@ -3632,7 +3634,7 @@
           <a:p>
             <a:fld id="{1E4894A8-27B8-4F4D-B345-90FD4A1447E9}" type="datetime1">
               <a:rPr lang="nl-BE" smtClean="0"/>
-              <a:t>13/01/2022</a:t>
+              <a:t>17/02/2022</a:t>
             </a:fld>
             <a:endParaRPr lang="nl-BE"/>
           </a:p>
@@ -3920,7 +3922,7 @@
           <a:p>
             <a:fld id="{44F0EF99-E673-4972-A23A-EB3FD1F7D254}" type="datetime1">
               <a:rPr lang="nl-BE" smtClean="0"/>
-              <a:t>13/01/2022</a:t>
+              <a:t>17/02/2022</a:t>
             </a:fld>
             <a:endParaRPr lang="nl-BE"/>
           </a:p>
@@ -27158,6 +27160,2322 @@
       </p:grpSpPr>
       <p:sp>
         <p:nvSpPr>
+          <p:cNvPr id="2" name="Title 1">
+            <a:extLst>
+              <a:ext uri="{FF2B5EF4-FFF2-40B4-BE49-F238E27FC236}">
+                <a16:creationId xmlns:a16="http://schemas.microsoft.com/office/drawing/2014/main" id="{52DCD5DB-A70A-45CF-ADEB-509F8AC69A75}"/>
+              </a:ext>
+            </a:extLst>
+          </p:cNvPr>
+          <p:cNvSpPr>
+            <a:spLocks noGrp="1"/>
+          </p:cNvSpPr>
+          <p:nvPr>
+            <p:ph type="title"/>
+          </p:nvPr>
+        </p:nvSpPr>
+        <p:spPr/>
+        <p:txBody>
+          <a:bodyPr/>
+          <a:lstStyle/>
+          <a:p>
+            <a:r>
+              <a:rPr lang="en-US" i="1" dirty="0"/>
+              <a:t>k</a:t>
+            </a:r>
+            <a:r>
+              <a:rPr lang="en-US" dirty="0"/>
+              <a:t>-means algorithm</a:t>
+            </a:r>
+          </a:p>
+        </p:txBody>
+      </p:sp>
+      <p:sp>
+        <p:nvSpPr>
+          <p:cNvPr id="3" name="Content Placeholder 2">
+            <a:extLst>
+              <a:ext uri="{FF2B5EF4-FFF2-40B4-BE49-F238E27FC236}">
+                <a16:creationId xmlns:a16="http://schemas.microsoft.com/office/drawing/2014/main" id="{86573016-ADF7-4568-BB2D-37877DA8A4E6}"/>
+              </a:ext>
+            </a:extLst>
+          </p:cNvPr>
+          <p:cNvSpPr>
+            <a:spLocks noGrp="1"/>
+          </p:cNvSpPr>
+          <p:nvPr>
+            <p:ph idx="1"/>
+          </p:nvPr>
+        </p:nvSpPr>
+        <p:spPr/>
+        <p:txBody>
+          <a:bodyPr/>
+          <a:lstStyle/>
+          <a:p>
+            <a:r>
+              <a:rPr lang="en-US" dirty="0"/>
+              <a:t>Start with </a:t>
+            </a:r>
+            <a:r>
+              <a:rPr lang="en-US" i="1" dirty="0"/>
+              <a:t>k</a:t>
+            </a:r>
+            <a:r>
+              <a:rPr lang="en-US" dirty="0"/>
+              <a:t> means, i.e., seed points</a:t>
+            </a:r>
+          </a:p>
+          <a:p>
+            <a:r>
+              <a:rPr lang="en-US" dirty="0"/>
+              <a:t>Repeat</a:t>
+            </a:r>
+          </a:p>
+          <a:p>
+            <a:pPr lvl="1"/>
+            <a:r>
+              <a:rPr lang="en-US" dirty="0"/>
+              <a:t>Assign data points to nearest mean value</a:t>
+            </a:r>
+          </a:p>
+          <a:p>
+            <a:pPr lvl="1"/>
+            <a:r>
+              <a:rPr lang="en-US" dirty="0"/>
+              <a:t>Update by recomputing mean values</a:t>
+            </a:r>
+          </a:p>
+          <a:p>
+            <a:r>
+              <a:rPr lang="en-US" dirty="0"/>
+              <a:t>Stop when no more change</a:t>
+            </a:r>
+          </a:p>
+        </p:txBody>
+      </p:sp>
+      <p:sp>
+        <p:nvSpPr>
+          <p:cNvPr id="4" name="Oval 3">
+            <a:extLst>
+              <a:ext uri="{FF2B5EF4-FFF2-40B4-BE49-F238E27FC236}">
+                <a16:creationId xmlns:a16="http://schemas.microsoft.com/office/drawing/2014/main" id="{64ABAB90-0090-40C6-AD91-83FE5B46927D}"/>
+              </a:ext>
+            </a:extLst>
+          </p:cNvPr>
+          <p:cNvSpPr/>
+          <p:nvPr/>
+        </p:nvSpPr>
+        <p:spPr>
+          <a:xfrm>
+            <a:off x="1673524" y="5565039"/>
+            <a:ext cx="112144" cy="112144"/>
+          </a:xfrm>
+          <a:prstGeom prst="ellipse">
+            <a:avLst/>
+          </a:prstGeom>
+        </p:spPr>
+        <p:style>
+          <a:lnRef idx="2">
+            <a:schemeClr val="accent1">
+              <a:shade val="50000"/>
+            </a:schemeClr>
+          </a:lnRef>
+          <a:fillRef idx="1">
+            <a:schemeClr val="accent1"/>
+          </a:fillRef>
+          <a:effectRef idx="0">
+            <a:schemeClr val="accent1"/>
+          </a:effectRef>
+          <a:fontRef idx="minor">
+            <a:schemeClr val="lt1"/>
+          </a:fontRef>
+        </p:style>
+        <p:txBody>
+          <a:bodyPr rtlCol="0" anchor="ctr"/>
+          <a:lstStyle/>
+          <a:p>
+            <a:pPr algn="ctr"/>
+            <a:endParaRPr lang="en-US"/>
+          </a:p>
+        </p:txBody>
+      </p:sp>
+      <p:sp>
+        <p:nvSpPr>
+          <p:cNvPr id="5" name="Oval 4">
+            <a:extLst>
+              <a:ext uri="{FF2B5EF4-FFF2-40B4-BE49-F238E27FC236}">
+                <a16:creationId xmlns:a16="http://schemas.microsoft.com/office/drawing/2014/main" id="{78807375-78E1-4DE3-802E-9278F86ED5AA}"/>
+              </a:ext>
+            </a:extLst>
+          </p:cNvPr>
+          <p:cNvSpPr/>
+          <p:nvPr/>
+        </p:nvSpPr>
+        <p:spPr>
+          <a:xfrm>
+            <a:off x="2093343" y="5234359"/>
+            <a:ext cx="112144" cy="112144"/>
+          </a:xfrm>
+          <a:prstGeom prst="ellipse">
+            <a:avLst/>
+          </a:prstGeom>
+        </p:spPr>
+        <p:style>
+          <a:lnRef idx="2">
+            <a:schemeClr val="accent1">
+              <a:shade val="50000"/>
+            </a:schemeClr>
+          </a:lnRef>
+          <a:fillRef idx="1">
+            <a:schemeClr val="accent1"/>
+          </a:fillRef>
+          <a:effectRef idx="0">
+            <a:schemeClr val="accent1"/>
+          </a:effectRef>
+          <a:fontRef idx="minor">
+            <a:schemeClr val="lt1"/>
+          </a:fontRef>
+        </p:style>
+        <p:txBody>
+          <a:bodyPr rtlCol="0" anchor="ctr"/>
+          <a:lstStyle/>
+          <a:p>
+            <a:pPr algn="ctr"/>
+            <a:endParaRPr lang="en-US"/>
+          </a:p>
+        </p:txBody>
+      </p:sp>
+      <p:sp>
+        <p:nvSpPr>
+          <p:cNvPr id="6" name="Oval 5">
+            <a:extLst>
+              <a:ext uri="{FF2B5EF4-FFF2-40B4-BE49-F238E27FC236}">
+                <a16:creationId xmlns:a16="http://schemas.microsoft.com/office/drawing/2014/main" id="{DF0E7D7F-776D-4685-BC2C-6440DFB4BFA9}"/>
+              </a:ext>
+            </a:extLst>
+          </p:cNvPr>
+          <p:cNvSpPr/>
+          <p:nvPr/>
+        </p:nvSpPr>
+        <p:spPr>
+          <a:xfrm>
+            <a:off x="1860429" y="5164015"/>
+            <a:ext cx="112144" cy="112144"/>
+          </a:xfrm>
+          <a:prstGeom prst="ellipse">
+            <a:avLst/>
+          </a:prstGeom>
+        </p:spPr>
+        <p:style>
+          <a:lnRef idx="2">
+            <a:schemeClr val="accent1">
+              <a:shade val="50000"/>
+            </a:schemeClr>
+          </a:lnRef>
+          <a:fillRef idx="1">
+            <a:schemeClr val="accent1"/>
+          </a:fillRef>
+          <a:effectRef idx="0">
+            <a:schemeClr val="accent1"/>
+          </a:effectRef>
+          <a:fontRef idx="minor">
+            <a:schemeClr val="lt1"/>
+          </a:fontRef>
+        </p:style>
+        <p:txBody>
+          <a:bodyPr rtlCol="0" anchor="ctr"/>
+          <a:lstStyle/>
+          <a:p>
+            <a:pPr algn="ctr"/>
+            <a:endParaRPr lang="en-US"/>
+          </a:p>
+        </p:txBody>
+      </p:sp>
+      <p:sp>
+        <p:nvSpPr>
+          <p:cNvPr id="7" name="Oval 6">
+            <a:extLst>
+              <a:ext uri="{FF2B5EF4-FFF2-40B4-BE49-F238E27FC236}">
+                <a16:creationId xmlns:a16="http://schemas.microsoft.com/office/drawing/2014/main" id="{BF0D5A5A-07B0-432B-B439-A2A9B24C70A9}"/>
+              </a:ext>
+            </a:extLst>
+          </p:cNvPr>
+          <p:cNvSpPr/>
+          <p:nvPr/>
+        </p:nvSpPr>
+        <p:spPr>
+          <a:xfrm>
+            <a:off x="2280248" y="4833335"/>
+            <a:ext cx="112144" cy="112144"/>
+          </a:xfrm>
+          <a:prstGeom prst="ellipse">
+            <a:avLst/>
+          </a:prstGeom>
+        </p:spPr>
+        <p:style>
+          <a:lnRef idx="2">
+            <a:schemeClr val="accent1">
+              <a:shade val="50000"/>
+            </a:schemeClr>
+          </a:lnRef>
+          <a:fillRef idx="1">
+            <a:schemeClr val="accent1"/>
+          </a:fillRef>
+          <a:effectRef idx="0">
+            <a:schemeClr val="accent1"/>
+          </a:effectRef>
+          <a:fontRef idx="minor">
+            <a:schemeClr val="lt1"/>
+          </a:fontRef>
+        </p:style>
+        <p:txBody>
+          <a:bodyPr rtlCol="0" anchor="ctr"/>
+          <a:lstStyle/>
+          <a:p>
+            <a:pPr algn="ctr"/>
+            <a:endParaRPr lang="en-US"/>
+          </a:p>
+        </p:txBody>
+      </p:sp>
+      <p:sp>
+        <p:nvSpPr>
+          <p:cNvPr id="8" name="Oval 7">
+            <a:extLst>
+              <a:ext uri="{FF2B5EF4-FFF2-40B4-BE49-F238E27FC236}">
+                <a16:creationId xmlns:a16="http://schemas.microsoft.com/office/drawing/2014/main" id="{7DF249FA-77A0-4D67-A495-683C8D5F2B15}"/>
+              </a:ext>
+            </a:extLst>
+          </p:cNvPr>
+          <p:cNvSpPr/>
+          <p:nvPr/>
+        </p:nvSpPr>
+        <p:spPr>
+          <a:xfrm>
+            <a:off x="1440610" y="4838638"/>
+            <a:ext cx="112144" cy="112144"/>
+          </a:xfrm>
+          <a:prstGeom prst="ellipse">
+            <a:avLst/>
+          </a:prstGeom>
+        </p:spPr>
+        <p:style>
+          <a:lnRef idx="2">
+            <a:schemeClr val="accent1">
+              <a:shade val="50000"/>
+            </a:schemeClr>
+          </a:lnRef>
+          <a:fillRef idx="1">
+            <a:schemeClr val="accent1"/>
+          </a:fillRef>
+          <a:effectRef idx="0">
+            <a:schemeClr val="accent1"/>
+          </a:effectRef>
+          <a:fontRef idx="minor">
+            <a:schemeClr val="lt1"/>
+          </a:fontRef>
+        </p:style>
+        <p:txBody>
+          <a:bodyPr rtlCol="0" anchor="ctr"/>
+          <a:lstStyle/>
+          <a:p>
+            <a:pPr algn="ctr"/>
+            <a:endParaRPr lang="en-US"/>
+          </a:p>
+        </p:txBody>
+      </p:sp>
+      <p:sp>
+        <p:nvSpPr>
+          <p:cNvPr id="9" name="Oval 8">
+            <a:extLst>
+              <a:ext uri="{FF2B5EF4-FFF2-40B4-BE49-F238E27FC236}">
+                <a16:creationId xmlns:a16="http://schemas.microsoft.com/office/drawing/2014/main" id="{CC5441D6-14E8-40E5-8CB4-AAFA0FEC3DD9}"/>
+              </a:ext>
+            </a:extLst>
+          </p:cNvPr>
+          <p:cNvSpPr/>
+          <p:nvPr/>
+        </p:nvSpPr>
+        <p:spPr>
+          <a:xfrm>
+            <a:off x="1860429" y="4507958"/>
+            <a:ext cx="112144" cy="112144"/>
+          </a:xfrm>
+          <a:prstGeom prst="ellipse">
+            <a:avLst/>
+          </a:prstGeom>
+        </p:spPr>
+        <p:style>
+          <a:lnRef idx="2">
+            <a:schemeClr val="accent1">
+              <a:shade val="50000"/>
+            </a:schemeClr>
+          </a:lnRef>
+          <a:fillRef idx="1">
+            <a:schemeClr val="accent1"/>
+          </a:fillRef>
+          <a:effectRef idx="0">
+            <a:schemeClr val="accent1"/>
+          </a:effectRef>
+          <a:fontRef idx="minor">
+            <a:schemeClr val="lt1"/>
+          </a:fontRef>
+        </p:style>
+        <p:txBody>
+          <a:bodyPr rtlCol="0" anchor="ctr"/>
+          <a:lstStyle/>
+          <a:p>
+            <a:pPr algn="ctr"/>
+            <a:endParaRPr lang="en-US"/>
+          </a:p>
+        </p:txBody>
+      </p:sp>
+      <p:sp>
+        <p:nvSpPr>
+          <p:cNvPr id="10" name="Oval 9">
+            <a:extLst>
+              <a:ext uri="{FF2B5EF4-FFF2-40B4-BE49-F238E27FC236}">
+                <a16:creationId xmlns:a16="http://schemas.microsoft.com/office/drawing/2014/main" id="{85A363C4-DBEE-4F9C-93DB-04173865409F}"/>
+              </a:ext>
+            </a:extLst>
+          </p:cNvPr>
+          <p:cNvSpPr/>
+          <p:nvPr/>
+        </p:nvSpPr>
+        <p:spPr>
+          <a:xfrm>
+            <a:off x="1627515" y="4437614"/>
+            <a:ext cx="112144" cy="112144"/>
+          </a:xfrm>
+          <a:prstGeom prst="ellipse">
+            <a:avLst/>
+          </a:prstGeom>
+        </p:spPr>
+        <p:style>
+          <a:lnRef idx="2">
+            <a:schemeClr val="accent1">
+              <a:shade val="50000"/>
+            </a:schemeClr>
+          </a:lnRef>
+          <a:fillRef idx="1">
+            <a:schemeClr val="accent1"/>
+          </a:fillRef>
+          <a:effectRef idx="0">
+            <a:schemeClr val="accent1"/>
+          </a:effectRef>
+          <a:fontRef idx="minor">
+            <a:schemeClr val="lt1"/>
+          </a:fontRef>
+        </p:style>
+        <p:txBody>
+          <a:bodyPr rtlCol="0" anchor="ctr"/>
+          <a:lstStyle/>
+          <a:p>
+            <a:pPr algn="ctr"/>
+            <a:endParaRPr lang="en-US"/>
+          </a:p>
+        </p:txBody>
+      </p:sp>
+      <p:sp>
+        <p:nvSpPr>
+          <p:cNvPr id="11" name="Oval 10">
+            <a:extLst>
+              <a:ext uri="{FF2B5EF4-FFF2-40B4-BE49-F238E27FC236}">
+                <a16:creationId xmlns:a16="http://schemas.microsoft.com/office/drawing/2014/main" id="{7BD05471-7783-4A9F-A894-8ABAAD8B80CA}"/>
+              </a:ext>
+            </a:extLst>
+          </p:cNvPr>
+          <p:cNvSpPr/>
+          <p:nvPr/>
+        </p:nvSpPr>
+        <p:spPr>
+          <a:xfrm>
+            <a:off x="3199680" y="4965054"/>
+            <a:ext cx="112144" cy="112144"/>
+          </a:xfrm>
+          <a:prstGeom prst="ellipse">
+            <a:avLst/>
+          </a:prstGeom>
+        </p:spPr>
+        <p:style>
+          <a:lnRef idx="2">
+            <a:schemeClr val="accent1">
+              <a:shade val="50000"/>
+            </a:schemeClr>
+          </a:lnRef>
+          <a:fillRef idx="1">
+            <a:schemeClr val="accent1"/>
+          </a:fillRef>
+          <a:effectRef idx="0">
+            <a:schemeClr val="accent1"/>
+          </a:effectRef>
+          <a:fontRef idx="minor">
+            <a:schemeClr val="lt1"/>
+          </a:fontRef>
+        </p:style>
+        <p:txBody>
+          <a:bodyPr rtlCol="0" anchor="ctr"/>
+          <a:lstStyle/>
+          <a:p>
+            <a:pPr algn="ctr"/>
+            <a:endParaRPr lang="en-US"/>
+          </a:p>
+        </p:txBody>
+      </p:sp>
+      <p:sp>
+        <p:nvSpPr>
+          <p:cNvPr id="12" name="Oval 11">
+            <a:extLst>
+              <a:ext uri="{FF2B5EF4-FFF2-40B4-BE49-F238E27FC236}">
+                <a16:creationId xmlns:a16="http://schemas.microsoft.com/office/drawing/2014/main" id="{98970D66-F137-4C23-BFE6-7082EEFA410A}"/>
+              </a:ext>
+            </a:extLst>
+          </p:cNvPr>
+          <p:cNvSpPr/>
+          <p:nvPr/>
+        </p:nvSpPr>
+        <p:spPr>
+          <a:xfrm>
+            <a:off x="2966766" y="4894710"/>
+            <a:ext cx="112144" cy="112144"/>
+          </a:xfrm>
+          <a:prstGeom prst="ellipse">
+            <a:avLst/>
+          </a:prstGeom>
+        </p:spPr>
+        <p:style>
+          <a:lnRef idx="2">
+            <a:schemeClr val="accent1">
+              <a:shade val="50000"/>
+            </a:schemeClr>
+          </a:lnRef>
+          <a:fillRef idx="1">
+            <a:schemeClr val="accent1"/>
+          </a:fillRef>
+          <a:effectRef idx="0">
+            <a:schemeClr val="accent1"/>
+          </a:effectRef>
+          <a:fontRef idx="minor">
+            <a:schemeClr val="lt1"/>
+          </a:fontRef>
+        </p:style>
+        <p:txBody>
+          <a:bodyPr rtlCol="0" anchor="ctr"/>
+          <a:lstStyle/>
+          <a:p>
+            <a:pPr algn="ctr"/>
+            <a:endParaRPr lang="en-US"/>
+          </a:p>
+        </p:txBody>
+      </p:sp>
+      <p:sp>
+        <p:nvSpPr>
+          <p:cNvPr id="13" name="Oval 12">
+            <a:extLst>
+              <a:ext uri="{FF2B5EF4-FFF2-40B4-BE49-F238E27FC236}">
+                <a16:creationId xmlns:a16="http://schemas.microsoft.com/office/drawing/2014/main" id="{126386DF-17A5-4512-AAB9-082A3C9C208B}"/>
+              </a:ext>
+            </a:extLst>
+          </p:cNvPr>
+          <p:cNvSpPr/>
+          <p:nvPr/>
+        </p:nvSpPr>
+        <p:spPr>
+          <a:xfrm>
+            <a:off x="3386585" y="4564030"/>
+            <a:ext cx="112144" cy="112144"/>
+          </a:xfrm>
+          <a:prstGeom prst="ellipse">
+            <a:avLst/>
+          </a:prstGeom>
+        </p:spPr>
+        <p:style>
+          <a:lnRef idx="2">
+            <a:schemeClr val="accent1">
+              <a:shade val="50000"/>
+            </a:schemeClr>
+          </a:lnRef>
+          <a:fillRef idx="1">
+            <a:schemeClr val="accent1"/>
+          </a:fillRef>
+          <a:effectRef idx="0">
+            <a:schemeClr val="accent1"/>
+          </a:effectRef>
+          <a:fontRef idx="minor">
+            <a:schemeClr val="lt1"/>
+          </a:fontRef>
+        </p:style>
+        <p:txBody>
+          <a:bodyPr rtlCol="0" anchor="ctr"/>
+          <a:lstStyle/>
+          <a:p>
+            <a:pPr algn="ctr"/>
+            <a:endParaRPr lang="en-US"/>
+          </a:p>
+        </p:txBody>
+      </p:sp>
+      <p:sp>
+        <p:nvSpPr>
+          <p:cNvPr id="14" name="Oval 13">
+            <a:extLst>
+              <a:ext uri="{FF2B5EF4-FFF2-40B4-BE49-F238E27FC236}">
+                <a16:creationId xmlns:a16="http://schemas.microsoft.com/office/drawing/2014/main" id="{07BD2673-E7FA-4083-9CBA-43C87232E5E0}"/>
+              </a:ext>
+            </a:extLst>
+          </p:cNvPr>
+          <p:cNvSpPr/>
+          <p:nvPr/>
+        </p:nvSpPr>
+        <p:spPr>
+          <a:xfrm>
+            <a:off x="2546947" y="4569333"/>
+            <a:ext cx="112144" cy="112144"/>
+          </a:xfrm>
+          <a:prstGeom prst="ellipse">
+            <a:avLst/>
+          </a:prstGeom>
+        </p:spPr>
+        <p:style>
+          <a:lnRef idx="2">
+            <a:schemeClr val="accent1">
+              <a:shade val="50000"/>
+            </a:schemeClr>
+          </a:lnRef>
+          <a:fillRef idx="1">
+            <a:schemeClr val="accent1"/>
+          </a:fillRef>
+          <a:effectRef idx="0">
+            <a:schemeClr val="accent1"/>
+          </a:effectRef>
+          <a:fontRef idx="minor">
+            <a:schemeClr val="lt1"/>
+          </a:fontRef>
+        </p:style>
+        <p:txBody>
+          <a:bodyPr rtlCol="0" anchor="ctr"/>
+          <a:lstStyle/>
+          <a:p>
+            <a:pPr algn="ctr"/>
+            <a:endParaRPr lang="en-US"/>
+          </a:p>
+        </p:txBody>
+      </p:sp>
+      <p:sp>
+        <p:nvSpPr>
+          <p:cNvPr id="15" name="Oval 14">
+            <a:extLst>
+              <a:ext uri="{FF2B5EF4-FFF2-40B4-BE49-F238E27FC236}">
+                <a16:creationId xmlns:a16="http://schemas.microsoft.com/office/drawing/2014/main" id="{EDF24314-9BFE-4D45-B814-A79AE7560C55}"/>
+              </a:ext>
+            </a:extLst>
+          </p:cNvPr>
+          <p:cNvSpPr/>
+          <p:nvPr/>
+        </p:nvSpPr>
+        <p:spPr>
+          <a:xfrm>
+            <a:off x="3069205" y="6064819"/>
+            <a:ext cx="112144" cy="112144"/>
+          </a:xfrm>
+          <a:prstGeom prst="ellipse">
+            <a:avLst/>
+          </a:prstGeom>
+        </p:spPr>
+        <p:style>
+          <a:lnRef idx="2">
+            <a:schemeClr val="accent1">
+              <a:shade val="50000"/>
+            </a:schemeClr>
+          </a:lnRef>
+          <a:fillRef idx="1">
+            <a:schemeClr val="accent1"/>
+          </a:fillRef>
+          <a:effectRef idx="0">
+            <a:schemeClr val="accent1"/>
+          </a:effectRef>
+          <a:fontRef idx="minor">
+            <a:schemeClr val="lt1"/>
+          </a:fontRef>
+        </p:style>
+        <p:txBody>
+          <a:bodyPr rtlCol="0" anchor="ctr"/>
+          <a:lstStyle/>
+          <a:p>
+            <a:pPr algn="ctr"/>
+            <a:endParaRPr lang="en-US"/>
+          </a:p>
+        </p:txBody>
+      </p:sp>
+      <p:sp>
+        <p:nvSpPr>
+          <p:cNvPr id="16" name="Oval 15">
+            <a:extLst>
+              <a:ext uri="{FF2B5EF4-FFF2-40B4-BE49-F238E27FC236}">
+                <a16:creationId xmlns:a16="http://schemas.microsoft.com/office/drawing/2014/main" id="{10146861-D941-4283-9E28-85C7E0A25F60}"/>
+              </a:ext>
+            </a:extLst>
+          </p:cNvPr>
+          <p:cNvSpPr/>
+          <p:nvPr/>
+        </p:nvSpPr>
+        <p:spPr>
+          <a:xfrm>
+            <a:off x="2836291" y="5994475"/>
+            <a:ext cx="112144" cy="112144"/>
+          </a:xfrm>
+          <a:prstGeom prst="ellipse">
+            <a:avLst/>
+          </a:prstGeom>
+        </p:spPr>
+        <p:style>
+          <a:lnRef idx="2">
+            <a:schemeClr val="accent1">
+              <a:shade val="50000"/>
+            </a:schemeClr>
+          </a:lnRef>
+          <a:fillRef idx="1">
+            <a:schemeClr val="accent1"/>
+          </a:fillRef>
+          <a:effectRef idx="0">
+            <a:schemeClr val="accent1"/>
+          </a:effectRef>
+          <a:fontRef idx="minor">
+            <a:schemeClr val="lt1"/>
+          </a:fontRef>
+        </p:style>
+        <p:txBody>
+          <a:bodyPr rtlCol="0" anchor="ctr"/>
+          <a:lstStyle/>
+          <a:p>
+            <a:pPr algn="ctr"/>
+            <a:endParaRPr lang="en-US"/>
+          </a:p>
+        </p:txBody>
+      </p:sp>
+      <p:sp>
+        <p:nvSpPr>
+          <p:cNvPr id="17" name="Oval 16">
+            <a:extLst>
+              <a:ext uri="{FF2B5EF4-FFF2-40B4-BE49-F238E27FC236}">
+                <a16:creationId xmlns:a16="http://schemas.microsoft.com/office/drawing/2014/main" id="{DDBF9288-3654-4537-A9DE-5974F54DD771}"/>
+              </a:ext>
+            </a:extLst>
+          </p:cNvPr>
+          <p:cNvSpPr/>
+          <p:nvPr/>
+        </p:nvSpPr>
+        <p:spPr>
+          <a:xfrm>
+            <a:off x="3256110" y="5663795"/>
+            <a:ext cx="112144" cy="112144"/>
+          </a:xfrm>
+          <a:prstGeom prst="ellipse">
+            <a:avLst/>
+          </a:prstGeom>
+        </p:spPr>
+        <p:style>
+          <a:lnRef idx="2">
+            <a:schemeClr val="accent1">
+              <a:shade val="50000"/>
+            </a:schemeClr>
+          </a:lnRef>
+          <a:fillRef idx="1">
+            <a:schemeClr val="accent1"/>
+          </a:fillRef>
+          <a:effectRef idx="0">
+            <a:schemeClr val="accent1"/>
+          </a:effectRef>
+          <a:fontRef idx="minor">
+            <a:schemeClr val="lt1"/>
+          </a:fontRef>
+        </p:style>
+        <p:txBody>
+          <a:bodyPr rtlCol="0" anchor="ctr"/>
+          <a:lstStyle/>
+          <a:p>
+            <a:pPr algn="ctr"/>
+            <a:endParaRPr lang="en-US"/>
+          </a:p>
+        </p:txBody>
+      </p:sp>
+      <p:sp>
+        <p:nvSpPr>
+          <p:cNvPr id="18" name="Oval 17">
+            <a:extLst>
+              <a:ext uri="{FF2B5EF4-FFF2-40B4-BE49-F238E27FC236}">
+                <a16:creationId xmlns:a16="http://schemas.microsoft.com/office/drawing/2014/main" id="{7FBA41F1-B11E-4A0D-BD9B-D6CDAC5BBAF5}"/>
+              </a:ext>
+            </a:extLst>
+          </p:cNvPr>
+          <p:cNvSpPr/>
+          <p:nvPr/>
+        </p:nvSpPr>
+        <p:spPr>
+          <a:xfrm>
+            <a:off x="2416472" y="5669098"/>
+            <a:ext cx="112144" cy="112144"/>
+          </a:xfrm>
+          <a:prstGeom prst="ellipse">
+            <a:avLst/>
+          </a:prstGeom>
+        </p:spPr>
+        <p:style>
+          <a:lnRef idx="2">
+            <a:schemeClr val="accent1">
+              <a:shade val="50000"/>
+            </a:schemeClr>
+          </a:lnRef>
+          <a:fillRef idx="1">
+            <a:schemeClr val="accent1"/>
+          </a:fillRef>
+          <a:effectRef idx="0">
+            <a:schemeClr val="accent1"/>
+          </a:effectRef>
+          <a:fontRef idx="minor">
+            <a:schemeClr val="lt1"/>
+          </a:fontRef>
+        </p:style>
+        <p:txBody>
+          <a:bodyPr rtlCol="0" anchor="ctr"/>
+          <a:lstStyle/>
+          <a:p>
+            <a:pPr algn="ctr"/>
+            <a:endParaRPr lang="en-US"/>
+          </a:p>
+        </p:txBody>
+      </p:sp>
+      <p:grpSp>
+        <p:nvGrpSpPr>
+          <p:cNvPr id="45" name="Group 44">
+            <a:extLst>
+              <a:ext uri="{FF2B5EF4-FFF2-40B4-BE49-F238E27FC236}">
+                <a16:creationId xmlns:a16="http://schemas.microsoft.com/office/drawing/2014/main" id="{86A7E8D1-722A-43A2-B367-586A3343656A}"/>
+              </a:ext>
+            </a:extLst>
+          </p:cNvPr>
+          <p:cNvGrpSpPr/>
+          <p:nvPr/>
+        </p:nvGrpSpPr>
+        <p:grpSpPr>
+          <a:xfrm>
+            <a:off x="2026487" y="4739537"/>
+            <a:ext cx="865876" cy="924258"/>
+            <a:chOff x="2026487" y="4739537"/>
+            <a:chExt cx="865876" cy="924258"/>
+          </a:xfrm>
+        </p:grpSpPr>
+        <p:sp>
+          <p:nvSpPr>
+            <p:cNvPr id="19" name="Oval 18">
+              <a:extLst>
+                <a:ext uri="{FF2B5EF4-FFF2-40B4-BE49-F238E27FC236}">
+                  <a16:creationId xmlns:a16="http://schemas.microsoft.com/office/drawing/2014/main" id="{2A46C4CD-2F24-4B12-A8B5-E70B057A364F}"/>
+                </a:ext>
+              </a:extLst>
+            </p:cNvPr>
+            <p:cNvSpPr/>
+            <p:nvPr/>
+          </p:nvSpPr>
+          <p:spPr>
+            <a:xfrm>
+              <a:off x="2780219" y="4739537"/>
+              <a:ext cx="112144" cy="112144"/>
+            </a:xfrm>
+            <a:prstGeom prst="ellipse">
+              <a:avLst/>
+            </a:prstGeom>
+            <a:solidFill>
+              <a:srgbClr val="00B050"/>
+            </a:solidFill>
+          </p:spPr>
+          <p:style>
+            <a:lnRef idx="2">
+              <a:schemeClr val="accent1">
+                <a:shade val="50000"/>
+              </a:schemeClr>
+            </a:lnRef>
+            <a:fillRef idx="1">
+              <a:schemeClr val="accent1"/>
+            </a:fillRef>
+            <a:effectRef idx="0">
+              <a:schemeClr val="accent1"/>
+            </a:effectRef>
+            <a:fontRef idx="minor">
+              <a:schemeClr val="lt1"/>
+            </a:fontRef>
+          </p:style>
+          <p:txBody>
+            <a:bodyPr rtlCol="0" anchor="ctr"/>
+            <a:lstStyle/>
+            <a:p>
+              <a:pPr algn="ctr"/>
+              <a:endParaRPr lang="en-US"/>
+            </a:p>
+          </p:txBody>
+        </p:sp>
+        <p:sp>
+          <p:nvSpPr>
+            <p:cNvPr id="20" name="Oval 19">
+              <a:extLst>
+                <a:ext uri="{FF2B5EF4-FFF2-40B4-BE49-F238E27FC236}">
+                  <a16:creationId xmlns:a16="http://schemas.microsoft.com/office/drawing/2014/main" id="{50EC95E8-A57E-4F60-93BD-E168226B3604}"/>
+                </a:ext>
+              </a:extLst>
+            </p:cNvPr>
+            <p:cNvSpPr/>
+            <p:nvPr/>
+          </p:nvSpPr>
+          <p:spPr>
+            <a:xfrm>
+              <a:off x="2026487" y="5551651"/>
+              <a:ext cx="112144" cy="112144"/>
+            </a:xfrm>
+            <a:prstGeom prst="ellipse">
+              <a:avLst/>
+            </a:prstGeom>
+            <a:solidFill>
+              <a:srgbClr val="C00000"/>
+            </a:solidFill>
+          </p:spPr>
+          <p:style>
+            <a:lnRef idx="2">
+              <a:schemeClr val="accent1">
+                <a:shade val="50000"/>
+              </a:schemeClr>
+            </a:lnRef>
+            <a:fillRef idx="1">
+              <a:schemeClr val="accent1"/>
+            </a:fillRef>
+            <a:effectRef idx="0">
+              <a:schemeClr val="accent1"/>
+            </a:effectRef>
+            <a:fontRef idx="minor">
+              <a:schemeClr val="lt1"/>
+            </a:fontRef>
+          </p:style>
+          <p:txBody>
+            <a:bodyPr rtlCol="0" anchor="ctr"/>
+            <a:lstStyle/>
+            <a:p>
+              <a:pPr algn="ctr"/>
+              <a:endParaRPr lang="en-US"/>
+            </a:p>
+          </p:txBody>
+        </p:sp>
+      </p:grpSp>
+      <p:cxnSp>
+        <p:nvCxnSpPr>
+          <p:cNvPr id="22" name="Straight Connector 21">
+            <a:extLst>
+              <a:ext uri="{FF2B5EF4-FFF2-40B4-BE49-F238E27FC236}">
+                <a16:creationId xmlns:a16="http://schemas.microsoft.com/office/drawing/2014/main" id="{340C1596-551C-4789-9033-7B7A78773497}"/>
+              </a:ext>
+            </a:extLst>
+          </p:cNvPr>
+          <p:cNvCxnSpPr>
+            <a:cxnSpLocks/>
+          </p:cNvCxnSpPr>
+          <p:nvPr/>
+        </p:nvCxnSpPr>
+        <p:spPr>
+          <a:xfrm>
+            <a:off x="1420660" y="4373021"/>
+            <a:ext cx="2103767" cy="1756391"/>
+          </a:xfrm>
+          <a:prstGeom prst="line">
+            <a:avLst/>
+          </a:prstGeom>
+          <a:ln w="38100">
+            <a:solidFill>
+              <a:srgbClr val="7030A0"/>
+            </a:solidFill>
+          </a:ln>
+        </p:spPr>
+        <p:style>
+          <a:lnRef idx="1">
+            <a:schemeClr val="accent1"/>
+          </a:lnRef>
+          <a:fillRef idx="0">
+            <a:schemeClr val="accent1"/>
+          </a:fillRef>
+          <a:effectRef idx="0">
+            <a:schemeClr val="accent1"/>
+          </a:effectRef>
+          <a:fontRef idx="minor">
+            <a:schemeClr val="tx1"/>
+          </a:fontRef>
+        </p:style>
+      </p:cxnSp>
+      <p:grpSp>
+        <p:nvGrpSpPr>
+          <p:cNvPr id="46" name="Group 45">
+            <a:extLst>
+              <a:ext uri="{FF2B5EF4-FFF2-40B4-BE49-F238E27FC236}">
+                <a16:creationId xmlns:a16="http://schemas.microsoft.com/office/drawing/2014/main" id="{FF88E294-D119-426B-BAC1-2F6D3FDA48D6}"/>
+              </a:ext>
+            </a:extLst>
+          </p:cNvPr>
+          <p:cNvGrpSpPr/>
+          <p:nvPr/>
+        </p:nvGrpSpPr>
+        <p:grpSpPr>
+          <a:xfrm>
+            <a:off x="4537492" y="4446135"/>
+            <a:ext cx="2058119" cy="1739349"/>
+            <a:chOff x="4537492" y="4446135"/>
+            <a:chExt cx="2058119" cy="1739349"/>
+          </a:xfrm>
+        </p:grpSpPr>
+        <p:sp>
+          <p:nvSpPr>
+            <p:cNvPr id="24" name="Oval 23">
+              <a:extLst>
+                <a:ext uri="{FF2B5EF4-FFF2-40B4-BE49-F238E27FC236}">
+                  <a16:creationId xmlns:a16="http://schemas.microsoft.com/office/drawing/2014/main" id="{A656DCFE-954A-42CD-88B2-160B4B724358}"/>
+                </a:ext>
+              </a:extLst>
+            </p:cNvPr>
+            <p:cNvSpPr/>
+            <p:nvPr/>
+          </p:nvSpPr>
+          <p:spPr>
+            <a:xfrm>
+              <a:off x="4770406" y="5573560"/>
+              <a:ext cx="112144" cy="112144"/>
+            </a:xfrm>
+            <a:prstGeom prst="ellipse">
+              <a:avLst/>
+            </a:prstGeom>
+          </p:spPr>
+          <p:style>
+            <a:lnRef idx="2">
+              <a:schemeClr val="accent1">
+                <a:shade val="50000"/>
+              </a:schemeClr>
+            </a:lnRef>
+            <a:fillRef idx="1">
+              <a:schemeClr val="accent1"/>
+            </a:fillRef>
+            <a:effectRef idx="0">
+              <a:schemeClr val="accent1"/>
+            </a:effectRef>
+            <a:fontRef idx="minor">
+              <a:schemeClr val="lt1"/>
+            </a:fontRef>
+          </p:style>
+          <p:txBody>
+            <a:bodyPr rtlCol="0" anchor="ctr"/>
+            <a:lstStyle/>
+            <a:p>
+              <a:pPr algn="ctr"/>
+              <a:endParaRPr lang="en-US"/>
+            </a:p>
+          </p:txBody>
+        </p:sp>
+        <p:sp>
+          <p:nvSpPr>
+            <p:cNvPr id="25" name="Oval 24">
+              <a:extLst>
+                <a:ext uri="{FF2B5EF4-FFF2-40B4-BE49-F238E27FC236}">
+                  <a16:creationId xmlns:a16="http://schemas.microsoft.com/office/drawing/2014/main" id="{466F170B-C61D-4D83-B357-8EAD4E6C8027}"/>
+                </a:ext>
+              </a:extLst>
+            </p:cNvPr>
+            <p:cNvSpPr/>
+            <p:nvPr/>
+          </p:nvSpPr>
+          <p:spPr>
+            <a:xfrm>
+              <a:off x="5190225" y="5242880"/>
+              <a:ext cx="112144" cy="112144"/>
+            </a:xfrm>
+            <a:prstGeom prst="ellipse">
+              <a:avLst/>
+            </a:prstGeom>
+          </p:spPr>
+          <p:style>
+            <a:lnRef idx="2">
+              <a:schemeClr val="accent1">
+                <a:shade val="50000"/>
+              </a:schemeClr>
+            </a:lnRef>
+            <a:fillRef idx="1">
+              <a:schemeClr val="accent1"/>
+            </a:fillRef>
+            <a:effectRef idx="0">
+              <a:schemeClr val="accent1"/>
+            </a:effectRef>
+            <a:fontRef idx="minor">
+              <a:schemeClr val="lt1"/>
+            </a:fontRef>
+          </p:style>
+          <p:txBody>
+            <a:bodyPr rtlCol="0" anchor="ctr"/>
+            <a:lstStyle/>
+            <a:p>
+              <a:pPr algn="ctr"/>
+              <a:endParaRPr lang="en-US"/>
+            </a:p>
+          </p:txBody>
+        </p:sp>
+        <p:sp>
+          <p:nvSpPr>
+            <p:cNvPr id="26" name="Oval 25">
+              <a:extLst>
+                <a:ext uri="{FF2B5EF4-FFF2-40B4-BE49-F238E27FC236}">
+                  <a16:creationId xmlns:a16="http://schemas.microsoft.com/office/drawing/2014/main" id="{19F9CD2C-5B27-4955-A8D8-62312AB38E69}"/>
+                </a:ext>
+              </a:extLst>
+            </p:cNvPr>
+            <p:cNvSpPr/>
+            <p:nvPr/>
+          </p:nvSpPr>
+          <p:spPr>
+            <a:xfrm>
+              <a:off x="4957311" y="5172536"/>
+              <a:ext cx="112144" cy="112144"/>
+            </a:xfrm>
+            <a:prstGeom prst="ellipse">
+              <a:avLst/>
+            </a:prstGeom>
+          </p:spPr>
+          <p:style>
+            <a:lnRef idx="2">
+              <a:schemeClr val="accent1">
+                <a:shade val="50000"/>
+              </a:schemeClr>
+            </a:lnRef>
+            <a:fillRef idx="1">
+              <a:schemeClr val="accent1"/>
+            </a:fillRef>
+            <a:effectRef idx="0">
+              <a:schemeClr val="accent1"/>
+            </a:effectRef>
+            <a:fontRef idx="minor">
+              <a:schemeClr val="lt1"/>
+            </a:fontRef>
+          </p:style>
+          <p:txBody>
+            <a:bodyPr rtlCol="0" anchor="ctr"/>
+            <a:lstStyle/>
+            <a:p>
+              <a:pPr algn="ctr"/>
+              <a:endParaRPr lang="en-US"/>
+            </a:p>
+          </p:txBody>
+        </p:sp>
+        <p:sp>
+          <p:nvSpPr>
+            <p:cNvPr id="27" name="Oval 26">
+              <a:extLst>
+                <a:ext uri="{FF2B5EF4-FFF2-40B4-BE49-F238E27FC236}">
+                  <a16:creationId xmlns:a16="http://schemas.microsoft.com/office/drawing/2014/main" id="{D8A7439D-DF4C-4658-9F7E-34734BDAF6D1}"/>
+                </a:ext>
+              </a:extLst>
+            </p:cNvPr>
+            <p:cNvSpPr/>
+            <p:nvPr/>
+          </p:nvSpPr>
+          <p:spPr>
+            <a:xfrm>
+              <a:off x="5377130" y="4841856"/>
+              <a:ext cx="112144" cy="112144"/>
+            </a:xfrm>
+            <a:prstGeom prst="ellipse">
+              <a:avLst/>
+            </a:prstGeom>
+          </p:spPr>
+          <p:style>
+            <a:lnRef idx="2">
+              <a:schemeClr val="accent1">
+                <a:shade val="50000"/>
+              </a:schemeClr>
+            </a:lnRef>
+            <a:fillRef idx="1">
+              <a:schemeClr val="accent1"/>
+            </a:fillRef>
+            <a:effectRef idx="0">
+              <a:schemeClr val="accent1"/>
+            </a:effectRef>
+            <a:fontRef idx="minor">
+              <a:schemeClr val="lt1"/>
+            </a:fontRef>
+          </p:style>
+          <p:txBody>
+            <a:bodyPr rtlCol="0" anchor="ctr"/>
+            <a:lstStyle/>
+            <a:p>
+              <a:pPr algn="ctr"/>
+              <a:endParaRPr lang="en-US"/>
+            </a:p>
+          </p:txBody>
+        </p:sp>
+        <p:sp>
+          <p:nvSpPr>
+            <p:cNvPr id="28" name="Oval 27">
+              <a:extLst>
+                <a:ext uri="{FF2B5EF4-FFF2-40B4-BE49-F238E27FC236}">
+                  <a16:creationId xmlns:a16="http://schemas.microsoft.com/office/drawing/2014/main" id="{483381DD-A000-4C81-A7DD-F9D381AE4F27}"/>
+                </a:ext>
+              </a:extLst>
+            </p:cNvPr>
+            <p:cNvSpPr/>
+            <p:nvPr/>
+          </p:nvSpPr>
+          <p:spPr>
+            <a:xfrm>
+              <a:off x="4537492" y="4847159"/>
+              <a:ext cx="112144" cy="112144"/>
+            </a:xfrm>
+            <a:prstGeom prst="ellipse">
+              <a:avLst/>
+            </a:prstGeom>
+          </p:spPr>
+          <p:style>
+            <a:lnRef idx="2">
+              <a:schemeClr val="accent1">
+                <a:shade val="50000"/>
+              </a:schemeClr>
+            </a:lnRef>
+            <a:fillRef idx="1">
+              <a:schemeClr val="accent1"/>
+            </a:fillRef>
+            <a:effectRef idx="0">
+              <a:schemeClr val="accent1"/>
+            </a:effectRef>
+            <a:fontRef idx="minor">
+              <a:schemeClr val="lt1"/>
+            </a:fontRef>
+          </p:style>
+          <p:txBody>
+            <a:bodyPr rtlCol="0" anchor="ctr"/>
+            <a:lstStyle/>
+            <a:p>
+              <a:pPr algn="ctr"/>
+              <a:endParaRPr lang="en-US"/>
+            </a:p>
+          </p:txBody>
+        </p:sp>
+        <p:sp>
+          <p:nvSpPr>
+            <p:cNvPr id="29" name="Oval 28">
+              <a:extLst>
+                <a:ext uri="{FF2B5EF4-FFF2-40B4-BE49-F238E27FC236}">
+                  <a16:creationId xmlns:a16="http://schemas.microsoft.com/office/drawing/2014/main" id="{4549B238-19F8-4660-A4BC-282BE6519848}"/>
+                </a:ext>
+              </a:extLst>
+            </p:cNvPr>
+            <p:cNvSpPr/>
+            <p:nvPr/>
+          </p:nvSpPr>
+          <p:spPr>
+            <a:xfrm>
+              <a:off x="4957311" y="4516479"/>
+              <a:ext cx="112144" cy="112144"/>
+            </a:xfrm>
+            <a:prstGeom prst="ellipse">
+              <a:avLst/>
+            </a:prstGeom>
+          </p:spPr>
+          <p:style>
+            <a:lnRef idx="2">
+              <a:schemeClr val="accent1">
+                <a:shade val="50000"/>
+              </a:schemeClr>
+            </a:lnRef>
+            <a:fillRef idx="1">
+              <a:schemeClr val="accent1"/>
+            </a:fillRef>
+            <a:effectRef idx="0">
+              <a:schemeClr val="accent1"/>
+            </a:effectRef>
+            <a:fontRef idx="minor">
+              <a:schemeClr val="lt1"/>
+            </a:fontRef>
+          </p:style>
+          <p:txBody>
+            <a:bodyPr rtlCol="0" anchor="ctr"/>
+            <a:lstStyle/>
+            <a:p>
+              <a:pPr algn="ctr"/>
+              <a:endParaRPr lang="en-US"/>
+            </a:p>
+          </p:txBody>
+        </p:sp>
+        <p:sp>
+          <p:nvSpPr>
+            <p:cNvPr id="30" name="Oval 29">
+              <a:extLst>
+                <a:ext uri="{FF2B5EF4-FFF2-40B4-BE49-F238E27FC236}">
+                  <a16:creationId xmlns:a16="http://schemas.microsoft.com/office/drawing/2014/main" id="{99482B91-983A-4D21-AAF4-626CBA24A074}"/>
+                </a:ext>
+              </a:extLst>
+            </p:cNvPr>
+            <p:cNvSpPr/>
+            <p:nvPr/>
+          </p:nvSpPr>
+          <p:spPr>
+            <a:xfrm>
+              <a:off x="4724397" y="4446135"/>
+              <a:ext cx="112144" cy="112144"/>
+            </a:xfrm>
+            <a:prstGeom prst="ellipse">
+              <a:avLst/>
+            </a:prstGeom>
+          </p:spPr>
+          <p:style>
+            <a:lnRef idx="2">
+              <a:schemeClr val="accent1">
+                <a:shade val="50000"/>
+              </a:schemeClr>
+            </a:lnRef>
+            <a:fillRef idx="1">
+              <a:schemeClr val="accent1"/>
+            </a:fillRef>
+            <a:effectRef idx="0">
+              <a:schemeClr val="accent1"/>
+            </a:effectRef>
+            <a:fontRef idx="minor">
+              <a:schemeClr val="lt1"/>
+            </a:fontRef>
+          </p:style>
+          <p:txBody>
+            <a:bodyPr rtlCol="0" anchor="ctr"/>
+            <a:lstStyle/>
+            <a:p>
+              <a:pPr algn="ctr"/>
+              <a:endParaRPr lang="en-US"/>
+            </a:p>
+          </p:txBody>
+        </p:sp>
+        <p:sp>
+          <p:nvSpPr>
+            <p:cNvPr id="31" name="Oval 30">
+              <a:extLst>
+                <a:ext uri="{FF2B5EF4-FFF2-40B4-BE49-F238E27FC236}">
+                  <a16:creationId xmlns:a16="http://schemas.microsoft.com/office/drawing/2014/main" id="{6ED5F556-8607-42A5-B693-C78E9A2E61D0}"/>
+                </a:ext>
+              </a:extLst>
+            </p:cNvPr>
+            <p:cNvSpPr/>
+            <p:nvPr/>
+          </p:nvSpPr>
+          <p:spPr>
+            <a:xfrm>
+              <a:off x="6296562" y="4973575"/>
+              <a:ext cx="112144" cy="112144"/>
+            </a:xfrm>
+            <a:prstGeom prst="ellipse">
+              <a:avLst/>
+            </a:prstGeom>
+          </p:spPr>
+          <p:style>
+            <a:lnRef idx="2">
+              <a:schemeClr val="accent1">
+                <a:shade val="50000"/>
+              </a:schemeClr>
+            </a:lnRef>
+            <a:fillRef idx="1">
+              <a:schemeClr val="accent1"/>
+            </a:fillRef>
+            <a:effectRef idx="0">
+              <a:schemeClr val="accent1"/>
+            </a:effectRef>
+            <a:fontRef idx="minor">
+              <a:schemeClr val="lt1"/>
+            </a:fontRef>
+          </p:style>
+          <p:txBody>
+            <a:bodyPr rtlCol="0" anchor="ctr"/>
+            <a:lstStyle/>
+            <a:p>
+              <a:pPr algn="ctr"/>
+              <a:endParaRPr lang="en-US"/>
+            </a:p>
+          </p:txBody>
+        </p:sp>
+        <p:sp>
+          <p:nvSpPr>
+            <p:cNvPr id="32" name="Oval 31">
+              <a:extLst>
+                <a:ext uri="{FF2B5EF4-FFF2-40B4-BE49-F238E27FC236}">
+                  <a16:creationId xmlns:a16="http://schemas.microsoft.com/office/drawing/2014/main" id="{CC56BFF0-992B-476A-84A3-4FF74350DEB1}"/>
+                </a:ext>
+              </a:extLst>
+            </p:cNvPr>
+            <p:cNvSpPr/>
+            <p:nvPr/>
+          </p:nvSpPr>
+          <p:spPr>
+            <a:xfrm>
+              <a:off x="6063648" y="4903231"/>
+              <a:ext cx="112144" cy="112144"/>
+            </a:xfrm>
+            <a:prstGeom prst="ellipse">
+              <a:avLst/>
+            </a:prstGeom>
+          </p:spPr>
+          <p:style>
+            <a:lnRef idx="2">
+              <a:schemeClr val="accent1">
+                <a:shade val="50000"/>
+              </a:schemeClr>
+            </a:lnRef>
+            <a:fillRef idx="1">
+              <a:schemeClr val="accent1"/>
+            </a:fillRef>
+            <a:effectRef idx="0">
+              <a:schemeClr val="accent1"/>
+            </a:effectRef>
+            <a:fontRef idx="minor">
+              <a:schemeClr val="lt1"/>
+            </a:fontRef>
+          </p:style>
+          <p:txBody>
+            <a:bodyPr rtlCol="0" anchor="ctr"/>
+            <a:lstStyle/>
+            <a:p>
+              <a:pPr algn="ctr"/>
+              <a:endParaRPr lang="en-US"/>
+            </a:p>
+          </p:txBody>
+        </p:sp>
+        <p:sp>
+          <p:nvSpPr>
+            <p:cNvPr id="33" name="Oval 32">
+              <a:extLst>
+                <a:ext uri="{FF2B5EF4-FFF2-40B4-BE49-F238E27FC236}">
+                  <a16:creationId xmlns:a16="http://schemas.microsoft.com/office/drawing/2014/main" id="{B988091F-F2BA-4DFB-88AB-B011310DD76F}"/>
+                </a:ext>
+              </a:extLst>
+            </p:cNvPr>
+            <p:cNvSpPr/>
+            <p:nvPr/>
+          </p:nvSpPr>
+          <p:spPr>
+            <a:xfrm>
+              <a:off x="6483467" y="4572551"/>
+              <a:ext cx="112144" cy="112144"/>
+            </a:xfrm>
+            <a:prstGeom prst="ellipse">
+              <a:avLst/>
+            </a:prstGeom>
+          </p:spPr>
+          <p:style>
+            <a:lnRef idx="2">
+              <a:schemeClr val="accent1">
+                <a:shade val="50000"/>
+              </a:schemeClr>
+            </a:lnRef>
+            <a:fillRef idx="1">
+              <a:schemeClr val="accent1"/>
+            </a:fillRef>
+            <a:effectRef idx="0">
+              <a:schemeClr val="accent1"/>
+            </a:effectRef>
+            <a:fontRef idx="minor">
+              <a:schemeClr val="lt1"/>
+            </a:fontRef>
+          </p:style>
+          <p:txBody>
+            <a:bodyPr rtlCol="0" anchor="ctr"/>
+            <a:lstStyle/>
+            <a:p>
+              <a:pPr algn="ctr"/>
+              <a:endParaRPr lang="en-US"/>
+            </a:p>
+          </p:txBody>
+        </p:sp>
+        <p:sp>
+          <p:nvSpPr>
+            <p:cNvPr id="34" name="Oval 33">
+              <a:extLst>
+                <a:ext uri="{FF2B5EF4-FFF2-40B4-BE49-F238E27FC236}">
+                  <a16:creationId xmlns:a16="http://schemas.microsoft.com/office/drawing/2014/main" id="{3B99775D-EAA1-43FB-82D1-A73E576598F2}"/>
+                </a:ext>
+              </a:extLst>
+            </p:cNvPr>
+            <p:cNvSpPr/>
+            <p:nvPr/>
+          </p:nvSpPr>
+          <p:spPr>
+            <a:xfrm>
+              <a:off x="5643829" y="4577854"/>
+              <a:ext cx="112144" cy="112144"/>
+            </a:xfrm>
+            <a:prstGeom prst="ellipse">
+              <a:avLst/>
+            </a:prstGeom>
+          </p:spPr>
+          <p:style>
+            <a:lnRef idx="2">
+              <a:schemeClr val="accent1">
+                <a:shade val="50000"/>
+              </a:schemeClr>
+            </a:lnRef>
+            <a:fillRef idx="1">
+              <a:schemeClr val="accent1"/>
+            </a:fillRef>
+            <a:effectRef idx="0">
+              <a:schemeClr val="accent1"/>
+            </a:effectRef>
+            <a:fontRef idx="minor">
+              <a:schemeClr val="lt1"/>
+            </a:fontRef>
+          </p:style>
+          <p:txBody>
+            <a:bodyPr rtlCol="0" anchor="ctr"/>
+            <a:lstStyle/>
+            <a:p>
+              <a:pPr algn="ctr"/>
+              <a:endParaRPr lang="en-US"/>
+            </a:p>
+          </p:txBody>
+        </p:sp>
+        <p:sp>
+          <p:nvSpPr>
+            <p:cNvPr id="35" name="Oval 34">
+              <a:extLst>
+                <a:ext uri="{FF2B5EF4-FFF2-40B4-BE49-F238E27FC236}">
+                  <a16:creationId xmlns:a16="http://schemas.microsoft.com/office/drawing/2014/main" id="{EDF42238-4A86-47F1-992F-61BBD2AB2822}"/>
+                </a:ext>
+              </a:extLst>
+            </p:cNvPr>
+            <p:cNvSpPr/>
+            <p:nvPr/>
+          </p:nvSpPr>
+          <p:spPr>
+            <a:xfrm>
+              <a:off x="6166087" y="6073340"/>
+              <a:ext cx="112144" cy="112144"/>
+            </a:xfrm>
+            <a:prstGeom prst="ellipse">
+              <a:avLst/>
+            </a:prstGeom>
+          </p:spPr>
+          <p:style>
+            <a:lnRef idx="2">
+              <a:schemeClr val="accent1">
+                <a:shade val="50000"/>
+              </a:schemeClr>
+            </a:lnRef>
+            <a:fillRef idx="1">
+              <a:schemeClr val="accent1"/>
+            </a:fillRef>
+            <a:effectRef idx="0">
+              <a:schemeClr val="accent1"/>
+            </a:effectRef>
+            <a:fontRef idx="minor">
+              <a:schemeClr val="lt1"/>
+            </a:fontRef>
+          </p:style>
+          <p:txBody>
+            <a:bodyPr rtlCol="0" anchor="ctr"/>
+            <a:lstStyle/>
+            <a:p>
+              <a:pPr algn="ctr"/>
+              <a:endParaRPr lang="en-US"/>
+            </a:p>
+          </p:txBody>
+        </p:sp>
+        <p:sp>
+          <p:nvSpPr>
+            <p:cNvPr id="36" name="Oval 35">
+              <a:extLst>
+                <a:ext uri="{FF2B5EF4-FFF2-40B4-BE49-F238E27FC236}">
+                  <a16:creationId xmlns:a16="http://schemas.microsoft.com/office/drawing/2014/main" id="{D9D5AF75-8AF4-40D2-86B4-0364E76885C0}"/>
+                </a:ext>
+              </a:extLst>
+            </p:cNvPr>
+            <p:cNvSpPr/>
+            <p:nvPr/>
+          </p:nvSpPr>
+          <p:spPr>
+            <a:xfrm>
+              <a:off x="5933173" y="6002996"/>
+              <a:ext cx="112144" cy="112144"/>
+            </a:xfrm>
+            <a:prstGeom prst="ellipse">
+              <a:avLst/>
+            </a:prstGeom>
+          </p:spPr>
+          <p:style>
+            <a:lnRef idx="2">
+              <a:schemeClr val="accent1">
+                <a:shade val="50000"/>
+              </a:schemeClr>
+            </a:lnRef>
+            <a:fillRef idx="1">
+              <a:schemeClr val="accent1"/>
+            </a:fillRef>
+            <a:effectRef idx="0">
+              <a:schemeClr val="accent1"/>
+            </a:effectRef>
+            <a:fontRef idx="minor">
+              <a:schemeClr val="lt1"/>
+            </a:fontRef>
+          </p:style>
+          <p:txBody>
+            <a:bodyPr rtlCol="0" anchor="ctr"/>
+            <a:lstStyle/>
+            <a:p>
+              <a:pPr algn="ctr"/>
+              <a:endParaRPr lang="en-US"/>
+            </a:p>
+          </p:txBody>
+        </p:sp>
+        <p:sp>
+          <p:nvSpPr>
+            <p:cNvPr id="37" name="Oval 36">
+              <a:extLst>
+                <a:ext uri="{FF2B5EF4-FFF2-40B4-BE49-F238E27FC236}">
+                  <a16:creationId xmlns:a16="http://schemas.microsoft.com/office/drawing/2014/main" id="{0F89453C-ECA4-4875-AF05-EDBD7C5B2402}"/>
+                </a:ext>
+              </a:extLst>
+            </p:cNvPr>
+            <p:cNvSpPr/>
+            <p:nvPr/>
+          </p:nvSpPr>
+          <p:spPr>
+            <a:xfrm>
+              <a:off x="6352992" y="5672316"/>
+              <a:ext cx="112144" cy="112144"/>
+            </a:xfrm>
+            <a:prstGeom prst="ellipse">
+              <a:avLst/>
+            </a:prstGeom>
+          </p:spPr>
+          <p:style>
+            <a:lnRef idx="2">
+              <a:schemeClr val="accent1">
+                <a:shade val="50000"/>
+              </a:schemeClr>
+            </a:lnRef>
+            <a:fillRef idx="1">
+              <a:schemeClr val="accent1"/>
+            </a:fillRef>
+            <a:effectRef idx="0">
+              <a:schemeClr val="accent1"/>
+            </a:effectRef>
+            <a:fontRef idx="minor">
+              <a:schemeClr val="lt1"/>
+            </a:fontRef>
+          </p:style>
+          <p:txBody>
+            <a:bodyPr rtlCol="0" anchor="ctr"/>
+            <a:lstStyle/>
+            <a:p>
+              <a:pPr algn="ctr"/>
+              <a:endParaRPr lang="en-US"/>
+            </a:p>
+          </p:txBody>
+        </p:sp>
+        <p:sp>
+          <p:nvSpPr>
+            <p:cNvPr id="38" name="Oval 37">
+              <a:extLst>
+                <a:ext uri="{FF2B5EF4-FFF2-40B4-BE49-F238E27FC236}">
+                  <a16:creationId xmlns:a16="http://schemas.microsoft.com/office/drawing/2014/main" id="{216EA3BA-26E8-4045-9285-DF4686185EA8}"/>
+                </a:ext>
+              </a:extLst>
+            </p:cNvPr>
+            <p:cNvSpPr/>
+            <p:nvPr/>
+          </p:nvSpPr>
+          <p:spPr>
+            <a:xfrm>
+              <a:off x="5513354" y="5677619"/>
+              <a:ext cx="112144" cy="112144"/>
+            </a:xfrm>
+            <a:prstGeom prst="ellipse">
+              <a:avLst/>
+            </a:prstGeom>
+          </p:spPr>
+          <p:style>
+            <a:lnRef idx="2">
+              <a:schemeClr val="accent1">
+                <a:shade val="50000"/>
+              </a:schemeClr>
+            </a:lnRef>
+            <a:fillRef idx="1">
+              <a:schemeClr val="accent1"/>
+            </a:fillRef>
+            <a:effectRef idx="0">
+              <a:schemeClr val="accent1"/>
+            </a:effectRef>
+            <a:fontRef idx="minor">
+              <a:schemeClr val="lt1"/>
+            </a:fontRef>
+          </p:style>
+          <p:txBody>
+            <a:bodyPr rtlCol="0" anchor="ctr"/>
+            <a:lstStyle/>
+            <a:p>
+              <a:pPr algn="ctr"/>
+              <a:endParaRPr lang="en-US"/>
+            </a:p>
+          </p:txBody>
+        </p:sp>
+      </p:grpSp>
+      <p:grpSp>
+        <p:nvGrpSpPr>
+          <p:cNvPr id="47" name="Group 46">
+            <a:extLst>
+              <a:ext uri="{FF2B5EF4-FFF2-40B4-BE49-F238E27FC236}">
+                <a16:creationId xmlns:a16="http://schemas.microsoft.com/office/drawing/2014/main" id="{29A946F3-CF69-4863-A6D7-B3E74743F92A}"/>
+              </a:ext>
+            </a:extLst>
+          </p:cNvPr>
+          <p:cNvGrpSpPr/>
+          <p:nvPr/>
+        </p:nvGrpSpPr>
+        <p:grpSpPr>
+          <a:xfrm>
+            <a:off x="5346213" y="4749613"/>
+            <a:ext cx="464031" cy="914182"/>
+            <a:chOff x="5346213" y="4749613"/>
+            <a:chExt cx="464031" cy="914182"/>
+          </a:xfrm>
+        </p:grpSpPr>
+        <p:sp>
+          <p:nvSpPr>
+            <p:cNvPr id="39" name="Oval 38">
+              <a:extLst>
+                <a:ext uri="{FF2B5EF4-FFF2-40B4-BE49-F238E27FC236}">
+                  <a16:creationId xmlns:a16="http://schemas.microsoft.com/office/drawing/2014/main" id="{718D3996-359C-4B09-B44C-4F9A6EF0A5A7}"/>
+                </a:ext>
+              </a:extLst>
+            </p:cNvPr>
+            <p:cNvSpPr/>
+            <p:nvPr/>
+          </p:nvSpPr>
+          <p:spPr>
+            <a:xfrm>
+              <a:off x="5698100" y="4749613"/>
+              <a:ext cx="112144" cy="112144"/>
+            </a:xfrm>
+            <a:prstGeom prst="ellipse">
+              <a:avLst/>
+            </a:prstGeom>
+            <a:solidFill>
+              <a:srgbClr val="00B050"/>
+            </a:solidFill>
+          </p:spPr>
+          <p:style>
+            <a:lnRef idx="2">
+              <a:schemeClr val="accent1">
+                <a:shade val="50000"/>
+              </a:schemeClr>
+            </a:lnRef>
+            <a:fillRef idx="1">
+              <a:schemeClr val="accent1"/>
+            </a:fillRef>
+            <a:effectRef idx="0">
+              <a:schemeClr val="accent1"/>
+            </a:effectRef>
+            <a:fontRef idx="minor">
+              <a:schemeClr val="lt1"/>
+            </a:fontRef>
+          </p:style>
+          <p:txBody>
+            <a:bodyPr rtlCol="0" anchor="ctr"/>
+            <a:lstStyle/>
+            <a:p>
+              <a:pPr algn="ctr"/>
+              <a:endParaRPr lang="en-US"/>
+            </a:p>
+          </p:txBody>
+        </p:sp>
+        <p:sp>
+          <p:nvSpPr>
+            <p:cNvPr id="40" name="Oval 39">
+              <a:extLst>
+                <a:ext uri="{FF2B5EF4-FFF2-40B4-BE49-F238E27FC236}">
+                  <a16:creationId xmlns:a16="http://schemas.microsoft.com/office/drawing/2014/main" id="{68A2B85F-D16B-48C3-BB93-9839919DCC47}"/>
+                </a:ext>
+              </a:extLst>
+            </p:cNvPr>
+            <p:cNvSpPr/>
+            <p:nvPr/>
+          </p:nvSpPr>
+          <p:spPr>
+            <a:xfrm>
+              <a:off x="5346213" y="5551651"/>
+              <a:ext cx="112144" cy="112144"/>
+            </a:xfrm>
+            <a:prstGeom prst="ellipse">
+              <a:avLst/>
+            </a:prstGeom>
+            <a:solidFill>
+              <a:srgbClr val="C00000"/>
+            </a:solidFill>
+          </p:spPr>
+          <p:style>
+            <a:lnRef idx="2">
+              <a:schemeClr val="accent1">
+                <a:shade val="50000"/>
+              </a:schemeClr>
+            </a:lnRef>
+            <a:fillRef idx="1">
+              <a:schemeClr val="accent1"/>
+            </a:fillRef>
+            <a:effectRef idx="0">
+              <a:schemeClr val="accent1"/>
+            </a:effectRef>
+            <a:fontRef idx="minor">
+              <a:schemeClr val="lt1"/>
+            </a:fontRef>
+          </p:style>
+          <p:txBody>
+            <a:bodyPr rtlCol="0" anchor="ctr"/>
+            <a:lstStyle/>
+            <a:p>
+              <a:pPr algn="ctr"/>
+              <a:endParaRPr lang="en-US"/>
+            </a:p>
+          </p:txBody>
+        </p:sp>
+      </p:grpSp>
+      <p:cxnSp>
+        <p:nvCxnSpPr>
+          <p:cNvPr id="41" name="Straight Connector 40">
+            <a:extLst>
+              <a:ext uri="{FF2B5EF4-FFF2-40B4-BE49-F238E27FC236}">
+                <a16:creationId xmlns:a16="http://schemas.microsoft.com/office/drawing/2014/main" id="{8D99978E-4343-4482-9DDE-843968AEE5F3}"/>
+              </a:ext>
+            </a:extLst>
+          </p:cNvPr>
+          <p:cNvCxnSpPr>
+            <a:cxnSpLocks/>
+          </p:cNvCxnSpPr>
+          <p:nvPr/>
+        </p:nvCxnSpPr>
+        <p:spPr>
+          <a:xfrm>
+            <a:off x="4362089" y="4620102"/>
+            <a:ext cx="2495911" cy="1164358"/>
+          </a:xfrm>
+          <a:prstGeom prst="line">
+            <a:avLst/>
+          </a:prstGeom>
+          <a:ln w="38100">
+            <a:solidFill>
+              <a:srgbClr val="7030A0"/>
+            </a:solidFill>
+          </a:ln>
+        </p:spPr>
+        <p:style>
+          <a:lnRef idx="1">
+            <a:schemeClr val="accent1"/>
+          </a:lnRef>
+          <a:fillRef idx="0">
+            <a:schemeClr val="accent1"/>
+          </a:fillRef>
+          <a:effectRef idx="0">
+            <a:schemeClr val="accent1"/>
+          </a:effectRef>
+          <a:fontRef idx="minor">
+            <a:schemeClr val="tx1"/>
+          </a:fontRef>
+        </p:style>
+      </p:cxnSp>
+    </p:spTree>
+    <p:extLst>
+      <p:ext uri="{BB962C8B-B14F-4D97-AF65-F5344CB8AC3E}">
+        <p14:creationId xmlns:p14="http://schemas.microsoft.com/office/powerpoint/2010/main" val="780809597"/>
+      </p:ext>
+    </p:extLst>
+  </p:cSld>
+  <p:clrMapOvr>
+    <a:masterClrMapping/>
+  </p:clrMapOvr>
+  <p:timing>
+    <p:tnLst>
+      <p:par>
+        <p:cTn id="1" dur="indefinite" restart="never" nodeType="tmRoot">
+          <p:childTnLst>
+            <p:seq concurrent="1" nextAc="seek">
+              <p:cTn id="2" dur="indefinite" nodeType="mainSeq">
+                <p:childTnLst>
+                  <p:par>
+                    <p:cTn id="3" fill="hold">
+                      <p:stCondLst>
+                        <p:cond delay="indefinite"/>
+                      </p:stCondLst>
+                      <p:childTnLst>
+                        <p:par>
+                          <p:cTn id="4" fill="hold">
+                            <p:stCondLst>
+                              <p:cond delay="0"/>
+                            </p:stCondLst>
+                            <p:childTnLst>
+                              <p:par>
+                                <p:cTn id="5" presetID="1" presetClass="entr" presetSubtype="0" fill="hold" grpId="0" nodeType="clickEffect">
+                                  <p:stCondLst>
+                                    <p:cond delay="0"/>
+                                  </p:stCondLst>
+                                  <p:childTnLst>
+                                    <p:set>
+                                      <p:cBhvr>
+                                        <p:cTn id="6" dur="1" fill="hold">
+                                          <p:stCondLst>
+                                            <p:cond delay="0"/>
+                                          </p:stCondLst>
+                                        </p:cTn>
+                                        <p:tgtEl>
+                                          <p:spTgt spid="3">
+                                            <p:txEl>
+                                              <p:pRg st="0" end="0"/>
+                                            </p:txEl>
+                                          </p:spTgt>
+                                        </p:tgtEl>
+                                        <p:attrNameLst>
+                                          <p:attrName>style.visibility</p:attrName>
+                                        </p:attrNameLst>
+                                      </p:cBhvr>
+                                      <p:to>
+                                        <p:strVal val="visible"/>
+                                      </p:to>
+                                    </p:set>
+                                  </p:childTnLst>
+                                </p:cTn>
+                              </p:par>
+                            </p:childTnLst>
+                          </p:cTn>
+                        </p:par>
+                      </p:childTnLst>
+                    </p:cTn>
+                  </p:par>
+                  <p:par>
+                    <p:cTn id="7" fill="hold">
+                      <p:stCondLst>
+                        <p:cond delay="indefinite"/>
+                      </p:stCondLst>
+                      <p:childTnLst>
+                        <p:par>
+                          <p:cTn id="8" fill="hold">
+                            <p:stCondLst>
+                              <p:cond delay="0"/>
+                            </p:stCondLst>
+                            <p:childTnLst>
+                              <p:par>
+                                <p:cTn id="9" presetID="1" presetClass="entr" presetSubtype="0" fill="hold" nodeType="clickEffect">
+                                  <p:stCondLst>
+                                    <p:cond delay="0"/>
+                                  </p:stCondLst>
+                                  <p:childTnLst>
+                                    <p:set>
+                                      <p:cBhvr>
+                                        <p:cTn id="10" dur="1" fill="hold">
+                                          <p:stCondLst>
+                                            <p:cond delay="0"/>
+                                          </p:stCondLst>
+                                        </p:cTn>
+                                        <p:tgtEl>
+                                          <p:spTgt spid="45"/>
+                                        </p:tgtEl>
+                                        <p:attrNameLst>
+                                          <p:attrName>style.visibility</p:attrName>
+                                        </p:attrNameLst>
+                                      </p:cBhvr>
+                                      <p:to>
+                                        <p:strVal val="visible"/>
+                                      </p:to>
+                                    </p:set>
+                                  </p:childTnLst>
+                                </p:cTn>
+                              </p:par>
+                            </p:childTnLst>
+                          </p:cTn>
+                        </p:par>
+                      </p:childTnLst>
+                    </p:cTn>
+                  </p:par>
+                  <p:par>
+                    <p:cTn id="11" fill="hold">
+                      <p:stCondLst>
+                        <p:cond delay="indefinite"/>
+                      </p:stCondLst>
+                      <p:childTnLst>
+                        <p:par>
+                          <p:cTn id="12" fill="hold">
+                            <p:stCondLst>
+                              <p:cond delay="0"/>
+                            </p:stCondLst>
+                            <p:childTnLst>
+                              <p:par>
+                                <p:cTn id="13" presetID="1" presetClass="entr" presetSubtype="0" fill="hold" grpId="0" nodeType="clickEffect">
+                                  <p:stCondLst>
+                                    <p:cond delay="0"/>
+                                  </p:stCondLst>
+                                  <p:childTnLst>
+                                    <p:set>
+                                      <p:cBhvr>
+                                        <p:cTn id="14" dur="1" fill="hold">
+                                          <p:stCondLst>
+                                            <p:cond delay="0"/>
+                                          </p:stCondLst>
+                                        </p:cTn>
+                                        <p:tgtEl>
+                                          <p:spTgt spid="3">
+                                            <p:txEl>
+                                              <p:pRg st="1" end="1"/>
+                                            </p:txEl>
+                                          </p:spTgt>
+                                        </p:tgtEl>
+                                        <p:attrNameLst>
+                                          <p:attrName>style.visibility</p:attrName>
+                                        </p:attrNameLst>
+                                      </p:cBhvr>
+                                      <p:to>
+                                        <p:strVal val="visible"/>
+                                      </p:to>
+                                    </p:set>
+                                  </p:childTnLst>
+                                </p:cTn>
+                              </p:par>
+                              <p:par>
+                                <p:cTn id="15" presetID="1" presetClass="entr" presetSubtype="0" fill="hold" grpId="0" nodeType="withEffect">
+                                  <p:stCondLst>
+                                    <p:cond delay="0"/>
+                                  </p:stCondLst>
+                                  <p:childTnLst>
+                                    <p:set>
+                                      <p:cBhvr>
+                                        <p:cTn id="16" dur="1" fill="hold">
+                                          <p:stCondLst>
+                                            <p:cond delay="0"/>
+                                          </p:stCondLst>
+                                        </p:cTn>
+                                        <p:tgtEl>
+                                          <p:spTgt spid="3">
+                                            <p:txEl>
+                                              <p:pRg st="2" end="2"/>
+                                            </p:txEl>
+                                          </p:spTgt>
+                                        </p:tgtEl>
+                                        <p:attrNameLst>
+                                          <p:attrName>style.visibility</p:attrName>
+                                        </p:attrNameLst>
+                                      </p:cBhvr>
+                                      <p:to>
+                                        <p:strVal val="visible"/>
+                                      </p:to>
+                                    </p:set>
+                                  </p:childTnLst>
+                                </p:cTn>
+                              </p:par>
+                            </p:childTnLst>
+                          </p:cTn>
+                        </p:par>
+                      </p:childTnLst>
+                    </p:cTn>
+                  </p:par>
+                  <p:par>
+                    <p:cTn id="17" fill="hold">
+                      <p:stCondLst>
+                        <p:cond delay="indefinite"/>
+                      </p:stCondLst>
+                      <p:childTnLst>
+                        <p:par>
+                          <p:cTn id="18" fill="hold">
+                            <p:stCondLst>
+                              <p:cond delay="0"/>
+                            </p:stCondLst>
+                            <p:childTnLst>
+                              <p:par>
+                                <p:cTn id="19" presetID="1" presetClass="entr" presetSubtype="0" fill="hold" nodeType="clickEffect">
+                                  <p:stCondLst>
+                                    <p:cond delay="0"/>
+                                  </p:stCondLst>
+                                  <p:childTnLst>
+                                    <p:set>
+                                      <p:cBhvr>
+                                        <p:cTn id="20" dur="1" fill="hold">
+                                          <p:stCondLst>
+                                            <p:cond delay="0"/>
+                                          </p:stCondLst>
+                                        </p:cTn>
+                                        <p:tgtEl>
+                                          <p:spTgt spid="22"/>
+                                        </p:tgtEl>
+                                        <p:attrNameLst>
+                                          <p:attrName>style.visibility</p:attrName>
+                                        </p:attrNameLst>
+                                      </p:cBhvr>
+                                      <p:to>
+                                        <p:strVal val="visible"/>
+                                      </p:to>
+                                    </p:set>
+                                  </p:childTnLst>
+                                </p:cTn>
+                              </p:par>
+                              <p:par>
+                                <p:cTn id="21" presetID="1" presetClass="entr" presetSubtype="0" fill="hold" grpId="0" nodeType="withEffect">
+                                  <p:stCondLst>
+                                    <p:cond delay="0"/>
+                                  </p:stCondLst>
+                                  <p:childTnLst>
+                                    <p:set>
+                                      <p:cBhvr>
+                                        <p:cTn id="22" dur="1" fill="hold">
+                                          <p:stCondLst>
+                                            <p:cond delay="0"/>
+                                          </p:stCondLst>
+                                        </p:cTn>
+                                        <p:tgtEl>
+                                          <p:spTgt spid="3">
+                                            <p:txEl>
+                                              <p:pRg st="3" end="3"/>
+                                            </p:txEl>
+                                          </p:spTgt>
+                                        </p:tgtEl>
+                                        <p:attrNameLst>
+                                          <p:attrName>style.visibility</p:attrName>
+                                        </p:attrNameLst>
+                                      </p:cBhvr>
+                                      <p:to>
+                                        <p:strVal val="visible"/>
+                                      </p:to>
+                                    </p:set>
+                                  </p:childTnLst>
+                                </p:cTn>
+                              </p:par>
+                            </p:childTnLst>
+                          </p:cTn>
+                        </p:par>
+                      </p:childTnLst>
+                    </p:cTn>
+                  </p:par>
+                  <p:par>
+                    <p:cTn id="23" fill="hold">
+                      <p:stCondLst>
+                        <p:cond delay="indefinite"/>
+                      </p:stCondLst>
+                      <p:childTnLst>
+                        <p:par>
+                          <p:cTn id="24" fill="hold">
+                            <p:stCondLst>
+                              <p:cond delay="0"/>
+                            </p:stCondLst>
+                            <p:childTnLst>
+                              <p:par>
+                                <p:cTn id="25" presetID="1" presetClass="entr" presetSubtype="0" fill="hold" nodeType="clickEffect">
+                                  <p:stCondLst>
+                                    <p:cond delay="0"/>
+                                  </p:stCondLst>
+                                  <p:childTnLst>
+                                    <p:set>
+                                      <p:cBhvr>
+                                        <p:cTn id="26" dur="1" fill="hold">
+                                          <p:stCondLst>
+                                            <p:cond delay="0"/>
+                                          </p:stCondLst>
+                                        </p:cTn>
+                                        <p:tgtEl>
+                                          <p:spTgt spid="46"/>
+                                        </p:tgtEl>
+                                        <p:attrNameLst>
+                                          <p:attrName>style.visibility</p:attrName>
+                                        </p:attrNameLst>
+                                      </p:cBhvr>
+                                      <p:to>
+                                        <p:strVal val="visible"/>
+                                      </p:to>
+                                    </p:set>
+                                  </p:childTnLst>
+                                </p:cTn>
+                              </p:par>
+                            </p:childTnLst>
+                          </p:cTn>
+                        </p:par>
+                      </p:childTnLst>
+                    </p:cTn>
+                  </p:par>
+                  <p:par>
+                    <p:cTn id="27" fill="hold">
+                      <p:stCondLst>
+                        <p:cond delay="indefinite"/>
+                      </p:stCondLst>
+                      <p:childTnLst>
+                        <p:par>
+                          <p:cTn id="28" fill="hold">
+                            <p:stCondLst>
+                              <p:cond delay="0"/>
+                            </p:stCondLst>
+                            <p:childTnLst>
+                              <p:par>
+                                <p:cTn id="29" presetID="1" presetClass="entr" presetSubtype="0" fill="hold" nodeType="clickEffect">
+                                  <p:stCondLst>
+                                    <p:cond delay="0"/>
+                                  </p:stCondLst>
+                                  <p:childTnLst>
+                                    <p:set>
+                                      <p:cBhvr>
+                                        <p:cTn id="30" dur="1" fill="hold">
+                                          <p:stCondLst>
+                                            <p:cond delay="0"/>
+                                          </p:stCondLst>
+                                        </p:cTn>
+                                        <p:tgtEl>
+                                          <p:spTgt spid="47"/>
+                                        </p:tgtEl>
+                                        <p:attrNameLst>
+                                          <p:attrName>style.visibility</p:attrName>
+                                        </p:attrNameLst>
+                                      </p:cBhvr>
+                                      <p:to>
+                                        <p:strVal val="visible"/>
+                                      </p:to>
+                                    </p:set>
+                                  </p:childTnLst>
+                                </p:cTn>
+                              </p:par>
+                            </p:childTnLst>
+                          </p:cTn>
+                        </p:par>
+                      </p:childTnLst>
+                    </p:cTn>
+                  </p:par>
+                  <p:par>
+                    <p:cTn id="31" fill="hold">
+                      <p:stCondLst>
+                        <p:cond delay="indefinite"/>
+                      </p:stCondLst>
+                      <p:childTnLst>
+                        <p:par>
+                          <p:cTn id="32" fill="hold">
+                            <p:stCondLst>
+                              <p:cond delay="0"/>
+                            </p:stCondLst>
+                            <p:childTnLst>
+                              <p:par>
+                                <p:cTn id="33" presetID="1" presetClass="entr" presetSubtype="0" fill="hold" nodeType="clickEffect">
+                                  <p:stCondLst>
+                                    <p:cond delay="0"/>
+                                  </p:stCondLst>
+                                  <p:childTnLst>
+                                    <p:set>
+                                      <p:cBhvr>
+                                        <p:cTn id="34" dur="1" fill="hold">
+                                          <p:stCondLst>
+                                            <p:cond delay="0"/>
+                                          </p:stCondLst>
+                                        </p:cTn>
+                                        <p:tgtEl>
+                                          <p:spTgt spid="41"/>
+                                        </p:tgtEl>
+                                        <p:attrNameLst>
+                                          <p:attrName>style.visibility</p:attrName>
+                                        </p:attrNameLst>
+                                      </p:cBhvr>
+                                      <p:to>
+                                        <p:strVal val="visible"/>
+                                      </p:to>
+                                    </p:set>
+                                  </p:childTnLst>
+                                </p:cTn>
+                              </p:par>
+                            </p:childTnLst>
+                          </p:cTn>
+                        </p:par>
+                      </p:childTnLst>
+                    </p:cTn>
+                  </p:par>
+                  <p:par>
+                    <p:cTn id="35" fill="hold">
+                      <p:stCondLst>
+                        <p:cond delay="indefinite"/>
+                      </p:stCondLst>
+                      <p:childTnLst>
+                        <p:par>
+                          <p:cTn id="36" fill="hold">
+                            <p:stCondLst>
+                              <p:cond delay="0"/>
+                            </p:stCondLst>
+                            <p:childTnLst>
+                              <p:par>
+                                <p:cTn id="37" presetID="1" presetClass="entr" presetSubtype="0" fill="hold" grpId="0" nodeType="clickEffect">
+                                  <p:stCondLst>
+                                    <p:cond delay="0"/>
+                                  </p:stCondLst>
+                                  <p:childTnLst>
+                                    <p:set>
+                                      <p:cBhvr>
+                                        <p:cTn id="38" dur="1" fill="hold">
+                                          <p:stCondLst>
+                                            <p:cond delay="0"/>
+                                          </p:stCondLst>
+                                        </p:cTn>
+                                        <p:tgtEl>
+                                          <p:spTgt spid="3">
+                                            <p:txEl>
+                                              <p:pRg st="4" end="4"/>
+                                            </p:txEl>
+                                          </p:spTgt>
+                                        </p:tgtEl>
+                                        <p:attrNameLst>
+                                          <p:attrName>style.visibility</p:attrName>
+                                        </p:attrNameLst>
+                                      </p:cBhvr>
+                                      <p:to>
+                                        <p:strVal val="visible"/>
+                                      </p:to>
+                                    </p:set>
+                                  </p:childTnLst>
+                                </p:cTn>
+                              </p:par>
+                            </p:childTnLst>
+                          </p:cTn>
+                        </p:par>
+                      </p:childTnLst>
+                    </p:cTn>
+                  </p:par>
+                </p:childTnLst>
+              </p:cTn>
+              <p:prevCondLst>
+                <p:cond evt="onPrev" delay="0">
+                  <p:tgtEl>
+                    <p:sldTgt/>
+                  </p:tgtEl>
+                </p:cond>
+              </p:prevCondLst>
+              <p:nextCondLst>
+                <p:cond evt="onNext" delay="0">
+                  <p:tgtEl>
+                    <p:sldTgt/>
+                  </p:tgtEl>
+                </p:cond>
+              </p:nextCondLst>
+            </p:seq>
+          </p:childTnLst>
+        </p:cTn>
+      </p:par>
+    </p:tnLst>
+    <p:bldLst>
+      <p:bldP spid="3" grpId="0" uiExpand="1" build="p"/>
+    </p:bldLst>
+  </p:timing>
+</p:sld>
+</file>
+
+<file path=ppt/slides/slide43.xml><?xml version="1.0" encoding="utf-8"?>
+<p:sld xmlns:a="http://schemas.openxmlformats.org/drawingml/2006/main" xmlns:r="http://schemas.openxmlformats.org/officeDocument/2006/relationships" xmlns:p="http://schemas.openxmlformats.org/presentationml/2006/main">
+  <p:cSld>
+    <p:spTree>
+      <p:nvGrpSpPr>
+        <p:cNvPr id="1" name=""/>
+        <p:cNvGrpSpPr/>
+        <p:nvPr/>
+      </p:nvGrpSpPr>
+      <p:grpSpPr>
+        <a:xfrm>
+          <a:off x="0" y="0"/>
+          <a:ext cx="0" cy="0"/>
+          <a:chOff x="0" y="0"/>
+          <a:chExt cx="0" cy="0"/>
+        </a:xfrm>
+      </p:grpSpPr>
+      <p:sp>
+        <p:nvSpPr>
           <p:cNvPr id="2" name="Title 1"/>
           <p:cNvSpPr>
             <a:spLocks noGrp="1"/>
@@ -27248,7 +29566,7 @@
           <a:p>
             <a:fld id="{5A209D72-2E9D-49B0-8977-41DCCC66C0BB}" type="slidenum">
               <a:rPr lang="nl-BE" smtClean="0"/>
-              <a:t>42</a:t>
+              <a:t>43</a:t>
             </a:fld>
             <a:endParaRPr lang="nl-BE"/>
           </a:p>
@@ -27982,7 +30300,7 @@
 </p:sld>
 </file>
 
-<file path=ppt/slides/slide43.xml><?xml version="1.0" encoding="utf-8"?>
+<file path=ppt/slides/slide44.xml><?xml version="1.0" encoding="utf-8"?>
 <p:sld xmlns:a="http://schemas.openxmlformats.org/drawingml/2006/main" xmlns:r="http://schemas.openxmlformats.org/officeDocument/2006/relationships" xmlns:p="http://schemas.openxmlformats.org/presentationml/2006/main">
   <p:cSld>
     <p:spTree>
@@ -28038,7 +30356,7 @@
           <a:p>
             <a:fld id="{5A209D72-2E9D-49B0-8977-41DCCC66C0BB}" type="slidenum">
               <a:rPr lang="nl-BE" smtClean="0"/>
-              <a:t>43</a:t>
+              <a:t>44</a:t>
             </a:fld>
             <a:endParaRPr lang="nl-BE"/>
           </a:p>
@@ -28395,309 +30713,6 @@
 </p:sld>
 </file>
 
-<file path=ppt/slides/slide44.xml><?xml version="1.0" encoding="utf-8"?>
-<p:sld xmlns:a="http://schemas.openxmlformats.org/drawingml/2006/main" xmlns:r="http://schemas.openxmlformats.org/officeDocument/2006/relationships" xmlns:p="http://schemas.openxmlformats.org/presentationml/2006/main">
-  <p:cSld>
-    <p:spTree>
-      <p:nvGrpSpPr>
-        <p:cNvPr id="1" name=""/>
-        <p:cNvGrpSpPr/>
-        <p:nvPr/>
-      </p:nvGrpSpPr>
-      <p:grpSpPr>
-        <a:xfrm>
-          <a:off x="0" y="0"/>
-          <a:ext cx="0" cy="0"/>
-          <a:chOff x="0" y="0"/>
-          <a:chExt cx="0" cy="0"/>
-        </a:xfrm>
-      </p:grpSpPr>
-      <p:sp>
-        <p:nvSpPr>
-          <p:cNvPr id="2" name="Title 1"/>
-          <p:cNvSpPr>
-            <a:spLocks noGrp="1"/>
-          </p:cNvSpPr>
-          <p:nvPr>
-            <p:ph type="title"/>
-          </p:nvPr>
-        </p:nvSpPr>
-        <p:spPr/>
-        <p:txBody>
-          <a:bodyPr/>
-          <a:lstStyle/>
-          <a:p>
-            <a:r>
-              <a:rPr lang="en-US" dirty="0"/>
-              <a:t>And the winners are…</a:t>
-            </a:r>
-          </a:p>
-        </p:txBody>
-      </p:sp>
-      <p:sp>
-        <p:nvSpPr>
-          <p:cNvPr id="4" name="Content Placeholder 3"/>
-          <p:cNvSpPr>
-            <a:spLocks noGrp="1"/>
-          </p:cNvSpPr>
-          <p:nvPr>
-            <p:ph sz="half" idx="1"/>
-          </p:nvPr>
-        </p:nvSpPr>
-        <p:spPr/>
-        <p:txBody>
-          <a:bodyPr>
-            <a:normAutofit fontScale="47500" lnSpcReduction="20000"/>
-          </a:bodyPr>
-          <a:lstStyle/>
-          <a:p>
-            <a:r>
-              <a:rPr lang="en-US" dirty="0"/>
-              <a:t>Switzerland</a:t>
-            </a:r>
-          </a:p>
-          <a:p>
-            <a:r>
-              <a:rPr lang="en-US" dirty="0"/>
-              <a:t>Iceland</a:t>
-            </a:r>
-          </a:p>
-          <a:p>
-            <a:r>
-              <a:rPr lang="en-US" dirty="0"/>
-              <a:t>Denmark</a:t>
-            </a:r>
-          </a:p>
-          <a:p>
-            <a:r>
-              <a:rPr lang="en-US" dirty="0"/>
-              <a:t>Norway</a:t>
-            </a:r>
-          </a:p>
-          <a:p>
-            <a:r>
-              <a:rPr lang="en-US" dirty="0"/>
-              <a:t>Canada</a:t>
-            </a:r>
-          </a:p>
-          <a:p>
-            <a:r>
-              <a:rPr lang="en-US" dirty="0"/>
-              <a:t>Finland</a:t>
-            </a:r>
-          </a:p>
-          <a:p>
-            <a:r>
-              <a:rPr lang="en-US" dirty="0"/>
-              <a:t>Netherlands</a:t>
-            </a:r>
-          </a:p>
-          <a:p>
-            <a:r>
-              <a:rPr lang="en-US" dirty="0"/>
-              <a:t>Sweden</a:t>
-            </a:r>
-          </a:p>
-          <a:p>
-            <a:r>
-              <a:rPr lang="en-US" dirty="0"/>
-              <a:t>New Zealand</a:t>
-            </a:r>
-          </a:p>
-          <a:p>
-            <a:r>
-              <a:rPr lang="en-US" dirty="0"/>
-              <a:t>Australia</a:t>
-            </a:r>
-          </a:p>
-          <a:p>
-            <a:r>
-              <a:rPr lang="en-US" dirty="0"/>
-              <a:t>Austria</a:t>
-            </a:r>
-          </a:p>
-          <a:p>
-            <a:r>
-              <a:rPr lang="en-US" dirty="0"/>
-              <a:t>United States</a:t>
-            </a:r>
-          </a:p>
-          <a:p>
-            <a:r>
-              <a:rPr lang="en-US" dirty="0"/>
-              <a:t>Luxembourg</a:t>
-            </a:r>
-          </a:p>
-          <a:p>
-            <a:r>
-              <a:rPr lang="en-US" dirty="0"/>
-              <a:t>Ireland</a:t>
-            </a:r>
-          </a:p>
-          <a:p>
-            <a:r>
-              <a:rPr lang="en-US" dirty="0"/>
-              <a:t>Belgium</a:t>
-            </a:r>
-          </a:p>
-          <a:p>
-            <a:r>
-              <a:rPr lang="en-US" dirty="0"/>
-              <a:t>United Arab Emirates</a:t>
-            </a:r>
-          </a:p>
-          <a:p>
-            <a:endParaRPr lang="en-US" dirty="0"/>
-          </a:p>
-        </p:txBody>
-      </p:sp>
-      <p:sp>
-        <p:nvSpPr>
-          <p:cNvPr id="5" name="Content Placeholder 4"/>
-          <p:cNvSpPr>
-            <a:spLocks noGrp="1"/>
-          </p:cNvSpPr>
-          <p:nvPr>
-            <p:ph sz="half" idx="2"/>
-          </p:nvPr>
-        </p:nvSpPr>
-        <p:spPr/>
-        <p:txBody>
-          <a:bodyPr>
-            <a:normAutofit fontScale="47500" lnSpcReduction="20000"/>
-          </a:bodyPr>
-          <a:lstStyle/>
-          <a:p>
-            <a:r>
-              <a:rPr lang="en-US" dirty="0"/>
-              <a:t>United Kingdom</a:t>
-            </a:r>
-          </a:p>
-          <a:p>
-            <a:r>
-              <a:rPr lang="en-US" dirty="0"/>
-              <a:t>Oman</a:t>
-            </a:r>
-          </a:p>
-          <a:p>
-            <a:r>
-              <a:rPr lang="en-US" dirty="0"/>
-              <a:t>Singapore</a:t>
-            </a:r>
-          </a:p>
-          <a:p>
-            <a:r>
-              <a:rPr lang="en-US" dirty="0"/>
-              <a:t>Germany</a:t>
-            </a:r>
-          </a:p>
-          <a:p>
-            <a:r>
-              <a:rPr lang="en-US" dirty="0"/>
-              <a:t>Qatar</a:t>
-            </a:r>
-          </a:p>
-          <a:p>
-            <a:r>
-              <a:rPr lang="en-US" dirty="0"/>
-              <a:t>France</a:t>
-            </a:r>
-          </a:p>
-          <a:p>
-            <a:r>
-              <a:rPr lang="en-US" dirty="0"/>
-              <a:t>Uruguay</a:t>
-            </a:r>
-          </a:p>
-          <a:p>
-            <a:r>
-              <a:rPr lang="en-US" dirty="0"/>
-              <a:t>Saudi Arabia</a:t>
-            </a:r>
-          </a:p>
-          <a:p>
-            <a:r>
-              <a:rPr lang="en-US" dirty="0"/>
-              <a:t>Malta</a:t>
-            </a:r>
-          </a:p>
-          <a:p>
-            <a:r>
-              <a:rPr lang="en-US" dirty="0"/>
-              <a:t>Kuwait</a:t>
-            </a:r>
-          </a:p>
-          <a:p>
-            <a:r>
-              <a:rPr lang="en-US" dirty="0"/>
-              <a:t>Uzbekistan</a:t>
-            </a:r>
-          </a:p>
-          <a:p>
-            <a:r>
-              <a:rPr lang="en-US" dirty="0"/>
-              <a:t>Japan</a:t>
-            </a:r>
-          </a:p>
-          <a:p>
-            <a:r>
-              <a:rPr lang="en-US" dirty="0"/>
-              <a:t>Bahrain</a:t>
-            </a:r>
-          </a:p>
-          <a:p>
-            <a:r>
-              <a:rPr lang="en-US" dirty="0"/>
-              <a:t>Turkmenistan</a:t>
-            </a:r>
-          </a:p>
-          <a:p>
-            <a:r>
-              <a:rPr lang="en-US" dirty="0"/>
-              <a:t>Hong Kong</a:t>
-            </a:r>
-          </a:p>
-          <a:p>
-            <a:endParaRPr lang="en-US" dirty="0"/>
-          </a:p>
-        </p:txBody>
-      </p:sp>
-      <p:sp>
-        <p:nvSpPr>
-          <p:cNvPr id="3" name="Slide Number Placeholder 2"/>
-          <p:cNvSpPr>
-            <a:spLocks noGrp="1"/>
-          </p:cNvSpPr>
-          <p:nvPr>
-            <p:ph type="sldNum" sz="quarter" idx="12"/>
-          </p:nvPr>
-        </p:nvSpPr>
-        <p:spPr/>
-        <p:txBody>
-          <a:bodyPr/>
-          <a:lstStyle/>
-          <a:p>
-            <a:fld id="{5A209D72-2E9D-49B0-8977-41DCCC66C0BB}" type="slidenum">
-              <a:rPr lang="nl-BE" smtClean="0"/>
-              <a:t>44</a:t>
-            </a:fld>
-            <a:endParaRPr lang="nl-BE"/>
-          </a:p>
-        </p:txBody>
-      </p:sp>
-    </p:spTree>
-    <p:extLst>
-      <p:ext uri="{BB962C8B-B14F-4D97-AF65-F5344CB8AC3E}">
-        <p14:creationId xmlns:p14="http://schemas.microsoft.com/office/powerpoint/2010/main" val="4271845171"/>
-      </p:ext>
-    </p:extLst>
-  </p:cSld>
-  <p:clrMapOvr>
-    <a:masterClrMapping/>
-  </p:clrMapOvr>
-</p:sld>
-</file>
-
 <file path=ppt/slides/slide45.xml><?xml version="1.0" encoding="utf-8"?>
 <p:sld xmlns:a="http://schemas.openxmlformats.org/drawingml/2006/main" xmlns:r="http://schemas.openxmlformats.org/officeDocument/2006/relationships" xmlns:p="http://schemas.openxmlformats.org/presentationml/2006/main">
   <p:cSld>
@@ -28731,47 +30746,243 @@
           <a:lstStyle/>
           <a:p>
             <a:r>
-              <a:rPr lang="en-US" dirty="0" err="1"/>
-              <a:t>Keras</a:t>
-            </a:r>
-            <a:endParaRPr lang="en-US" dirty="0"/>
+              <a:rPr lang="en-US" dirty="0"/>
+              <a:t>And the winners are…</a:t>
+            </a:r>
           </a:p>
         </p:txBody>
       </p:sp>
       <p:sp>
         <p:nvSpPr>
-          <p:cNvPr id="3" name="Text Placeholder 2"/>
+          <p:cNvPr id="4" name="Content Placeholder 3"/>
           <p:cNvSpPr>
             <a:spLocks noGrp="1"/>
           </p:cNvSpPr>
           <p:nvPr>
-            <p:ph type="body" idx="1"/>
+            <p:ph sz="half" idx="1"/>
           </p:nvPr>
         </p:nvSpPr>
         <p:spPr/>
         <p:txBody>
           <a:bodyPr>
-            <a:normAutofit/>
+            <a:normAutofit fontScale="47500" lnSpcReduction="20000"/>
           </a:bodyPr>
           <a:lstStyle/>
           <a:p>
             <a:r>
-              <a:rPr lang="en-GB" sz="1800" dirty="0">
-                <a:hlinkClick r:id="rId2"/>
-              </a:rPr>
-              <a:t>https://github.com/gjbex/Python-for-machine-learning/tree/master/source-code/keras</a:t>
-            </a:r>
-            <a:r>
-              <a:rPr lang="en-GB" sz="1800" dirty="0"/>
-              <a:t> </a:t>
-            </a:r>
-            <a:endParaRPr lang="en-US" sz="2400" dirty="0"/>
+              <a:rPr lang="en-US" dirty="0"/>
+              <a:t>Switzerland</a:t>
+            </a:r>
+          </a:p>
+          <a:p>
+            <a:r>
+              <a:rPr lang="en-US" dirty="0"/>
+              <a:t>Iceland</a:t>
+            </a:r>
+          </a:p>
+          <a:p>
+            <a:r>
+              <a:rPr lang="en-US" dirty="0"/>
+              <a:t>Denmark</a:t>
+            </a:r>
+          </a:p>
+          <a:p>
+            <a:r>
+              <a:rPr lang="en-US" dirty="0"/>
+              <a:t>Norway</a:t>
+            </a:r>
+          </a:p>
+          <a:p>
+            <a:r>
+              <a:rPr lang="en-US" dirty="0"/>
+              <a:t>Canada</a:t>
+            </a:r>
+          </a:p>
+          <a:p>
+            <a:r>
+              <a:rPr lang="en-US" dirty="0"/>
+              <a:t>Finland</a:t>
+            </a:r>
+          </a:p>
+          <a:p>
+            <a:r>
+              <a:rPr lang="en-US" dirty="0"/>
+              <a:t>Netherlands</a:t>
+            </a:r>
+          </a:p>
+          <a:p>
+            <a:r>
+              <a:rPr lang="en-US" dirty="0"/>
+              <a:t>Sweden</a:t>
+            </a:r>
+          </a:p>
+          <a:p>
+            <a:r>
+              <a:rPr lang="en-US" dirty="0"/>
+              <a:t>New Zealand</a:t>
+            </a:r>
+          </a:p>
+          <a:p>
+            <a:r>
+              <a:rPr lang="en-US" dirty="0"/>
+              <a:t>Australia</a:t>
+            </a:r>
+          </a:p>
+          <a:p>
+            <a:r>
+              <a:rPr lang="en-US" dirty="0"/>
+              <a:t>Austria</a:t>
+            </a:r>
+          </a:p>
+          <a:p>
+            <a:r>
+              <a:rPr lang="en-US" dirty="0"/>
+              <a:t>United States</a:t>
+            </a:r>
+          </a:p>
+          <a:p>
+            <a:r>
+              <a:rPr lang="en-US" dirty="0"/>
+              <a:t>Luxembourg</a:t>
+            </a:r>
+          </a:p>
+          <a:p>
+            <a:r>
+              <a:rPr lang="en-US" dirty="0"/>
+              <a:t>Ireland</a:t>
+            </a:r>
+          </a:p>
+          <a:p>
+            <a:r>
+              <a:rPr lang="en-US" dirty="0"/>
+              <a:t>Belgium</a:t>
+            </a:r>
+          </a:p>
+          <a:p>
+            <a:r>
+              <a:rPr lang="en-US" dirty="0"/>
+              <a:t>United Arab Emirates</a:t>
+            </a:r>
+          </a:p>
+          <a:p>
+            <a:endParaRPr lang="en-US" dirty="0"/>
           </a:p>
         </p:txBody>
       </p:sp>
       <p:sp>
         <p:nvSpPr>
-          <p:cNvPr id="4" name="Slide Number Placeholder 3"/>
+          <p:cNvPr id="5" name="Content Placeholder 4"/>
+          <p:cNvSpPr>
+            <a:spLocks noGrp="1"/>
+          </p:cNvSpPr>
+          <p:nvPr>
+            <p:ph sz="half" idx="2"/>
+          </p:nvPr>
+        </p:nvSpPr>
+        <p:spPr/>
+        <p:txBody>
+          <a:bodyPr>
+            <a:normAutofit fontScale="47500" lnSpcReduction="20000"/>
+          </a:bodyPr>
+          <a:lstStyle/>
+          <a:p>
+            <a:r>
+              <a:rPr lang="en-US" dirty="0"/>
+              <a:t>United Kingdom</a:t>
+            </a:r>
+          </a:p>
+          <a:p>
+            <a:r>
+              <a:rPr lang="en-US" dirty="0"/>
+              <a:t>Oman</a:t>
+            </a:r>
+          </a:p>
+          <a:p>
+            <a:r>
+              <a:rPr lang="en-US" dirty="0"/>
+              <a:t>Singapore</a:t>
+            </a:r>
+          </a:p>
+          <a:p>
+            <a:r>
+              <a:rPr lang="en-US" dirty="0"/>
+              <a:t>Germany</a:t>
+            </a:r>
+          </a:p>
+          <a:p>
+            <a:r>
+              <a:rPr lang="en-US" dirty="0"/>
+              <a:t>Qatar</a:t>
+            </a:r>
+          </a:p>
+          <a:p>
+            <a:r>
+              <a:rPr lang="en-US" dirty="0"/>
+              <a:t>France</a:t>
+            </a:r>
+          </a:p>
+          <a:p>
+            <a:r>
+              <a:rPr lang="en-US" dirty="0"/>
+              <a:t>Uruguay</a:t>
+            </a:r>
+          </a:p>
+          <a:p>
+            <a:r>
+              <a:rPr lang="en-US" dirty="0"/>
+              <a:t>Saudi Arabia</a:t>
+            </a:r>
+          </a:p>
+          <a:p>
+            <a:r>
+              <a:rPr lang="en-US" dirty="0"/>
+              <a:t>Malta</a:t>
+            </a:r>
+          </a:p>
+          <a:p>
+            <a:r>
+              <a:rPr lang="en-US" dirty="0"/>
+              <a:t>Kuwait</a:t>
+            </a:r>
+          </a:p>
+          <a:p>
+            <a:r>
+              <a:rPr lang="en-US" dirty="0"/>
+              <a:t>Uzbekistan</a:t>
+            </a:r>
+          </a:p>
+          <a:p>
+            <a:r>
+              <a:rPr lang="en-US" dirty="0"/>
+              <a:t>Japan</a:t>
+            </a:r>
+          </a:p>
+          <a:p>
+            <a:r>
+              <a:rPr lang="en-US" dirty="0"/>
+              <a:t>Bahrain</a:t>
+            </a:r>
+          </a:p>
+          <a:p>
+            <a:r>
+              <a:rPr lang="en-US" dirty="0"/>
+              <a:t>Turkmenistan</a:t>
+            </a:r>
+          </a:p>
+          <a:p>
+            <a:r>
+              <a:rPr lang="en-US" dirty="0"/>
+              <a:t>Hong Kong</a:t>
+            </a:r>
+          </a:p>
+          <a:p>
+            <a:endParaRPr lang="en-US" dirty="0"/>
+          </a:p>
+        </p:txBody>
+      </p:sp>
+      <p:sp>
+        <p:nvSpPr>
+          <p:cNvPr id="3" name="Slide Number Placeholder 2"/>
           <p:cNvSpPr>
             <a:spLocks noGrp="1"/>
           </p:cNvSpPr>
@@ -28795,7 +31006,7 @@
     </p:spTree>
     <p:extLst>
       <p:ext uri="{BB962C8B-B14F-4D97-AF65-F5344CB8AC3E}">
-        <p14:creationId xmlns:p14="http://schemas.microsoft.com/office/powerpoint/2010/main" val="3258779374"/>
+        <p14:creationId xmlns:p14="http://schemas.microsoft.com/office/powerpoint/2010/main" val="4271845171"/>
       </p:ext>
     </p:extLst>
   </p:cSld>
@@ -28847,99 +31058,32 @@
       </p:sp>
       <p:sp>
         <p:nvSpPr>
-          <p:cNvPr id="3" name="Content Placeholder 2"/>
+          <p:cNvPr id="3" name="Text Placeholder 2"/>
           <p:cNvSpPr>
             <a:spLocks noGrp="1"/>
           </p:cNvSpPr>
           <p:nvPr>
-            <p:ph idx="1"/>
+            <p:ph type="body" idx="1"/>
           </p:nvPr>
         </p:nvSpPr>
         <p:spPr/>
         <p:txBody>
           <a:bodyPr>
-            <a:normAutofit lnSpcReduction="10000"/>
+            <a:normAutofit/>
           </a:bodyPr>
           <a:lstStyle/>
           <a:p>
             <a:r>
-              <a:rPr lang="en-US" dirty="0"/>
-              <a:t>High-level framework for deep learning</a:t>
-            </a:r>
-          </a:p>
-          <a:p>
-            <a:r>
-              <a:rPr lang="en-US" dirty="0" err="1"/>
-              <a:t>TensorFlow</a:t>
-            </a:r>
-            <a:r>
-              <a:rPr lang="en-US" dirty="0"/>
-              <a:t> backend</a:t>
-            </a:r>
-          </a:p>
-          <a:p>
-            <a:r>
-              <a:rPr lang="en-US" dirty="0"/>
-              <a:t>Layer types</a:t>
-            </a:r>
-          </a:p>
-          <a:p>
-            <a:pPr lvl="1"/>
-            <a:r>
-              <a:rPr lang="en-US" dirty="0"/>
-              <a:t>dense</a:t>
-            </a:r>
-          </a:p>
-          <a:p>
-            <a:pPr lvl="1"/>
-            <a:r>
-              <a:rPr lang="en-US" dirty="0"/>
-              <a:t>convolutional</a:t>
-            </a:r>
-          </a:p>
-          <a:p>
-            <a:pPr lvl="1"/>
-            <a:r>
-              <a:rPr lang="en-US" dirty="0"/>
-              <a:t>pooling</a:t>
-            </a:r>
-          </a:p>
-          <a:p>
-            <a:pPr lvl="1"/>
-            <a:r>
-              <a:rPr lang="en-US" dirty="0"/>
-              <a:t>embedding</a:t>
-            </a:r>
-          </a:p>
-          <a:p>
-            <a:pPr lvl="1"/>
-            <a:r>
-              <a:rPr lang="en-US" dirty="0"/>
-              <a:t>recurrent</a:t>
-            </a:r>
-          </a:p>
-          <a:p>
-            <a:pPr lvl="1"/>
-            <a:r>
-              <a:rPr lang="en-US" dirty="0"/>
-              <a:t>activation</a:t>
-            </a:r>
-          </a:p>
-          <a:p>
-            <a:pPr lvl="1"/>
-            <a:r>
-              <a:rPr lang="en-US" dirty="0"/>
-              <a:t>…</a:t>
-            </a:r>
-          </a:p>
-          <a:p>
-            <a:r>
-              <a:rPr lang="en-US" dirty="0">
+              <a:rPr lang="en-GB" sz="1800" dirty="0">
                 <a:hlinkClick r:id="rId2"/>
               </a:rPr>
-              <a:t>https://keras.io/</a:t>
-            </a:r>
-            <a:endParaRPr lang="en-US" dirty="0"/>
+              <a:t>https://github.com/gjbex/Python-for-machine-learning/tree/master/source-code/keras</a:t>
+            </a:r>
+            <a:r>
+              <a:rPr lang="en-GB" sz="1800" dirty="0"/>
+              <a:t> </a:t>
+            </a:r>
+            <a:endParaRPr lang="en-US" sz="2400" dirty="0"/>
           </a:p>
         </p:txBody>
       </p:sp>
@@ -28961,6 +31105,180 @@
             <a:fld id="{5A209D72-2E9D-49B0-8977-41DCCC66C0BB}" type="slidenum">
               <a:rPr lang="nl-BE" smtClean="0"/>
               <a:t>46</a:t>
+            </a:fld>
+            <a:endParaRPr lang="nl-BE"/>
+          </a:p>
+        </p:txBody>
+      </p:sp>
+    </p:spTree>
+    <p:extLst>
+      <p:ext uri="{BB962C8B-B14F-4D97-AF65-F5344CB8AC3E}">
+        <p14:creationId xmlns:p14="http://schemas.microsoft.com/office/powerpoint/2010/main" val="3258779374"/>
+      </p:ext>
+    </p:extLst>
+  </p:cSld>
+  <p:clrMapOvr>
+    <a:masterClrMapping/>
+  </p:clrMapOvr>
+</p:sld>
+</file>
+
+<file path=ppt/slides/slide47.xml><?xml version="1.0" encoding="utf-8"?>
+<p:sld xmlns:a="http://schemas.openxmlformats.org/drawingml/2006/main" xmlns:r="http://schemas.openxmlformats.org/officeDocument/2006/relationships" xmlns:p="http://schemas.openxmlformats.org/presentationml/2006/main">
+  <p:cSld>
+    <p:spTree>
+      <p:nvGrpSpPr>
+        <p:cNvPr id="1" name=""/>
+        <p:cNvGrpSpPr/>
+        <p:nvPr/>
+      </p:nvGrpSpPr>
+      <p:grpSpPr>
+        <a:xfrm>
+          <a:off x="0" y="0"/>
+          <a:ext cx="0" cy="0"/>
+          <a:chOff x="0" y="0"/>
+          <a:chExt cx="0" cy="0"/>
+        </a:xfrm>
+      </p:grpSpPr>
+      <p:sp>
+        <p:nvSpPr>
+          <p:cNvPr id="2" name="Title 1"/>
+          <p:cNvSpPr>
+            <a:spLocks noGrp="1"/>
+          </p:cNvSpPr>
+          <p:nvPr>
+            <p:ph type="title"/>
+          </p:nvPr>
+        </p:nvSpPr>
+        <p:spPr/>
+        <p:txBody>
+          <a:bodyPr/>
+          <a:lstStyle/>
+          <a:p>
+            <a:r>
+              <a:rPr lang="en-US" dirty="0" err="1"/>
+              <a:t>Keras</a:t>
+            </a:r>
+            <a:endParaRPr lang="en-US" dirty="0"/>
+          </a:p>
+        </p:txBody>
+      </p:sp>
+      <p:sp>
+        <p:nvSpPr>
+          <p:cNvPr id="3" name="Content Placeholder 2"/>
+          <p:cNvSpPr>
+            <a:spLocks noGrp="1"/>
+          </p:cNvSpPr>
+          <p:nvPr>
+            <p:ph idx="1"/>
+          </p:nvPr>
+        </p:nvSpPr>
+        <p:spPr/>
+        <p:txBody>
+          <a:bodyPr>
+            <a:normAutofit lnSpcReduction="10000"/>
+          </a:bodyPr>
+          <a:lstStyle/>
+          <a:p>
+            <a:r>
+              <a:rPr lang="en-US" dirty="0"/>
+              <a:t>High-level framework for deep learning</a:t>
+            </a:r>
+          </a:p>
+          <a:p>
+            <a:r>
+              <a:rPr lang="en-US" dirty="0" err="1"/>
+              <a:t>TensorFlow</a:t>
+            </a:r>
+            <a:r>
+              <a:rPr lang="en-US" dirty="0"/>
+              <a:t> backend</a:t>
+            </a:r>
+          </a:p>
+          <a:p>
+            <a:r>
+              <a:rPr lang="en-US" dirty="0"/>
+              <a:t>Layer types</a:t>
+            </a:r>
+          </a:p>
+          <a:p>
+            <a:pPr lvl="1"/>
+            <a:r>
+              <a:rPr lang="en-US" dirty="0"/>
+              <a:t>dense</a:t>
+            </a:r>
+          </a:p>
+          <a:p>
+            <a:pPr lvl="1"/>
+            <a:r>
+              <a:rPr lang="en-US" dirty="0"/>
+              <a:t>convolutional</a:t>
+            </a:r>
+          </a:p>
+          <a:p>
+            <a:pPr lvl="1"/>
+            <a:r>
+              <a:rPr lang="en-US" dirty="0"/>
+              <a:t>pooling</a:t>
+            </a:r>
+          </a:p>
+          <a:p>
+            <a:pPr lvl="1"/>
+            <a:r>
+              <a:rPr lang="en-US" dirty="0"/>
+              <a:t>embedding</a:t>
+            </a:r>
+          </a:p>
+          <a:p>
+            <a:pPr lvl="1"/>
+            <a:r>
+              <a:rPr lang="en-US" dirty="0"/>
+              <a:t>recurrent</a:t>
+            </a:r>
+          </a:p>
+          <a:p>
+            <a:pPr lvl="1"/>
+            <a:r>
+              <a:rPr lang="en-US" dirty="0"/>
+              <a:t>activation</a:t>
+            </a:r>
+          </a:p>
+          <a:p>
+            <a:pPr lvl="1"/>
+            <a:r>
+              <a:rPr lang="en-US" dirty="0"/>
+              <a:t>…</a:t>
+            </a:r>
+          </a:p>
+          <a:p>
+            <a:r>
+              <a:rPr lang="en-US" dirty="0">
+                <a:hlinkClick r:id="rId2"/>
+              </a:rPr>
+              <a:t>https://keras.io/</a:t>
+            </a:r>
+            <a:endParaRPr lang="en-US" dirty="0"/>
+          </a:p>
+        </p:txBody>
+      </p:sp>
+      <p:sp>
+        <p:nvSpPr>
+          <p:cNvPr id="4" name="Slide Number Placeholder 3"/>
+          <p:cNvSpPr>
+            <a:spLocks noGrp="1"/>
+          </p:cNvSpPr>
+          <p:nvPr>
+            <p:ph type="sldNum" sz="quarter" idx="12"/>
+          </p:nvPr>
+        </p:nvSpPr>
+        <p:spPr/>
+        <p:txBody>
+          <a:bodyPr/>
+          <a:lstStyle/>
+          <a:p>
+            <a:fld id="{5A209D72-2E9D-49B0-8977-41DCCC66C0BB}" type="slidenum">
+              <a:rPr lang="nl-BE" smtClean="0"/>
+              <a:t>47</a:t>
             </a:fld>
             <a:endParaRPr lang="nl-BE"/>
           </a:p>
@@ -29549,7 +31867,7 @@
 </p:sld>
 </file>
 
-<file path=ppt/slides/slide47.xml><?xml version="1.0" encoding="utf-8"?>
+<file path=ppt/slides/slide48.xml><?xml version="1.0" encoding="utf-8"?>
 <p:sld xmlns:a="http://schemas.openxmlformats.org/drawingml/2006/main" xmlns:r="http://schemas.openxmlformats.org/officeDocument/2006/relationships" xmlns:p="http://schemas.openxmlformats.org/presentationml/2006/main">
   <p:cSld>
     <p:spTree>
@@ -29606,7 +31924,7 @@
           <a:p>
             <a:fld id="{A2912448-FEEC-49E8-9588-2DF1F90D57C2}" type="slidenum">
               <a:rPr lang="en-US" smtClean="0"/>
-              <a:t>47</a:t>
+              <a:t>48</a:t>
             </a:fld>
             <a:endParaRPr lang="en-US"/>
           </a:p>
@@ -32179,7 +34497,7 @@
 </p:sld>
 </file>
 
-<file path=ppt/slides/slide48.xml><?xml version="1.0" encoding="utf-8"?>
+<file path=ppt/slides/slide49.xml><?xml version="1.0" encoding="utf-8"?>
 <p:sld xmlns:a="http://schemas.openxmlformats.org/drawingml/2006/main" xmlns:r="http://schemas.openxmlformats.org/officeDocument/2006/relationships" xmlns:p="http://schemas.openxmlformats.org/presentationml/2006/main">
   <p:cSld>
     <p:spTree>
@@ -32236,7 +34554,7 @@
           <a:p>
             <a:fld id="{A2912448-FEEC-49E8-9588-2DF1F90D57C2}" type="slidenum">
               <a:rPr lang="en-US" smtClean="0"/>
-              <a:t>48</a:t>
+              <a:t>49</a:t>
             </a:fld>
             <a:endParaRPr lang="en-US"/>
           </a:p>
@@ -32422,575 +34740,6 @@
     </p:tnLst>
     <p:bldLst>
       <p:bldP spid="10" grpId="0" animBg="1"/>
-    </p:bldLst>
-  </p:timing>
-</p:sld>
-</file>
-
-<file path=ppt/slides/slide49.xml><?xml version="1.0" encoding="utf-8"?>
-<p:sld xmlns:a="http://schemas.openxmlformats.org/drawingml/2006/main" xmlns:r="http://schemas.openxmlformats.org/officeDocument/2006/relationships" xmlns:p="http://schemas.openxmlformats.org/presentationml/2006/main">
-  <p:cSld>
-    <p:spTree>
-      <p:nvGrpSpPr>
-        <p:cNvPr id="1" name=""/>
-        <p:cNvGrpSpPr/>
-        <p:nvPr/>
-      </p:nvGrpSpPr>
-      <p:grpSpPr>
-        <a:xfrm>
-          <a:off x="0" y="0"/>
-          <a:ext cx="0" cy="0"/>
-          <a:chOff x="0" y="0"/>
-          <a:chExt cx="0" cy="0"/>
-        </a:xfrm>
-      </p:grpSpPr>
-      <p:sp>
-        <p:nvSpPr>
-          <p:cNvPr id="2" name="Title 1"/>
-          <p:cNvSpPr>
-            <a:spLocks noGrp="1"/>
-          </p:cNvSpPr>
-          <p:nvPr>
-            <p:ph type="title"/>
-          </p:nvPr>
-        </p:nvSpPr>
-        <p:spPr/>
-        <p:txBody>
-          <a:bodyPr/>
-          <a:lstStyle/>
-          <a:p>
-            <a:r>
-              <a:rPr lang="en-BE" dirty="0"/>
-              <a:t>Training: backpropagation</a:t>
-            </a:r>
-            <a:endParaRPr lang="en-US" dirty="0"/>
-          </a:p>
-        </p:txBody>
-      </p:sp>
-      <p:sp>
-        <p:nvSpPr>
-          <p:cNvPr id="3" name="Content Placeholder 2"/>
-          <p:cNvSpPr>
-            <a:spLocks noGrp="1"/>
-          </p:cNvSpPr>
-          <p:nvPr>
-            <p:ph idx="1"/>
-          </p:nvPr>
-        </p:nvSpPr>
-        <p:spPr/>
-        <p:txBody>
-          <a:bodyPr/>
-          <a:lstStyle/>
-          <a:p>
-            <a:r>
-              <a:rPr lang="en-BE" dirty="0"/>
-              <a:t>Initialize weights </a:t>
-            </a:r>
-            <a:r>
-              <a:rPr lang="en-US" dirty="0"/>
-              <a:t>"</a:t>
-            </a:r>
-            <a:r>
-              <a:rPr lang="en-BE" dirty="0"/>
-              <a:t>randomly</a:t>
-            </a:r>
-            <a:r>
-              <a:rPr lang="en-US" dirty="0"/>
-              <a:t>"</a:t>
-            </a:r>
-            <a:endParaRPr lang="en-BE" dirty="0"/>
-          </a:p>
-          <a:p>
-            <a:r>
-              <a:rPr lang="en-BE" dirty="0"/>
-              <a:t>For all training epochs</a:t>
-            </a:r>
-          </a:p>
-          <a:p>
-            <a:pPr lvl="1"/>
-            <a:r>
-              <a:rPr lang="en-BE" sz="2800" dirty="0"/>
-              <a:t>for all input-output in training set</a:t>
-            </a:r>
-          </a:p>
-          <a:p>
-            <a:pPr lvl="2"/>
-            <a:r>
-              <a:rPr lang="en-BE" sz="2800" dirty="0"/>
-              <a:t>using input, compute output (forward)</a:t>
-            </a:r>
-          </a:p>
-          <a:p>
-            <a:pPr lvl="2"/>
-            <a:r>
-              <a:rPr lang="en-BE" sz="2800" dirty="0"/>
-              <a:t>compare computed output with training output</a:t>
-            </a:r>
-            <a:r>
-              <a:rPr lang="en-US" sz="2800" dirty="0"/>
-              <a:t> (loss function)</a:t>
-            </a:r>
-            <a:endParaRPr lang="en-BE" sz="2800" dirty="0"/>
-          </a:p>
-          <a:p>
-            <a:pPr lvl="2"/>
-            <a:r>
-              <a:rPr lang="en-BE" sz="2800" dirty="0"/>
-              <a:t>adapt weights (backward) to improve output</a:t>
-            </a:r>
-          </a:p>
-          <a:p>
-            <a:pPr lvl="1"/>
-            <a:r>
-              <a:rPr lang="en-BE" sz="3200" dirty="0"/>
-              <a:t>if accuracy is good enough, stop</a:t>
-            </a:r>
-            <a:endParaRPr lang="en-US" sz="3200" dirty="0"/>
-          </a:p>
-        </p:txBody>
-      </p:sp>
-      <p:sp>
-        <p:nvSpPr>
-          <p:cNvPr id="4" name="Slide Number Placeholder 3"/>
-          <p:cNvSpPr>
-            <a:spLocks noGrp="1"/>
-          </p:cNvSpPr>
-          <p:nvPr>
-            <p:ph type="sldNum" sz="quarter" idx="12"/>
-          </p:nvPr>
-        </p:nvSpPr>
-        <p:spPr/>
-        <p:txBody>
-          <a:bodyPr/>
-          <a:lstStyle/>
-          <a:p>
-            <a:fld id="{5A209D72-2E9D-49B0-8977-41DCCC66C0BB}" type="slidenum">
-              <a:rPr lang="nl-BE" smtClean="0"/>
-              <a:t>49</a:t>
-            </a:fld>
-            <a:endParaRPr lang="nl-BE"/>
-          </a:p>
-        </p:txBody>
-      </p:sp>
-      <p:pic>
-        <p:nvPicPr>
-          <p:cNvPr id="13314" name="Picture 2" descr="Gradient descent stuck at local minima"/>
-          <p:cNvPicPr>
-            <a:picLocks noChangeAspect="1" noChangeArrowheads="1"/>
-          </p:cNvPicPr>
-          <p:nvPr/>
-        </p:nvPicPr>
-        <p:blipFill>
-          <a:blip r:embed="rId2">
-            <a:extLst>
-              <a:ext uri="{28A0092B-C50C-407E-A947-70E740481C1C}">
-                <a14:useLocalDpi xmlns:a14="http://schemas.microsoft.com/office/drawing/2010/main" val="0"/>
-              </a:ext>
-            </a:extLst>
-          </a:blip>
-          <a:srcRect/>
-          <a:stretch>
-            <a:fillRect/>
-          </a:stretch>
-        </p:blipFill>
-        <p:spPr bwMode="auto">
-          <a:xfrm>
-            <a:off x="8778238" y="1350713"/>
-            <a:ext cx="2467701" cy="1850776"/>
-          </a:xfrm>
-          <a:prstGeom prst="rect">
-            <a:avLst/>
-          </a:prstGeom>
-          <a:noFill/>
-          <a:extLst>
-            <a:ext uri="{909E8E84-426E-40DD-AFC4-6F175D3DCCD1}">
-              <a14:hiddenFill xmlns:a14="http://schemas.microsoft.com/office/drawing/2010/main">
-                <a:solidFill>
-                  <a:srgbClr val="FFFFFF"/>
-                </a:solidFill>
-              </a14:hiddenFill>
-            </a:ext>
-          </a:extLst>
-        </p:spPr>
-      </p:pic>
-    </p:spTree>
-    <p:extLst>
-      <p:ext uri="{BB962C8B-B14F-4D97-AF65-F5344CB8AC3E}">
-        <p14:creationId xmlns:p14="http://schemas.microsoft.com/office/powerpoint/2010/main" val="675779554"/>
-      </p:ext>
-    </p:extLst>
-  </p:cSld>
-  <p:clrMapOvr>
-    <a:masterClrMapping/>
-  </p:clrMapOvr>
-  <p:timing>
-    <p:tnLst>
-      <p:par>
-        <p:cTn id="1" dur="indefinite" restart="never" nodeType="tmRoot">
-          <p:childTnLst>
-            <p:seq concurrent="1" nextAc="seek">
-              <p:cTn id="2" dur="indefinite" nodeType="mainSeq">
-                <p:childTnLst>
-                  <p:par>
-                    <p:cTn id="3" fill="hold">
-                      <p:stCondLst>
-                        <p:cond delay="indefinite"/>
-                        <p:cond evt="onBegin" delay="0">
-                          <p:tn val="2"/>
-                        </p:cond>
-                      </p:stCondLst>
-                      <p:childTnLst>
-                        <p:par>
-                          <p:cTn id="4" fill="hold">
-                            <p:stCondLst>
-                              <p:cond delay="0"/>
-                            </p:stCondLst>
-                            <p:childTnLst>
-                              <p:par>
-                                <p:cTn id="5" presetID="1" presetClass="entr" presetSubtype="0" fill="hold" grpId="0" nodeType="withEffect">
-                                  <p:stCondLst>
-                                    <p:cond delay="0"/>
-                                  </p:stCondLst>
-                                  <p:childTnLst>
-                                    <p:set>
-                                      <p:cBhvr>
-                                        <p:cTn id="6" dur="1" fill="hold">
-                                          <p:stCondLst>
-                                            <p:cond delay="0"/>
-                                          </p:stCondLst>
-                                        </p:cTn>
-                                        <p:tgtEl>
-                                          <p:spTgt spid="3">
-                                            <p:txEl>
-                                              <p:pRg st="0" end="0"/>
-                                            </p:txEl>
-                                          </p:spTgt>
-                                        </p:tgtEl>
-                                        <p:attrNameLst>
-                                          <p:attrName>style.visibility</p:attrName>
-                                        </p:attrNameLst>
-                                      </p:cBhvr>
-                                      <p:to>
-                                        <p:strVal val="visible"/>
-                                      </p:to>
-                                    </p:set>
-                                  </p:childTnLst>
-                                </p:cTn>
-                              </p:par>
-                            </p:childTnLst>
-                          </p:cTn>
-                        </p:par>
-                      </p:childTnLst>
-                    </p:cTn>
-                  </p:par>
-                  <p:par>
-                    <p:cTn id="7" fill="hold">
-                      <p:stCondLst>
-                        <p:cond delay="indefinite"/>
-                      </p:stCondLst>
-                      <p:childTnLst>
-                        <p:par>
-                          <p:cTn id="8" fill="hold">
-                            <p:stCondLst>
-                              <p:cond delay="0"/>
-                            </p:stCondLst>
-                            <p:childTnLst>
-                              <p:par>
-                                <p:cTn id="9" presetID="1" presetClass="entr" presetSubtype="0" fill="hold" grpId="0" nodeType="clickEffect">
-                                  <p:stCondLst>
-                                    <p:cond delay="0"/>
-                                  </p:stCondLst>
-                                  <p:childTnLst>
-                                    <p:set>
-                                      <p:cBhvr>
-                                        <p:cTn id="10" dur="1" fill="hold">
-                                          <p:stCondLst>
-                                            <p:cond delay="0"/>
-                                          </p:stCondLst>
-                                        </p:cTn>
-                                        <p:tgtEl>
-                                          <p:spTgt spid="3">
-                                            <p:txEl>
-                                              <p:pRg st="1" end="1"/>
-                                            </p:txEl>
-                                          </p:spTgt>
-                                        </p:tgtEl>
-                                        <p:attrNameLst>
-                                          <p:attrName>style.visibility</p:attrName>
-                                        </p:attrNameLst>
-                                      </p:cBhvr>
-                                      <p:to>
-                                        <p:strVal val="visible"/>
-                                      </p:to>
-                                    </p:set>
-                                  </p:childTnLst>
-                                </p:cTn>
-                              </p:par>
-                            </p:childTnLst>
-                          </p:cTn>
-                        </p:par>
-                      </p:childTnLst>
-                    </p:cTn>
-                  </p:par>
-                  <p:par>
-                    <p:cTn id="11" fill="hold">
-                      <p:stCondLst>
-                        <p:cond delay="indefinite"/>
-                      </p:stCondLst>
-                      <p:childTnLst>
-                        <p:par>
-                          <p:cTn id="12" fill="hold">
-                            <p:stCondLst>
-                              <p:cond delay="0"/>
-                            </p:stCondLst>
-                            <p:childTnLst>
-                              <p:par>
-                                <p:cTn id="13" presetID="1" presetClass="entr" presetSubtype="0" fill="hold" grpId="0" nodeType="clickEffect">
-                                  <p:stCondLst>
-                                    <p:cond delay="0"/>
-                                  </p:stCondLst>
-                                  <p:childTnLst>
-                                    <p:set>
-                                      <p:cBhvr>
-                                        <p:cTn id="14" dur="1" fill="hold">
-                                          <p:stCondLst>
-                                            <p:cond delay="0"/>
-                                          </p:stCondLst>
-                                        </p:cTn>
-                                        <p:tgtEl>
-                                          <p:spTgt spid="3">
-                                            <p:txEl>
-                                              <p:pRg st="2" end="2"/>
-                                            </p:txEl>
-                                          </p:spTgt>
-                                        </p:tgtEl>
-                                        <p:attrNameLst>
-                                          <p:attrName>style.visibility</p:attrName>
-                                        </p:attrNameLst>
-                                      </p:cBhvr>
-                                      <p:to>
-                                        <p:strVal val="visible"/>
-                                      </p:to>
-                                    </p:set>
-                                  </p:childTnLst>
-                                </p:cTn>
-                              </p:par>
-                              <p:par>
-                                <p:cTn id="15" presetID="1" presetClass="entr" presetSubtype="0" fill="hold" grpId="0" nodeType="withEffect">
-                                  <p:stCondLst>
-                                    <p:cond delay="0"/>
-                                  </p:stCondLst>
-                                  <p:childTnLst>
-                                    <p:set>
-                                      <p:cBhvr>
-                                        <p:cTn id="16" dur="1" fill="hold">
-                                          <p:stCondLst>
-                                            <p:cond delay="0"/>
-                                          </p:stCondLst>
-                                        </p:cTn>
-                                        <p:tgtEl>
-                                          <p:spTgt spid="3">
-                                            <p:txEl>
-                                              <p:pRg st="3" end="3"/>
-                                            </p:txEl>
-                                          </p:spTgt>
-                                        </p:tgtEl>
-                                        <p:attrNameLst>
-                                          <p:attrName>style.visibility</p:attrName>
-                                        </p:attrNameLst>
-                                      </p:cBhvr>
-                                      <p:to>
-                                        <p:strVal val="visible"/>
-                                      </p:to>
-                                    </p:set>
-                                  </p:childTnLst>
-                                </p:cTn>
-                              </p:par>
-                              <p:par>
-                                <p:cTn id="17" presetID="1" presetClass="entr" presetSubtype="0" fill="hold" grpId="0" nodeType="withEffect">
-                                  <p:stCondLst>
-                                    <p:cond delay="0"/>
-                                  </p:stCondLst>
-                                  <p:childTnLst>
-                                    <p:set>
-                                      <p:cBhvr>
-                                        <p:cTn id="18" dur="1" fill="hold">
-                                          <p:stCondLst>
-                                            <p:cond delay="0"/>
-                                          </p:stCondLst>
-                                        </p:cTn>
-                                        <p:tgtEl>
-                                          <p:spTgt spid="3">
-                                            <p:txEl>
-                                              <p:pRg st="4" end="4"/>
-                                            </p:txEl>
-                                          </p:spTgt>
-                                        </p:tgtEl>
-                                        <p:attrNameLst>
-                                          <p:attrName>style.visibility</p:attrName>
-                                        </p:attrNameLst>
-                                      </p:cBhvr>
-                                      <p:to>
-                                        <p:strVal val="visible"/>
-                                      </p:to>
-                                    </p:set>
-                                  </p:childTnLst>
-                                </p:cTn>
-                              </p:par>
-                              <p:par>
-                                <p:cTn id="19" presetID="1" presetClass="entr" presetSubtype="0" fill="hold" grpId="0" nodeType="withEffect">
-                                  <p:stCondLst>
-                                    <p:cond delay="0"/>
-                                  </p:stCondLst>
-                                  <p:childTnLst>
-                                    <p:set>
-                                      <p:cBhvr>
-                                        <p:cTn id="20" dur="1" fill="hold">
-                                          <p:stCondLst>
-                                            <p:cond delay="0"/>
-                                          </p:stCondLst>
-                                        </p:cTn>
-                                        <p:tgtEl>
-                                          <p:spTgt spid="3">
-                                            <p:txEl>
-                                              <p:pRg st="5" end="5"/>
-                                            </p:txEl>
-                                          </p:spTgt>
-                                        </p:tgtEl>
-                                        <p:attrNameLst>
-                                          <p:attrName>style.visibility</p:attrName>
-                                        </p:attrNameLst>
-                                      </p:cBhvr>
-                                      <p:to>
-                                        <p:strVal val="visible"/>
-                                      </p:to>
-                                    </p:set>
-                                  </p:childTnLst>
-                                </p:cTn>
-                              </p:par>
-                            </p:childTnLst>
-                          </p:cTn>
-                        </p:par>
-                      </p:childTnLst>
-                    </p:cTn>
-                  </p:par>
-                  <p:par>
-                    <p:cTn id="21" fill="hold">
-                      <p:stCondLst>
-                        <p:cond delay="indefinite"/>
-                      </p:stCondLst>
-                      <p:childTnLst>
-                        <p:par>
-                          <p:cTn id="22" fill="hold">
-                            <p:stCondLst>
-                              <p:cond delay="0"/>
-                            </p:stCondLst>
-                            <p:childTnLst>
-                              <p:par>
-                                <p:cTn id="23" presetID="1" presetClass="entr" presetSubtype="0" fill="hold" grpId="0" nodeType="clickEffect">
-                                  <p:stCondLst>
-                                    <p:cond delay="0"/>
-                                  </p:stCondLst>
-                                  <p:childTnLst>
-                                    <p:set>
-                                      <p:cBhvr>
-                                        <p:cTn id="24" dur="1" fill="hold">
-                                          <p:stCondLst>
-                                            <p:cond delay="0"/>
-                                          </p:stCondLst>
-                                        </p:cTn>
-                                        <p:tgtEl>
-                                          <p:spTgt spid="3">
-                                            <p:txEl>
-                                              <p:pRg st="6" end="6"/>
-                                            </p:txEl>
-                                          </p:spTgt>
-                                        </p:tgtEl>
-                                        <p:attrNameLst>
-                                          <p:attrName>style.visibility</p:attrName>
-                                        </p:attrNameLst>
-                                      </p:cBhvr>
-                                      <p:to>
-                                        <p:strVal val="visible"/>
-                                      </p:to>
-                                    </p:set>
-                                  </p:childTnLst>
-                                </p:cTn>
-                              </p:par>
-                            </p:childTnLst>
-                          </p:cTn>
-                        </p:par>
-                      </p:childTnLst>
-                    </p:cTn>
-                  </p:par>
-                  <p:par>
-                    <p:cTn id="25" fill="hold">
-                      <p:stCondLst>
-                        <p:cond delay="indefinite"/>
-                      </p:stCondLst>
-                      <p:childTnLst>
-                        <p:par>
-                          <p:cTn id="26" fill="hold">
-                            <p:stCondLst>
-                              <p:cond delay="0"/>
-                            </p:stCondLst>
-                            <p:childTnLst>
-                              <p:par>
-                                <p:cTn id="27" presetID="1" presetClass="entr" presetSubtype="0" fill="hold" nodeType="clickEffect">
-                                  <p:stCondLst>
-                                    <p:cond delay="0"/>
-                                  </p:stCondLst>
-                                  <p:childTnLst>
-                                    <p:set>
-                                      <p:cBhvr>
-                                        <p:cTn id="28" dur="1" fill="hold">
-                                          <p:stCondLst>
-                                            <p:cond delay="0"/>
-                                          </p:stCondLst>
-                                        </p:cTn>
-                                        <p:tgtEl>
-                                          <p:spTgt spid="13314"/>
-                                        </p:tgtEl>
-                                        <p:attrNameLst>
-                                          <p:attrName>style.visibility</p:attrName>
-                                        </p:attrNameLst>
-                                      </p:cBhvr>
-                                      <p:to>
-                                        <p:strVal val="visible"/>
-                                      </p:to>
-                                    </p:set>
-                                  </p:childTnLst>
-                                </p:cTn>
-                              </p:par>
-                            </p:childTnLst>
-                          </p:cTn>
-                        </p:par>
-                      </p:childTnLst>
-                    </p:cTn>
-                  </p:par>
-                </p:childTnLst>
-              </p:cTn>
-              <p:prevCondLst>
-                <p:cond evt="onPrev" delay="0">
-                  <p:tgtEl>
-                    <p:sldTgt/>
-                  </p:tgtEl>
-                </p:cond>
-              </p:prevCondLst>
-              <p:nextCondLst>
-                <p:cond evt="onNext" delay="0">
-                  <p:tgtEl>
-                    <p:sldTgt/>
-                  </p:tgtEl>
-                </p:cond>
-              </p:nextCondLst>
-            </p:seq>
-          </p:childTnLst>
-        </p:cTn>
-      </p:par>
-    </p:tnLst>
-    <p:bldLst>
-      <p:bldP spid="3" grpId="0" uiExpand="1" build="p"/>
     </p:bldLst>
   </p:timing>
 </p:sld>
@@ -33660,7 +35409,7 @@
           <a:p>
             <a:r>
               <a:rPr lang="en-BE" dirty="0"/>
-              <a:t>Task: handwritten digit recognition</a:t>
+              <a:t>Training: backpropagation</a:t>
             </a:r>
             <a:endParaRPr lang="en-US" dirty="0"/>
           </a:p>
@@ -33683,43 +35432,68 @@
           <a:p>
             <a:r>
               <a:rPr lang="en-BE" dirty="0"/>
-              <a:t>Input data</a:t>
+              <a:t>Initialize weights </a:t>
+            </a:r>
+            <a:r>
+              <a:rPr lang="en-US" dirty="0"/>
+              <a:t>"</a:t>
+            </a:r>
+            <a:r>
+              <a:rPr lang="en-BE" dirty="0"/>
+              <a:t>randomly</a:t>
+            </a:r>
+            <a:r>
+              <a:rPr lang="en-US" dirty="0"/>
+              <a:t>"</a:t>
+            </a:r>
+            <a:endParaRPr lang="en-BE" dirty="0"/>
+          </a:p>
+          <a:p>
+            <a:r>
+              <a:rPr lang="en-BE" dirty="0"/>
+              <a:t>For all training epochs</a:t>
             </a:r>
           </a:p>
           <a:p>
             <a:pPr lvl="1"/>
             <a:r>
-              <a:rPr lang="en-BE" dirty="0"/>
-              <a:t>grayscale image</a:t>
-            </a:r>
-          </a:p>
-          <a:p>
-            <a:r>
-              <a:rPr lang="en-BE" dirty="0"/>
-              <a:t>Output data</a:t>
+              <a:rPr lang="en-BE" sz="2800" dirty="0"/>
+              <a:t>for all input-output in training set</a:t>
+            </a:r>
+          </a:p>
+          <a:p>
+            <a:pPr lvl="2"/>
+            <a:r>
+              <a:rPr lang="en-BE" sz="2800" dirty="0"/>
+              <a:t>using input, compute output (forward)</a:t>
+            </a:r>
+          </a:p>
+          <a:p>
+            <a:pPr lvl="2"/>
+            <a:r>
+              <a:rPr lang="en-BE" sz="2800" dirty="0"/>
+              <a:t>compare computed output with training output</a:t>
+            </a:r>
+            <a:r>
+              <a:rPr lang="en-US" sz="2800" dirty="0"/>
+              <a:t> (loss function)</a:t>
+            </a:r>
+            <a:endParaRPr lang="en-BE" sz="2800" dirty="0"/>
+          </a:p>
+          <a:p>
+            <a:pPr lvl="2"/>
+            <a:r>
+              <a:rPr lang="en-BE" sz="2800" dirty="0"/>
+              <a:t>adapt weights (backward) to improve output</a:t>
             </a:r>
           </a:p>
           <a:p>
             <a:pPr lvl="1"/>
             <a:r>
-              <a:rPr lang="en-BE" dirty="0"/>
-              <a:t>digit 0, 1, ..., 9</a:t>
-            </a:r>
-          </a:p>
-          <a:p>
-            <a:r>
-              <a:rPr lang="en-BE" dirty="0"/>
-              <a:t>Training examples</a:t>
-            </a:r>
-          </a:p>
-          <a:p>
-            <a:r>
-              <a:rPr lang="en-BE" dirty="0"/>
-              <a:t>Test examples</a:t>
-            </a:r>
-          </a:p>
-          <a:p>
-            <a:endParaRPr lang="en-US" dirty="0"/>
+              <a:rPr lang="en-BE" sz="3200" dirty="0"/>
+              <a:t>if accuracy is good enough, stop</a:t>
+            </a:r>
+            <a:endParaRPr lang="en-US" sz="3200" dirty="0"/>
           </a:p>
         </p:txBody>
       </p:sp>
@@ -33741,6 +35515,550 @@
             <a:fld id="{5A209D72-2E9D-49B0-8977-41DCCC66C0BB}" type="slidenum">
               <a:rPr lang="nl-BE" smtClean="0"/>
               <a:t>50</a:t>
+            </a:fld>
+            <a:endParaRPr lang="nl-BE"/>
+          </a:p>
+        </p:txBody>
+      </p:sp>
+      <p:pic>
+        <p:nvPicPr>
+          <p:cNvPr id="13314" name="Picture 2" descr="Gradient descent stuck at local minima"/>
+          <p:cNvPicPr>
+            <a:picLocks noChangeAspect="1" noChangeArrowheads="1"/>
+          </p:cNvPicPr>
+          <p:nvPr/>
+        </p:nvPicPr>
+        <p:blipFill>
+          <a:blip r:embed="rId2">
+            <a:extLst>
+              <a:ext uri="{28A0092B-C50C-407E-A947-70E740481C1C}">
+                <a14:useLocalDpi xmlns:a14="http://schemas.microsoft.com/office/drawing/2010/main" val="0"/>
+              </a:ext>
+            </a:extLst>
+          </a:blip>
+          <a:srcRect/>
+          <a:stretch>
+            <a:fillRect/>
+          </a:stretch>
+        </p:blipFill>
+        <p:spPr bwMode="auto">
+          <a:xfrm>
+            <a:off x="8778238" y="1350713"/>
+            <a:ext cx="2467701" cy="1850776"/>
+          </a:xfrm>
+          <a:prstGeom prst="rect">
+            <a:avLst/>
+          </a:prstGeom>
+          <a:noFill/>
+          <a:extLst>
+            <a:ext uri="{909E8E84-426E-40DD-AFC4-6F175D3DCCD1}">
+              <a14:hiddenFill xmlns:a14="http://schemas.microsoft.com/office/drawing/2010/main">
+                <a:solidFill>
+                  <a:srgbClr val="FFFFFF"/>
+                </a:solidFill>
+              </a14:hiddenFill>
+            </a:ext>
+          </a:extLst>
+        </p:spPr>
+      </p:pic>
+    </p:spTree>
+    <p:extLst>
+      <p:ext uri="{BB962C8B-B14F-4D97-AF65-F5344CB8AC3E}">
+        <p14:creationId xmlns:p14="http://schemas.microsoft.com/office/powerpoint/2010/main" val="675779554"/>
+      </p:ext>
+    </p:extLst>
+  </p:cSld>
+  <p:clrMapOvr>
+    <a:masterClrMapping/>
+  </p:clrMapOvr>
+  <p:timing>
+    <p:tnLst>
+      <p:par>
+        <p:cTn id="1" dur="indefinite" restart="never" nodeType="tmRoot">
+          <p:childTnLst>
+            <p:seq concurrent="1" nextAc="seek">
+              <p:cTn id="2" dur="indefinite" nodeType="mainSeq">
+                <p:childTnLst>
+                  <p:par>
+                    <p:cTn id="3" fill="hold">
+                      <p:stCondLst>
+                        <p:cond delay="indefinite"/>
+                        <p:cond evt="onBegin" delay="0">
+                          <p:tn val="2"/>
+                        </p:cond>
+                      </p:stCondLst>
+                      <p:childTnLst>
+                        <p:par>
+                          <p:cTn id="4" fill="hold">
+                            <p:stCondLst>
+                              <p:cond delay="0"/>
+                            </p:stCondLst>
+                            <p:childTnLst>
+                              <p:par>
+                                <p:cTn id="5" presetID="1" presetClass="entr" presetSubtype="0" fill="hold" grpId="0" nodeType="withEffect">
+                                  <p:stCondLst>
+                                    <p:cond delay="0"/>
+                                  </p:stCondLst>
+                                  <p:childTnLst>
+                                    <p:set>
+                                      <p:cBhvr>
+                                        <p:cTn id="6" dur="1" fill="hold">
+                                          <p:stCondLst>
+                                            <p:cond delay="0"/>
+                                          </p:stCondLst>
+                                        </p:cTn>
+                                        <p:tgtEl>
+                                          <p:spTgt spid="3">
+                                            <p:txEl>
+                                              <p:pRg st="0" end="0"/>
+                                            </p:txEl>
+                                          </p:spTgt>
+                                        </p:tgtEl>
+                                        <p:attrNameLst>
+                                          <p:attrName>style.visibility</p:attrName>
+                                        </p:attrNameLst>
+                                      </p:cBhvr>
+                                      <p:to>
+                                        <p:strVal val="visible"/>
+                                      </p:to>
+                                    </p:set>
+                                  </p:childTnLst>
+                                </p:cTn>
+                              </p:par>
+                            </p:childTnLst>
+                          </p:cTn>
+                        </p:par>
+                      </p:childTnLst>
+                    </p:cTn>
+                  </p:par>
+                  <p:par>
+                    <p:cTn id="7" fill="hold">
+                      <p:stCondLst>
+                        <p:cond delay="indefinite"/>
+                      </p:stCondLst>
+                      <p:childTnLst>
+                        <p:par>
+                          <p:cTn id="8" fill="hold">
+                            <p:stCondLst>
+                              <p:cond delay="0"/>
+                            </p:stCondLst>
+                            <p:childTnLst>
+                              <p:par>
+                                <p:cTn id="9" presetID="1" presetClass="entr" presetSubtype="0" fill="hold" grpId="0" nodeType="clickEffect">
+                                  <p:stCondLst>
+                                    <p:cond delay="0"/>
+                                  </p:stCondLst>
+                                  <p:childTnLst>
+                                    <p:set>
+                                      <p:cBhvr>
+                                        <p:cTn id="10" dur="1" fill="hold">
+                                          <p:stCondLst>
+                                            <p:cond delay="0"/>
+                                          </p:stCondLst>
+                                        </p:cTn>
+                                        <p:tgtEl>
+                                          <p:spTgt spid="3">
+                                            <p:txEl>
+                                              <p:pRg st="1" end="1"/>
+                                            </p:txEl>
+                                          </p:spTgt>
+                                        </p:tgtEl>
+                                        <p:attrNameLst>
+                                          <p:attrName>style.visibility</p:attrName>
+                                        </p:attrNameLst>
+                                      </p:cBhvr>
+                                      <p:to>
+                                        <p:strVal val="visible"/>
+                                      </p:to>
+                                    </p:set>
+                                  </p:childTnLst>
+                                </p:cTn>
+                              </p:par>
+                            </p:childTnLst>
+                          </p:cTn>
+                        </p:par>
+                      </p:childTnLst>
+                    </p:cTn>
+                  </p:par>
+                  <p:par>
+                    <p:cTn id="11" fill="hold">
+                      <p:stCondLst>
+                        <p:cond delay="indefinite"/>
+                      </p:stCondLst>
+                      <p:childTnLst>
+                        <p:par>
+                          <p:cTn id="12" fill="hold">
+                            <p:stCondLst>
+                              <p:cond delay="0"/>
+                            </p:stCondLst>
+                            <p:childTnLst>
+                              <p:par>
+                                <p:cTn id="13" presetID="1" presetClass="entr" presetSubtype="0" fill="hold" grpId="0" nodeType="clickEffect">
+                                  <p:stCondLst>
+                                    <p:cond delay="0"/>
+                                  </p:stCondLst>
+                                  <p:childTnLst>
+                                    <p:set>
+                                      <p:cBhvr>
+                                        <p:cTn id="14" dur="1" fill="hold">
+                                          <p:stCondLst>
+                                            <p:cond delay="0"/>
+                                          </p:stCondLst>
+                                        </p:cTn>
+                                        <p:tgtEl>
+                                          <p:spTgt spid="3">
+                                            <p:txEl>
+                                              <p:pRg st="2" end="2"/>
+                                            </p:txEl>
+                                          </p:spTgt>
+                                        </p:tgtEl>
+                                        <p:attrNameLst>
+                                          <p:attrName>style.visibility</p:attrName>
+                                        </p:attrNameLst>
+                                      </p:cBhvr>
+                                      <p:to>
+                                        <p:strVal val="visible"/>
+                                      </p:to>
+                                    </p:set>
+                                  </p:childTnLst>
+                                </p:cTn>
+                              </p:par>
+                              <p:par>
+                                <p:cTn id="15" presetID="1" presetClass="entr" presetSubtype="0" fill="hold" grpId="0" nodeType="withEffect">
+                                  <p:stCondLst>
+                                    <p:cond delay="0"/>
+                                  </p:stCondLst>
+                                  <p:childTnLst>
+                                    <p:set>
+                                      <p:cBhvr>
+                                        <p:cTn id="16" dur="1" fill="hold">
+                                          <p:stCondLst>
+                                            <p:cond delay="0"/>
+                                          </p:stCondLst>
+                                        </p:cTn>
+                                        <p:tgtEl>
+                                          <p:spTgt spid="3">
+                                            <p:txEl>
+                                              <p:pRg st="3" end="3"/>
+                                            </p:txEl>
+                                          </p:spTgt>
+                                        </p:tgtEl>
+                                        <p:attrNameLst>
+                                          <p:attrName>style.visibility</p:attrName>
+                                        </p:attrNameLst>
+                                      </p:cBhvr>
+                                      <p:to>
+                                        <p:strVal val="visible"/>
+                                      </p:to>
+                                    </p:set>
+                                  </p:childTnLst>
+                                </p:cTn>
+                              </p:par>
+                              <p:par>
+                                <p:cTn id="17" presetID="1" presetClass="entr" presetSubtype="0" fill="hold" grpId="0" nodeType="withEffect">
+                                  <p:stCondLst>
+                                    <p:cond delay="0"/>
+                                  </p:stCondLst>
+                                  <p:childTnLst>
+                                    <p:set>
+                                      <p:cBhvr>
+                                        <p:cTn id="18" dur="1" fill="hold">
+                                          <p:stCondLst>
+                                            <p:cond delay="0"/>
+                                          </p:stCondLst>
+                                        </p:cTn>
+                                        <p:tgtEl>
+                                          <p:spTgt spid="3">
+                                            <p:txEl>
+                                              <p:pRg st="4" end="4"/>
+                                            </p:txEl>
+                                          </p:spTgt>
+                                        </p:tgtEl>
+                                        <p:attrNameLst>
+                                          <p:attrName>style.visibility</p:attrName>
+                                        </p:attrNameLst>
+                                      </p:cBhvr>
+                                      <p:to>
+                                        <p:strVal val="visible"/>
+                                      </p:to>
+                                    </p:set>
+                                  </p:childTnLst>
+                                </p:cTn>
+                              </p:par>
+                              <p:par>
+                                <p:cTn id="19" presetID="1" presetClass="entr" presetSubtype="0" fill="hold" grpId="0" nodeType="withEffect">
+                                  <p:stCondLst>
+                                    <p:cond delay="0"/>
+                                  </p:stCondLst>
+                                  <p:childTnLst>
+                                    <p:set>
+                                      <p:cBhvr>
+                                        <p:cTn id="20" dur="1" fill="hold">
+                                          <p:stCondLst>
+                                            <p:cond delay="0"/>
+                                          </p:stCondLst>
+                                        </p:cTn>
+                                        <p:tgtEl>
+                                          <p:spTgt spid="3">
+                                            <p:txEl>
+                                              <p:pRg st="5" end="5"/>
+                                            </p:txEl>
+                                          </p:spTgt>
+                                        </p:tgtEl>
+                                        <p:attrNameLst>
+                                          <p:attrName>style.visibility</p:attrName>
+                                        </p:attrNameLst>
+                                      </p:cBhvr>
+                                      <p:to>
+                                        <p:strVal val="visible"/>
+                                      </p:to>
+                                    </p:set>
+                                  </p:childTnLst>
+                                </p:cTn>
+                              </p:par>
+                            </p:childTnLst>
+                          </p:cTn>
+                        </p:par>
+                      </p:childTnLst>
+                    </p:cTn>
+                  </p:par>
+                  <p:par>
+                    <p:cTn id="21" fill="hold">
+                      <p:stCondLst>
+                        <p:cond delay="indefinite"/>
+                      </p:stCondLst>
+                      <p:childTnLst>
+                        <p:par>
+                          <p:cTn id="22" fill="hold">
+                            <p:stCondLst>
+                              <p:cond delay="0"/>
+                            </p:stCondLst>
+                            <p:childTnLst>
+                              <p:par>
+                                <p:cTn id="23" presetID="1" presetClass="entr" presetSubtype="0" fill="hold" grpId="0" nodeType="clickEffect">
+                                  <p:stCondLst>
+                                    <p:cond delay="0"/>
+                                  </p:stCondLst>
+                                  <p:childTnLst>
+                                    <p:set>
+                                      <p:cBhvr>
+                                        <p:cTn id="24" dur="1" fill="hold">
+                                          <p:stCondLst>
+                                            <p:cond delay="0"/>
+                                          </p:stCondLst>
+                                        </p:cTn>
+                                        <p:tgtEl>
+                                          <p:spTgt spid="3">
+                                            <p:txEl>
+                                              <p:pRg st="6" end="6"/>
+                                            </p:txEl>
+                                          </p:spTgt>
+                                        </p:tgtEl>
+                                        <p:attrNameLst>
+                                          <p:attrName>style.visibility</p:attrName>
+                                        </p:attrNameLst>
+                                      </p:cBhvr>
+                                      <p:to>
+                                        <p:strVal val="visible"/>
+                                      </p:to>
+                                    </p:set>
+                                  </p:childTnLst>
+                                </p:cTn>
+                              </p:par>
+                            </p:childTnLst>
+                          </p:cTn>
+                        </p:par>
+                      </p:childTnLst>
+                    </p:cTn>
+                  </p:par>
+                  <p:par>
+                    <p:cTn id="25" fill="hold">
+                      <p:stCondLst>
+                        <p:cond delay="indefinite"/>
+                      </p:stCondLst>
+                      <p:childTnLst>
+                        <p:par>
+                          <p:cTn id="26" fill="hold">
+                            <p:stCondLst>
+                              <p:cond delay="0"/>
+                            </p:stCondLst>
+                            <p:childTnLst>
+                              <p:par>
+                                <p:cTn id="27" presetID="1" presetClass="entr" presetSubtype="0" fill="hold" nodeType="clickEffect">
+                                  <p:stCondLst>
+                                    <p:cond delay="0"/>
+                                  </p:stCondLst>
+                                  <p:childTnLst>
+                                    <p:set>
+                                      <p:cBhvr>
+                                        <p:cTn id="28" dur="1" fill="hold">
+                                          <p:stCondLst>
+                                            <p:cond delay="0"/>
+                                          </p:stCondLst>
+                                        </p:cTn>
+                                        <p:tgtEl>
+                                          <p:spTgt spid="13314"/>
+                                        </p:tgtEl>
+                                        <p:attrNameLst>
+                                          <p:attrName>style.visibility</p:attrName>
+                                        </p:attrNameLst>
+                                      </p:cBhvr>
+                                      <p:to>
+                                        <p:strVal val="visible"/>
+                                      </p:to>
+                                    </p:set>
+                                  </p:childTnLst>
+                                </p:cTn>
+                              </p:par>
+                            </p:childTnLst>
+                          </p:cTn>
+                        </p:par>
+                      </p:childTnLst>
+                    </p:cTn>
+                  </p:par>
+                </p:childTnLst>
+              </p:cTn>
+              <p:prevCondLst>
+                <p:cond evt="onPrev" delay="0">
+                  <p:tgtEl>
+                    <p:sldTgt/>
+                  </p:tgtEl>
+                </p:cond>
+              </p:prevCondLst>
+              <p:nextCondLst>
+                <p:cond evt="onNext" delay="0">
+                  <p:tgtEl>
+                    <p:sldTgt/>
+                  </p:tgtEl>
+                </p:cond>
+              </p:nextCondLst>
+            </p:seq>
+          </p:childTnLst>
+        </p:cTn>
+      </p:par>
+    </p:tnLst>
+    <p:bldLst>
+      <p:bldP spid="3" grpId="0" uiExpand="1" build="p"/>
+    </p:bldLst>
+  </p:timing>
+</p:sld>
+</file>
+
+<file path=ppt/slides/slide51.xml><?xml version="1.0" encoding="utf-8"?>
+<p:sld xmlns:a="http://schemas.openxmlformats.org/drawingml/2006/main" xmlns:r="http://schemas.openxmlformats.org/officeDocument/2006/relationships" xmlns:p="http://schemas.openxmlformats.org/presentationml/2006/main">
+  <p:cSld>
+    <p:spTree>
+      <p:nvGrpSpPr>
+        <p:cNvPr id="1" name=""/>
+        <p:cNvGrpSpPr/>
+        <p:nvPr/>
+      </p:nvGrpSpPr>
+      <p:grpSpPr>
+        <a:xfrm>
+          <a:off x="0" y="0"/>
+          <a:ext cx="0" cy="0"/>
+          <a:chOff x="0" y="0"/>
+          <a:chExt cx="0" cy="0"/>
+        </a:xfrm>
+      </p:grpSpPr>
+      <p:sp>
+        <p:nvSpPr>
+          <p:cNvPr id="2" name="Title 1"/>
+          <p:cNvSpPr>
+            <a:spLocks noGrp="1"/>
+          </p:cNvSpPr>
+          <p:nvPr>
+            <p:ph type="title"/>
+          </p:nvPr>
+        </p:nvSpPr>
+        <p:spPr/>
+        <p:txBody>
+          <a:bodyPr/>
+          <a:lstStyle/>
+          <a:p>
+            <a:r>
+              <a:rPr lang="en-BE" dirty="0"/>
+              <a:t>Task: handwritten digit recognition</a:t>
+            </a:r>
+            <a:endParaRPr lang="en-US" dirty="0"/>
+          </a:p>
+        </p:txBody>
+      </p:sp>
+      <p:sp>
+        <p:nvSpPr>
+          <p:cNvPr id="3" name="Content Placeholder 2"/>
+          <p:cNvSpPr>
+            <a:spLocks noGrp="1"/>
+          </p:cNvSpPr>
+          <p:nvPr>
+            <p:ph idx="1"/>
+          </p:nvPr>
+        </p:nvSpPr>
+        <p:spPr/>
+        <p:txBody>
+          <a:bodyPr/>
+          <a:lstStyle/>
+          <a:p>
+            <a:r>
+              <a:rPr lang="en-BE" dirty="0"/>
+              <a:t>Input data</a:t>
+            </a:r>
+          </a:p>
+          <a:p>
+            <a:pPr lvl="1"/>
+            <a:r>
+              <a:rPr lang="en-BE" dirty="0"/>
+              <a:t>grayscale image</a:t>
+            </a:r>
+          </a:p>
+          <a:p>
+            <a:r>
+              <a:rPr lang="en-BE" dirty="0"/>
+              <a:t>Output data</a:t>
+            </a:r>
+          </a:p>
+          <a:p>
+            <a:pPr lvl="1"/>
+            <a:r>
+              <a:rPr lang="en-BE" dirty="0"/>
+              <a:t>digit 0, 1, ..., 9</a:t>
+            </a:r>
+          </a:p>
+          <a:p>
+            <a:r>
+              <a:rPr lang="en-BE" dirty="0"/>
+              <a:t>Training examples</a:t>
+            </a:r>
+          </a:p>
+          <a:p>
+            <a:r>
+              <a:rPr lang="en-BE" dirty="0"/>
+              <a:t>Test examples</a:t>
+            </a:r>
+          </a:p>
+          <a:p>
+            <a:endParaRPr lang="en-US" dirty="0"/>
+          </a:p>
+        </p:txBody>
+      </p:sp>
+      <p:sp>
+        <p:nvSpPr>
+          <p:cNvPr id="4" name="Slide Number Placeholder 3"/>
+          <p:cNvSpPr>
+            <a:spLocks noGrp="1"/>
+          </p:cNvSpPr>
+          <p:nvPr>
+            <p:ph type="sldNum" sz="quarter" idx="12"/>
+          </p:nvPr>
+        </p:nvSpPr>
+        <p:spPr/>
+        <p:txBody>
+          <a:bodyPr/>
+          <a:lstStyle/>
+          <a:p>
+            <a:fld id="{5A209D72-2E9D-49B0-8977-41DCCC66C0BB}" type="slidenum">
+              <a:rPr lang="nl-BE" smtClean="0"/>
+              <a:t>51</a:t>
             </a:fld>
             <a:endParaRPr lang="nl-BE"/>
           </a:p>
@@ -34140,7 +36458,7 @@
 </p:sld>
 </file>
 
-<file path=ppt/slides/slide51.xml><?xml version="1.0" encoding="utf-8"?>
+<file path=ppt/slides/slide52.xml><?xml version="1.0" encoding="utf-8"?>
 <p:sld xmlns:a="http://schemas.openxmlformats.org/drawingml/2006/main" xmlns:r="http://schemas.openxmlformats.org/officeDocument/2006/relationships" xmlns:p="http://schemas.openxmlformats.org/presentationml/2006/main">
   <p:cSld>
     <p:spTree>
@@ -34349,7 +36667,7 @@
           <a:p>
             <a:fld id="{CF5A1C33-475D-474A-A037-DDAF3DC7AF09}" type="slidenum">
               <a:rPr lang="en-US" smtClean="0"/>
-              <a:t>51</a:t>
+              <a:t>52</a:t>
             </a:fld>
             <a:endParaRPr lang="en-US"/>
           </a:p>
@@ -35432,7 +37750,7 @@
 </p:sld>
 </file>
 
-<file path=ppt/slides/slide52.xml><?xml version="1.0" encoding="utf-8"?>
+<file path=ppt/slides/slide53.xml><?xml version="1.0" encoding="utf-8"?>
 <p:sld xmlns:a="http://schemas.openxmlformats.org/drawingml/2006/main" xmlns:r="http://schemas.openxmlformats.org/officeDocument/2006/relationships" xmlns:p="http://schemas.openxmlformats.org/presentationml/2006/main">
   <p:cSld>
     <p:spTree>
@@ -35580,7 +37898,7 @@
           <a:p>
             <a:fld id="{5A209D72-2E9D-49B0-8977-41DCCC66C0BB}" type="slidenum">
               <a:rPr lang="nl-BE" smtClean="0"/>
-              <a:t>52</a:t>
+              <a:t>53</a:t>
             </a:fld>
             <a:endParaRPr lang="nl-BE"/>
           </a:p>
@@ -36041,7 +38359,7 @@
 </p:sld>
 </file>
 
-<file path=ppt/slides/slide53.xml><?xml version="1.0" encoding="utf-8"?>
+<file path=ppt/slides/slide54.xml><?xml version="1.0" encoding="utf-8"?>
 <p:sld xmlns:a="http://schemas.openxmlformats.org/drawingml/2006/main" xmlns:r="http://schemas.openxmlformats.org/officeDocument/2006/relationships" xmlns:p="http://schemas.openxmlformats.org/presentationml/2006/main">
   <p:cSld>
     <p:spTree>
@@ -36098,7 +38416,7 @@
           <a:p>
             <a:fld id="{5A209D72-2E9D-49B0-8977-41DCCC66C0BB}" type="slidenum">
               <a:rPr lang="nl-BE" smtClean="0"/>
-              <a:t>53</a:t>
+              <a:t>54</a:t>
             </a:fld>
             <a:endParaRPr lang="nl-BE"/>
           </a:p>
@@ -36592,7 +38910,7 @@
 </p:sld>
 </file>
 
-<file path=ppt/slides/slide54.xml><?xml version="1.0" encoding="utf-8"?>
+<file path=ppt/slides/slide55.xml><?xml version="1.0" encoding="utf-8"?>
 <p:sld xmlns:a="http://schemas.openxmlformats.org/drawingml/2006/main" xmlns:r="http://schemas.openxmlformats.org/officeDocument/2006/relationships" xmlns:p="http://schemas.openxmlformats.org/presentationml/2006/main">
   <p:cSld>
     <p:spTree>
@@ -36649,7 +38967,7 @@
           <a:p>
             <a:fld id="{A2912448-FEEC-49E8-9588-2DF1F90D57C2}" type="slidenum">
               <a:rPr lang="en-US" smtClean="0"/>
-              <a:t>54</a:t>
+              <a:t>55</a:t>
             </a:fld>
             <a:endParaRPr lang="en-US"/>
           </a:p>
@@ -38776,7 +41094,7 @@
 </p:sld>
 </file>
 
-<file path=ppt/slides/slide55.xml><?xml version="1.0" encoding="utf-8"?>
+<file path=ppt/slides/slide56.xml><?xml version="1.0" encoding="utf-8"?>
 <p:sld xmlns:a="http://schemas.openxmlformats.org/drawingml/2006/main" xmlns:r="http://schemas.openxmlformats.org/officeDocument/2006/relationships" xmlns:p="http://schemas.openxmlformats.org/presentationml/2006/main">
   <p:cSld>
     <p:spTree>
@@ -38991,7 +41309,7 @@
           <a:p>
             <a:fld id="{CF5A1C33-475D-474A-A037-DDAF3DC7AF09}" type="slidenum">
               <a:rPr lang="en-US" smtClean="0"/>
-              <a:t>55</a:t>
+              <a:t>56</a:t>
             </a:fld>
             <a:endParaRPr lang="en-US"/>
           </a:p>
@@ -39967,7 +42285,7 @@
 </p:sld>
 </file>
 
-<file path=ppt/slides/slide56.xml><?xml version="1.0" encoding="utf-8"?>
+<file path=ppt/slides/slide57.xml><?xml version="1.0" encoding="utf-8"?>
 <p:sld xmlns:a="http://schemas.openxmlformats.org/drawingml/2006/main" xmlns:r="http://schemas.openxmlformats.org/officeDocument/2006/relationships" xmlns:p="http://schemas.openxmlformats.org/presentationml/2006/main">
   <p:cSld>
     <p:spTree>
@@ -40078,7 +42396,7 @@
           <a:p>
             <a:fld id="{5A209D72-2E9D-49B0-8977-41DCCC66C0BB}" type="slidenum">
               <a:rPr lang="nl-BE" smtClean="0"/>
-              <a:t>56</a:t>
+              <a:t>57</a:t>
             </a:fld>
             <a:endParaRPr lang="nl-BE"/>
           </a:p>
@@ -40788,7 +43106,7 @@
 </p:sld>
 </file>
 
-<file path=ppt/slides/slide57.xml><?xml version="1.0" encoding="utf-8"?>
+<file path=ppt/slides/slide58.xml><?xml version="1.0" encoding="utf-8"?>
 <p:sld xmlns:a="http://schemas.openxmlformats.org/drawingml/2006/main" xmlns:r="http://schemas.openxmlformats.org/officeDocument/2006/relationships" xmlns:p="http://schemas.openxmlformats.org/presentationml/2006/main">
   <p:cSld>
     <p:spTree>
@@ -40980,7 +43298,7 @@
           <a:p>
             <a:fld id="{CF5A1C33-475D-474A-A037-DDAF3DC7AF09}" type="slidenum">
               <a:rPr lang="en-US" smtClean="0"/>
-              <a:t>57</a:t>
+              <a:t>58</a:t>
             </a:fld>
             <a:endParaRPr lang="en-US"/>
           </a:p>
@@ -41489,7 +43807,7 @@
 </p:sld>
 </file>
 
-<file path=ppt/slides/slide58.xml><?xml version="1.0" encoding="utf-8"?>
+<file path=ppt/slides/slide59.xml><?xml version="1.0" encoding="utf-8"?>
 <p:sld xmlns:a="http://schemas.openxmlformats.org/drawingml/2006/main" xmlns:r="http://schemas.openxmlformats.org/officeDocument/2006/relationships" xmlns:p="http://schemas.openxmlformats.org/presentationml/2006/main">
   <p:cSld>
     <p:spTree>
@@ -41640,7 +43958,7 @@
           <a:p>
             <a:fld id="{CF5A1C33-475D-474A-A037-DDAF3DC7AF09}" type="slidenum">
               <a:rPr lang="en-US" smtClean="0"/>
-              <a:t>58</a:t>
+              <a:t>59</a:t>
             </a:fld>
             <a:endParaRPr lang="en-US"/>
           </a:p>
@@ -42076,7 +44394,7 @@
 </p:sld>
 </file>
 
-<file path=ppt/slides/slide59.xml><?xml version="1.0" encoding="utf-8"?>
+<file path=ppt/slides/slide6.xml><?xml version="1.0" encoding="utf-8"?>
 <p:sld xmlns:a="http://schemas.openxmlformats.org/drawingml/2006/main" xmlns:r="http://schemas.openxmlformats.org/officeDocument/2006/relationships" xmlns:p="http://schemas.openxmlformats.org/presentationml/2006/main">
   <p:cSld>
     <p:spTree>
@@ -42110,6 +44428,151 @@
           <a:p>
             <a:r>
               <a:rPr lang="en-US" dirty="0"/>
+              <a:t>Regression</a:t>
+            </a:r>
+          </a:p>
+        </p:txBody>
+      </p:sp>
+      <p:sp>
+        <p:nvSpPr>
+          <p:cNvPr id="4" name="Text Placeholder 3"/>
+          <p:cNvSpPr>
+            <a:spLocks noGrp="1"/>
+          </p:cNvSpPr>
+          <p:nvPr>
+            <p:ph type="body" sz="half" idx="2"/>
+          </p:nvPr>
+        </p:nvSpPr>
+        <p:spPr/>
+        <p:txBody>
+          <a:bodyPr/>
+          <a:lstStyle/>
+          <a:p>
+            <a:r>
+              <a:rPr lang="en-US" dirty="0"/>
+              <a:t>Colorize B&amp;W images automatically</a:t>
+            </a:r>
+          </a:p>
+          <a:p>
+            <a:r>
+              <a:rPr lang="en-US" dirty="0">
+                <a:hlinkClick r:id="rId2"/>
+              </a:rPr>
+              <a:t>https://tinyclouds.org/colorize/</a:t>
+            </a:r>
+            <a:endParaRPr lang="en-US" dirty="0"/>
+          </a:p>
+        </p:txBody>
+      </p:sp>
+      <p:sp>
+        <p:nvSpPr>
+          <p:cNvPr id="5" name="Slide Number Placeholder 4"/>
+          <p:cNvSpPr>
+            <a:spLocks noGrp="1"/>
+          </p:cNvSpPr>
+          <p:nvPr>
+            <p:ph type="sldNum" sz="quarter" idx="12"/>
+          </p:nvPr>
+        </p:nvSpPr>
+        <p:spPr/>
+        <p:txBody>
+          <a:bodyPr/>
+          <a:lstStyle/>
+          <a:p>
+            <a:fld id="{CF5A1C33-475D-474A-A037-DDAF3DC7AF09}" type="slidenum">
+              <a:rPr lang="en-US" smtClean="0"/>
+              <a:t>6</a:t>
+            </a:fld>
+            <a:endParaRPr lang="en-US"/>
+          </a:p>
+        </p:txBody>
+      </p:sp>
+      <p:pic>
+        <p:nvPicPr>
+          <p:cNvPr id="1028" name="Picture 4" descr="Colorization of Black and White Photographs"/>
+          <p:cNvPicPr>
+            <a:picLocks noGrp="1" noChangeAspect="1" noChangeArrowheads="1"/>
+          </p:cNvPicPr>
+          <p:nvPr>
+            <p:ph type="pic" idx="1"/>
+          </p:nvPr>
+        </p:nvPicPr>
+        <p:blipFill>
+          <a:blip r:embed="rId3">
+            <a:extLst>
+              <a:ext uri="{28A0092B-C50C-407E-A947-70E740481C1C}">
+                <a14:useLocalDpi xmlns:a14="http://schemas.microsoft.com/office/drawing/2010/main" val="0"/>
+              </a:ext>
+            </a:extLst>
+          </a:blip>
+          <a:srcRect l="6201" r="6201"/>
+          <a:stretch>
+            <a:fillRect/>
+          </a:stretch>
+        </p:blipFill>
+        <p:spPr bwMode="auto">
+          <a:prstGeom prst="rect">
+            <a:avLst/>
+          </a:prstGeom>
+          <a:noFill/>
+          <a:extLst>
+            <a:ext uri="{909E8E84-426E-40DD-AFC4-6F175D3DCCD1}">
+              <a14:hiddenFill xmlns:a14="http://schemas.microsoft.com/office/drawing/2010/main">
+                <a:solidFill>
+                  <a:srgbClr val="FFFFFF"/>
+                </a:solidFill>
+              </a14:hiddenFill>
+            </a:ext>
+          </a:extLst>
+        </p:spPr>
+      </p:pic>
+    </p:spTree>
+    <p:extLst>
+      <p:ext uri="{BB962C8B-B14F-4D97-AF65-F5344CB8AC3E}">
+        <p14:creationId xmlns:p14="http://schemas.microsoft.com/office/powerpoint/2010/main" val="3625121773"/>
+      </p:ext>
+    </p:extLst>
+  </p:cSld>
+  <p:clrMapOvr>
+    <a:masterClrMapping/>
+  </p:clrMapOvr>
+</p:sld>
+</file>
+
+<file path=ppt/slides/slide60.xml><?xml version="1.0" encoding="utf-8"?>
+<p:sld xmlns:a="http://schemas.openxmlformats.org/drawingml/2006/main" xmlns:r="http://schemas.openxmlformats.org/officeDocument/2006/relationships" xmlns:p="http://schemas.openxmlformats.org/presentationml/2006/main">
+  <p:cSld>
+    <p:spTree>
+      <p:nvGrpSpPr>
+        <p:cNvPr id="1" name=""/>
+        <p:cNvGrpSpPr/>
+        <p:nvPr/>
+      </p:nvGrpSpPr>
+      <p:grpSpPr>
+        <a:xfrm>
+          <a:off x="0" y="0"/>
+          <a:ext cx="0" cy="0"/>
+          <a:chOff x="0" y="0"/>
+          <a:chExt cx="0" cy="0"/>
+        </a:xfrm>
+      </p:grpSpPr>
+      <p:sp>
+        <p:nvSpPr>
+          <p:cNvPr id="2" name="Title 1"/>
+          <p:cNvSpPr>
+            <a:spLocks noGrp="1"/>
+          </p:cNvSpPr>
+          <p:nvPr>
+            <p:ph type="title"/>
+          </p:nvPr>
+        </p:nvSpPr>
+        <p:spPr/>
+        <p:txBody>
+          <a:bodyPr/>
+          <a:lstStyle/>
+          <a:p>
+            <a:r>
+              <a:rPr lang="en-US" dirty="0"/>
               <a:t>Gated Recurrent Unit (GRU)</a:t>
             </a:r>
           </a:p>
@@ -42218,7 +44681,7 @@
           <a:p>
             <a:fld id="{5A209D72-2E9D-49B0-8977-41DCCC66C0BB}" type="slidenum">
               <a:rPr lang="nl-BE" smtClean="0"/>
-              <a:t>59</a:t>
+              <a:t>60</a:t>
             </a:fld>
             <a:endParaRPr lang="nl-BE"/>
           </a:p>
@@ -43657,7 +46120,7 @@
 </p:sld>
 </file>
 
-<file path=ppt/slides/slide6.xml><?xml version="1.0" encoding="utf-8"?>
+<file path=ppt/slides/slide61.xml><?xml version="1.0" encoding="utf-8"?>
 <p:sld xmlns:a="http://schemas.openxmlformats.org/drawingml/2006/main" xmlns:r="http://schemas.openxmlformats.org/officeDocument/2006/relationships" xmlns:p="http://schemas.openxmlformats.org/presentationml/2006/main">
   <p:cSld>
     <p:spTree>
@@ -43691,151 +46154,6 @@
           <a:p>
             <a:r>
               <a:rPr lang="en-US" dirty="0"/>
-              <a:t>Regression</a:t>
-            </a:r>
-          </a:p>
-        </p:txBody>
-      </p:sp>
-      <p:sp>
-        <p:nvSpPr>
-          <p:cNvPr id="4" name="Text Placeholder 3"/>
-          <p:cNvSpPr>
-            <a:spLocks noGrp="1"/>
-          </p:cNvSpPr>
-          <p:nvPr>
-            <p:ph type="body" sz="half" idx="2"/>
-          </p:nvPr>
-        </p:nvSpPr>
-        <p:spPr/>
-        <p:txBody>
-          <a:bodyPr/>
-          <a:lstStyle/>
-          <a:p>
-            <a:r>
-              <a:rPr lang="en-US" dirty="0"/>
-              <a:t>Colorize B&amp;W images automatically</a:t>
-            </a:r>
-          </a:p>
-          <a:p>
-            <a:r>
-              <a:rPr lang="en-US" dirty="0">
-                <a:hlinkClick r:id="rId2"/>
-              </a:rPr>
-              <a:t>https://tinyclouds.org/colorize/</a:t>
-            </a:r>
-            <a:endParaRPr lang="en-US" dirty="0"/>
-          </a:p>
-        </p:txBody>
-      </p:sp>
-      <p:sp>
-        <p:nvSpPr>
-          <p:cNvPr id="5" name="Slide Number Placeholder 4"/>
-          <p:cNvSpPr>
-            <a:spLocks noGrp="1"/>
-          </p:cNvSpPr>
-          <p:nvPr>
-            <p:ph type="sldNum" sz="quarter" idx="12"/>
-          </p:nvPr>
-        </p:nvSpPr>
-        <p:spPr/>
-        <p:txBody>
-          <a:bodyPr/>
-          <a:lstStyle/>
-          <a:p>
-            <a:fld id="{CF5A1C33-475D-474A-A037-DDAF3DC7AF09}" type="slidenum">
-              <a:rPr lang="en-US" smtClean="0"/>
-              <a:t>6</a:t>
-            </a:fld>
-            <a:endParaRPr lang="en-US"/>
-          </a:p>
-        </p:txBody>
-      </p:sp>
-      <p:pic>
-        <p:nvPicPr>
-          <p:cNvPr id="1028" name="Picture 4" descr="Colorization of Black and White Photographs"/>
-          <p:cNvPicPr>
-            <a:picLocks noGrp="1" noChangeAspect="1" noChangeArrowheads="1"/>
-          </p:cNvPicPr>
-          <p:nvPr>
-            <p:ph type="pic" idx="1"/>
-          </p:nvPr>
-        </p:nvPicPr>
-        <p:blipFill>
-          <a:blip r:embed="rId3">
-            <a:extLst>
-              <a:ext uri="{28A0092B-C50C-407E-A947-70E740481C1C}">
-                <a14:useLocalDpi xmlns:a14="http://schemas.microsoft.com/office/drawing/2010/main" val="0"/>
-              </a:ext>
-            </a:extLst>
-          </a:blip>
-          <a:srcRect l="6201" r="6201"/>
-          <a:stretch>
-            <a:fillRect/>
-          </a:stretch>
-        </p:blipFill>
-        <p:spPr bwMode="auto">
-          <a:prstGeom prst="rect">
-            <a:avLst/>
-          </a:prstGeom>
-          <a:noFill/>
-          <a:extLst>
-            <a:ext uri="{909E8E84-426E-40DD-AFC4-6F175D3DCCD1}">
-              <a14:hiddenFill xmlns:a14="http://schemas.microsoft.com/office/drawing/2010/main">
-                <a:solidFill>
-                  <a:srgbClr val="FFFFFF"/>
-                </a:solidFill>
-              </a14:hiddenFill>
-            </a:ext>
-          </a:extLst>
-        </p:spPr>
-      </p:pic>
-    </p:spTree>
-    <p:extLst>
-      <p:ext uri="{BB962C8B-B14F-4D97-AF65-F5344CB8AC3E}">
-        <p14:creationId xmlns:p14="http://schemas.microsoft.com/office/powerpoint/2010/main" val="3625121773"/>
-      </p:ext>
-    </p:extLst>
-  </p:cSld>
-  <p:clrMapOvr>
-    <a:masterClrMapping/>
-  </p:clrMapOvr>
-</p:sld>
-</file>
-
-<file path=ppt/slides/slide60.xml><?xml version="1.0" encoding="utf-8"?>
-<p:sld xmlns:a="http://schemas.openxmlformats.org/drawingml/2006/main" xmlns:r="http://schemas.openxmlformats.org/officeDocument/2006/relationships" xmlns:p="http://schemas.openxmlformats.org/presentationml/2006/main">
-  <p:cSld>
-    <p:spTree>
-      <p:nvGrpSpPr>
-        <p:cNvPr id="1" name=""/>
-        <p:cNvGrpSpPr/>
-        <p:nvPr/>
-      </p:nvGrpSpPr>
-      <p:grpSpPr>
-        <a:xfrm>
-          <a:off x="0" y="0"/>
-          <a:ext cx="0" cy="0"/>
-          <a:chOff x="0" y="0"/>
-          <a:chExt cx="0" cy="0"/>
-        </a:xfrm>
-      </p:grpSpPr>
-      <p:sp>
-        <p:nvSpPr>
-          <p:cNvPr id="2" name="Title 1"/>
-          <p:cNvSpPr>
-            <a:spLocks noGrp="1"/>
-          </p:cNvSpPr>
-          <p:nvPr>
-            <p:ph type="title"/>
-          </p:nvPr>
-        </p:nvSpPr>
-        <p:spPr/>
-        <p:txBody>
-          <a:bodyPr/>
-          <a:lstStyle/>
-          <a:p>
-            <a:r>
-              <a:rPr lang="en-US" dirty="0"/>
               <a:t>A</a:t>
             </a:r>
             <a:r>
@@ -44047,7 +46365,7 @@
           <a:p>
             <a:fld id="{CF5A1C33-475D-474A-A037-DDAF3DC7AF09}" type="slidenum">
               <a:rPr lang="en-US" smtClean="0"/>
-              <a:t>60</a:t>
+              <a:t>61</a:t>
             </a:fld>
             <a:endParaRPr lang="en-US"/>
           </a:p>
@@ -44579,7 +46897,7 @@
 </p:sld>
 </file>
 
-<file path=ppt/slides/slide61.xml><?xml version="1.0" encoding="utf-8"?>
+<file path=ppt/slides/slide62.xml><?xml version="1.0" encoding="utf-8"?>
 <p:sld xmlns:a="http://schemas.openxmlformats.org/drawingml/2006/main" xmlns:r="http://schemas.openxmlformats.org/officeDocument/2006/relationships" xmlns:p="http://schemas.openxmlformats.org/presentationml/2006/main">
   <p:cSld>
     <p:spTree>
@@ -44684,7 +47002,7 @@
           <a:p>
             <a:fld id="{5A209D72-2E9D-49B0-8977-41DCCC66C0BB}" type="slidenum">
               <a:rPr lang="nl-BE" smtClean="0"/>
-              <a:t>61</a:t>
+              <a:t>62</a:t>
             </a:fld>
             <a:endParaRPr lang="nl-BE"/>
           </a:p>
@@ -45086,7 +47404,7 @@
 </p:sld>
 </file>
 
-<file path=ppt/slides/slide62.xml><?xml version="1.0" encoding="utf-8"?>
+<file path=ppt/slides/slide63.xml><?xml version="1.0" encoding="utf-8"?>
 <p:sld xmlns:a="http://schemas.openxmlformats.org/drawingml/2006/main" xmlns:r="http://schemas.openxmlformats.org/officeDocument/2006/relationships" xmlns:p="http://schemas.openxmlformats.org/presentationml/2006/main">
   <p:cSld>
     <p:spTree>
@@ -45270,7 +47588,7 @@
           <a:p>
             <a:fld id="{5A209D72-2E9D-49B0-8977-41DCCC66C0BB}" type="slidenum">
               <a:rPr lang="nl-BE" smtClean="0"/>
-              <a:t>62</a:t>
+              <a:t>63</a:t>
             </a:fld>
             <a:endParaRPr lang="nl-BE"/>
           </a:p>
@@ -45774,7 +48092,7 @@
 </p:sld>
 </file>
 
-<file path=ppt/slides/slide63.xml><?xml version="1.0" encoding="utf-8"?>
+<file path=ppt/slides/slide64.xml><?xml version="1.0" encoding="utf-8"?>
 <p:sld xmlns:a="http://schemas.openxmlformats.org/drawingml/2006/main" xmlns:r="http://schemas.openxmlformats.org/officeDocument/2006/relationships" xmlns:p="http://schemas.openxmlformats.org/presentationml/2006/main">
   <p:cSld>
     <p:spTree>
@@ -45912,7 +48230,7 @@
           <a:p>
             <a:fld id="{5A209D72-2E9D-49B0-8977-41DCCC66C0BB}" type="slidenum">
               <a:rPr lang="nl-BE" smtClean="0"/>
-              <a:t>63</a:t>
+              <a:t>64</a:t>
             </a:fld>
             <a:endParaRPr lang="nl-BE"/>
           </a:p>

--- a/python_for_machine_learning.pptx
+++ b/python_for_machine_learning.pptx
@@ -348,7 +348,7 @@
           <a:p>
             <a:fld id="{DBF5F7A3-80FA-4DE8-9E10-D5FD6AAF4E4C}" type="datetimeFigureOut">
               <a:rPr lang="en-US" smtClean="0"/>
-              <a:t>2022-02-17</a:t>
+              <a:t>2025-01-13</a:t>
             </a:fld>
             <a:endParaRPr lang="en-US"/>
           </a:p>
@@ -902,7 +902,7 @@
           <a:p>
             <a:fld id="{12D417FB-DB75-4510-8AD7-5416595AADD8}" type="datetime1">
               <a:rPr lang="en-US" smtClean="0"/>
-              <a:t>2022-02-17</a:t>
+              <a:t>2025-01-13</a:t>
             </a:fld>
             <a:endParaRPr lang="en-US"/>
           </a:p>
@@ -3270,7 +3270,7 @@
           <a:p>
             <a:fld id="{EC448E59-F64F-416B-85C7-F58EA54BAF31}" type="datetime1">
               <a:rPr lang="nl-BE" smtClean="0"/>
-              <a:t>17/02/2022</a:t>
+              <a:t>13/01/2025</a:t>
             </a:fld>
             <a:endParaRPr lang="nl-BE"/>
           </a:p>
@@ -3516,7 +3516,7 @@
           <a:p>
             <a:fld id="{9ED5C3B5-60AD-4494-9CFA-8B02B158E887}" type="datetime1">
               <a:rPr lang="nl-BE" smtClean="0"/>
-              <a:t>17/02/2022</a:t>
+              <a:t>13/01/2025</a:t>
             </a:fld>
             <a:endParaRPr lang="nl-BE"/>
           </a:p>
@@ -3634,7 +3634,7 @@
           <a:p>
             <a:fld id="{1E4894A8-27B8-4F4D-B345-90FD4A1447E9}" type="datetime1">
               <a:rPr lang="nl-BE" smtClean="0"/>
-              <a:t>17/02/2022</a:t>
+              <a:t>13/01/2025</a:t>
             </a:fld>
             <a:endParaRPr lang="nl-BE"/>
           </a:p>
@@ -3922,7 +3922,7 @@
           <a:p>
             <a:fld id="{44F0EF99-E673-4972-A23A-EB3FD1F7D254}" type="datetime1">
               <a:rPr lang="nl-BE" smtClean="0"/>
-              <a:t>17/02/2022</a:t>
+              <a:t>13/01/2025</a:t>
             </a:fld>
             <a:endParaRPr lang="nl-BE"/>
           </a:p>
@@ -5672,7 +5672,7 @@
           <a:p>
             <a:r>
               <a:rPr lang="en-US" b="1" dirty="0"/>
-              <a:t>Python for machine learning</a:t>
+              <a:t>Machine learning with Python</a:t>
             </a:r>
             <a:endParaRPr lang="en-US" dirty="0"/>
           </a:p>
@@ -5771,6 +5771,51 @@
           </a:p>
         </p:txBody>
       </p:sp>
+      <p:pic>
+        <p:nvPicPr>
+          <p:cNvPr id="5" name="Picture 4">
+            <a:extLst>
+              <a:ext uri="{FF2B5EF4-FFF2-40B4-BE49-F238E27FC236}">
+                <a16:creationId xmlns:a16="http://schemas.microsoft.com/office/drawing/2014/main" id="{AE8C05AB-73D0-3874-3825-82B44AB8B7DD}"/>
+              </a:ext>
+            </a:extLst>
+          </p:cNvPr>
+          <p:cNvPicPr>
+            <a:picLocks noChangeAspect="1" noChangeArrowheads="1"/>
+          </p:cNvPicPr>
+          <p:nvPr/>
+        </p:nvPicPr>
+        <p:blipFill rotWithShape="1">
+          <a:blip r:embed="rId4" cstate="print">
+            <a:extLst>
+              <a:ext uri="{28A0092B-C50C-407E-A947-70E740481C1C}">
+                <a14:useLocalDpi xmlns:a14="http://schemas.microsoft.com/office/drawing/2010/main" val="0"/>
+              </a:ext>
+            </a:extLst>
+          </a:blip>
+          <a:srcRect b="16829"/>
+          <a:stretch/>
+        </p:blipFill>
+        <p:spPr bwMode="auto">
+          <a:xfrm>
+            <a:off x="467169" y="226357"/>
+            <a:ext cx="1534493" cy="1422699"/>
+          </a:xfrm>
+          <a:prstGeom prst="rect">
+            <a:avLst/>
+          </a:prstGeom>
+          <a:noFill/>
+          <a:extLst>
+            <a:ext uri="{909E8E84-426E-40DD-AFC4-6F175D3DCCD1}">
+              <a14:hiddenFill xmlns:a14="http://schemas.microsoft.com/office/drawing/2010/main">
+                <a:solidFill>
+                  <a:srgbClr val="FFFFFF"/>
+                </a:solidFill>
+              </a14:hiddenFill>
+            </a:ext>
+          </a:extLst>
+        </p:spPr>
+      </p:pic>
     </p:spTree>
     <p:extLst>
       <p:ext uri="{BB962C8B-B14F-4D97-AF65-F5344CB8AC3E}">
@@ -12301,6 +12346,36 @@
           <a:chExt cx="0" cy="0"/>
         </a:xfrm>
       </p:grpSpPr>
+      <p:pic>
+        <p:nvPicPr>
+          <p:cNvPr id="7" name="Picture 6">
+            <a:extLst>
+              <a:ext uri="{FF2B5EF4-FFF2-40B4-BE49-F238E27FC236}">
+                <a16:creationId xmlns:a16="http://schemas.microsoft.com/office/drawing/2014/main" id="{B2CEC010-2C91-4CDD-574B-3CD7EE785D2E}"/>
+              </a:ext>
+            </a:extLst>
+          </p:cNvPr>
+          <p:cNvPicPr>
+            <a:picLocks noChangeAspect="1"/>
+          </p:cNvPicPr>
+          <p:nvPr/>
+        </p:nvPicPr>
+        <p:blipFill>
+          <a:blip r:embed="rId2"/>
+          <a:stretch>
+            <a:fillRect/>
+          </a:stretch>
+        </p:blipFill>
+        <p:spPr>
+          <a:xfrm>
+            <a:off x="3125755" y="104192"/>
+            <a:ext cx="5326224" cy="5326224"/>
+          </a:xfrm>
+          <a:prstGeom prst="rect">
+            <a:avLst/>
+          </a:prstGeom>
+        </p:spPr>
+      </p:pic>
       <p:sp>
         <p:nvSpPr>
           <p:cNvPr id="4" name="Slide Number Placeholder 3"/>
@@ -12338,7 +12413,7 @@
         </p:nvSpPr>
         <p:spPr>
           <a:xfrm>
-            <a:off x="4048805" y="5244860"/>
+            <a:off x="3741672" y="5244860"/>
             <a:ext cx="4094391" cy="584775"/>
           </a:xfrm>
           <a:prstGeom prst="rect">
@@ -12354,9 +12429,9 @@
           <a:p>
             <a:r>
               <a:rPr lang="en-GB" sz="3200" dirty="0">
-                <a:hlinkClick r:id="rId2"/>
+                <a:hlinkClick r:id="rId3"/>
               </a:rPr>
-              <a:t>http://bit.ly/2RYQvSX</a:t>
+              <a:t>https://bit.ly/40h3frb</a:t>
             </a:r>
             <a:r>
               <a:rPr lang="en-GB" sz="3200" dirty="0"/>
@@ -12366,42 +12441,6 @@
           </a:p>
         </p:txBody>
       </p:sp>
-      <p:pic>
-        <p:nvPicPr>
-          <p:cNvPr id="8" name="Picture 7">
-            <a:extLst>
-              <a:ext uri="{FF2B5EF4-FFF2-40B4-BE49-F238E27FC236}">
-                <a16:creationId xmlns:a16="http://schemas.microsoft.com/office/drawing/2014/main" id="{D80566D8-E72D-465B-99AE-C31E8CF7098E}"/>
-              </a:ext>
-            </a:extLst>
-          </p:cNvPr>
-          <p:cNvPicPr>
-            <a:picLocks noChangeAspect="1"/>
-          </p:cNvPicPr>
-          <p:nvPr/>
-        </p:nvPicPr>
-        <p:blipFill>
-          <a:blip r:embed="rId3">
-            <a:extLst>
-              <a:ext uri="{28A0092B-C50C-407E-A947-70E740481C1C}">
-                <a14:useLocalDpi xmlns:a14="http://schemas.microsoft.com/office/drawing/2010/main" val="0"/>
-              </a:ext>
-            </a:extLst>
-          </a:blip>
-          <a:stretch>
-            <a:fillRect/>
-          </a:stretch>
-        </p:blipFill>
-        <p:spPr>
-          <a:xfrm>
-            <a:off x="3537839" y="188349"/>
-            <a:ext cx="5116323" cy="5116323"/>
-          </a:xfrm>
-          <a:prstGeom prst="rect">
-            <a:avLst/>
-          </a:prstGeom>
-        </p:spPr>
-      </p:pic>
     </p:spTree>
     <p:extLst>
       <p:ext uri="{BB962C8B-B14F-4D97-AF65-F5344CB8AC3E}">
@@ -43859,7 +43898,7 @@
         <p:spPr/>
         <p:txBody>
           <a:bodyPr>
-            <a:normAutofit/>
+            <a:normAutofit lnSpcReduction="10000"/>
           </a:bodyPr>
           <a:lstStyle/>
           <a:p>

--- a/python_for_machine_learning.pptx
+++ b/python_for_machine_learning.pptx
@@ -31226,12 +31226,8 @@
           </a:p>
           <a:p>
             <a:r>
-              <a:rPr lang="en-US" dirty="0" err="1"/>
-              <a:t>TensorFlow</a:t>
-            </a:r>
-            <a:r>
               <a:rPr lang="en-US" dirty="0"/>
-              <a:t> backend</a:t>
+              <a:t>Interface within TensorFlow package</a:t>
             </a:r>
           </a:p>
           <a:p>
@@ -31346,8 +31342,8 @@
         </p:blipFill>
         <p:spPr bwMode="auto">
           <a:xfrm>
-            <a:off x="6347150" y="2745856"/>
-            <a:ext cx="4329098" cy="1255438"/>
+            <a:off x="6560351" y="4721289"/>
+            <a:ext cx="3037535" cy="880885"/>
           </a:xfrm>
           <a:prstGeom prst="rect">
             <a:avLst/>
@@ -31426,8 +31422,8 @@
         </p:blipFill>
         <p:spPr bwMode="auto">
           <a:xfrm>
-            <a:off x="8741518" y="3903123"/>
-            <a:ext cx="1773893" cy="1511841"/>
+            <a:off x="4937927" y="2944514"/>
+            <a:ext cx="2479910" cy="2113560"/>
           </a:xfrm>
           <a:prstGeom prst="rect">
             <a:avLst/>
